--- a/docs/mobile_meshviewer_praezi.pptx
+++ b/docs/mobile_meshviewer_praezi.pptx
@@ -11,13 +11,18 @@
     <p:sldId id="259" r:id="rId5"/>
     <p:sldId id="264" r:id="rId6"/>
     <p:sldId id="260" r:id="rId7"/>
-    <p:sldId id="265" r:id="rId8"/>
-    <p:sldId id="267" r:id="rId9"/>
-    <p:sldId id="268" r:id="rId10"/>
-    <p:sldId id="266" r:id="rId11"/>
-    <p:sldId id="269" r:id="rId12"/>
-    <p:sldId id="262" r:id="rId13"/>
-    <p:sldId id="263" r:id="rId14"/>
+    <p:sldId id="274" r:id="rId8"/>
+    <p:sldId id="275" r:id="rId9"/>
+    <p:sldId id="271" r:id="rId10"/>
+    <p:sldId id="265" r:id="rId11"/>
+    <p:sldId id="267" r:id="rId12"/>
+    <p:sldId id="270" r:id="rId13"/>
+    <p:sldId id="268" r:id="rId14"/>
+    <p:sldId id="266" r:id="rId15"/>
+    <p:sldId id="269" r:id="rId16"/>
+    <p:sldId id="262" r:id="rId17"/>
+    <p:sldId id="263" r:id="rId18"/>
+    <p:sldId id="272" r:id="rId19"/>
   </p:sldIdLst>
   <p:sldSz cx="9144000" cy="5143500" type="screen16x9"/>
   <p:notesSz cx="6858000" cy="9144000"/>
@@ -301,7 +306,7 @@
             <a:fld id="{34E84877-5350-4836-9D5A-45258BA98B9F}" type="datetimeFigureOut">
               <a:rPr lang="de-DE" smtClean="0"/>
               <a:pPr/>
-              <a:t>23.05.2016</a:t>
+              <a:t>02.06.2016</a:t>
             </a:fld>
             <a:endParaRPr lang="de-DE"/>
           </a:p>
@@ -468,7 +473,7 @@
             <a:fld id="{34E84877-5350-4836-9D5A-45258BA98B9F}" type="datetimeFigureOut">
               <a:rPr lang="de-DE" smtClean="0"/>
               <a:pPr/>
-              <a:t>23.05.2016</a:t>
+              <a:t>02.06.2016</a:t>
             </a:fld>
             <a:endParaRPr lang="de-DE"/>
           </a:p>
@@ -645,7 +650,7 @@
             <a:fld id="{34E84877-5350-4836-9D5A-45258BA98B9F}" type="datetimeFigureOut">
               <a:rPr lang="de-DE" smtClean="0"/>
               <a:pPr/>
-              <a:t>23.05.2016</a:t>
+              <a:t>02.06.2016</a:t>
             </a:fld>
             <a:endParaRPr lang="de-DE"/>
           </a:p>
@@ -812,7 +817,7 @@
             <a:fld id="{34E84877-5350-4836-9D5A-45258BA98B9F}" type="datetimeFigureOut">
               <a:rPr lang="de-DE" smtClean="0"/>
               <a:pPr/>
-              <a:t>23.05.2016</a:t>
+              <a:t>02.06.2016</a:t>
             </a:fld>
             <a:endParaRPr lang="de-DE"/>
           </a:p>
@@ -1116,7 +1121,7 @@
             <a:fld id="{34E84877-5350-4836-9D5A-45258BA98B9F}" type="datetimeFigureOut">
               <a:rPr lang="de-DE" smtClean="0"/>
               <a:pPr/>
-              <a:t>23.05.2016</a:t>
+              <a:t>02.06.2016</a:t>
             </a:fld>
             <a:endParaRPr lang="de-DE"/>
           </a:p>
@@ -1401,7 +1406,7 @@
             <a:fld id="{34E84877-5350-4836-9D5A-45258BA98B9F}" type="datetimeFigureOut">
               <a:rPr lang="de-DE" smtClean="0"/>
               <a:pPr/>
-              <a:t>23.05.2016</a:t>
+              <a:t>02.06.2016</a:t>
             </a:fld>
             <a:endParaRPr lang="de-DE"/>
           </a:p>
@@ -1820,7 +1825,7 @@
             <a:fld id="{34E84877-5350-4836-9D5A-45258BA98B9F}" type="datetimeFigureOut">
               <a:rPr lang="de-DE" smtClean="0"/>
               <a:pPr/>
-              <a:t>23.05.2016</a:t>
+              <a:t>02.06.2016</a:t>
             </a:fld>
             <a:endParaRPr lang="de-DE"/>
           </a:p>
@@ -1935,7 +1940,7 @@
             <a:fld id="{34E84877-5350-4836-9D5A-45258BA98B9F}" type="datetimeFigureOut">
               <a:rPr lang="de-DE" smtClean="0"/>
               <a:pPr/>
-              <a:t>23.05.2016</a:t>
+              <a:t>02.06.2016</a:t>
             </a:fld>
             <a:endParaRPr lang="de-DE"/>
           </a:p>
@@ -2027,7 +2032,7 @@
             <a:fld id="{34E84877-5350-4836-9D5A-45258BA98B9F}" type="datetimeFigureOut">
               <a:rPr lang="de-DE" smtClean="0"/>
               <a:pPr/>
-              <a:t>23.05.2016</a:t>
+              <a:t>02.06.2016</a:t>
             </a:fld>
             <a:endParaRPr lang="de-DE"/>
           </a:p>
@@ -2301,7 +2306,7 @@
             <a:fld id="{34E84877-5350-4836-9D5A-45258BA98B9F}" type="datetimeFigureOut">
               <a:rPr lang="de-DE" smtClean="0"/>
               <a:pPr/>
-              <a:t>23.05.2016</a:t>
+              <a:t>02.06.2016</a:t>
             </a:fld>
             <a:endParaRPr lang="de-DE"/>
           </a:p>
@@ -2551,7 +2556,7 @@
             <a:fld id="{34E84877-5350-4836-9D5A-45258BA98B9F}" type="datetimeFigureOut">
               <a:rPr lang="de-DE" smtClean="0"/>
               <a:pPr/>
-              <a:t>23.05.2016</a:t>
+              <a:t>02.06.2016</a:t>
             </a:fld>
             <a:endParaRPr lang="de-DE"/>
           </a:p>
@@ -2761,7 +2766,7 @@
             <a:fld id="{34E84877-5350-4836-9D5A-45258BA98B9F}" type="datetimeFigureOut">
               <a:rPr lang="de-DE" smtClean="0"/>
               <a:pPr/>
-              <a:t>23.05.2016</a:t>
+              <a:t>02.06.2016</a:t>
             </a:fld>
             <a:endParaRPr lang="de-DE"/>
           </a:p>
@@ -3286,42 +3291,106 @@
         </p:nvSpPr>
         <p:spPr/>
         <p:txBody>
+          <a:bodyPr/>
+          <a:lstStyle/>
+          <a:p>
+            <a:r>
+              <a:rPr lang="de-DE" dirty="0" smtClean="0"/>
+              <a:t>Verwendete Frameworks</a:t>
+            </a:r>
+            <a:endParaRPr lang="de-DE" dirty="0"/>
+          </a:p>
+        </p:txBody>
+      </p:sp>
+      <p:sp>
+        <p:nvSpPr>
+          <p:cNvPr id="3" name="Inhaltsplatzhalter 2"/>
+          <p:cNvSpPr>
+            <a:spLocks noGrp="1"/>
+          </p:cNvSpPr>
+          <p:nvPr>
+            <p:ph idx="1"/>
+          </p:nvPr>
+        </p:nvSpPr>
+        <p:spPr/>
+        <p:txBody>
           <a:bodyPr>
-            <a:normAutofit fontScale="90000"/>
+            <a:normAutofit fontScale="92500" lnSpcReduction="20000"/>
           </a:bodyPr>
           <a:lstStyle/>
           <a:p>
             <a:r>
-              <a:rPr lang="de-DE" dirty="0" smtClean="0"/>
-              <a:t>Themenschwerpunkt Testen</a:t>
-            </a:r>
-            <a:br>
-              <a:rPr lang="de-DE" dirty="0" smtClean="0"/>
-            </a:br>
+              <a:rPr lang="de-DE" dirty="0" err="1" smtClean="0"/>
+              <a:t>Roboguice</a:t>
+            </a:r>
+            <a:endParaRPr lang="de-DE" dirty="0" smtClean="0"/>
+          </a:p>
+          <a:p>
             <a:r>
               <a:rPr lang="de-DE" dirty="0" err="1" smtClean="0"/>
               <a:t>Robolectric</a:t>
             </a:r>
-            <a:endParaRPr lang="de-DE" dirty="0"/>
-          </a:p>
-        </p:txBody>
-      </p:sp>
-      <p:sp>
-        <p:nvSpPr>
-          <p:cNvPr id="3" name="Inhaltsplatzhalter 2"/>
-          <p:cNvSpPr>
-            <a:spLocks noGrp="1"/>
-          </p:cNvSpPr>
-          <p:nvPr>
-            <p:ph idx="1"/>
-          </p:nvPr>
-        </p:nvSpPr>
-        <p:spPr/>
-        <p:txBody>
-          <a:bodyPr>
-            <a:normAutofit/>
-          </a:bodyPr>
-          <a:lstStyle/>
+            <a:endParaRPr lang="de-DE" dirty="0" smtClean="0"/>
+          </a:p>
+          <a:p>
+            <a:r>
+              <a:rPr lang="de-DE" dirty="0" err="1" smtClean="0"/>
+              <a:t>jUnit</a:t>
+            </a:r>
+            <a:endParaRPr lang="de-DE" dirty="0" smtClean="0"/>
+          </a:p>
+          <a:p>
+            <a:r>
+              <a:rPr lang="de-DE" dirty="0" err="1" smtClean="0"/>
+              <a:t>Mockito</a:t>
+            </a:r>
+            <a:endParaRPr lang="de-DE" dirty="0" smtClean="0"/>
+          </a:p>
+          <a:p>
+            <a:r>
+              <a:rPr lang="de-DE" dirty="0" err="1" smtClean="0"/>
+              <a:t>AssertJ</a:t>
+            </a:r>
+            <a:endParaRPr lang="de-DE" dirty="0" smtClean="0"/>
+          </a:p>
+          <a:p>
+            <a:r>
+              <a:rPr lang="de-DE" dirty="0" err="1" smtClean="0">
+                <a:solidFill>
+                  <a:schemeClr val="bg1">
+                    <a:lumMod val="65000"/>
+                  </a:schemeClr>
+                </a:solidFill>
+              </a:rPr>
+              <a:t>Greenrobot</a:t>
+            </a:r>
+            <a:endParaRPr lang="de-DE" dirty="0" smtClean="0">
+              <a:solidFill>
+                <a:schemeClr val="bg1">
+                  <a:lumMod val="65000"/>
+                </a:schemeClr>
+              </a:solidFill>
+            </a:endParaRPr>
+          </a:p>
+          <a:p>
+            <a:r>
+              <a:rPr lang="de-DE" dirty="0" err="1" smtClean="0">
+                <a:solidFill>
+                  <a:schemeClr val="bg1">
+                    <a:lumMod val="65000"/>
+                  </a:schemeClr>
+                </a:solidFill>
+              </a:rPr>
+              <a:t>Guava</a:t>
+            </a:r>
+            <a:endParaRPr lang="de-DE" dirty="0" smtClean="0">
+              <a:solidFill>
+                <a:schemeClr val="bg1">
+                  <a:lumMod val="65000"/>
+                </a:schemeClr>
+              </a:solidFill>
+            </a:endParaRPr>
+          </a:p>
           <a:p>
             <a:endParaRPr lang="de-DE" dirty="0"/>
           </a:p>
@@ -3332,6 +3401,13 @@
   <p:clrMapOvr>
     <a:masterClrMapping/>
   </p:clrMapOvr>
+  <p:timing>
+    <p:tnLst>
+      <p:par>
+        <p:cTn id="1" dur="indefinite" restart="never" nodeType="tmRoot"/>
+      </p:par>
+    </p:tnLst>
+  </p:timing>
 </p:sld>
 </file>
 
@@ -3378,7 +3454,7 @@
             </a:br>
             <a:r>
               <a:rPr lang="de-DE" dirty="0" err="1" smtClean="0"/>
-              <a:t>AssertJ</a:t>
+              <a:t>Roboguice</a:t>
             </a:r>
             <a:endParaRPr lang="de-DE" dirty="0"/>
           </a:p>
@@ -3401,7 +3477,54 @@
           </a:bodyPr>
           <a:lstStyle/>
           <a:p>
+            <a:r>
+              <a:rPr lang="de-DE" dirty="0" smtClean="0"/>
+              <a:t>DI</a:t>
+            </a:r>
             <a:endParaRPr lang="de-DE" dirty="0"/>
+          </a:p>
+        </p:txBody>
+      </p:sp>
+      <p:sp>
+        <p:nvSpPr>
+          <p:cNvPr id="4" name="Ellipse 3"/>
+          <p:cNvSpPr/>
+          <p:nvPr/>
+        </p:nvSpPr>
+        <p:spPr>
+          <a:xfrm>
+            <a:off x="-36512" y="5020022"/>
+            <a:ext cx="179512" cy="144016"/>
+          </a:xfrm>
+          <a:prstGeom prst="ellipse">
+            <a:avLst/>
+          </a:prstGeom>
+          <a:solidFill>
+            <a:srgbClr val="EA5092"/>
+          </a:solidFill>
+        </p:spPr>
+        <p:style>
+          <a:lnRef idx="2">
+            <a:schemeClr val="accent1">
+              <a:shade val="50000"/>
+            </a:schemeClr>
+          </a:lnRef>
+          <a:fillRef idx="1">
+            <a:schemeClr val="accent1"/>
+          </a:fillRef>
+          <a:effectRef idx="0">
+            <a:schemeClr val="accent1"/>
+          </a:effectRef>
+          <a:fontRef idx="minor">
+            <a:schemeClr val="lt1"/>
+          </a:fontRef>
+        </p:style>
+        <p:txBody>
+          <a:bodyPr rtlCol="0" anchor="ctr"/>
+          <a:lstStyle/>
+          <a:p>
+            <a:pPr algn="ctr"/>
+            <a:endParaRPr lang="de-DE"/>
           </a:p>
         </p:txBody>
       </p:sp>
@@ -3410,6 +3533,13 @@
   <p:clrMapOvr>
     <a:masterClrMapping/>
   </p:clrMapOvr>
+  <p:timing>
+    <p:tnLst>
+      <p:par>
+        <p:cTn id="1" dur="indefinite" restart="never" nodeType="tmRoot"/>
+      </p:par>
+    </p:tnLst>
+  </p:timing>
 </p:sld>
 </file>
 
@@ -3443,65 +3573,86 @@
         <p:spPr/>
         <p:txBody>
           <a:bodyPr>
+            <a:normAutofit fontScale="90000"/>
+          </a:bodyPr>
+          <a:lstStyle/>
+          <a:p>
+            <a:r>
+              <a:rPr lang="de-DE" dirty="0" smtClean="0"/>
+              <a:t>Themenschwerpunkt Testen</a:t>
+            </a:r>
+            <a:br>
+              <a:rPr lang="de-DE" dirty="0" smtClean="0"/>
+            </a:br>
+            <a:r>
+              <a:rPr lang="de-DE" dirty="0" err="1" smtClean="0"/>
+              <a:t>jUnit</a:t>
+            </a:r>
+            <a:endParaRPr lang="de-DE" dirty="0"/>
+          </a:p>
+        </p:txBody>
+      </p:sp>
+      <p:sp>
+        <p:nvSpPr>
+          <p:cNvPr id="3" name="Inhaltsplatzhalter 2"/>
+          <p:cNvSpPr>
+            <a:spLocks noGrp="1"/>
+          </p:cNvSpPr>
+          <p:nvPr>
+            <p:ph idx="1"/>
+          </p:nvPr>
+        </p:nvSpPr>
+        <p:spPr/>
+        <p:txBody>
+          <a:bodyPr>
             <a:normAutofit/>
           </a:bodyPr>
           <a:lstStyle/>
           <a:p>
-            <a:r>
-              <a:rPr lang="de-DE" dirty="0" smtClean="0"/>
-              <a:t>Ausblicke</a:t>
-            </a:r>
             <a:endParaRPr lang="de-DE" dirty="0"/>
           </a:p>
         </p:txBody>
       </p:sp>
       <p:sp>
         <p:nvSpPr>
-          <p:cNvPr id="3" name="Inhaltsplatzhalter 2"/>
-          <p:cNvSpPr>
-            <a:spLocks noGrp="1"/>
-          </p:cNvSpPr>
-          <p:nvPr>
-            <p:ph idx="1"/>
-          </p:nvPr>
-        </p:nvSpPr>
-        <p:spPr/>
-        <p:txBody>
-          <a:bodyPr/>
-          <a:lstStyle/>
-          <a:p>
-            <a:r>
-              <a:rPr lang="de-DE" dirty="0" smtClean="0"/>
-              <a:t>Portierung/Generalisierung der </a:t>
-            </a:r>
-            <a:r>
-              <a:rPr lang="de-DE" dirty="0" err="1" smtClean="0"/>
-              <a:t>App</a:t>
-            </a:r>
-            <a:r>
-              <a:rPr lang="de-DE" dirty="0" smtClean="0"/>
-              <a:t> auf andere Communities (z.B. Hamburg, Oldenburg usw.)</a:t>
-            </a:r>
-          </a:p>
-          <a:p>
-            <a:r>
-              <a:rPr lang="de-DE" dirty="0" smtClean="0"/>
-              <a:t>Funktionen </a:t>
-            </a:r>
-            <a:r>
-              <a:rPr lang="de-DE" dirty="0" err="1" smtClean="0"/>
-              <a:t>Node</a:t>
-            </a:r>
-            <a:r>
-              <a:rPr lang="de-DE" dirty="0" smtClean="0"/>
-              <a:t>-Finder</a:t>
-            </a:r>
-          </a:p>
-          <a:p>
-            <a:r>
-              <a:rPr lang="de-DE" dirty="0" smtClean="0"/>
-              <a:t>Netzabdeckung messen</a:t>
-            </a:r>
+          <p:cNvPr id="4" name="Ellipse 3"/>
+          <p:cNvSpPr/>
+          <p:nvPr/>
+        </p:nvSpPr>
+        <p:spPr>
+          <a:xfrm>
+            <a:off x="-36512" y="5020022"/>
+            <a:ext cx="179512" cy="144016"/>
+          </a:xfrm>
+          <a:prstGeom prst="ellipse">
+            <a:avLst/>
+          </a:prstGeom>
+          <a:solidFill>
+            <a:srgbClr val="EA5092"/>
+          </a:solidFill>
+        </p:spPr>
+        <p:style>
+          <a:lnRef idx="2">
+            <a:schemeClr val="accent1">
+              <a:shade val="50000"/>
+            </a:schemeClr>
+          </a:lnRef>
+          <a:fillRef idx="1">
+            <a:schemeClr val="accent1"/>
+          </a:fillRef>
+          <a:effectRef idx="0">
+            <a:schemeClr val="accent1"/>
+          </a:effectRef>
+          <a:fontRef idx="minor">
+            <a:schemeClr val="lt1"/>
+          </a:fontRef>
+        </p:style>
+        <p:txBody>
+          <a:bodyPr rtlCol="0" anchor="ctr"/>
+          <a:lstStyle/>
+          <a:p>
+            <a:pPr algn="ctr"/>
+            <a:endParaRPr lang="de-DE"/>
           </a:p>
         </p:txBody>
       </p:sp>
@@ -3510,10 +3661,570 @@
   <p:clrMapOvr>
     <a:masterClrMapping/>
   </p:clrMapOvr>
+  <p:timing>
+    <p:tnLst>
+      <p:par>
+        <p:cTn id="1" dur="indefinite" restart="never" nodeType="tmRoot"/>
+      </p:par>
+    </p:tnLst>
+  </p:timing>
 </p:sld>
 </file>
 
 <file path=ppt/slides/slide13.xml><?xml version="1.0" encoding="utf-8"?>
+<p:sld xmlns:a="http://schemas.openxmlformats.org/drawingml/2006/main" xmlns:r="http://schemas.openxmlformats.org/officeDocument/2006/relationships" xmlns:p="http://schemas.openxmlformats.org/presentationml/2006/main">
+  <p:cSld>
+    <p:spTree>
+      <p:nvGrpSpPr>
+        <p:cNvPr id="1" name=""/>
+        <p:cNvGrpSpPr/>
+        <p:nvPr/>
+      </p:nvGrpSpPr>
+      <p:grpSpPr>
+        <a:xfrm>
+          <a:off x="0" y="0"/>
+          <a:ext cx="0" cy="0"/>
+          <a:chOff x="0" y="0"/>
+          <a:chExt cx="0" cy="0"/>
+        </a:xfrm>
+      </p:grpSpPr>
+      <p:sp>
+        <p:nvSpPr>
+          <p:cNvPr id="2" name="Titel 1"/>
+          <p:cNvSpPr>
+            <a:spLocks noGrp="1"/>
+          </p:cNvSpPr>
+          <p:nvPr>
+            <p:ph type="title"/>
+          </p:nvPr>
+        </p:nvSpPr>
+        <p:spPr/>
+        <p:txBody>
+          <a:bodyPr>
+            <a:normAutofit fontScale="90000"/>
+          </a:bodyPr>
+          <a:lstStyle/>
+          <a:p>
+            <a:r>
+              <a:rPr lang="de-DE" dirty="0" smtClean="0"/>
+              <a:t>Themenschwerpunkt Testen</a:t>
+            </a:r>
+            <a:br>
+              <a:rPr lang="de-DE" dirty="0" smtClean="0"/>
+            </a:br>
+            <a:r>
+              <a:rPr lang="de-DE" dirty="0" err="1" smtClean="0"/>
+              <a:t>Mockito</a:t>
+            </a:r>
+            <a:endParaRPr lang="de-DE" dirty="0"/>
+          </a:p>
+        </p:txBody>
+      </p:sp>
+      <p:sp>
+        <p:nvSpPr>
+          <p:cNvPr id="3" name="Inhaltsplatzhalter 2"/>
+          <p:cNvSpPr>
+            <a:spLocks noGrp="1"/>
+          </p:cNvSpPr>
+          <p:nvPr>
+            <p:ph idx="1"/>
+          </p:nvPr>
+        </p:nvSpPr>
+        <p:spPr/>
+        <p:txBody>
+          <a:bodyPr>
+            <a:normAutofit/>
+          </a:bodyPr>
+          <a:lstStyle/>
+          <a:p>
+            <a:endParaRPr lang="de-DE" dirty="0"/>
+          </a:p>
+        </p:txBody>
+      </p:sp>
+      <p:sp>
+        <p:nvSpPr>
+          <p:cNvPr id="4" name="Ellipse 3"/>
+          <p:cNvSpPr/>
+          <p:nvPr/>
+        </p:nvSpPr>
+        <p:spPr>
+          <a:xfrm>
+            <a:off x="-36512" y="5020022"/>
+            <a:ext cx="179512" cy="144016"/>
+          </a:xfrm>
+          <a:prstGeom prst="ellipse">
+            <a:avLst/>
+          </a:prstGeom>
+          <a:solidFill>
+            <a:srgbClr val="EA5092"/>
+          </a:solidFill>
+        </p:spPr>
+        <p:style>
+          <a:lnRef idx="2">
+            <a:schemeClr val="accent1">
+              <a:shade val="50000"/>
+            </a:schemeClr>
+          </a:lnRef>
+          <a:fillRef idx="1">
+            <a:schemeClr val="accent1"/>
+          </a:fillRef>
+          <a:effectRef idx="0">
+            <a:schemeClr val="accent1"/>
+          </a:effectRef>
+          <a:fontRef idx="minor">
+            <a:schemeClr val="lt1"/>
+          </a:fontRef>
+        </p:style>
+        <p:txBody>
+          <a:bodyPr rtlCol="0" anchor="ctr"/>
+          <a:lstStyle/>
+          <a:p>
+            <a:pPr algn="ctr"/>
+            <a:endParaRPr lang="de-DE"/>
+          </a:p>
+        </p:txBody>
+      </p:sp>
+    </p:spTree>
+  </p:cSld>
+  <p:clrMapOvr>
+    <a:masterClrMapping/>
+  </p:clrMapOvr>
+  <p:timing>
+    <p:tnLst>
+      <p:par>
+        <p:cTn id="1" dur="indefinite" restart="never" nodeType="tmRoot"/>
+      </p:par>
+    </p:tnLst>
+  </p:timing>
+</p:sld>
+</file>
+
+<file path=ppt/slides/slide14.xml><?xml version="1.0" encoding="utf-8"?>
+<p:sld xmlns:a="http://schemas.openxmlformats.org/drawingml/2006/main" xmlns:r="http://schemas.openxmlformats.org/officeDocument/2006/relationships" xmlns:p="http://schemas.openxmlformats.org/presentationml/2006/main">
+  <p:cSld>
+    <p:spTree>
+      <p:nvGrpSpPr>
+        <p:cNvPr id="1" name=""/>
+        <p:cNvGrpSpPr/>
+        <p:nvPr/>
+      </p:nvGrpSpPr>
+      <p:grpSpPr>
+        <a:xfrm>
+          <a:off x="0" y="0"/>
+          <a:ext cx="0" cy="0"/>
+          <a:chOff x="0" y="0"/>
+          <a:chExt cx="0" cy="0"/>
+        </a:xfrm>
+      </p:grpSpPr>
+      <p:sp>
+        <p:nvSpPr>
+          <p:cNvPr id="2" name="Titel 1"/>
+          <p:cNvSpPr>
+            <a:spLocks noGrp="1"/>
+          </p:cNvSpPr>
+          <p:nvPr>
+            <p:ph type="title"/>
+          </p:nvPr>
+        </p:nvSpPr>
+        <p:spPr/>
+        <p:txBody>
+          <a:bodyPr>
+            <a:normAutofit fontScale="90000"/>
+          </a:bodyPr>
+          <a:lstStyle/>
+          <a:p>
+            <a:r>
+              <a:rPr lang="de-DE" dirty="0" smtClean="0"/>
+              <a:t>Themenschwerpunkt Testen</a:t>
+            </a:r>
+            <a:br>
+              <a:rPr lang="de-DE" dirty="0" smtClean="0"/>
+            </a:br>
+            <a:r>
+              <a:rPr lang="de-DE" dirty="0" err="1" smtClean="0"/>
+              <a:t>Robolectric</a:t>
+            </a:r>
+            <a:endParaRPr lang="de-DE" dirty="0"/>
+          </a:p>
+        </p:txBody>
+      </p:sp>
+      <p:sp>
+        <p:nvSpPr>
+          <p:cNvPr id="3" name="Inhaltsplatzhalter 2"/>
+          <p:cNvSpPr>
+            <a:spLocks noGrp="1"/>
+          </p:cNvSpPr>
+          <p:nvPr>
+            <p:ph idx="1"/>
+          </p:nvPr>
+        </p:nvSpPr>
+        <p:spPr/>
+        <p:txBody>
+          <a:bodyPr>
+            <a:normAutofit/>
+          </a:bodyPr>
+          <a:lstStyle/>
+          <a:p>
+            <a:endParaRPr lang="de-DE" dirty="0"/>
+          </a:p>
+        </p:txBody>
+      </p:sp>
+      <p:sp>
+        <p:nvSpPr>
+          <p:cNvPr id="4" name="Ellipse 3"/>
+          <p:cNvSpPr/>
+          <p:nvPr/>
+        </p:nvSpPr>
+        <p:spPr>
+          <a:xfrm>
+            <a:off x="-36512" y="5020022"/>
+            <a:ext cx="179512" cy="144016"/>
+          </a:xfrm>
+          <a:prstGeom prst="ellipse">
+            <a:avLst/>
+          </a:prstGeom>
+          <a:solidFill>
+            <a:srgbClr val="EA5092"/>
+          </a:solidFill>
+        </p:spPr>
+        <p:style>
+          <a:lnRef idx="2">
+            <a:schemeClr val="accent1">
+              <a:shade val="50000"/>
+            </a:schemeClr>
+          </a:lnRef>
+          <a:fillRef idx="1">
+            <a:schemeClr val="accent1"/>
+          </a:fillRef>
+          <a:effectRef idx="0">
+            <a:schemeClr val="accent1"/>
+          </a:effectRef>
+          <a:fontRef idx="minor">
+            <a:schemeClr val="lt1"/>
+          </a:fontRef>
+        </p:style>
+        <p:txBody>
+          <a:bodyPr rtlCol="0" anchor="ctr"/>
+          <a:lstStyle/>
+          <a:p>
+            <a:pPr algn="ctr"/>
+            <a:endParaRPr lang="de-DE"/>
+          </a:p>
+        </p:txBody>
+      </p:sp>
+    </p:spTree>
+  </p:cSld>
+  <p:clrMapOvr>
+    <a:masterClrMapping/>
+  </p:clrMapOvr>
+  <p:timing>
+    <p:tnLst>
+      <p:par>
+        <p:cTn id="1" dur="indefinite" restart="never" nodeType="tmRoot"/>
+      </p:par>
+    </p:tnLst>
+  </p:timing>
+</p:sld>
+</file>
+
+<file path=ppt/slides/slide15.xml><?xml version="1.0" encoding="utf-8"?>
+<p:sld xmlns:a="http://schemas.openxmlformats.org/drawingml/2006/main" xmlns:r="http://schemas.openxmlformats.org/officeDocument/2006/relationships" xmlns:p="http://schemas.openxmlformats.org/presentationml/2006/main">
+  <p:cSld>
+    <p:spTree>
+      <p:nvGrpSpPr>
+        <p:cNvPr id="1" name=""/>
+        <p:cNvGrpSpPr/>
+        <p:nvPr/>
+      </p:nvGrpSpPr>
+      <p:grpSpPr>
+        <a:xfrm>
+          <a:off x="0" y="0"/>
+          <a:ext cx="0" cy="0"/>
+          <a:chOff x="0" y="0"/>
+          <a:chExt cx="0" cy="0"/>
+        </a:xfrm>
+      </p:grpSpPr>
+      <p:sp>
+        <p:nvSpPr>
+          <p:cNvPr id="2" name="Titel 1"/>
+          <p:cNvSpPr>
+            <a:spLocks noGrp="1"/>
+          </p:cNvSpPr>
+          <p:nvPr>
+            <p:ph type="title"/>
+          </p:nvPr>
+        </p:nvSpPr>
+        <p:spPr/>
+        <p:txBody>
+          <a:bodyPr>
+            <a:normAutofit fontScale="90000"/>
+          </a:bodyPr>
+          <a:lstStyle/>
+          <a:p>
+            <a:r>
+              <a:rPr lang="de-DE" dirty="0" smtClean="0"/>
+              <a:t>Themenschwerpunkt Testen</a:t>
+            </a:r>
+            <a:br>
+              <a:rPr lang="de-DE" dirty="0" smtClean="0"/>
+            </a:br>
+            <a:r>
+              <a:rPr lang="de-DE" dirty="0" err="1" smtClean="0"/>
+              <a:t>AssertJ</a:t>
+            </a:r>
+            <a:endParaRPr lang="de-DE" dirty="0"/>
+          </a:p>
+        </p:txBody>
+      </p:sp>
+      <p:sp>
+        <p:nvSpPr>
+          <p:cNvPr id="3" name="Inhaltsplatzhalter 2"/>
+          <p:cNvSpPr>
+            <a:spLocks noGrp="1"/>
+          </p:cNvSpPr>
+          <p:nvPr>
+            <p:ph idx="1"/>
+          </p:nvPr>
+        </p:nvSpPr>
+        <p:spPr/>
+        <p:txBody>
+          <a:bodyPr>
+            <a:normAutofit/>
+          </a:bodyPr>
+          <a:lstStyle/>
+          <a:p>
+            <a:endParaRPr lang="de-DE" dirty="0"/>
+          </a:p>
+        </p:txBody>
+      </p:sp>
+      <p:sp>
+        <p:nvSpPr>
+          <p:cNvPr id="4" name="Ellipse 3"/>
+          <p:cNvSpPr/>
+          <p:nvPr/>
+        </p:nvSpPr>
+        <p:spPr>
+          <a:xfrm>
+            <a:off x="-36512" y="5020022"/>
+            <a:ext cx="179512" cy="144016"/>
+          </a:xfrm>
+          <a:prstGeom prst="ellipse">
+            <a:avLst/>
+          </a:prstGeom>
+          <a:solidFill>
+            <a:srgbClr val="EA5092"/>
+          </a:solidFill>
+        </p:spPr>
+        <p:style>
+          <a:lnRef idx="2">
+            <a:schemeClr val="accent1">
+              <a:shade val="50000"/>
+            </a:schemeClr>
+          </a:lnRef>
+          <a:fillRef idx="1">
+            <a:schemeClr val="accent1"/>
+          </a:fillRef>
+          <a:effectRef idx="0">
+            <a:schemeClr val="accent1"/>
+          </a:effectRef>
+          <a:fontRef idx="minor">
+            <a:schemeClr val="lt1"/>
+          </a:fontRef>
+        </p:style>
+        <p:txBody>
+          <a:bodyPr rtlCol="0" anchor="ctr"/>
+          <a:lstStyle/>
+          <a:p>
+            <a:pPr algn="ctr"/>
+            <a:endParaRPr lang="de-DE"/>
+          </a:p>
+        </p:txBody>
+      </p:sp>
+    </p:spTree>
+  </p:cSld>
+  <p:clrMapOvr>
+    <a:masterClrMapping/>
+  </p:clrMapOvr>
+  <p:timing>
+    <p:tnLst>
+      <p:par>
+        <p:cTn id="1" dur="indefinite" restart="never" nodeType="tmRoot"/>
+      </p:par>
+    </p:tnLst>
+  </p:timing>
+</p:sld>
+</file>
+
+<file path=ppt/slides/slide16.xml><?xml version="1.0" encoding="utf-8"?>
+<p:sld xmlns:a="http://schemas.openxmlformats.org/drawingml/2006/main" xmlns:r="http://schemas.openxmlformats.org/officeDocument/2006/relationships" xmlns:p="http://schemas.openxmlformats.org/presentationml/2006/main">
+  <p:cSld>
+    <p:spTree>
+      <p:nvGrpSpPr>
+        <p:cNvPr id="1" name=""/>
+        <p:cNvGrpSpPr/>
+        <p:nvPr/>
+      </p:nvGrpSpPr>
+      <p:grpSpPr>
+        <a:xfrm>
+          <a:off x="0" y="0"/>
+          <a:ext cx="0" cy="0"/>
+          <a:chOff x="0" y="0"/>
+          <a:chExt cx="0" cy="0"/>
+        </a:xfrm>
+      </p:grpSpPr>
+      <p:sp>
+        <p:nvSpPr>
+          <p:cNvPr id="2" name="Titel 1"/>
+          <p:cNvSpPr>
+            <a:spLocks noGrp="1"/>
+          </p:cNvSpPr>
+          <p:nvPr>
+            <p:ph type="title"/>
+          </p:nvPr>
+        </p:nvSpPr>
+        <p:spPr/>
+        <p:txBody>
+          <a:bodyPr>
+            <a:normAutofit/>
+          </a:bodyPr>
+          <a:lstStyle/>
+          <a:p>
+            <a:r>
+              <a:rPr lang="de-DE" dirty="0" smtClean="0"/>
+              <a:t>Ausblicke</a:t>
+            </a:r>
+            <a:endParaRPr lang="de-DE" dirty="0"/>
+          </a:p>
+        </p:txBody>
+      </p:sp>
+      <p:sp>
+        <p:nvSpPr>
+          <p:cNvPr id="3" name="Inhaltsplatzhalter 2"/>
+          <p:cNvSpPr>
+            <a:spLocks noGrp="1"/>
+          </p:cNvSpPr>
+          <p:nvPr>
+            <p:ph idx="1"/>
+          </p:nvPr>
+        </p:nvSpPr>
+        <p:spPr/>
+        <p:txBody>
+          <a:bodyPr/>
+          <a:lstStyle/>
+          <a:p>
+            <a:r>
+              <a:rPr lang="de-DE" dirty="0" smtClean="0"/>
+              <a:t>Portierung/Generalisierung der </a:t>
+            </a:r>
+            <a:r>
+              <a:rPr lang="de-DE" dirty="0" err="1" smtClean="0"/>
+              <a:t>App</a:t>
+            </a:r>
+            <a:r>
+              <a:rPr lang="de-DE" dirty="0" smtClean="0"/>
+              <a:t> auf andere Communities (z.B. Hamburg, Oldenburg usw.)</a:t>
+            </a:r>
+          </a:p>
+          <a:p>
+            <a:r>
+              <a:rPr lang="de-DE" dirty="0" smtClean="0"/>
+              <a:t>Funktionen </a:t>
+            </a:r>
+            <a:r>
+              <a:rPr lang="de-DE" dirty="0" err="1" smtClean="0"/>
+              <a:t>Node</a:t>
+            </a:r>
+            <a:r>
+              <a:rPr lang="de-DE" dirty="0" smtClean="0"/>
+              <a:t>-Finder</a:t>
+            </a:r>
+          </a:p>
+          <a:p>
+            <a:r>
+              <a:rPr lang="de-DE" dirty="0" smtClean="0"/>
+              <a:t>Netzabdeckung </a:t>
+            </a:r>
+            <a:r>
+              <a:rPr lang="de-DE" dirty="0" smtClean="0"/>
+              <a:t>messen</a:t>
+            </a:r>
+          </a:p>
+          <a:p>
+            <a:r>
+              <a:rPr lang="de-DE" dirty="0" smtClean="0"/>
+              <a:t>Öffentliches </a:t>
+            </a:r>
+            <a:r>
+              <a:rPr lang="de-DE" dirty="0" err="1" smtClean="0"/>
+              <a:t>Git</a:t>
+            </a:r>
+            <a:r>
+              <a:rPr lang="de-DE" dirty="0" smtClean="0"/>
+              <a:t>-Repository</a:t>
+            </a:r>
+            <a:endParaRPr lang="de-DE" dirty="0" smtClean="0"/>
+          </a:p>
+        </p:txBody>
+      </p:sp>
+      <p:sp>
+        <p:nvSpPr>
+          <p:cNvPr id="4" name="Ellipse 3"/>
+          <p:cNvSpPr/>
+          <p:nvPr/>
+        </p:nvSpPr>
+        <p:spPr>
+          <a:xfrm>
+            <a:off x="-36512" y="5020022"/>
+            <a:ext cx="179512" cy="144016"/>
+          </a:xfrm>
+          <a:prstGeom prst="ellipse">
+            <a:avLst/>
+          </a:prstGeom>
+          <a:solidFill>
+            <a:schemeClr val="accent1"/>
+          </a:solidFill>
+        </p:spPr>
+        <p:style>
+          <a:lnRef idx="2">
+            <a:schemeClr val="accent1">
+              <a:shade val="50000"/>
+            </a:schemeClr>
+          </a:lnRef>
+          <a:fillRef idx="1">
+            <a:schemeClr val="accent1"/>
+          </a:fillRef>
+          <a:effectRef idx="0">
+            <a:schemeClr val="accent1"/>
+          </a:effectRef>
+          <a:fontRef idx="minor">
+            <a:schemeClr val="lt1"/>
+          </a:fontRef>
+        </p:style>
+        <p:txBody>
+          <a:bodyPr rtlCol="0" anchor="ctr"/>
+          <a:lstStyle/>
+          <a:p>
+            <a:pPr algn="ctr"/>
+            <a:endParaRPr lang="de-DE"/>
+          </a:p>
+        </p:txBody>
+      </p:sp>
+    </p:spTree>
+  </p:cSld>
+  <p:clrMapOvr>
+    <a:masterClrMapping/>
+  </p:clrMapOvr>
+  <p:timing>
+    <p:tnLst>
+      <p:par>
+        <p:cTn id="1" dur="indefinite" restart="never" nodeType="tmRoot"/>
+      </p:par>
+    </p:tnLst>
+  </p:timing>
+</p:sld>
+</file>
+
+<file path=ppt/slides/slide17.xml><?xml version="1.0" encoding="utf-8"?>
 <p:sld xmlns:a="http://schemas.openxmlformats.org/drawingml/2006/main" xmlns:r="http://schemas.openxmlformats.org/officeDocument/2006/relationships" xmlns:p="http://schemas.openxmlformats.org/presentationml/2006/main">
   <p:cSld>
     <p:spTree>
@@ -3589,6 +4300,110 @@
   <p:clrMapOvr>
     <a:masterClrMapping/>
   </p:clrMapOvr>
+  <p:timing>
+    <p:tnLst>
+      <p:par>
+        <p:cTn id="1" dur="indefinite" restart="never" nodeType="tmRoot"/>
+      </p:par>
+    </p:tnLst>
+  </p:timing>
+</p:sld>
+</file>
+
+<file path=ppt/slides/slide18.xml><?xml version="1.0" encoding="utf-8"?>
+<p:sld xmlns:a="http://schemas.openxmlformats.org/drawingml/2006/main" xmlns:r="http://schemas.openxmlformats.org/officeDocument/2006/relationships" xmlns:p="http://schemas.openxmlformats.org/presentationml/2006/main">
+  <p:cSld>
+    <p:spTree>
+      <p:nvGrpSpPr>
+        <p:cNvPr id="1" name=""/>
+        <p:cNvGrpSpPr/>
+        <p:nvPr/>
+      </p:nvGrpSpPr>
+      <p:grpSpPr>
+        <a:xfrm>
+          <a:off x="0" y="0"/>
+          <a:ext cx="0" cy="0"/>
+          <a:chOff x="0" y="0"/>
+          <a:chExt cx="0" cy="0"/>
+        </a:xfrm>
+      </p:grpSpPr>
+      <p:sp>
+        <p:nvSpPr>
+          <p:cNvPr id="2" name="Titel 1"/>
+          <p:cNvSpPr>
+            <a:spLocks noGrp="1"/>
+          </p:cNvSpPr>
+          <p:nvPr>
+            <p:ph type="title"/>
+          </p:nvPr>
+        </p:nvSpPr>
+        <p:spPr/>
+        <p:txBody>
+          <a:bodyPr/>
+          <a:lstStyle/>
+          <a:p>
+            <a:endParaRPr lang="de-DE"/>
+          </a:p>
+        </p:txBody>
+      </p:sp>
+      <p:sp>
+        <p:nvSpPr>
+          <p:cNvPr id="3" name="Inhaltsplatzhalter 2"/>
+          <p:cNvSpPr>
+            <a:spLocks noGrp="1"/>
+          </p:cNvSpPr>
+          <p:nvPr>
+            <p:ph idx="1"/>
+          </p:nvPr>
+        </p:nvSpPr>
+        <p:spPr/>
+        <p:txBody>
+          <a:bodyPr/>
+          <a:lstStyle/>
+          <a:p>
+            <a:r>
+              <a:rPr lang="de-DE" dirty="0" err="1" smtClean="0"/>
+              <a:t>Todos</a:t>
+            </a:r>
+            <a:r>
+              <a:rPr lang="de-DE" dirty="0" smtClean="0"/>
+              <a:t>: </a:t>
+            </a:r>
+            <a:r>
+              <a:rPr lang="de-DE" dirty="0" err="1" smtClean="0"/>
+              <a:t>aktivity</a:t>
+            </a:r>
+            <a:r>
+              <a:rPr lang="de-DE" dirty="0" smtClean="0"/>
+              <a:t> über uns</a:t>
+            </a:r>
+          </a:p>
+          <a:p>
+            <a:r>
+              <a:rPr lang="de-DE" dirty="0" smtClean="0"/>
+              <a:t>Viper? </a:t>
+            </a:r>
+            <a:r>
+              <a:rPr lang="de-DE" dirty="0" err="1" smtClean="0"/>
+              <a:t>Appinhalt</a:t>
+            </a:r>
+            <a:r>
+              <a:rPr lang="de-DE" dirty="0" smtClean="0"/>
+              <a:t> auf </a:t>
+            </a:r>
+            <a:r>
+              <a:rPr lang="de-DE" dirty="0" err="1" smtClean="0"/>
+              <a:t>bildschirm</a:t>
+            </a:r>
+            <a:endParaRPr lang="de-DE" dirty="0"/>
+          </a:p>
+        </p:txBody>
+      </p:sp>
+    </p:spTree>
+  </p:cSld>
+  <p:clrMapOvr>
+    <a:masterClrMapping/>
+  </p:clrMapOvr>
 </p:sld>
 </file>
 
@@ -3645,7 +4460,7 @@
         <p:spPr/>
         <p:txBody>
           <a:bodyPr>
-            <a:normAutofit lnSpcReduction="10000"/>
+            <a:normAutofit fontScale="77500" lnSpcReduction="20000"/>
           </a:bodyPr>
           <a:lstStyle/>
           <a:p>
@@ -3668,14 +4483,41 @@
           <a:p>
             <a:r>
               <a:rPr lang="de-DE" dirty="0" smtClean="0"/>
+              <a:t>Architektur </a:t>
+            </a:r>
+            <a:r>
+              <a:rPr lang="de-DE" dirty="0" err="1" smtClean="0"/>
+              <a:t>App</a:t>
+            </a:r>
+            <a:endParaRPr lang="de-DE" dirty="0" smtClean="0"/>
+          </a:p>
+          <a:p>
+            <a:r>
+              <a:rPr lang="de-DE" dirty="0" smtClean="0"/>
+              <a:t>Themenschwerpunkt Testen</a:t>
+            </a:r>
+          </a:p>
+          <a:p>
+            <a:pPr lvl="1"/>
+            <a:r>
+              <a:rPr lang="de-DE" dirty="0" smtClean="0"/>
+              <a:t>Motivation</a:t>
+            </a:r>
+          </a:p>
+          <a:p>
+            <a:pPr lvl="1"/>
+            <a:r>
+              <a:rPr lang="de-DE" dirty="0" smtClean="0"/>
+              <a:t>Grundlagen</a:t>
+            </a:r>
+          </a:p>
+          <a:p>
+            <a:pPr lvl="1"/>
+            <a:r>
+              <a:rPr lang="de-DE" dirty="0" smtClean="0"/>
               <a:t>Verwendete Frameworks</a:t>
             </a:r>
-          </a:p>
-          <a:p>
-            <a:r>
-              <a:rPr lang="de-DE" dirty="0" smtClean="0"/>
-              <a:t>Themenschwerpunkt Testen </a:t>
-            </a:r>
+            <a:endParaRPr lang="de-DE" dirty="0" smtClean="0"/>
           </a:p>
           <a:p>
             <a:r>
@@ -3806,11 +4648,58 @@
           </a:p>
         </p:txBody>
       </p:sp>
+      <p:sp>
+        <p:nvSpPr>
+          <p:cNvPr id="4" name="Ellipse 3"/>
+          <p:cNvSpPr/>
+          <p:nvPr/>
+        </p:nvSpPr>
+        <p:spPr>
+          <a:xfrm>
+            <a:off x="-36512" y="5020022"/>
+            <a:ext cx="179512" cy="144016"/>
+          </a:xfrm>
+          <a:prstGeom prst="ellipse">
+            <a:avLst/>
+          </a:prstGeom>
+        </p:spPr>
+        <p:style>
+          <a:lnRef idx="2">
+            <a:schemeClr val="accent1">
+              <a:shade val="50000"/>
+            </a:schemeClr>
+          </a:lnRef>
+          <a:fillRef idx="1">
+            <a:schemeClr val="accent1"/>
+          </a:fillRef>
+          <a:effectRef idx="0">
+            <a:schemeClr val="accent1"/>
+          </a:effectRef>
+          <a:fontRef idx="minor">
+            <a:schemeClr val="lt1"/>
+          </a:fontRef>
+        </p:style>
+        <p:txBody>
+          <a:bodyPr rtlCol="0" anchor="ctr"/>
+          <a:lstStyle/>
+          <a:p>
+            <a:pPr algn="ctr"/>
+            <a:endParaRPr lang="de-DE"/>
+          </a:p>
+        </p:txBody>
+      </p:sp>
     </p:spTree>
   </p:cSld>
   <p:clrMapOvr>
     <a:masterClrMapping/>
   </p:clrMapOvr>
+  <p:timing>
+    <p:tnLst>
+      <p:par>
+        <p:cTn id="1" dur="indefinite" restart="never" nodeType="tmRoot"/>
+      </p:par>
+    </p:tnLst>
+  </p:timing>
 </p:sld>
 </file>
 
@@ -3948,11 +4837,58 @@
           </a:p>
         </p:txBody>
       </p:sp>
+      <p:sp>
+        <p:nvSpPr>
+          <p:cNvPr id="4" name="Ellipse 3"/>
+          <p:cNvSpPr/>
+          <p:nvPr/>
+        </p:nvSpPr>
+        <p:spPr>
+          <a:xfrm>
+            <a:off x="-36512" y="5020022"/>
+            <a:ext cx="179512" cy="144016"/>
+          </a:xfrm>
+          <a:prstGeom prst="ellipse">
+            <a:avLst/>
+          </a:prstGeom>
+        </p:spPr>
+        <p:style>
+          <a:lnRef idx="2">
+            <a:schemeClr val="accent1">
+              <a:shade val="50000"/>
+            </a:schemeClr>
+          </a:lnRef>
+          <a:fillRef idx="1">
+            <a:schemeClr val="accent1"/>
+          </a:fillRef>
+          <a:effectRef idx="0">
+            <a:schemeClr val="accent1"/>
+          </a:effectRef>
+          <a:fontRef idx="minor">
+            <a:schemeClr val="lt1"/>
+          </a:fontRef>
+        </p:style>
+        <p:txBody>
+          <a:bodyPr rtlCol="0" anchor="ctr"/>
+          <a:lstStyle/>
+          <a:p>
+            <a:pPr algn="ctr"/>
+            <a:endParaRPr lang="de-DE"/>
+          </a:p>
+        </p:txBody>
+      </p:sp>
     </p:spTree>
   </p:cSld>
   <p:clrMapOvr>
     <a:masterClrMapping/>
   </p:clrMapOvr>
+  <p:timing>
+    <p:tnLst>
+      <p:par>
+        <p:cTn id="1" dur="indefinite" restart="never" nodeType="tmRoot"/>
+      </p:par>
+    </p:tnLst>
+  </p:timing>
 </p:sld>
 </file>
 
@@ -4029,11 +4965,58 @@
           <a:effectLst/>
         </p:spPr>
       </p:pic>
+      <p:sp>
+        <p:nvSpPr>
+          <p:cNvPr id="4" name="Ellipse 3"/>
+          <p:cNvSpPr/>
+          <p:nvPr/>
+        </p:nvSpPr>
+        <p:spPr>
+          <a:xfrm>
+            <a:off x="-36512" y="5020022"/>
+            <a:ext cx="179512" cy="144016"/>
+          </a:xfrm>
+          <a:prstGeom prst="ellipse">
+            <a:avLst/>
+          </a:prstGeom>
+        </p:spPr>
+        <p:style>
+          <a:lnRef idx="2">
+            <a:schemeClr val="accent1">
+              <a:shade val="50000"/>
+            </a:schemeClr>
+          </a:lnRef>
+          <a:fillRef idx="1">
+            <a:schemeClr val="accent1"/>
+          </a:fillRef>
+          <a:effectRef idx="0">
+            <a:schemeClr val="accent1"/>
+          </a:effectRef>
+          <a:fontRef idx="minor">
+            <a:schemeClr val="lt1"/>
+          </a:fontRef>
+        </p:style>
+        <p:txBody>
+          <a:bodyPr rtlCol="0" anchor="ctr"/>
+          <a:lstStyle/>
+          <a:p>
+            <a:pPr algn="ctr"/>
+            <a:endParaRPr lang="de-DE"/>
+          </a:p>
+        </p:txBody>
+      </p:sp>
     </p:spTree>
   </p:cSld>
   <p:clrMapOvr>
     <a:masterClrMapping/>
   </p:clrMapOvr>
+  <p:timing>
+    <p:tnLst>
+      <p:par>
+        <p:cTn id="1" dur="indefinite" restart="never" nodeType="tmRoot"/>
+      </p:par>
+    </p:tnLst>
+  </p:timing>
 </p:sld>
 </file>
 
@@ -4071,7 +5054,7 @@
           <a:p>
             <a:r>
               <a:rPr lang="de-DE" dirty="0" smtClean="0"/>
-              <a:t>Verwendete Frameworks</a:t>
+              <a:t>Architektur</a:t>
             </a:r>
             <a:endParaRPr lang="de-DE" dirty="0"/>
           </a:p>
@@ -4090,60 +5073,58 @@
         <p:spPr/>
         <p:txBody>
           <a:bodyPr>
-            <a:normAutofit fontScale="92500" lnSpcReduction="20000"/>
+            <a:normAutofit/>
           </a:bodyPr>
           <a:lstStyle/>
           <a:p>
             <a:r>
-              <a:rPr lang="de-DE" dirty="0" err="1" smtClean="0"/>
-              <a:t>Robolectric</a:t>
+              <a:rPr lang="de-DE" dirty="0" smtClean="0"/>
+              <a:t>Schwierigkeiten mobiles testen, warum?</a:t>
             </a:r>
             <a:endParaRPr lang="de-DE" dirty="0" smtClean="0"/>
           </a:p>
-          <a:p>
-            <a:r>
-              <a:rPr lang="de-DE" dirty="0" err="1" smtClean="0"/>
-              <a:t>jUnit</a:t>
-            </a:r>
-            <a:endParaRPr lang="de-DE" dirty="0" smtClean="0"/>
-          </a:p>
-          <a:p>
-            <a:r>
-              <a:rPr lang="de-DE" dirty="0" err="1" smtClean="0"/>
-              <a:t>Mockito</a:t>
-            </a:r>
-            <a:endParaRPr lang="de-DE" dirty="0" smtClean="0"/>
-          </a:p>
-          <a:p>
-            <a:r>
-              <a:rPr lang="de-DE" dirty="0" err="1" smtClean="0"/>
-              <a:t>AssertJ</a:t>
-            </a:r>
-            <a:endParaRPr lang="de-DE" dirty="0" smtClean="0"/>
-          </a:p>
-          <a:p>
-            <a:r>
-              <a:rPr lang="de-DE" dirty="0" err="1" smtClean="0"/>
-              <a:t>Roboguice</a:t>
-            </a:r>
-            <a:endParaRPr lang="de-DE" dirty="0" smtClean="0"/>
-          </a:p>
-          <a:p>
-            <a:r>
-              <a:rPr lang="de-DE" dirty="0" err="1" smtClean="0"/>
-              <a:t>Greenrobot</a:t>
-            </a:r>
-            <a:endParaRPr lang="de-DE" dirty="0" smtClean="0"/>
-          </a:p>
-          <a:p>
-            <a:r>
-              <a:rPr lang="de-DE" dirty="0" err="1" smtClean="0"/>
-              <a:t>Guava</a:t>
-            </a:r>
-            <a:endParaRPr lang="de-DE" dirty="0" smtClean="0"/>
-          </a:p>
-          <a:p>
-            <a:endParaRPr lang="de-DE" dirty="0"/>
+        </p:txBody>
+      </p:sp>
+      <p:sp>
+        <p:nvSpPr>
+          <p:cNvPr id="4" name="Ellipse 3"/>
+          <p:cNvSpPr/>
+          <p:nvPr/>
+        </p:nvSpPr>
+        <p:spPr>
+          <a:xfrm>
+            <a:off x="-36512" y="5020022"/>
+            <a:ext cx="179512" cy="144016"/>
+          </a:xfrm>
+          <a:prstGeom prst="ellipse">
+            <a:avLst/>
+          </a:prstGeom>
+          <a:solidFill>
+            <a:srgbClr val="EA5092"/>
+          </a:solidFill>
+        </p:spPr>
+        <p:style>
+          <a:lnRef idx="2">
+            <a:schemeClr val="accent1">
+              <a:shade val="50000"/>
+            </a:schemeClr>
+          </a:lnRef>
+          <a:fillRef idx="1">
+            <a:schemeClr val="accent1"/>
+          </a:fillRef>
+          <a:effectRef idx="0">
+            <a:schemeClr val="accent1"/>
+          </a:effectRef>
+          <a:fontRef idx="minor">
+            <a:schemeClr val="lt1"/>
+          </a:fontRef>
+        </p:style>
+        <p:txBody>
+          <a:bodyPr rtlCol="0" anchor="ctr"/>
+          <a:lstStyle/>
+          <a:p>
+            <a:pPr algn="ctr"/>
+            <a:endParaRPr lang="de-DE"/>
           </a:p>
         </p:txBody>
       </p:sp>
@@ -4152,6 +5133,13 @@
   <p:clrMapOvr>
     <a:masterClrMapping/>
   </p:clrMapOvr>
+  <p:timing>
+    <p:tnLst>
+      <p:par>
+        <p:cTn id="1" dur="indefinite" restart="never" nodeType="tmRoot"/>
+      </p:par>
+    </p:tnLst>
+  </p:timing>
 </p:sld>
 </file>
 
@@ -4184,12 +5172,21 @@
         </p:nvSpPr>
         <p:spPr/>
         <p:txBody>
-          <a:bodyPr/>
-          <a:lstStyle/>
-          <a:p>
-            <a:r>
-              <a:rPr lang="de-DE" dirty="0" smtClean="0"/>
-              <a:t>Verwendete Frameworks</a:t>
+          <a:bodyPr>
+            <a:normAutofit fontScale="90000"/>
+          </a:bodyPr>
+          <a:lstStyle/>
+          <a:p>
+            <a:r>
+              <a:rPr lang="de-DE" dirty="0" smtClean="0"/>
+              <a:t>Themenschwerpunkt Testen</a:t>
+            </a:r>
+            <a:br>
+              <a:rPr lang="de-DE" dirty="0" smtClean="0"/>
+            </a:br>
+            <a:r>
+              <a:rPr lang="de-DE" dirty="0" smtClean="0"/>
+              <a:t>Motivation</a:t>
             </a:r>
             <a:endParaRPr lang="de-DE" dirty="0"/>
           </a:p>
@@ -4208,96 +5205,76 @@
         <p:spPr/>
         <p:txBody>
           <a:bodyPr>
-            <a:normAutofit fontScale="92500" lnSpcReduction="20000"/>
+            <a:normAutofit/>
           </a:bodyPr>
           <a:lstStyle/>
           <a:p>
             <a:r>
+              <a:rPr lang="de-DE" dirty="0" smtClean="0"/>
+              <a:t>Schwierigkeiten mobiles testen, warum</a:t>
+            </a:r>
+            <a:r>
+              <a:rPr lang="de-DE" dirty="0" smtClean="0"/>
+              <a:t>?</a:t>
+            </a:r>
+          </a:p>
+          <a:p>
+            <a:r>
               <a:rPr lang="de-DE" dirty="0" err="1" smtClean="0"/>
-              <a:t>Robolectric</a:t>
+              <a:t>Android</a:t>
+            </a:r>
+            <a:r>
+              <a:rPr lang="de-DE" dirty="0" smtClean="0"/>
+              <a:t> </a:t>
+            </a:r>
+            <a:r>
+              <a:rPr lang="de-DE" dirty="0" err="1" smtClean="0"/>
+              <a:t>abhängigkeiten</a:t>
             </a:r>
             <a:endParaRPr lang="de-DE" dirty="0" smtClean="0"/>
           </a:p>
           <a:p>
-            <a:r>
-              <a:rPr lang="de-DE" dirty="0" err="1" smtClean="0"/>
-              <a:t>jUnit</a:t>
-            </a:r>
-            <a:endParaRPr lang="de-DE" dirty="0" smtClean="0"/>
-          </a:p>
-          <a:p>
-            <a:r>
-              <a:rPr lang="de-DE" dirty="0" err="1" smtClean="0"/>
-              <a:t>Mockito</a:t>
-            </a:r>
-            <a:endParaRPr lang="de-DE" dirty="0" smtClean="0"/>
-          </a:p>
-          <a:p>
-            <a:r>
-              <a:rPr lang="de-DE" dirty="0" err="1" smtClean="0"/>
-              <a:t>Assertj</a:t>
-            </a:r>
-            <a:endParaRPr lang="de-DE" dirty="0" smtClean="0"/>
-          </a:p>
-          <a:p>
-            <a:r>
-              <a:rPr lang="de-DE" dirty="0" err="1" smtClean="0">
-                <a:solidFill>
-                  <a:schemeClr val="bg1">
-                    <a:lumMod val="65000"/>
-                  </a:schemeClr>
-                </a:solidFill>
-              </a:rPr>
-              <a:t>Roboguice</a:t>
-            </a:r>
-            <a:endParaRPr lang="de-DE" dirty="0" smtClean="0">
-              <a:solidFill>
-                <a:schemeClr val="bg1">
-                  <a:lumMod val="65000"/>
-                </a:schemeClr>
-              </a:solidFill>
-            </a:endParaRPr>
-          </a:p>
-          <a:p>
-            <a:r>
-              <a:rPr lang="de-DE" dirty="0" err="1" smtClean="0">
-                <a:solidFill>
-                  <a:schemeClr val="bg1">
-                    <a:lumMod val="65000"/>
-                  </a:schemeClr>
-                </a:solidFill>
-              </a:rPr>
-              <a:t>Greenrobot</a:t>
-            </a:r>
-            <a:endParaRPr lang="de-DE" dirty="0" smtClean="0">
-              <a:solidFill>
-                <a:schemeClr val="bg1">
-                  <a:lumMod val="65000"/>
-                </a:schemeClr>
-              </a:solidFill>
-            </a:endParaRPr>
-          </a:p>
-          <a:p>
-            <a:r>
-              <a:rPr lang="de-DE" dirty="0" err="1" smtClean="0">
-                <a:solidFill>
-                  <a:schemeClr val="bg1">
-                    <a:lumMod val="65000"/>
-                  </a:schemeClr>
-                </a:solidFill>
-              </a:rPr>
-              <a:t>Guava</a:t>
-            </a:r>
-            <a:endParaRPr lang="de-DE" dirty="0" smtClean="0">
-              <a:solidFill>
-                <a:schemeClr val="bg1">
-                  <a:lumMod val="65000"/>
-                </a:schemeClr>
-              </a:solidFill>
-            </a:endParaRPr>
-          </a:p>
-          <a:p>
             <a:endParaRPr lang="de-DE" dirty="0"/>
+          </a:p>
+        </p:txBody>
+      </p:sp>
+      <p:sp>
+        <p:nvSpPr>
+          <p:cNvPr id="4" name="Ellipse 3"/>
+          <p:cNvSpPr/>
+          <p:nvPr/>
+        </p:nvSpPr>
+        <p:spPr>
+          <a:xfrm>
+            <a:off x="-36512" y="5020022"/>
+            <a:ext cx="179512" cy="144016"/>
+          </a:xfrm>
+          <a:prstGeom prst="ellipse">
+            <a:avLst/>
+          </a:prstGeom>
+        </p:spPr>
+        <p:style>
+          <a:lnRef idx="2">
+            <a:schemeClr val="accent1">
+              <a:shade val="50000"/>
+            </a:schemeClr>
+          </a:lnRef>
+          <a:fillRef idx="1">
+            <a:schemeClr val="accent1"/>
+          </a:fillRef>
+          <a:effectRef idx="0">
+            <a:schemeClr val="accent1"/>
+          </a:effectRef>
+          <a:fontRef idx="minor">
+            <a:schemeClr val="lt1"/>
+          </a:fontRef>
+        </p:style>
+        <p:txBody>
+          <a:bodyPr rtlCol="0" anchor="ctr"/>
+          <a:lstStyle/>
+          <a:p>
+            <a:pPr algn="ctr"/>
+            <a:endParaRPr lang="de-DE"/>
           </a:p>
         </p:txBody>
       </p:sp>
@@ -4306,6 +5283,13 @@
   <p:clrMapOvr>
     <a:masterClrMapping/>
   </p:clrMapOvr>
+  <p:timing>
+    <p:tnLst>
+      <p:par>
+        <p:cTn id="1" dur="indefinite" restart="never" nodeType="tmRoot"/>
+      </p:par>
+    </p:tnLst>
+  </p:timing>
 </p:sld>
 </file>
 
@@ -4351,8 +5335,8 @@
               <a:rPr lang="de-DE" dirty="0" smtClean="0"/>
             </a:br>
             <a:r>
-              <a:rPr lang="de-DE" dirty="0" err="1" smtClean="0"/>
-              <a:t>jUnit</a:t>
+              <a:rPr lang="de-DE" dirty="0" smtClean="0"/>
+              <a:t>Grundlagen</a:t>
             </a:r>
             <a:endParaRPr lang="de-DE" dirty="0"/>
           </a:p>
@@ -4375,7 +5359,63 @@
           </a:bodyPr>
           <a:lstStyle/>
           <a:p>
+            <a:r>
+              <a:rPr lang="de-DE" dirty="0" smtClean="0"/>
+              <a:t>Di, TDD, Mocken </a:t>
+            </a:r>
+            <a:r>
+              <a:rPr lang="de-DE" dirty="0" err="1" smtClean="0"/>
+              <a:t>usw</a:t>
+            </a:r>
+            <a:r>
+              <a:rPr lang="de-DE" dirty="0" smtClean="0"/>
+              <a:t> </a:t>
+            </a:r>
+            <a:r>
+              <a:rPr lang="de-DE" dirty="0" err="1" smtClean="0"/>
+              <a:t>usw</a:t>
+            </a:r>
             <a:endParaRPr lang="de-DE" dirty="0"/>
+          </a:p>
+        </p:txBody>
+      </p:sp>
+      <p:sp>
+        <p:nvSpPr>
+          <p:cNvPr id="4" name="Ellipse 3"/>
+          <p:cNvSpPr/>
+          <p:nvPr/>
+        </p:nvSpPr>
+        <p:spPr>
+          <a:xfrm>
+            <a:off x="-36512" y="5020022"/>
+            <a:ext cx="179512" cy="144016"/>
+          </a:xfrm>
+          <a:prstGeom prst="ellipse">
+            <a:avLst/>
+          </a:prstGeom>
+        </p:spPr>
+        <p:style>
+          <a:lnRef idx="2">
+            <a:schemeClr val="accent1">
+              <a:shade val="50000"/>
+            </a:schemeClr>
+          </a:lnRef>
+          <a:fillRef idx="1">
+            <a:schemeClr val="accent1"/>
+          </a:fillRef>
+          <a:effectRef idx="0">
+            <a:schemeClr val="accent1"/>
+          </a:effectRef>
+          <a:fontRef idx="minor">
+            <a:schemeClr val="lt1"/>
+          </a:fontRef>
+        </p:style>
+        <p:txBody>
+          <a:bodyPr rtlCol="0" anchor="ctr"/>
+          <a:lstStyle/>
+          <a:p>
+            <a:pPr algn="ctr"/>
+            <a:endParaRPr lang="de-DE"/>
           </a:p>
         </p:txBody>
       </p:sp>
@@ -4384,6 +5424,13 @@
   <p:clrMapOvr>
     <a:masterClrMapping/>
   </p:clrMapOvr>
+  <p:timing>
+    <p:tnLst>
+      <p:par>
+        <p:cTn id="1" dur="indefinite" restart="never" nodeType="tmRoot"/>
+      </p:par>
+    </p:tnLst>
+  </p:timing>
 </p:sld>
 </file>
 
@@ -4416,44 +5463,127 @@
         </p:nvSpPr>
         <p:spPr/>
         <p:txBody>
+          <a:bodyPr/>
+          <a:lstStyle/>
+          <a:p>
+            <a:r>
+              <a:rPr lang="de-DE" dirty="0" smtClean="0"/>
+              <a:t>Verwendete Frameworks</a:t>
+            </a:r>
+            <a:endParaRPr lang="de-DE" dirty="0"/>
+          </a:p>
+        </p:txBody>
+      </p:sp>
+      <p:sp>
+        <p:nvSpPr>
+          <p:cNvPr id="3" name="Inhaltsplatzhalter 2"/>
+          <p:cNvSpPr>
+            <a:spLocks noGrp="1"/>
+          </p:cNvSpPr>
+          <p:nvPr>
+            <p:ph idx="1"/>
+          </p:nvPr>
+        </p:nvSpPr>
+        <p:spPr/>
+        <p:txBody>
           <a:bodyPr>
-            <a:normAutofit fontScale="90000"/>
+            <a:normAutofit fontScale="92500" lnSpcReduction="20000"/>
           </a:bodyPr>
           <a:lstStyle/>
           <a:p>
             <a:r>
-              <a:rPr lang="de-DE" dirty="0" smtClean="0"/>
-              <a:t>Themenschwerpunkt Testen</a:t>
-            </a:r>
-            <a:br>
-              <a:rPr lang="de-DE" dirty="0" smtClean="0"/>
-            </a:br>
+              <a:rPr lang="de-DE" dirty="0" err="1" smtClean="0"/>
+              <a:t>Roboguice</a:t>
+            </a:r>
+            <a:endParaRPr lang="de-DE" dirty="0" smtClean="0"/>
+          </a:p>
+          <a:p>
+            <a:r>
+              <a:rPr lang="de-DE" dirty="0" err="1" smtClean="0"/>
+              <a:t>Robolectric</a:t>
+            </a:r>
+            <a:endParaRPr lang="de-DE" dirty="0" smtClean="0"/>
+          </a:p>
+          <a:p>
+            <a:r>
+              <a:rPr lang="de-DE" dirty="0" err="1" smtClean="0"/>
+              <a:t>jUnit</a:t>
+            </a:r>
+            <a:endParaRPr lang="de-DE" dirty="0" smtClean="0"/>
+          </a:p>
+          <a:p>
             <a:r>
               <a:rPr lang="de-DE" dirty="0" err="1" smtClean="0"/>
               <a:t>Mockito</a:t>
             </a:r>
+            <a:endParaRPr lang="de-DE" dirty="0" smtClean="0"/>
+          </a:p>
+          <a:p>
+            <a:r>
+              <a:rPr lang="de-DE" dirty="0" err="1" smtClean="0"/>
+              <a:t>AssertJ</a:t>
+            </a:r>
+            <a:endParaRPr lang="de-DE" dirty="0" smtClean="0"/>
+          </a:p>
+          <a:p>
+            <a:r>
+              <a:rPr lang="de-DE" dirty="0" err="1" smtClean="0"/>
+              <a:t>Greenrobot</a:t>
+            </a:r>
+            <a:endParaRPr lang="de-DE" dirty="0" smtClean="0"/>
+          </a:p>
+          <a:p>
+            <a:r>
+              <a:rPr lang="de-DE" dirty="0" err="1" smtClean="0"/>
+              <a:t>Guava</a:t>
+            </a:r>
+            <a:endParaRPr lang="de-DE" dirty="0" smtClean="0"/>
+          </a:p>
+          <a:p>
             <a:endParaRPr lang="de-DE" dirty="0"/>
           </a:p>
         </p:txBody>
       </p:sp>
       <p:sp>
         <p:nvSpPr>
-          <p:cNvPr id="3" name="Inhaltsplatzhalter 2"/>
-          <p:cNvSpPr>
-            <a:spLocks noGrp="1"/>
-          </p:cNvSpPr>
-          <p:nvPr>
-            <p:ph idx="1"/>
-          </p:nvPr>
-        </p:nvSpPr>
-        <p:spPr/>
-        <p:txBody>
-          <a:bodyPr>
-            <a:normAutofit/>
-          </a:bodyPr>
-          <a:lstStyle/>
-          <a:p>
-            <a:endParaRPr lang="de-DE" dirty="0"/>
+          <p:cNvPr id="4" name="Ellipse 3"/>
+          <p:cNvSpPr/>
+          <p:nvPr/>
+        </p:nvSpPr>
+        <p:spPr>
+          <a:xfrm>
+            <a:off x="-36512" y="5020022"/>
+            <a:ext cx="179512" cy="144016"/>
+          </a:xfrm>
+          <a:prstGeom prst="ellipse">
+            <a:avLst/>
+          </a:prstGeom>
+          <a:solidFill>
+            <a:srgbClr val="EA5092"/>
+          </a:solidFill>
+        </p:spPr>
+        <p:style>
+          <a:lnRef idx="2">
+            <a:schemeClr val="accent1">
+              <a:shade val="50000"/>
+            </a:schemeClr>
+          </a:lnRef>
+          <a:fillRef idx="1">
+            <a:schemeClr val="accent1"/>
+          </a:fillRef>
+          <a:effectRef idx="0">
+            <a:schemeClr val="accent1"/>
+          </a:effectRef>
+          <a:fontRef idx="minor">
+            <a:schemeClr val="lt1"/>
+          </a:fontRef>
+        </p:style>
+        <p:txBody>
+          <a:bodyPr rtlCol="0" anchor="ctr"/>
+          <a:lstStyle/>
+          <a:p>
+            <a:pPr algn="ctr"/>
+            <a:endParaRPr lang="de-DE"/>
           </a:p>
         </p:txBody>
       </p:sp>
@@ -4462,6 +5592,13 @@
   <p:clrMapOvr>
     <a:masterClrMapping/>
   </p:clrMapOvr>
+  <p:timing>
+    <p:tnLst>
+      <p:par>
+        <p:cTn id="1" dur="indefinite" restart="never" nodeType="tmRoot"/>
+      </p:par>
+    </p:tnLst>
+  </p:timing>
 </p:sld>
 </file>
 

--- a/docs/mobile_meshviewer_praezi.pptx
+++ b/docs/mobile_meshviewer_praezi.pptx
@@ -4,25 +4,36 @@
   <p:sldMasterIdLst>
     <p:sldMasterId id="2147483720" r:id="rId1"/>
   </p:sldMasterIdLst>
+  <p:notesMasterIdLst>
+    <p:notesMasterId r:id="rId28"/>
+  </p:notesMasterIdLst>
   <p:sldIdLst>
     <p:sldId id="256" r:id="rId2"/>
     <p:sldId id="257" r:id="rId3"/>
     <p:sldId id="258" r:id="rId4"/>
-    <p:sldId id="259" r:id="rId5"/>
-    <p:sldId id="264" r:id="rId6"/>
-    <p:sldId id="260" r:id="rId7"/>
-    <p:sldId id="274" r:id="rId8"/>
-    <p:sldId id="275" r:id="rId9"/>
-    <p:sldId id="271" r:id="rId10"/>
-    <p:sldId id="265" r:id="rId11"/>
-    <p:sldId id="267" r:id="rId12"/>
-    <p:sldId id="270" r:id="rId13"/>
-    <p:sldId id="268" r:id="rId14"/>
-    <p:sldId id="266" r:id="rId15"/>
-    <p:sldId id="269" r:id="rId16"/>
-    <p:sldId id="262" r:id="rId17"/>
-    <p:sldId id="263" r:id="rId18"/>
-    <p:sldId id="272" r:id="rId19"/>
+    <p:sldId id="279" r:id="rId5"/>
+    <p:sldId id="277" r:id="rId6"/>
+    <p:sldId id="278" r:id="rId7"/>
+    <p:sldId id="259" r:id="rId8"/>
+    <p:sldId id="264" r:id="rId9"/>
+    <p:sldId id="260" r:id="rId10"/>
+    <p:sldId id="274" r:id="rId11"/>
+    <p:sldId id="280" r:id="rId12"/>
+    <p:sldId id="282" r:id="rId13"/>
+    <p:sldId id="283" r:id="rId14"/>
+    <p:sldId id="275" r:id="rId15"/>
+    <p:sldId id="281" r:id="rId16"/>
+    <p:sldId id="271" r:id="rId17"/>
+    <p:sldId id="265" r:id="rId18"/>
+    <p:sldId id="267" r:id="rId19"/>
+    <p:sldId id="270" r:id="rId20"/>
+    <p:sldId id="268" r:id="rId21"/>
+    <p:sldId id="266" r:id="rId22"/>
+    <p:sldId id="269" r:id="rId23"/>
+    <p:sldId id="262" r:id="rId24"/>
+    <p:sldId id="263" r:id="rId25"/>
+    <p:sldId id="276" r:id="rId26"/>
+    <p:sldId id="272" r:id="rId27"/>
   </p:sldIdLst>
   <p:sldSz cx="9144000" cy="5143500" type="screen16x9"/>
   <p:notesSz cx="6858000" cy="9144000"/>
@@ -124,6 +135,2666 @@
 </p:presentation>
 </file>
 
+<file path=ppt/notesMasters/notesMaster1.xml><?xml version="1.0" encoding="utf-8"?>
+<p:notesMaster xmlns:a="http://schemas.openxmlformats.org/drawingml/2006/main" xmlns:r="http://schemas.openxmlformats.org/officeDocument/2006/relationships" xmlns:p="http://schemas.openxmlformats.org/presentationml/2006/main">
+  <p:cSld>
+    <p:bg>
+      <p:bgRef idx="1001">
+        <a:schemeClr val="bg1"/>
+      </p:bgRef>
+    </p:bg>
+    <p:spTree>
+      <p:nvGrpSpPr>
+        <p:cNvPr id="1" name=""/>
+        <p:cNvGrpSpPr/>
+        <p:nvPr/>
+      </p:nvGrpSpPr>
+      <p:grpSpPr>
+        <a:xfrm>
+          <a:off x="0" y="0"/>
+          <a:ext cx="0" cy="0"/>
+          <a:chOff x="0" y="0"/>
+          <a:chExt cx="0" cy="0"/>
+        </a:xfrm>
+      </p:grpSpPr>
+      <p:sp>
+        <p:nvSpPr>
+          <p:cNvPr id="2" name="Kopfzeilenplatzhalter 1"/>
+          <p:cNvSpPr>
+            <a:spLocks noGrp="1"/>
+          </p:cNvSpPr>
+          <p:nvPr>
+            <p:ph type="hdr" sz="quarter"/>
+          </p:nvPr>
+        </p:nvSpPr>
+        <p:spPr>
+          <a:xfrm>
+            <a:off x="0" y="0"/>
+            <a:ext cx="2971800" cy="457200"/>
+          </a:xfrm>
+          <a:prstGeom prst="rect">
+            <a:avLst/>
+          </a:prstGeom>
+        </p:spPr>
+        <p:txBody>
+          <a:bodyPr vert="horz" lIns="91440" tIns="45720" rIns="91440" bIns="45720" rtlCol="0"/>
+          <a:lstStyle>
+            <a:lvl1pPr algn="l">
+              <a:defRPr sz="1200"/>
+            </a:lvl1pPr>
+          </a:lstStyle>
+          <a:p>
+            <a:endParaRPr lang="de-DE"/>
+          </a:p>
+        </p:txBody>
+      </p:sp>
+      <p:sp>
+        <p:nvSpPr>
+          <p:cNvPr id="3" name="Datumsplatzhalter 2"/>
+          <p:cNvSpPr>
+            <a:spLocks noGrp="1"/>
+          </p:cNvSpPr>
+          <p:nvPr>
+            <p:ph type="dt" idx="1"/>
+          </p:nvPr>
+        </p:nvSpPr>
+        <p:spPr>
+          <a:xfrm>
+            <a:off x="3884613" y="0"/>
+            <a:ext cx="2971800" cy="457200"/>
+          </a:xfrm>
+          <a:prstGeom prst="rect">
+            <a:avLst/>
+          </a:prstGeom>
+        </p:spPr>
+        <p:txBody>
+          <a:bodyPr vert="horz" lIns="91440" tIns="45720" rIns="91440" bIns="45720" rtlCol="0"/>
+          <a:lstStyle>
+            <a:lvl1pPr algn="r">
+              <a:defRPr sz="1200"/>
+            </a:lvl1pPr>
+          </a:lstStyle>
+          <a:p>
+            <a:fld id="{F2CBB45D-6C29-4B63-A1E1-05AE76F6CCEE}" type="datetimeFigureOut">
+              <a:rPr lang="de-DE" smtClean="0"/>
+              <a:t>13.06.2016</a:t>
+            </a:fld>
+            <a:endParaRPr lang="de-DE"/>
+          </a:p>
+        </p:txBody>
+      </p:sp>
+      <p:sp>
+        <p:nvSpPr>
+          <p:cNvPr id="4" name="Folienbildplatzhalter 3"/>
+          <p:cNvSpPr>
+            <a:spLocks noGrp="1" noRot="1" noChangeAspect="1"/>
+          </p:cNvSpPr>
+          <p:nvPr>
+            <p:ph type="sldImg" idx="2"/>
+          </p:nvPr>
+        </p:nvSpPr>
+        <p:spPr>
+          <a:xfrm>
+            <a:off x="381000" y="685800"/>
+            <a:ext cx="6096000" cy="3429000"/>
+          </a:xfrm>
+          <a:prstGeom prst="rect">
+            <a:avLst/>
+          </a:prstGeom>
+          <a:noFill/>
+          <a:ln w="12700">
+            <a:solidFill>
+              <a:prstClr val="black"/>
+            </a:solidFill>
+          </a:ln>
+        </p:spPr>
+        <p:txBody>
+          <a:bodyPr vert="horz" lIns="91440" tIns="45720" rIns="91440" bIns="45720" rtlCol="0" anchor="ctr"/>
+          <a:lstStyle/>
+          <a:p>
+            <a:endParaRPr lang="de-DE"/>
+          </a:p>
+        </p:txBody>
+      </p:sp>
+      <p:sp>
+        <p:nvSpPr>
+          <p:cNvPr id="5" name="Notizenplatzhalter 4"/>
+          <p:cNvSpPr>
+            <a:spLocks noGrp="1"/>
+          </p:cNvSpPr>
+          <p:nvPr>
+            <p:ph type="body" sz="quarter" idx="3"/>
+          </p:nvPr>
+        </p:nvSpPr>
+        <p:spPr>
+          <a:xfrm>
+            <a:off x="685800" y="4343400"/>
+            <a:ext cx="5486400" cy="4114800"/>
+          </a:xfrm>
+          <a:prstGeom prst="rect">
+            <a:avLst/>
+          </a:prstGeom>
+        </p:spPr>
+        <p:txBody>
+          <a:bodyPr vert="horz" lIns="91440" tIns="45720" rIns="91440" bIns="45720" rtlCol="0">
+            <a:normAutofit/>
+          </a:bodyPr>
+          <a:lstStyle/>
+          <a:p>
+            <a:pPr lvl="0"/>
+            <a:r>
+              <a:rPr lang="de-DE" smtClean="0"/>
+              <a:t>Textmasterformate durch Klicken bearbeiten</a:t>
+            </a:r>
+          </a:p>
+          <a:p>
+            <a:pPr lvl="1"/>
+            <a:r>
+              <a:rPr lang="de-DE" smtClean="0"/>
+              <a:t>Zweite Ebene</a:t>
+            </a:r>
+          </a:p>
+          <a:p>
+            <a:pPr lvl="2"/>
+            <a:r>
+              <a:rPr lang="de-DE" smtClean="0"/>
+              <a:t>Dritte Ebene</a:t>
+            </a:r>
+          </a:p>
+          <a:p>
+            <a:pPr lvl="3"/>
+            <a:r>
+              <a:rPr lang="de-DE" smtClean="0"/>
+              <a:t>Vierte Ebene</a:t>
+            </a:r>
+          </a:p>
+          <a:p>
+            <a:pPr lvl="4"/>
+            <a:r>
+              <a:rPr lang="de-DE" smtClean="0"/>
+              <a:t>Fünfte Ebene</a:t>
+            </a:r>
+            <a:endParaRPr lang="de-DE"/>
+          </a:p>
+        </p:txBody>
+      </p:sp>
+      <p:sp>
+        <p:nvSpPr>
+          <p:cNvPr id="6" name="Fußzeilenplatzhalter 5"/>
+          <p:cNvSpPr>
+            <a:spLocks noGrp="1"/>
+          </p:cNvSpPr>
+          <p:nvPr>
+            <p:ph type="ftr" sz="quarter" idx="4"/>
+          </p:nvPr>
+        </p:nvSpPr>
+        <p:spPr>
+          <a:xfrm>
+            <a:off x="0" y="8685213"/>
+            <a:ext cx="2971800" cy="457200"/>
+          </a:xfrm>
+          <a:prstGeom prst="rect">
+            <a:avLst/>
+          </a:prstGeom>
+        </p:spPr>
+        <p:txBody>
+          <a:bodyPr vert="horz" lIns="91440" tIns="45720" rIns="91440" bIns="45720" rtlCol="0" anchor="b"/>
+          <a:lstStyle>
+            <a:lvl1pPr algn="l">
+              <a:defRPr sz="1200"/>
+            </a:lvl1pPr>
+          </a:lstStyle>
+          <a:p>
+            <a:endParaRPr lang="de-DE"/>
+          </a:p>
+        </p:txBody>
+      </p:sp>
+      <p:sp>
+        <p:nvSpPr>
+          <p:cNvPr id="7" name="Foliennummernplatzhalter 6"/>
+          <p:cNvSpPr>
+            <a:spLocks noGrp="1"/>
+          </p:cNvSpPr>
+          <p:nvPr>
+            <p:ph type="sldNum" sz="quarter" idx="5"/>
+          </p:nvPr>
+        </p:nvSpPr>
+        <p:spPr>
+          <a:xfrm>
+            <a:off x="3884613" y="8685213"/>
+            <a:ext cx="2971800" cy="457200"/>
+          </a:xfrm>
+          <a:prstGeom prst="rect">
+            <a:avLst/>
+          </a:prstGeom>
+        </p:spPr>
+        <p:txBody>
+          <a:bodyPr vert="horz" lIns="91440" tIns="45720" rIns="91440" bIns="45720" rtlCol="0" anchor="b"/>
+          <a:lstStyle>
+            <a:lvl1pPr algn="r">
+              <a:defRPr sz="1200"/>
+            </a:lvl1pPr>
+          </a:lstStyle>
+          <a:p>
+            <a:fld id="{C48A05A2-CDCD-443F-85B0-2D4D73D6D8B2}" type="slidenum">
+              <a:rPr lang="de-DE" smtClean="0"/>
+              <a:t>‹Nr.›</a:t>
+            </a:fld>
+            <a:endParaRPr lang="de-DE"/>
+          </a:p>
+        </p:txBody>
+      </p:sp>
+    </p:spTree>
+  </p:cSld>
+  <p:clrMap bg1="lt1" tx1="dk1" bg2="lt2" tx2="dk2" accent1="accent1" accent2="accent2" accent3="accent3" accent4="accent4" accent5="accent5" accent6="accent6" hlink="hlink" folHlink="folHlink"/>
+  <p:notesStyle>
+    <a:lvl1pPr marL="0" algn="l" defTabSz="914400" rtl="0" eaLnBrk="1" latinLnBrk="0" hangingPunct="1">
+      <a:defRPr sz="1200" kern="1200">
+        <a:solidFill>
+          <a:schemeClr val="tx1"/>
+        </a:solidFill>
+        <a:latin typeface="+mn-lt"/>
+        <a:ea typeface="+mn-ea"/>
+        <a:cs typeface="+mn-cs"/>
+      </a:defRPr>
+    </a:lvl1pPr>
+    <a:lvl2pPr marL="457200" algn="l" defTabSz="914400" rtl="0" eaLnBrk="1" latinLnBrk="0" hangingPunct="1">
+      <a:defRPr sz="1200" kern="1200">
+        <a:solidFill>
+          <a:schemeClr val="tx1"/>
+        </a:solidFill>
+        <a:latin typeface="+mn-lt"/>
+        <a:ea typeface="+mn-ea"/>
+        <a:cs typeface="+mn-cs"/>
+      </a:defRPr>
+    </a:lvl2pPr>
+    <a:lvl3pPr marL="914400" algn="l" defTabSz="914400" rtl="0" eaLnBrk="1" latinLnBrk="0" hangingPunct="1">
+      <a:defRPr sz="1200" kern="1200">
+        <a:solidFill>
+          <a:schemeClr val="tx1"/>
+        </a:solidFill>
+        <a:latin typeface="+mn-lt"/>
+        <a:ea typeface="+mn-ea"/>
+        <a:cs typeface="+mn-cs"/>
+      </a:defRPr>
+    </a:lvl3pPr>
+    <a:lvl4pPr marL="1371600" algn="l" defTabSz="914400" rtl="0" eaLnBrk="1" latinLnBrk="0" hangingPunct="1">
+      <a:defRPr sz="1200" kern="1200">
+        <a:solidFill>
+          <a:schemeClr val="tx1"/>
+        </a:solidFill>
+        <a:latin typeface="+mn-lt"/>
+        <a:ea typeface="+mn-ea"/>
+        <a:cs typeface="+mn-cs"/>
+      </a:defRPr>
+    </a:lvl4pPr>
+    <a:lvl5pPr marL="1828800" algn="l" defTabSz="914400" rtl="0" eaLnBrk="1" latinLnBrk="0" hangingPunct="1">
+      <a:defRPr sz="1200" kern="1200">
+        <a:solidFill>
+          <a:schemeClr val="tx1"/>
+        </a:solidFill>
+        <a:latin typeface="+mn-lt"/>
+        <a:ea typeface="+mn-ea"/>
+        <a:cs typeface="+mn-cs"/>
+      </a:defRPr>
+    </a:lvl5pPr>
+    <a:lvl6pPr marL="2286000" algn="l" defTabSz="914400" rtl="0" eaLnBrk="1" latinLnBrk="0" hangingPunct="1">
+      <a:defRPr sz="1200" kern="1200">
+        <a:solidFill>
+          <a:schemeClr val="tx1"/>
+        </a:solidFill>
+        <a:latin typeface="+mn-lt"/>
+        <a:ea typeface="+mn-ea"/>
+        <a:cs typeface="+mn-cs"/>
+      </a:defRPr>
+    </a:lvl6pPr>
+    <a:lvl7pPr marL="2743200" algn="l" defTabSz="914400" rtl="0" eaLnBrk="1" latinLnBrk="0" hangingPunct="1">
+      <a:defRPr sz="1200" kern="1200">
+        <a:solidFill>
+          <a:schemeClr val="tx1"/>
+        </a:solidFill>
+        <a:latin typeface="+mn-lt"/>
+        <a:ea typeface="+mn-ea"/>
+        <a:cs typeface="+mn-cs"/>
+      </a:defRPr>
+    </a:lvl7pPr>
+    <a:lvl8pPr marL="3200400" algn="l" defTabSz="914400" rtl="0" eaLnBrk="1" latinLnBrk="0" hangingPunct="1">
+      <a:defRPr sz="1200" kern="1200">
+        <a:solidFill>
+          <a:schemeClr val="tx1"/>
+        </a:solidFill>
+        <a:latin typeface="+mn-lt"/>
+        <a:ea typeface="+mn-ea"/>
+        <a:cs typeface="+mn-cs"/>
+      </a:defRPr>
+    </a:lvl8pPr>
+    <a:lvl9pPr marL="3657600" algn="l" defTabSz="914400" rtl="0" eaLnBrk="1" latinLnBrk="0" hangingPunct="1">
+      <a:defRPr sz="1200" kern="1200">
+        <a:solidFill>
+          <a:schemeClr val="tx1"/>
+        </a:solidFill>
+        <a:latin typeface="+mn-lt"/>
+        <a:ea typeface="+mn-ea"/>
+        <a:cs typeface="+mn-cs"/>
+      </a:defRPr>
+    </a:lvl9pPr>
+  </p:notesStyle>
+</p:notesMaster>
+</file>
+
+<file path=ppt/notesSlides/notesSlide1.xml><?xml version="1.0" encoding="utf-8"?>
+<p:notes xmlns:a="http://schemas.openxmlformats.org/drawingml/2006/main" xmlns:r="http://schemas.openxmlformats.org/officeDocument/2006/relationships" xmlns:p="http://schemas.openxmlformats.org/presentationml/2006/main">
+  <p:cSld>
+    <p:spTree>
+      <p:nvGrpSpPr>
+        <p:cNvPr id="1" name=""/>
+        <p:cNvGrpSpPr/>
+        <p:nvPr/>
+      </p:nvGrpSpPr>
+      <p:grpSpPr>
+        <a:xfrm>
+          <a:off x="0" y="0"/>
+          <a:ext cx="0" cy="0"/>
+          <a:chOff x="0" y="0"/>
+          <a:chExt cx="0" cy="0"/>
+        </a:xfrm>
+      </p:grpSpPr>
+      <p:sp>
+        <p:nvSpPr>
+          <p:cNvPr id="2" name="Folienbildplatzhalter 1"/>
+          <p:cNvSpPr>
+            <a:spLocks noGrp="1" noRot="1" noChangeAspect="1"/>
+          </p:cNvSpPr>
+          <p:nvPr>
+            <p:ph type="sldImg"/>
+          </p:nvPr>
+        </p:nvSpPr>
+        <p:spPr/>
+      </p:sp>
+      <p:sp>
+        <p:nvSpPr>
+          <p:cNvPr id="3" name="Notizenplatzhalter 2"/>
+          <p:cNvSpPr>
+            <a:spLocks noGrp="1"/>
+          </p:cNvSpPr>
+          <p:nvPr>
+            <p:ph type="body" idx="1"/>
+          </p:nvPr>
+        </p:nvSpPr>
+        <p:spPr/>
+        <p:txBody>
+          <a:bodyPr>
+            <a:normAutofit/>
+          </a:bodyPr>
+          <a:lstStyle/>
+          <a:p>
+            <a:r>
+              <a:rPr lang="de-DE" dirty="0" smtClean="0"/>
+              <a:t>Warum </a:t>
+            </a:r>
+            <a:r>
+              <a:rPr lang="de-DE" dirty="0" err="1" smtClean="0"/>
+              <a:t>Freifunk</a:t>
+            </a:r>
+            <a:r>
+              <a:rPr lang="de-DE" dirty="0" smtClean="0"/>
+              <a:t>?</a:t>
+            </a:r>
+          </a:p>
+          <a:p>
+            <a:pPr lvl="1"/>
+            <a:r>
+              <a:rPr lang="de-DE" dirty="0" smtClean="0"/>
+              <a:t>Informations- und Meinungsfreiheit werden in vielen Teilen des Internets eingeschränkt</a:t>
+            </a:r>
+            <a:r>
+              <a:rPr lang="de-DE" baseline="0" dirty="0" smtClean="0"/>
+              <a:t> </a:t>
+            </a:r>
+          </a:p>
+          <a:p>
+            <a:pPr lvl="1"/>
+            <a:r>
+              <a:rPr lang="de-DE" baseline="0" dirty="0" smtClean="0"/>
+              <a:t>	Siehe Brasilien, China, arabischer Frühling </a:t>
+            </a:r>
+            <a:r>
+              <a:rPr lang="de-DE" baseline="0" dirty="0" err="1" smtClean="0"/>
+              <a:t>usw</a:t>
+            </a:r>
+            <a:r>
+              <a:rPr lang="de-DE" baseline="0" dirty="0" smtClean="0"/>
+              <a:t> usw.</a:t>
+            </a:r>
+            <a:endParaRPr lang="de-DE" dirty="0" smtClean="0"/>
+          </a:p>
+          <a:p>
+            <a:pPr lvl="1"/>
+            <a:r>
+              <a:rPr lang="de-DE" dirty="0" smtClean="0"/>
+              <a:t>Permanente Massenüberwachung</a:t>
+            </a:r>
+          </a:p>
+          <a:p>
+            <a:pPr lvl="1"/>
+            <a:r>
+              <a:rPr lang="de-DE" dirty="0" smtClean="0"/>
+              <a:t>	</a:t>
+            </a:r>
+            <a:r>
+              <a:rPr lang="de-DE" dirty="0" err="1" smtClean="0"/>
+              <a:t>Snowden</a:t>
+            </a:r>
+            <a:r>
+              <a:rPr lang="de-DE" dirty="0" smtClean="0"/>
+              <a:t> </a:t>
+            </a:r>
+          </a:p>
+          <a:p>
+            <a:pPr lvl="1"/>
+            <a:r>
+              <a:rPr lang="de-DE" dirty="0" smtClean="0"/>
+              <a:t>Digitale Kluft wird immer größer</a:t>
+            </a:r>
+          </a:p>
+          <a:p>
+            <a:pPr lvl="1"/>
+            <a:r>
+              <a:rPr lang="de-DE" dirty="0" smtClean="0"/>
+              <a:t>	Wohlhabende Digital</a:t>
+            </a:r>
+            <a:r>
+              <a:rPr lang="de-DE" baseline="0" dirty="0" smtClean="0"/>
+              <a:t> natives haben das Netz als Zuhause, arme und vor allem ältere Menschen sind vom Internet ausgeschlossen</a:t>
+            </a:r>
+            <a:endParaRPr lang="de-DE" dirty="0" smtClean="0"/>
+          </a:p>
+          <a:p>
+            <a:pPr lvl="1"/>
+            <a:r>
+              <a:rPr lang="de-DE" dirty="0" smtClean="0"/>
+              <a:t>Stagnierender Breitbandausbau</a:t>
+            </a:r>
+          </a:p>
+          <a:p>
+            <a:pPr lvl="1"/>
+            <a:r>
+              <a:rPr lang="de-DE" dirty="0" smtClean="0"/>
+              <a:t>	Deutschland ist Schlusslicht in der EU</a:t>
+            </a:r>
+          </a:p>
+          <a:p>
+            <a:pPr lvl="1"/>
+            <a:r>
+              <a:rPr lang="de-DE" dirty="0" smtClean="0">
+                <a:solidFill>
+                  <a:schemeClr val="bg1">
+                    <a:lumMod val="75000"/>
+                  </a:schemeClr>
+                </a:solidFill>
+              </a:rPr>
+              <a:t>Es macht Spaß ;)</a:t>
+            </a:r>
+            <a:endParaRPr lang="de-DE" dirty="0" smtClean="0">
+              <a:solidFill>
+                <a:schemeClr val="bg1">
+                  <a:lumMod val="75000"/>
+                </a:schemeClr>
+              </a:solidFill>
+            </a:endParaRPr>
+          </a:p>
+        </p:txBody>
+      </p:sp>
+      <p:sp>
+        <p:nvSpPr>
+          <p:cNvPr id="4" name="Foliennummernplatzhalter 3"/>
+          <p:cNvSpPr>
+            <a:spLocks noGrp="1"/>
+          </p:cNvSpPr>
+          <p:nvPr>
+            <p:ph type="sldNum" sz="quarter" idx="10"/>
+          </p:nvPr>
+        </p:nvSpPr>
+        <p:spPr/>
+        <p:txBody>
+          <a:bodyPr/>
+          <a:lstStyle/>
+          <a:p>
+            <a:fld id="{C48A05A2-CDCD-443F-85B0-2D4D73D6D8B2}" type="slidenum">
+              <a:rPr lang="de-DE" smtClean="0"/>
+              <a:t>4</a:t>
+            </a:fld>
+            <a:endParaRPr lang="de-DE"/>
+          </a:p>
+        </p:txBody>
+      </p:sp>
+    </p:spTree>
+  </p:cSld>
+  <p:clrMapOvr>
+    <a:masterClrMapping/>
+  </p:clrMapOvr>
+</p:notes>
+</file>
+
+<file path=ppt/notesSlides/notesSlide10.xml><?xml version="1.0" encoding="utf-8"?>
+<p:notes xmlns:a="http://schemas.openxmlformats.org/drawingml/2006/main" xmlns:r="http://schemas.openxmlformats.org/officeDocument/2006/relationships" xmlns:p="http://schemas.openxmlformats.org/presentationml/2006/main">
+  <p:cSld>
+    <p:spTree>
+      <p:nvGrpSpPr>
+        <p:cNvPr id="1" name=""/>
+        <p:cNvGrpSpPr/>
+        <p:nvPr/>
+      </p:nvGrpSpPr>
+      <p:grpSpPr>
+        <a:xfrm>
+          <a:off x="0" y="0"/>
+          <a:ext cx="0" cy="0"/>
+          <a:chOff x="0" y="0"/>
+          <a:chExt cx="0" cy="0"/>
+        </a:xfrm>
+      </p:grpSpPr>
+      <p:sp>
+        <p:nvSpPr>
+          <p:cNvPr id="2" name="Folienbildplatzhalter 1"/>
+          <p:cNvSpPr>
+            <a:spLocks noGrp="1" noRot="1" noChangeAspect="1"/>
+          </p:cNvSpPr>
+          <p:nvPr>
+            <p:ph type="sldImg"/>
+          </p:nvPr>
+        </p:nvSpPr>
+        <p:spPr/>
+      </p:sp>
+      <p:sp>
+        <p:nvSpPr>
+          <p:cNvPr id="3" name="Notizenplatzhalter 2"/>
+          <p:cNvSpPr>
+            <a:spLocks noGrp="1"/>
+          </p:cNvSpPr>
+          <p:nvPr>
+            <p:ph type="body" idx="1"/>
+          </p:nvPr>
+        </p:nvSpPr>
+        <p:spPr/>
+        <p:txBody>
+          <a:bodyPr>
+            <a:normAutofit lnSpcReduction="10000"/>
+          </a:bodyPr>
+          <a:lstStyle/>
+          <a:p>
+            <a:pPr>
+              <a:buFont typeface="Arial" pitchFamily="34" charset="0"/>
+              <a:buChar char="•"/>
+            </a:pPr>
+            <a:r>
+              <a:rPr lang="de-DE" dirty="0" smtClean="0"/>
+              <a:t>Tests First</a:t>
+            </a:r>
+          </a:p>
+          <a:p>
+            <a:pPr lvl="1">
+              <a:buFont typeface="Arial" pitchFamily="34" charset="0"/>
+              <a:buChar char="•"/>
+            </a:pPr>
+            <a:r>
+              <a:rPr lang="de-DE" dirty="0" smtClean="0"/>
+              <a:t>Grundsätzlich</a:t>
+            </a:r>
+            <a:r>
+              <a:rPr lang="de-DE" baseline="0" dirty="0" smtClean="0"/>
+              <a:t> wird der Test vor dem Code geschrieben</a:t>
+            </a:r>
+          </a:p>
+          <a:p>
+            <a:pPr marL="457200" marR="0" lvl="1" indent="0" algn="l" defTabSz="914400" rtl="0" eaLnBrk="1" fontAlgn="auto" latinLnBrk="0" hangingPunct="1">
+              <a:lnSpc>
+                <a:spcPct val="100000"/>
+              </a:lnSpc>
+              <a:spcBef>
+                <a:spcPts val="0"/>
+              </a:spcBef>
+              <a:spcAft>
+                <a:spcPts val="0"/>
+              </a:spcAft>
+              <a:buClrTx/>
+              <a:buSzTx/>
+              <a:buFont typeface="Arial" pitchFamily="34" charset="0"/>
+              <a:buChar char="•"/>
+              <a:tabLst/>
+              <a:defRPr/>
+            </a:pPr>
+            <a:r>
+              <a:rPr lang="de-DE" baseline="0" dirty="0" err="1" smtClean="0"/>
+              <a:t>Microiteration</a:t>
+            </a:r>
+            <a:r>
+              <a:rPr lang="de-DE" baseline="0" dirty="0" smtClean="0"/>
+              <a:t> (nach Kent Beck):</a:t>
+            </a:r>
+          </a:p>
+          <a:p>
+            <a:pPr marL="1143000" marR="0" lvl="2" indent="-228600" algn="l" defTabSz="914400" rtl="0" eaLnBrk="1" fontAlgn="auto" latinLnBrk="0" hangingPunct="1">
+              <a:lnSpc>
+                <a:spcPct val="100000"/>
+              </a:lnSpc>
+              <a:spcBef>
+                <a:spcPts val="0"/>
+              </a:spcBef>
+              <a:spcAft>
+                <a:spcPts val="0"/>
+              </a:spcAft>
+              <a:buClrTx/>
+              <a:buSzTx/>
+              <a:buFont typeface="+mj-lt"/>
+              <a:buAutoNum type="arabicPeriod"/>
+              <a:tabLst/>
+              <a:defRPr/>
+            </a:pPr>
+            <a:r>
+              <a:rPr lang="de-DE" dirty="0" smtClean="0"/>
+              <a:t>Test schreiben, der gewünschte Funktionalität bzw. gewünschtes Verhalten</a:t>
+            </a:r>
+          </a:p>
+          <a:p>
+            <a:pPr marL="1600200" marR="0" lvl="3" indent="-228600" algn="l" defTabSz="914400" rtl="0" eaLnBrk="1" fontAlgn="auto" latinLnBrk="0" hangingPunct="1">
+              <a:lnSpc>
+                <a:spcPct val="100000"/>
+              </a:lnSpc>
+              <a:spcBef>
+                <a:spcPts val="0"/>
+              </a:spcBef>
+              <a:spcAft>
+                <a:spcPts val="0"/>
+              </a:spcAft>
+              <a:buClrTx/>
+              <a:buSzTx/>
+              <a:buFont typeface="Arial" pitchFamily="34" charset="0"/>
+              <a:buChar char="•"/>
+              <a:tabLst/>
+              <a:defRPr/>
+            </a:pPr>
+            <a:r>
+              <a:rPr lang="de-DE" dirty="0" smtClean="0"/>
+              <a:t>Funktionalität</a:t>
+            </a:r>
+            <a:r>
+              <a:rPr lang="de-DE" baseline="0" dirty="0" smtClean="0"/>
+              <a:t> ist dabei noch nicht vorhanden, Test schlägt fehl</a:t>
+            </a:r>
+            <a:endParaRPr lang="de-DE" dirty="0" smtClean="0"/>
+          </a:p>
+          <a:p>
+            <a:pPr marL="1371600" lvl="2" indent="-514350">
+              <a:buFont typeface="+mj-lt"/>
+              <a:buAutoNum type="arabicPeriod"/>
+            </a:pPr>
+            <a:r>
+              <a:rPr lang="de-DE" dirty="0" smtClean="0"/>
+              <a:t>Code mit möglichst wenig Aufwand ändern, dass Test bestanden wird</a:t>
+            </a:r>
+          </a:p>
+          <a:p>
+            <a:pPr marL="1371600" lvl="2" indent="-514350">
+              <a:buFont typeface="+mj-lt"/>
+              <a:buAutoNum type="arabicPeriod"/>
+            </a:pPr>
+            <a:r>
+              <a:rPr lang="de-DE" dirty="0" smtClean="0"/>
+              <a:t>Code aufräumen ohne neue Funktionalität </a:t>
+            </a:r>
+          </a:p>
+          <a:p>
+            <a:pPr marL="1828800" lvl="3" indent="-514350">
+              <a:buFont typeface="Arial" pitchFamily="34" charset="0"/>
+              <a:buChar char="•"/>
+            </a:pPr>
+            <a:r>
+              <a:rPr lang="de-DE" dirty="0" err="1" smtClean="0"/>
+              <a:t>Refactoring</a:t>
+            </a:r>
+            <a:endParaRPr lang="de-DE" dirty="0" smtClean="0"/>
+          </a:p>
+          <a:p>
+            <a:pPr marL="1828800" lvl="3" indent="-514350">
+              <a:buFont typeface="Arial" pitchFamily="34" charset="0"/>
+              <a:buChar char="•"/>
+            </a:pPr>
+            <a:endParaRPr lang="de-DE" dirty="0" smtClean="0"/>
+          </a:p>
+          <a:p>
+            <a:pPr marL="457200" lvl="0" indent="-514350">
+              <a:buFont typeface="Arial" pitchFamily="34" charset="0"/>
+              <a:buChar char="•"/>
+            </a:pPr>
+            <a:r>
+              <a:rPr lang="de-DE" dirty="0" smtClean="0"/>
+              <a:t>Wiederholung der Schritte</a:t>
+            </a:r>
+            <a:r>
+              <a:rPr lang="de-DE" baseline="0" dirty="0" smtClean="0"/>
+              <a:t> bis alle Funktionalitäten umgesetzt wurden, Unit ist dann „fertig“ und wird zusammen mit Tests gespeichert.</a:t>
+            </a:r>
+          </a:p>
+          <a:p>
+            <a:pPr marL="457200" lvl="0" indent="-514350">
+              <a:buFont typeface="Arial" pitchFamily="34" charset="0"/>
+              <a:buChar char="•"/>
+            </a:pPr>
+            <a:r>
+              <a:rPr lang="de-DE" baseline="0" dirty="0" smtClean="0"/>
+              <a:t>Tests werden für kommende Änderungen noch gebraucht</a:t>
+            </a:r>
+          </a:p>
+          <a:p>
+            <a:pPr marL="457200" lvl="0" indent="-514350">
+              <a:buFont typeface="Arial" pitchFamily="34" charset="0"/>
+              <a:buChar char="•"/>
+            </a:pPr>
+            <a:endParaRPr lang="de-DE" baseline="0" dirty="0" smtClean="0"/>
+          </a:p>
+          <a:p>
+            <a:pPr marL="457200" lvl="0" indent="-514350">
+              <a:buFont typeface="Arial" pitchFamily="34" charset="0"/>
+              <a:buChar char="•"/>
+            </a:pPr>
+            <a:r>
+              <a:rPr lang="de-DE" baseline="0" dirty="0" smtClean="0"/>
+              <a:t>Motivation:</a:t>
+            </a:r>
+          </a:p>
+          <a:p>
+            <a:pPr marL="914400" lvl="1" indent="-514350">
+              <a:buFont typeface="Arial" pitchFamily="34" charset="0"/>
+              <a:buChar char="•"/>
+            </a:pPr>
+            <a:r>
+              <a:rPr lang="de-DE" baseline="0" dirty="0" smtClean="0"/>
+              <a:t>Herkömmliche Vorgehen haben nur eine mangelhafte Codeabdeckung durch Tests</a:t>
+            </a:r>
+          </a:p>
+          <a:p>
+            <a:pPr marL="914400" lvl="1" indent="-514350">
+              <a:buFont typeface="Arial" pitchFamily="34" charset="0"/>
+              <a:buChar char="•"/>
+            </a:pPr>
+            <a:r>
+              <a:rPr lang="de-DE" baseline="0" dirty="0" smtClean="0"/>
+              <a:t>Systeme werden meist so entworfen, dass schwer getestet werden kann</a:t>
+            </a:r>
+          </a:p>
+          <a:p>
+            <a:pPr marL="914400" lvl="1" indent="-514350">
+              <a:buFont typeface="Arial" pitchFamily="34" charset="0"/>
+              <a:buChar char="•"/>
+            </a:pPr>
+            <a:r>
+              <a:rPr lang="de-DE" baseline="0" dirty="0" smtClean="0"/>
+              <a:t>Programmierer haben nach Codeerstellung „Betriebsblindheit“</a:t>
+            </a:r>
+          </a:p>
+          <a:p>
+            <a:pPr marL="914400" lvl="1" indent="-514350">
+              <a:buFont typeface="Arial" pitchFamily="34" charset="0"/>
+              <a:buChar char="•"/>
+            </a:pPr>
+            <a:r>
+              <a:rPr lang="de-DE" baseline="0" dirty="0" smtClean="0"/>
+              <a:t>Tests haben oft nicht die gleiche Relevanz wie Code</a:t>
+            </a:r>
+          </a:p>
+          <a:p>
+            <a:pPr marL="1371600" lvl="2" indent="-514350">
+              <a:buFont typeface="Arial" pitchFamily="34" charset="0"/>
+              <a:buChar char="•"/>
+            </a:pPr>
+            <a:r>
+              <a:rPr lang="de-DE" baseline="0" dirty="0" smtClean="0"/>
+              <a:t>„Der Kunde sieht davon nichts“</a:t>
+            </a:r>
+          </a:p>
+          <a:p>
+            <a:pPr marL="1371600" lvl="2" indent="-514350">
+              <a:buFont typeface="Arial" pitchFamily="34" charset="0"/>
+              <a:buChar char="•"/>
+            </a:pPr>
+            <a:r>
+              <a:rPr lang="de-DE" baseline="0" dirty="0" smtClean="0"/>
+              <a:t>Am Ende ist oft keine Zeit mehr dafür da</a:t>
+            </a:r>
+            <a:endParaRPr lang="de-DE" dirty="0" smtClean="0"/>
+          </a:p>
+        </p:txBody>
+      </p:sp>
+      <p:sp>
+        <p:nvSpPr>
+          <p:cNvPr id="4" name="Foliennummernplatzhalter 3"/>
+          <p:cNvSpPr>
+            <a:spLocks noGrp="1"/>
+          </p:cNvSpPr>
+          <p:nvPr>
+            <p:ph type="sldNum" sz="quarter" idx="10"/>
+          </p:nvPr>
+        </p:nvSpPr>
+        <p:spPr/>
+        <p:txBody>
+          <a:bodyPr/>
+          <a:lstStyle/>
+          <a:p>
+            <a:fld id="{C48A05A2-CDCD-443F-85B0-2D4D73D6D8B2}" type="slidenum">
+              <a:rPr lang="de-DE" smtClean="0"/>
+              <a:t>14</a:t>
+            </a:fld>
+            <a:endParaRPr lang="de-DE"/>
+          </a:p>
+        </p:txBody>
+      </p:sp>
+    </p:spTree>
+  </p:cSld>
+  <p:clrMapOvr>
+    <a:masterClrMapping/>
+  </p:clrMapOvr>
+</p:notes>
+</file>
+
+<file path=ppt/notesSlides/notesSlide11.xml><?xml version="1.0" encoding="utf-8"?>
+<p:notes xmlns:a="http://schemas.openxmlformats.org/drawingml/2006/main" xmlns:r="http://schemas.openxmlformats.org/officeDocument/2006/relationships" xmlns:p="http://schemas.openxmlformats.org/presentationml/2006/main">
+  <p:cSld>
+    <p:spTree>
+      <p:nvGrpSpPr>
+        <p:cNvPr id="1" name=""/>
+        <p:cNvGrpSpPr/>
+        <p:nvPr/>
+      </p:nvGrpSpPr>
+      <p:grpSpPr>
+        <a:xfrm>
+          <a:off x="0" y="0"/>
+          <a:ext cx="0" cy="0"/>
+          <a:chOff x="0" y="0"/>
+          <a:chExt cx="0" cy="0"/>
+        </a:xfrm>
+      </p:grpSpPr>
+      <p:sp>
+        <p:nvSpPr>
+          <p:cNvPr id="2" name="Folienbildplatzhalter 1"/>
+          <p:cNvSpPr>
+            <a:spLocks noGrp="1" noRot="1" noChangeAspect="1"/>
+          </p:cNvSpPr>
+          <p:nvPr>
+            <p:ph type="sldImg"/>
+          </p:nvPr>
+        </p:nvSpPr>
+        <p:spPr/>
+      </p:sp>
+      <p:sp>
+        <p:nvSpPr>
+          <p:cNvPr id="3" name="Notizenplatzhalter 2"/>
+          <p:cNvSpPr>
+            <a:spLocks noGrp="1"/>
+          </p:cNvSpPr>
+          <p:nvPr>
+            <p:ph type="body" idx="1"/>
+          </p:nvPr>
+        </p:nvSpPr>
+        <p:spPr/>
+        <p:txBody>
+          <a:bodyPr>
+            <a:normAutofit/>
+          </a:bodyPr>
+          <a:lstStyle/>
+          <a:p>
+            <a:r>
+              <a:rPr lang="de-DE" dirty="0" smtClean="0"/>
+              <a:t>Inversion </a:t>
+            </a:r>
+            <a:r>
+              <a:rPr lang="de-DE" dirty="0" err="1" smtClean="0"/>
+              <a:t>of</a:t>
+            </a:r>
+            <a:r>
+              <a:rPr lang="de-DE" dirty="0" smtClean="0"/>
+              <a:t> </a:t>
+            </a:r>
+            <a:r>
+              <a:rPr lang="de-DE" dirty="0" err="1" smtClean="0"/>
+              <a:t>Control</a:t>
+            </a:r>
+            <a:endParaRPr lang="de-DE" dirty="0" smtClean="0"/>
+          </a:p>
+          <a:p>
+            <a:pPr lvl="1">
+              <a:buFont typeface="Arial" pitchFamily="34" charset="0"/>
+              <a:buChar char="•"/>
+            </a:pPr>
+            <a:r>
+              <a:rPr lang="de-DE" dirty="0" smtClean="0"/>
+              <a:t>Ist Pattern für </a:t>
+            </a:r>
+            <a:r>
+              <a:rPr lang="de-DE" dirty="0" err="1" smtClean="0"/>
+              <a:t>Softwarenetwicklung</a:t>
+            </a:r>
+            <a:endParaRPr lang="de-DE" dirty="0" smtClean="0"/>
+          </a:p>
+          <a:p>
+            <a:pPr lvl="1">
+              <a:buFont typeface="Arial" pitchFamily="34" charset="0"/>
+              <a:buChar char="•"/>
+            </a:pPr>
+            <a:r>
+              <a:rPr lang="de-DE" dirty="0" smtClean="0"/>
+              <a:t>Ziel: Abhängigkeiten aus Programmcode entfernen</a:t>
+            </a:r>
+          </a:p>
+          <a:p>
+            <a:pPr lvl="1">
+              <a:buFont typeface="Arial" pitchFamily="34" charset="0"/>
+              <a:buChar char="•"/>
+            </a:pPr>
+            <a:r>
+              <a:rPr lang="de-DE" dirty="0" smtClean="0"/>
+              <a:t>Umsetzung:</a:t>
+            </a:r>
+          </a:p>
+          <a:p>
+            <a:pPr lvl="2">
+              <a:buFont typeface="Arial" pitchFamily="34" charset="0"/>
+              <a:buChar char="•"/>
+            </a:pPr>
+            <a:r>
+              <a:rPr lang="de-DE" dirty="0" smtClean="0"/>
+              <a:t>z.B. </a:t>
+            </a:r>
+            <a:r>
+              <a:rPr lang="de-DE" dirty="0" err="1" smtClean="0"/>
+              <a:t>Dependency</a:t>
+            </a:r>
+            <a:r>
+              <a:rPr lang="de-DE" dirty="0" smtClean="0"/>
+              <a:t> </a:t>
+            </a:r>
+            <a:r>
+              <a:rPr lang="de-DE" dirty="0" err="1" smtClean="0"/>
+              <a:t>Injection</a:t>
+            </a:r>
+            <a:endParaRPr lang="de-DE" dirty="0" smtClean="0"/>
+          </a:p>
+          <a:p>
+            <a:pPr marL="1371600" marR="0" lvl="3" indent="0" algn="l" defTabSz="914400" rtl="0" eaLnBrk="1" fontAlgn="auto" latinLnBrk="0" hangingPunct="1">
+              <a:lnSpc>
+                <a:spcPct val="100000"/>
+              </a:lnSpc>
+              <a:spcBef>
+                <a:spcPts val="0"/>
+              </a:spcBef>
+              <a:spcAft>
+                <a:spcPts val="0"/>
+              </a:spcAft>
+              <a:buClrTx/>
+              <a:buSzTx/>
+              <a:buFont typeface="Arial" pitchFamily="34" charset="0"/>
+              <a:buChar char="•"/>
+              <a:tabLst/>
+              <a:defRPr/>
+            </a:pPr>
+            <a:r>
+              <a:rPr lang="de-DE" dirty="0" err="1" smtClean="0"/>
+              <a:t>Objecte</a:t>
+            </a:r>
+            <a:r>
+              <a:rPr lang="de-DE" dirty="0" smtClean="0"/>
+              <a:t> werden nicht im Code erzeugt, sondern z.B. Übergeben</a:t>
+            </a:r>
+          </a:p>
+          <a:p>
+            <a:pPr lvl="2">
+              <a:buFont typeface="Arial" pitchFamily="34" charset="0"/>
+              <a:buChar char="•"/>
+            </a:pPr>
+            <a:r>
+              <a:rPr lang="de-DE" dirty="0" err="1" smtClean="0"/>
+              <a:t>Callbacks</a:t>
+            </a:r>
+            <a:r>
+              <a:rPr lang="de-DE" dirty="0" smtClean="0"/>
+              <a:t> und Events</a:t>
+            </a:r>
+          </a:p>
+          <a:p>
+            <a:pPr lvl="3">
+              <a:buFont typeface="Arial" pitchFamily="34" charset="0"/>
+              <a:buChar char="•"/>
+            </a:pPr>
+            <a:r>
+              <a:rPr lang="de-DE" dirty="0" smtClean="0"/>
+              <a:t>Programmcode</a:t>
+            </a:r>
+            <a:r>
+              <a:rPr lang="de-DE" baseline="0" dirty="0" smtClean="0"/>
+              <a:t> kümmert sich nur über das „was zu tun ist“, die Koordination und zeitlicher Verlauf ist ausgelagert</a:t>
+            </a:r>
+          </a:p>
+          <a:p>
+            <a:pPr lvl="3">
+              <a:buFont typeface="Arial" pitchFamily="34" charset="0"/>
+              <a:buChar char="•"/>
+            </a:pPr>
+            <a:endParaRPr lang="de-DE" baseline="0" dirty="0" smtClean="0"/>
+          </a:p>
+          <a:p>
+            <a:pPr lvl="0">
+              <a:buFont typeface="Arial" pitchFamily="34" charset="0"/>
+              <a:buNone/>
+            </a:pPr>
+            <a:r>
+              <a:rPr lang="de-DE" baseline="0" dirty="0" smtClean="0">
+                <a:sym typeface="Wingdings" pitchFamily="2" charset="2"/>
+              </a:rPr>
+              <a:t> Unterstützt Unit-</a:t>
+            </a:r>
+            <a:r>
+              <a:rPr lang="de-DE" baseline="0" dirty="0" err="1" smtClean="0">
+                <a:sym typeface="Wingdings" pitchFamily="2" charset="2"/>
+              </a:rPr>
+              <a:t>Testing</a:t>
+            </a:r>
+            <a:r>
+              <a:rPr lang="de-DE" baseline="0" dirty="0" smtClean="0">
+                <a:sym typeface="Wingdings" pitchFamily="2" charset="2"/>
+              </a:rPr>
+              <a:t>, Mocks können einfach </a:t>
+            </a:r>
+            <a:r>
+              <a:rPr lang="de-DE" baseline="0" dirty="0" err="1" smtClean="0">
+                <a:sym typeface="Wingdings" pitchFamily="2" charset="2"/>
+              </a:rPr>
+              <a:t>Injected</a:t>
+            </a:r>
+            <a:r>
+              <a:rPr lang="de-DE" baseline="0" dirty="0" smtClean="0">
+                <a:sym typeface="Wingdings" pitchFamily="2" charset="2"/>
+              </a:rPr>
+              <a:t> werden und Implementierungen getauscht</a:t>
+            </a:r>
+            <a:endParaRPr lang="de-DE" dirty="0" smtClean="0"/>
+          </a:p>
+          <a:p>
+            <a:pPr lvl="2">
+              <a:buFont typeface="Arial" pitchFamily="34" charset="0"/>
+              <a:buChar char="•"/>
+            </a:pPr>
+            <a:endParaRPr lang="de-DE" dirty="0" smtClean="0"/>
+          </a:p>
+          <a:p>
+            <a:endParaRPr lang="de-DE" dirty="0"/>
+          </a:p>
+        </p:txBody>
+      </p:sp>
+      <p:sp>
+        <p:nvSpPr>
+          <p:cNvPr id="4" name="Foliennummernplatzhalter 3"/>
+          <p:cNvSpPr>
+            <a:spLocks noGrp="1"/>
+          </p:cNvSpPr>
+          <p:nvPr>
+            <p:ph type="sldNum" sz="quarter" idx="10"/>
+          </p:nvPr>
+        </p:nvSpPr>
+        <p:spPr/>
+        <p:txBody>
+          <a:bodyPr/>
+          <a:lstStyle/>
+          <a:p>
+            <a:fld id="{C48A05A2-CDCD-443F-85B0-2D4D73D6D8B2}" type="slidenum">
+              <a:rPr lang="de-DE" smtClean="0"/>
+              <a:t>15</a:t>
+            </a:fld>
+            <a:endParaRPr lang="de-DE"/>
+          </a:p>
+        </p:txBody>
+      </p:sp>
+    </p:spTree>
+  </p:cSld>
+  <p:clrMapOvr>
+    <a:masterClrMapping/>
+  </p:clrMapOvr>
+</p:notes>
+</file>
+
+<file path=ppt/notesSlides/notesSlide12.xml><?xml version="1.0" encoding="utf-8"?>
+<p:notes xmlns:a="http://schemas.openxmlformats.org/drawingml/2006/main" xmlns:r="http://schemas.openxmlformats.org/officeDocument/2006/relationships" xmlns:p="http://schemas.openxmlformats.org/presentationml/2006/main">
+  <p:cSld>
+    <p:spTree>
+      <p:nvGrpSpPr>
+        <p:cNvPr id="1" name=""/>
+        <p:cNvGrpSpPr/>
+        <p:nvPr/>
+      </p:nvGrpSpPr>
+      <p:grpSpPr>
+        <a:xfrm>
+          <a:off x="0" y="0"/>
+          <a:ext cx="0" cy="0"/>
+          <a:chOff x="0" y="0"/>
+          <a:chExt cx="0" cy="0"/>
+        </a:xfrm>
+      </p:grpSpPr>
+      <p:sp>
+        <p:nvSpPr>
+          <p:cNvPr id="2" name="Folienbildplatzhalter 1"/>
+          <p:cNvSpPr>
+            <a:spLocks noGrp="1" noRot="1" noChangeAspect="1"/>
+          </p:cNvSpPr>
+          <p:nvPr>
+            <p:ph type="sldImg"/>
+          </p:nvPr>
+        </p:nvSpPr>
+        <p:spPr/>
+      </p:sp>
+      <p:sp>
+        <p:nvSpPr>
+          <p:cNvPr id="3" name="Notizenplatzhalter 2"/>
+          <p:cNvSpPr>
+            <a:spLocks noGrp="1"/>
+          </p:cNvSpPr>
+          <p:nvPr>
+            <p:ph type="body" idx="1"/>
+          </p:nvPr>
+        </p:nvSpPr>
+        <p:spPr/>
+        <p:txBody>
+          <a:bodyPr>
+            <a:normAutofit/>
+          </a:bodyPr>
+          <a:lstStyle/>
+          <a:p>
+            <a:endParaRPr lang="de-DE" dirty="0"/>
+          </a:p>
+        </p:txBody>
+      </p:sp>
+      <p:sp>
+        <p:nvSpPr>
+          <p:cNvPr id="4" name="Foliennummernplatzhalter 3"/>
+          <p:cNvSpPr>
+            <a:spLocks noGrp="1"/>
+          </p:cNvSpPr>
+          <p:nvPr>
+            <p:ph type="sldNum" sz="quarter" idx="10"/>
+          </p:nvPr>
+        </p:nvSpPr>
+        <p:spPr/>
+        <p:txBody>
+          <a:bodyPr/>
+          <a:lstStyle/>
+          <a:p>
+            <a:fld id="{C48A05A2-CDCD-443F-85B0-2D4D73D6D8B2}" type="slidenum">
+              <a:rPr lang="de-DE" smtClean="0"/>
+              <a:t>25</a:t>
+            </a:fld>
+            <a:endParaRPr lang="de-DE"/>
+          </a:p>
+        </p:txBody>
+      </p:sp>
+    </p:spTree>
+  </p:cSld>
+  <p:clrMapOvr>
+    <a:masterClrMapping/>
+  </p:clrMapOvr>
+</p:notes>
+</file>
+
+<file path=ppt/notesSlides/notesSlide2.xml><?xml version="1.0" encoding="utf-8"?>
+<p:notes xmlns:a="http://schemas.openxmlformats.org/drawingml/2006/main" xmlns:r="http://schemas.openxmlformats.org/officeDocument/2006/relationships" xmlns:p="http://schemas.openxmlformats.org/presentationml/2006/main">
+  <p:cSld>
+    <p:spTree>
+      <p:nvGrpSpPr>
+        <p:cNvPr id="1" name=""/>
+        <p:cNvGrpSpPr/>
+        <p:nvPr/>
+      </p:nvGrpSpPr>
+      <p:grpSpPr>
+        <a:xfrm>
+          <a:off x="0" y="0"/>
+          <a:ext cx="0" cy="0"/>
+          <a:chOff x="0" y="0"/>
+          <a:chExt cx="0" cy="0"/>
+        </a:xfrm>
+      </p:grpSpPr>
+      <p:sp>
+        <p:nvSpPr>
+          <p:cNvPr id="2" name="Folienbildplatzhalter 1"/>
+          <p:cNvSpPr>
+            <a:spLocks noGrp="1" noRot="1" noChangeAspect="1"/>
+          </p:cNvSpPr>
+          <p:nvPr>
+            <p:ph type="sldImg"/>
+          </p:nvPr>
+        </p:nvSpPr>
+        <p:spPr/>
+      </p:sp>
+      <p:sp>
+        <p:nvSpPr>
+          <p:cNvPr id="3" name="Notizenplatzhalter 2"/>
+          <p:cNvSpPr>
+            <a:spLocks noGrp="1"/>
+          </p:cNvSpPr>
+          <p:nvPr>
+            <p:ph type="body" idx="1"/>
+          </p:nvPr>
+        </p:nvSpPr>
+        <p:spPr/>
+        <p:txBody>
+          <a:bodyPr>
+            <a:normAutofit/>
+          </a:bodyPr>
+          <a:lstStyle/>
+          <a:p>
+            <a:r>
+              <a:rPr lang="de-DE" sz="1800" dirty="0" smtClean="0"/>
+              <a:t>Der </a:t>
+            </a:r>
+            <a:r>
+              <a:rPr lang="de-DE" sz="1800" dirty="0" err="1" smtClean="0"/>
+              <a:t>Freifunk</a:t>
+            </a:r>
+            <a:r>
+              <a:rPr lang="de-DE" sz="1800" baseline="0" dirty="0" smtClean="0"/>
+              <a:t> Router</a:t>
+            </a:r>
+            <a:endParaRPr lang="de-DE" sz="1800" dirty="0" smtClean="0"/>
+          </a:p>
+          <a:p>
+            <a:endParaRPr lang="de-DE" dirty="0" smtClean="0"/>
+          </a:p>
+          <a:p>
+            <a:r>
+              <a:rPr lang="de-DE" dirty="0" smtClean="0"/>
+              <a:t>-Es werden handelsübliche</a:t>
+            </a:r>
+            <a:r>
+              <a:rPr lang="de-DE" baseline="0" dirty="0" smtClean="0"/>
+              <a:t> WLAN-Router genutzt (802.11 </a:t>
+            </a:r>
+            <a:r>
+              <a:rPr lang="de-DE" baseline="0" dirty="0" err="1" smtClean="0"/>
+              <a:t>abg</a:t>
+            </a:r>
+            <a:r>
+              <a:rPr lang="de-DE" baseline="0" dirty="0" smtClean="0"/>
+              <a:t>)</a:t>
+            </a:r>
+          </a:p>
+          <a:p>
+            <a:endParaRPr lang="de-DE" baseline="0" dirty="0" smtClean="0"/>
+          </a:p>
+          <a:p>
+            <a:r>
+              <a:rPr lang="de-DE" baseline="0" dirty="0" smtClean="0"/>
+              <a:t>-Eigene Firmware wird aufgespielt (</a:t>
+            </a:r>
+            <a:r>
+              <a:rPr lang="de-DE" baseline="0" dirty="0" err="1" smtClean="0"/>
+              <a:t>openWRT</a:t>
+            </a:r>
+            <a:r>
+              <a:rPr lang="de-DE" baseline="0" dirty="0" smtClean="0"/>
+              <a:t>)</a:t>
+            </a:r>
+          </a:p>
+          <a:p>
+            <a:endParaRPr lang="de-DE" baseline="0" dirty="0" smtClean="0"/>
+          </a:p>
+          <a:p>
+            <a:r>
+              <a:rPr lang="de-DE" baseline="0" dirty="0" smtClean="0"/>
+              <a:t>-Es gibt diese Router überall, im Büro, am Fenster (siehe Bild) oder auf der grünen Wiese (siehe Bild)</a:t>
+            </a:r>
+            <a:endParaRPr lang="de-DE" dirty="0"/>
+          </a:p>
+        </p:txBody>
+      </p:sp>
+      <p:sp>
+        <p:nvSpPr>
+          <p:cNvPr id="4" name="Foliennummernplatzhalter 3"/>
+          <p:cNvSpPr>
+            <a:spLocks noGrp="1"/>
+          </p:cNvSpPr>
+          <p:nvPr>
+            <p:ph type="sldNum" sz="quarter" idx="10"/>
+          </p:nvPr>
+        </p:nvSpPr>
+        <p:spPr/>
+        <p:txBody>
+          <a:bodyPr/>
+          <a:lstStyle/>
+          <a:p>
+            <a:fld id="{C48A05A2-CDCD-443F-85B0-2D4D73D6D8B2}" type="slidenum">
+              <a:rPr lang="de-DE" smtClean="0"/>
+              <a:t>5</a:t>
+            </a:fld>
+            <a:endParaRPr lang="de-DE"/>
+          </a:p>
+        </p:txBody>
+      </p:sp>
+    </p:spTree>
+  </p:cSld>
+  <p:clrMapOvr>
+    <a:masterClrMapping/>
+  </p:clrMapOvr>
+</p:notes>
+</file>
+
+<file path=ppt/notesSlides/notesSlide3.xml><?xml version="1.0" encoding="utf-8"?>
+<p:notes xmlns:a="http://schemas.openxmlformats.org/drawingml/2006/main" xmlns:r="http://schemas.openxmlformats.org/officeDocument/2006/relationships" xmlns:p="http://schemas.openxmlformats.org/presentationml/2006/main">
+  <p:cSld>
+    <p:spTree>
+      <p:nvGrpSpPr>
+        <p:cNvPr id="1" name=""/>
+        <p:cNvGrpSpPr/>
+        <p:nvPr/>
+      </p:nvGrpSpPr>
+      <p:grpSpPr>
+        <a:xfrm>
+          <a:off x="0" y="0"/>
+          <a:ext cx="0" cy="0"/>
+          <a:chOff x="0" y="0"/>
+          <a:chExt cx="0" cy="0"/>
+        </a:xfrm>
+      </p:grpSpPr>
+      <p:sp>
+        <p:nvSpPr>
+          <p:cNvPr id="2" name="Folienbildplatzhalter 1"/>
+          <p:cNvSpPr>
+            <a:spLocks noGrp="1" noRot="1" noChangeAspect="1"/>
+          </p:cNvSpPr>
+          <p:nvPr>
+            <p:ph type="sldImg"/>
+          </p:nvPr>
+        </p:nvSpPr>
+        <p:spPr/>
+      </p:sp>
+      <p:sp>
+        <p:nvSpPr>
+          <p:cNvPr id="3" name="Notizenplatzhalter 2"/>
+          <p:cNvSpPr>
+            <a:spLocks noGrp="1"/>
+          </p:cNvSpPr>
+          <p:nvPr>
+            <p:ph type="body" idx="1"/>
+          </p:nvPr>
+        </p:nvSpPr>
+        <p:spPr/>
+        <p:txBody>
+          <a:bodyPr>
+            <a:normAutofit/>
+          </a:bodyPr>
+          <a:lstStyle/>
+          <a:p>
+            <a:r>
+              <a:rPr lang="de-DE" dirty="0" smtClean="0"/>
+              <a:t>Das </a:t>
+            </a:r>
+            <a:r>
+              <a:rPr lang="de-DE" dirty="0" err="1" smtClean="0"/>
+              <a:t>Mesh</a:t>
+            </a:r>
+            <a:endParaRPr lang="de-DE" dirty="0" smtClean="0"/>
+          </a:p>
+          <a:p>
+            <a:endParaRPr lang="de-DE" dirty="0" smtClean="0"/>
+          </a:p>
+          <a:p>
+            <a:pPr>
+              <a:buFont typeface="Arial" pitchFamily="34" charset="0"/>
+              <a:buChar char="•"/>
+            </a:pPr>
+            <a:r>
+              <a:rPr lang="de-DE" dirty="0" smtClean="0"/>
+              <a:t>„</a:t>
+            </a:r>
+            <a:r>
+              <a:rPr lang="de-DE" dirty="0" err="1" smtClean="0"/>
+              <a:t>Meshnetzwerk</a:t>
+            </a:r>
+            <a:r>
+              <a:rPr lang="de-DE" dirty="0" smtClean="0"/>
+              <a:t>“ zwischen den Routern</a:t>
+            </a:r>
+          </a:p>
+          <a:p>
+            <a:pPr lvl="1">
+              <a:buFont typeface="Arial" pitchFamily="34" charset="0"/>
+              <a:buChar char="•"/>
+            </a:pPr>
+            <a:r>
+              <a:rPr lang="de-DE" dirty="0" err="1" smtClean="0"/>
+              <a:t>Mesh</a:t>
+            </a:r>
+            <a:r>
+              <a:rPr lang="de-DE" dirty="0" smtClean="0"/>
+              <a:t> bedeutet, Router</a:t>
+            </a:r>
+            <a:r>
+              <a:rPr lang="de-DE" baseline="0" dirty="0" smtClean="0"/>
+              <a:t> verbinden sich dynamisch je nach Verfügbarkeit untereinander</a:t>
+            </a:r>
+          </a:p>
+          <a:p>
+            <a:pPr lvl="1">
+              <a:buFont typeface="Arial" pitchFamily="34" charset="0"/>
+              <a:buChar char="•"/>
+            </a:pPr>
+            <a:r>
+              <a:rPr lang="de-DE" baseline="0" dirty="0" smtClean="0"/>
+              <a:t>Keine </a:t>
+            </a:r>
+            <a:r>
+              <a:rPr lang="de-DE" baseline="0" dirty="0" err="1" smtClean="0"/>
+              <a:t>Hirarchie</a:t>
+            </a:r>
+            <a:r>
+              <a:rPr lang="de-DE" baseline="0" dirty="0" smtClean="0"/>
+              <a:t>, keine Ordnung</a:t>
+            </a:r>
+          </a:p>
+          <a:p>
+            <a:pPr lvl="1">
+              <a:buFont typeface="Arial" pitchFamily="34" charset="0"/>
+              <a:buChar char="•"/>
+            </a:pPr>
+            <a:r>
+              <a:rPr lang="de-DE" baseline="0" dirty="0" smtClean="0"/>
+              <a:t>Technisch ein Ad-Hoc Netz (noch bis 802.11s) über das ein Layer2 Netz läuft</a:t>
+            </a:r>
+          </a:p>
+          <a:p>
+            <a:pPr lvl="1">
+              <a:buFont typeface="Arial" pitchFamily="34" charset="0"/>
+              <a:buNone/>
+            </a:pPr>
+            <a:endParaRPr lang="de-DE" dirty="0" smtClean="0"/>
+          </a:p>
+          <a:p>
+            <a:pPr>
+              <a:buFont typeface="Arial" pitchFamily="34" charset="0"/>
+              <a:buChar char="•"/>
+            </a:pPr>
+            <a:r>
+              <a:rPr lang="de-DE" dirty="0" smtClean="0"/>
+              <a:t>Daten werden über Funk oder Kabel weitergereicht</a:t>
+            </a:r>
+          </a:p>
+          <a:p>
+            <a:endParaRPr lang="de-DE" dirty="0" smtClean="0"/>
+          </a:p>
+        </p:txBody>
+      </p:sp>
+      <p:sp>
+        <p:nvSpPr>
+          <p:cNvPr id="4" name="Foliennummernplatzhalter 3"/>
+          <p:cNvSpPr>
+            <a:spLocks noGrp="1"/>
+          </p:cNvSpPr>
+          <p:nvPr>
+            <p:ph type="sldNum" sz="quarter" idx="10"/>
+          </p:nvPr>
+        </p:nvSpPr>
+        <p:spPr/>
+        <p:txBody>
+          <a:bodyPr/>
+          <a:lstStyle/>
+          <a:p>
+            <a:fld id="{C48A05A2-CDCD-443F-85B0-2D4D73D6D8B2}" type="slidenum">
+              <a:rPr lang="de-DE" smtClean="0"/>
+              <a:t>6</a:t>
+            </a:fld>
+            <a:endParaRPr lang="de-DE"/>
+          </a:p>
+        </p:txBody>
+      </p:sp>
+    </p:spTree>
+  </p:cSld>
+  <p:clrMapOvr>
+    <a:masterClrMapping/>
+  </p:clrMapOvr>
+</p:notes>
+</file>
+
+<file path=ppt/notesSlides/notesSlide4.xml><?xml version="1.0" encoding="utf-8"?>
+<p:notes xmlns:a="http://schemas.openxmlformats.org/drawingml/2006/main" xmlns:r="http://schemas.openxmlformats.org/officeDocument/2006/relationships" xmlns:p="http://schemas.openxmlformats.org/presentationml/2006/main">
+  <p:cSld>
+    <p:spTree>
+      <p:nvGrpSpPr>
+        <p:cNvPr id="1" name=""/>
+        <p:cNvGrpSpPr/>
+        <p:nvPr/>
+      </p:nvGrpSpPr>
+      <p:grpSpPr>
+        <a:xfrm>
+          <a:off x="0" y="0"/>
+          <a:ext cx="0" cy="0"/>
+          <a:chOff x="0" y="0"/>
+          <a:chExt cx="0" cy="0"/>
+        </a:xfrm>
+      </p:grpSpPr>
+      <p:sp>
+        <p:nvSpPr>
+          <p:cNvPr id="2" name="Folienbildplatzhalter 1"/>
+          <p:cNvSpPr>
+            <a:spLocks noGrp="1" noRot="1" noChangeAspect="1"/>
+          </p:cNvSpPr>
+          <p:nvPr>
+            <p:ph type="sldImg"/>
+          </p:nvPr>
+        </p:nvSpPr>
+        <p:spPr/>
+      </p:sp>
+      <p:sp>
+        <p:nvSpPr>
+          <p:cNvPr id="3" name="Notizenplatzhalter 2"/>
+          <p:cNvSpPr>
+            <a:spLocks noGrp="1"/>
+          </p:cNvSpPr>
+          <p:nvPr>
+            <p:ph type="body" idx="1"/>
+          </p:nvPr>
+        </p:nvSpPr>
+        <p:spPr/>
+        <p:txBody>
+          <a:bodyPr>
+            <a:normAutofit/>
+          </a:bodyPr>
+          <a:lstStyle/>
+          <a:p>
+            <a:r>
+              <a:rPr lang="de-DE" dirty="0" err="1" smtClean="0"/>
+              <a:t>Meshviewer</a:t>
+            </a:r>
+            <a:endParaRPr lang="de-DE" dirty="0" smtClean="0"/>
+          </a:p>
+          <a:p>
+            <a:endParaRPr lang="de-DE" dirty="0" smtClean="0"/>
+          </a:p>
+          <a:p>
+            <a:pPr>
+              <a:buFont typeface="Arial" pitchFamily="34" charset="0"/>
+              <a:buChar char="•"/>
+            </a:pPr>
+            <a:r>
+              <a:rPr lang="de-DE" dirty="0" smtClean="0"/>
+              <a:t>Netz ist durch </a:t>
+            </a:r>
+            <a:r>
+              <a:rPr lang="de-DE" dirty="0" err="1" smtClean="0"/>
+              <a:t>Mesh</a:t>
+            </a:r>
+            <a:r>
+              <a:rPr lang="de-DE" dirty="0" smtClean="0"/>
+              <a:t> hoch dynamisch, es fallen immer Router aus, kommen dazu, Verbindungen</a:t>
+            </a:r>
+            <a:r>
+              <a:rPr lang="de-DE" baseline="0" dirty="0" smtClean="0"/>
+              <a:t> fallen weg und neue kommen dazu</a:t>
+            </a:r>
+          </a:p>
+          <a:p>
+            <a:pPr>
+              <a:buFont typeface="Arial" pitchFamily="34" charset="0"/>
+              <a:buChar char="•"/>
+            </a:pPr>
+            <a:r>
+              <a:rPr lang="de-DE" baseline="0" dirty="0" err="1" smtClean="0"/>
+              <a:t>Meshviewer</a:t>
+            </a:r>
+            <a:r>
+              <a:rPr lang="de-DE" baseline="0" dirty="0" smtClean="0"/>
+              <a:t> ist Webanwendung für Diagnose und </a:t>
+            </a:r>
+            <a:r>
+              <a:rPr lang="de-DE" baseline="0" dirty="0" err="1" smtClean="0"/>
+              <a:t>übersicht</a:t>
+            </a:r>
+            <a:endParaRPr lang="de-DE" baseline="0" dirty="0" smtClean="0"/>
+          </a:p>
+          <a:p>
+            <a:pPr lvl="1"/>
+            <a:r>
+              <a:rPr lang="de-DE" dirty="0" smtClean="0"/>
+              <a:t>Sammelt Statistiken von Routern</a:t>
+            </a:r>
+          </a:p>
+          <a:p>
+            <a:pPr lvl="1"/>
+            <a:r>
+              <a:rPr lang="de-DE" dirty="0" smtClean="0"/>
+              <a:t>erzeugt JSON</a:t>
+            </a:r>
+          </a:p>
+          <a:p>
+            <a:pPr lvl="1"/>
+            <a:r>
+              <a:rPr lang="de-DE" dirty="0" smtClean="0"/>
+              <a:t>visualisiert JSON</a:t>
+            </a:r>
+          </a:p>
+          <a:p>
+            <a:pPr lvl="1"/>
+            <a:endParaRPr lang="de-DE" dirty="0" smtClean="0"/>
+          </a:p>
+          <a:p>
+            <a:pPr lvl="0">
+              <a:buFont typeface="Arial" pitchFamily="34" charset="0"/>
+              <a:buChar char="•"/>
+            </a:pPr>
+            <a:r>
+              <a:rPr lang="de-DE" dirty="0" smtClean="0"/>
+              <a:t>Problem</a:t>
+            </a:r>
+            <a:r>
+              <a:rPr lang="de-DE" baseline="0" dirty="0" smtClean="0"/>
+              <a:t> : Mobil eher schlecht nutzbar, kein Alarm</a:t>
+            </a:r>
+          </a:p>
+          <a:p>
+            <a:pPr lvl="0">
+              <a:buFont typeface="Arial" pitchFamily="34" charset="0"/>
+              <a:buChar char="•"/>
+            </a:pPr>
+            <a:r>
+              <a:rPr lang="de-DE" b="1" baseline="0" dirty="0" smtClean="0"/>
+              <a:t>Idee: Das als </a:t>
+            </a:r>
+            <a:r>
+              <a:rPr lang="de-DE" b="1" baseline="0" dirty="0" err="1" smtClean="0"/>
+              <a:t>App</a:t>
+            </a:r>
+            <a:r>
+              <a:rPr lang="de-DE" b="1" baseline="0" dirty="0" smtClean="0"/>
+              <a:t> umsetzen!</a:t>
+            </a:r>
+            <a:endParaRPr lang="de-DE" b="1" dirty="0" smtClean="0"/>
+          </a:p>
+          <a:p>
+            <a:pPr>
+              <a:buFont typeface="Arial" pitchFamily="34" charset="0"/>
+              <a:buNone/>
+            </a:pPr>
+            <a:endParaRPr lang="de-DE" dirty="0"/>
+          </a:p>
+        </p:txBody>
+      </p:sp>
+      <p:sp>
+        <p:nvSpPr>
+          <p:cNvPr id="4" name="Foliennummernplatzhalter 3"/>
+          <p:cNvSpPr>
+            <a:spLocks noGrp="1"/>
+          </p:cNvSpPr>
+          <p:nvPr>
+            <p:ph type="sldNum" sz="quarter" idx="10"/>
+          </p:nvPr>
+        </p:nvSpPr>
+        <p:spPr/>
+        <p:txBody>
+          <a:bodyPr/>
+          <a:lstStyle/>
+          <a:p>
+            <a:fld id="{C48A05A2-CDCD-443F-85B0-2D4D73D6D8B2}" type="slidenum">
+              <a:rPr lang="de-DE" smtClean="0"/>
+              <a:t>7</a:t>
+            </a:fld>
+            <a:endParaRPr lang="de-DE"/>
+          </a:p>
+        </p:txBody>
+      </p:sp>
+    </p:spTree>
+  </p:cSld>
+  <p:clrMapOvr>
+    <a:masterClrMapping/>
+  </p:clrMapOvr>
+</p:notes>
+</file>
+
+<file path=ppt/notesSlides/notesSlide5.xml><?xml version="1.0" encoding="utf-8"?>
+<p:notes xmlns:a="http://schemas.openxmlformats.org/drawingml/2006/main" xmlns:r="http://schemas.openxmlformats.org/officeDocument/2006/relationships" xmlns:p="http://schemas.openxmlformats.org/presentationml/2006/main">
+  <p:cSld>
+    <p:spTree>
+      <p:nvGrpSpPr>
+        <p:cNvPr id="1" name=""/>
+        <p:cNvGrpSpPr/>
+        <p:nvPr/>
+      </p:nvGrpSpPr>
+      <p:grpSpPr>
+        <a:xfrm>
+          <a:off x="0" y="0"/>
+          <a:ext cx="0" cy="0"/>
+          <a:chOff x="0" y="0"/>
+          <a:chExt cx="0" cy="0"/>
+        </a:xfrm>
+      </p:grpSpPr>
+      <p:sp>
+        <p:nvSpPr>
+          <p:cNvPr id="2" name="Folienbildplatzhalter 1"/>
+          <p:cNvSpPr>
+            <a:spLocks noGrp="1" noRot="1" noChangeAspect="1"/>
+          </p:cNvSpPr>
+          <p:nvPr>
+            <p:ph type="sldImg"/>
+          </p:nvPr>
+        </p:nvSpPr>
+        <p:spPr/>
+      </p:sp>
+      <p:sp>
+        <p:nvSpPr>
+          <p:cNvPr id="3" name="Notizenplatzhalter 2"/>
+          <p:cNvSpPr>
+            <a:spLocks noGrp="1"/>
+          </p:cNvSpPr>
+          <p:nvPr>
+            <p:ph type="body" idx="1"/>
+          </p:nvPr>
+        </p:nvSpPr>
+        <p:spPr/>
+        <p:txBody>
+          <a:bodyPr>
+            <a:normAutofit/>
+          </a:bodyPr>
+          <a:lstStyle/>
+          <a:p>
+            <a:r>
+              <a:rPr lang="de-DE" dirty="0" smtClean="0"/>
+              <a:t>Webversion</a:t>
+            </a:r>
+            <a:r>
+              <a:rPr lang="de-DE" baseline="0" dirty="0" smtClean="0"/>
+              <a:t> </a:t>
+            </a:r>
+            <a:r>
+              <a:rPr lang="de-DE" baseline="0" dirty="0" err="1" smtClean="0"/>
+              <a:t>Screenshot</a:t>
+            </a:r>
+            <a:endParaRPr lang="de-DE" baseline="0" dirty="0" smtClean="0"/>
+          </a:p>
+          <a:p>
+            <a:endParaRPr lang="de-DE" baseline="0" dirty="0" smtClean="0"/>
+          </a:p>
+          <a:p>
+            <a:pPr>
+              <a:buFont typeface="Arial" pitchFamily="34" charset="0"/>
+              <a:buChar char="•"/>
+            </a:pPr>
+            <a:r>
+              <a:rPr lang="de-DE" baseline="0" dirty="0" smtClean="0"/>
+              <a:t>Knoten werden angezeigt mit Verbindungen</a:t>
+            </a:r>
+          </a:p>
+          <a:p>
+            <a:pPr>
+              <a:buFont typeface="Arial" pitchFamily="34" charset="0"/>
+              <a:buChar char="•"/>
+            </a:pPr>
+            <a:r>
+              <a:rPr lang="de-DE" baseline="0" dirty="0" smtClean="0"/>
+              <a:t>Clients</a:t>
+            </a:r>
+          </a:p>
+          <a:p>
+            <a:pPr>
+              <a:buFont typeface="Arial" pitchFamily="34" charset="0"/>
+              <a:buChar char="•"/>
+            </a:pPr>
+            <a:r>
+              <a:rPr lang="de-DE" baseline="0" dirty="0" smtClean="0"/>
+              <a:t>Statistiken lassen sich durch Klick auf Namen abrufen</a:t>
+            </a:r>
+          </a:p>
+          <a:p>
+            <a:pPr>
+              <a:buFont typeface="Arial" pitchFamily="34" charset="0"/>
+              <a:buChar char="•"/>
+            </a:pPr>
+            <a:r>
+              <a:rPr lang="de-DE" baseline="0" dirty="0" smtClean="0"/>
+              <a:t>Gut für Übersicht/Orientierung</a:t>
+            </a:r>
+            <a:endParaRPr lang="de-DE" dirty="0"/>
+          </a:p>
+        </p:txBody>
+      </p:sp>
+      <p:sp>
+        <p:nvSpPr>
+          <p:cNvPr id="4" name="Foliennummernplatzhalter 3"/>
+          <p:cNvSpPr>
+            <a:spLocks noGrp="1"/>
+          </p:cNvSpPr>
+          <p:nvPr>
+            <p:ph type="sldNum" sz="quarter" idx="10"/>
+          </p:nvPr>
+        </p:nvSpPr>
+        <p:spPr/>
+        <p:txBody>
+          <a:bodyPr/>
+          <a:lstStyle/>
+          <a:p>
+            <a:fld id="{C48A05A2-CDCD-443F-85B0-2D4D73D6D8B2}" type="slidenum">
+              <a:rPr lang="de-DE" smtClean="0"/>
+              <a:t>8</a:t>
+            </a:fld>
+            <a:endParaRPr lang="de-DE"/>
+          </a:p>
+        </p:txBody>
+      </p:sp>
+    </p:spTree>
+  </p:cSld>
+  <p:clrMapOvr>
+    <a:masterClrMapping/>
+  </p:clrMapOvr>
+</p:notes>
+</file>
+
+<file path=ppt/notesSlides/notesSlide6.xml><?xml version="1.0" encoding="utf-8"?>
+<p:notes xmlns:a="http://schemas.openxmlformats.org/drawingml/2006/main" xmlns:r="http://schemas.openxmlformats.org/officeDocument/2006/relationships" xmlns:p="http://schemas.openxmlformats.org/presentationml/2006/main">
+  <p:cSld>
+    <p:spTree>
+      <p:nvGrpSpPr>
+        <p:cNvPr id="1" name=""/>
+        <p:cNvGrpSpPr/>
+        <p:nvPr/>
+      </p:nvGrpSpPr>
+      <p:grpSpPr>
+        <a:xfrm>
+          <a:off x="0" y="0"/>
+          <a:ext cx="0" cy="0"/>
+          <a:chOff x="0" y="0"/>
+          <a:chExt cx="0" cy="0"/>
+        </a:xfrm>
+      </p:grpSpPr>
+      <p:sp>
+        <p:nvSpPr>
+          <p:cNvPr id="2" name="Folienbildplatzhalter 1"/>
+          <p:cNvSpPr>
+            <a:spLocks noGrp="1" noRot="1" noChangeAspect="1"/>
+          </p:cNvSpPr>
+          <p:nvPr>
+            <p:ph type="sldImg"/>
+          </p:nvPr>
+        </p:nvSpPr>
+        <p:spPr/>
+      </p:sp>
+      <p:sp>
+        <p:nvSpPr>
+          <p:cNvPr id="3" name="Notizenplatzhalter 2"/>
+          <p:cNvSpPr>
+            <a:spLocks noGrp="1"/>
+          </p:cNvSpPr>
+          <p:nvPr>
+            <p:ph type="body" idx="1"/>
+          </p:nvPr>
+        </p:nvSpPr>
+        <p:spPr/>
+        <p:txBody>
+          <a:bodyPr>
+            <a:normAutofit/>
+          </a:bodyPr>
+          <a:lstStyle/>
+          <a:p>
+            <a:r>
+              <a:rPr lang="de-DE" dirty="0" err="1" smtClean="0"/>
+              <a:t>Android-App</a:t>
+            </a:r>
+            <a:r>
+              <a:rPr lang="de-DE" dirty="0" smtClean="0"/>
+              <a:t> soll genauso getestet werden wie herkömmlicher Code</a:t>
+            </a:r>
+          </a:p>
+          <a:p>
+            <a:pPr lvl="1">
+              <a:buFont typeface="Arial" pitchFamily="34" charset="0"/>
+              <a:buChar char="•"/>
+            </a:pPr>
+            <a:r>
+              <a:rPr lang="de-DE" dirty="0" smtClean="0"/>
+              <a:t>Beinhaltet</a:t>
+            </a:r>
+            <a:r>
+              <a:rPr lang="de-DE" baseline="0" dirty="0" smtClean="0"/>
+              <a:t> Unit </a:t>
+            </a:r>
+            <a:r>
+              <a:rPr lang="de-DE" baseline="0" dirty="0" err="1" smtClean="0"/>
+              <a:t>Testing</a:t>
+            </a:r>
+            <a:endParaRPr lang="de-DE" baseline="0" dirty="0" smtClean="0"/>
+          </a:p>
+          <a:p>
+            <a:pPr lvl="1">
+              <a:buFont typeface="Arial" pitchFamily="34" charset="0"/>
+              <a:buChar char="•"/>
+            </a:pPr>
+            <a:r>
+              <a:rPr lang="de-DE" baseline="0" dirty="0" smtClean="0"/>
+              <a:t>Am besten sogar Test </a:t>
+            </a:r>
+            <a:r>
+              <a:rPr lang="de-DE" baseline="0" dirty="0" err="1" smtClean="0"/>
+              <a:t>driven</a:t>
+            </a:r>
+            <a:r>
+              <a:rPr lang="de-DE" baseline="0" dirty="0" smtClean="0"/>
+              <a:t> Development (später mehr dazu)</a:t>
+            </a:r>
+            <a:endParaRPr lang="de-DE" dirty="0" smtClean="0"/>
+          </a:p>
+        </p:txBody>
+      </p:sp>
+      <p:sp>
+        <p:nvSpPr>
+          <p:cNvPr id="4" name="Foliennummernplatzhalter 3"/>
+          <p:cNvSpPr>
+            <a:spLocks noGrp="1"/>
+          </p:cNvSpPr>
+          <p:nvPr>
+            <p:ph type="sldNum" sz="quarter" idx="10"/>
+          </p:nvPr>
+        </p:nvSpPr>
+        <p:spPr/>
+        <p:txBody>
+          <a:bodyPr/>
+          <a:lstStyle/>
+          <a:p>
+            <a:fld id="{C48A05A2-CDCD-443F-85B0-2D4D73D6D8B2}" type="slidenum">
+              <a:rPr lang="de-DE" smtClean="0"/>
+              <a:t>10</a:t>
+            </a:fld>
+            <a:endParaRPr lang="de-DE"/>
+          </a:p>
+        </p:txBody>
+      </p:sp>
+    </p:spTree>
+  </p:cSld>
+  <p:clrMapOvr>
+    <a:masterClrMapping/>
+  </p:clrMapOvr>
+</p:notes>
+</file>
+
+<file path=ppt/notesSlides/notesSlide7.xml><?xml version="1.0" encoding="utf-8"?>
+<p:notes xmlns:a="http://schemas.openxmlformats.org/drawingml/2006/main" xmlns:r="http://schemas.openxmlformats.org/officeDocument/2006/relationships" xmlns:p="http://schemas.openxmlformats.org/presentationml/2006/main">
+  <p:cSld>
+    <p:spTree>
+      <p:nvGrpSpPr>
+        <p:cNvPr id="1" name=""/>
+        <p:cNvGrpSpPr/>
+        <p:nvPr/>
+      </p:nvGrpSpPr>
+      <p:grpSpPr>
+        <a:xfrm>
+          <a:off x="0" y="0"/>
+          <a:ext cx="0" cy="0"/>
+          <a:chOff x="0" y="0"/>
+          <a:chExt cx="0" cy="0"/>
+        </a:xfrm>
+      </p:grpSpPr>
+      <p:sp>
+        <p:nvSpPr>
+          <p:cNvPr id="2" name="Folienbildplatzhalter 1"/>
+          <p:cNvSpPr>
+            <a:spLocks noGrp="1" noRot="1" noChangeAspect="1"/>
+          </p:cNvSpPr>
+          <p:nvPr>
+            <p:ph type="sldImg"/>
+          </p:nvPr>
+        </p:nvSpPr>
+        <p:spPr/>
+      </p:sp>
+      <p:sp>
+        <p:nvSpPr>
+          <p:cNvPr id="3" name="Notizenplatzhalter 2"/>
+          <p:cNvSpPr>
+            <a:spLocks noGrp="1"/>
+          </p:cNvSpPr>
+          <p:nvPr>
+            <p:ph type="body" idx="1"/>
+          </p:nvPr>
+        </p:nvSpPr>
+        <p:spPr/>
+        <p:txBody>
+          <a:bodyPr>
+            <a:normAutofit/>
+          </a:bodyPr>
+          <a:lstStyle/>
+          <a:p>
+            <a:pPr lvl="1"/>
+            <a:r>
+              <a:rPr lang="de-DE" dirty="0" smtClean="0"/>
+              <a:t>Große Abhängigkeit (z.B. der </a:t>
+            </a:r>
+            <a:r>
+              <a:rPr lang="de-DE" dirty="0" err="1" smtClean="0"/>
+              <a:t>Context</a:t>
+            </a:r>
+            <a:r>
+              <a:rPr lang="de-DE" dirty="0" smtClean="0"/>
+              <a:t>, spezielle Services, Strings usw.) von </a:t>
+            </a:r>
+            <a:r>
+              <a:rPr lang="de-DE" dirty="0" err="1" smtClean="0"/>
+              <a:t>Android</a:t>
+            </a:r>
+            <a:r>
+              <a:rPr lang="de-DE" dirty="0" smtClean="0"/>
+              <a:t> Framework</a:t>
+            </a:r>
+          </a:p>
+          <a:p>
+            <a:pPr lvl="2"/>
+            <a:r>
+              <a:rPr lang="de-DE" dirty="0" smtClean="0"/>
+              <a:t>Es muss (oft) ein </a:t>
+            </a:r>
+            <a:r>
+              <a:rPr lang="de-DE" dirty="0" err="1" smtClean="0"/>
+              <a:t>Android</a:t>
+            </a:r>
+            <a:r>
+              <a:rPr lang="de-DE" dirty="0" smtClean="0"/>
+              <a:t> Gerät angeschlossen sein</a:t>
+            </a:r>
+          </a:p>
+          <a:p>
+            <a:pPr lvl="2"/>
+            <a:r>
+              <a:rPr lang="de-DE" dirty="0" smtClean="0"/>
+              <a:t>Alternative Debugger ist langsam</a:t>
+            </a:r>
+          </a:p>
+          <a:p>
+            <a:pPr lvl="1"/>
+            <a:r>
+              <a:rPr lang="de-DE" dirty="0" smtClean="0"/>
+              <a:t>Tests lassen sich nicht schnell und automatisiert ausführen</a:t>
+            </a:r>
+          </a:p>
+          <a:p>
+            <a:pPr lvl="2"/>
+            <a:r>
+              <a:rPr lang="de-DE" dirty="0" err="1" smtClean="0"/>
+              <a:t>Continuous</a:t>
+            </a:r>
+            <a:r>
+              <a:rPr lang="de-DE" dirty="0" smtClean="0"/>
+              <a:t> Integration, </a:t>
+            </a:r>
+            <a:r>
+              <a:rPr lang="de-DE" dirty="0" err="1" smtClean="0"/>
+              <a:t>Buildserver</a:t>
+            </a:r>
+            <a:r>
+              <a:rPr lang="de-DE" dirty="0" smtClean="0"/>
+              <a:t>, …</a:t>
+            </a:r>
+          </a:p>
+          <a:p>
+            <a:pPr lvl="2"/>
+            <a:endParaRPr lang="de-DE" dirty="0" smtClean="0"/>
+          </a:p>
+          <a:p>
+            <a:pPr lvl="0">
+              <a:buFont typeface="Wingdings"/>
+              <a:buChar char="è"/>
+            </a:pPr>
+            <a:r>
+              <a:rPr lang="de-DE" dirty="0" smtClean="0">
+                <a:sym typeface="Wingdings" pitchFamily="2" charset="2"/>
+              </a:rPr>
+              <a:t>Folgen: Keine Tests, nur</a:t>
+            </a:r>
+            <a:r>
+              <a:rPr lang="de-DE" baseline="0" dirty="0" smtClean="0">
+                <a:sym typeface="Wingdings" pitchFamily="2" charset="2"/>
+              </a:rPr>
+              <a:t> sporadische Funktionstest am Gerät</a:t>
+            </a:r>
+          </a:p>
+          <a:p>
+            <a:pPr lvl="0">
+              <a:buFont typeface="Wingdings"/>
+              <a:buChar char="è"/>
+            </a:pPr>
+            <a:r>
+              <a:rPr lang="de-DE" baseline="0" dirty="0" smtClean="0">
+                <a:sym typeface="Wingdings" pitchFamily="2" charset="2"/>
+              </a:rPr>
+              <a:t>Umfrage: Wer hat in seiner </a:t>
+            </a:r>
+            <a:r>
+              <a:rPr lang="de-DE" baseline="0" dirty="0" err="1" smtClean="0">
+                <a:sym typeface="Wingdings" pitchFamily="2" charset="2"/>
+              </a:rPr>
+              <a:t>Android</a:t>
+            </a:r>
+            <a:r>
+              <a:rPr lang="de-DE" baseline="0" dirty="0" smtClean="0">
+                <a:sym typeface="Wingdings" pitchFamily="2" charset="2"/>
+              </a:rPr>
+              <a:t> </a:t>
+            </a:r>
+            <a:r>
+              <a:rPr lang="de-DE" baseline="0" dirty="0" err="1" smtClean="0">
+                <a:sym typeface="Wingdings" pitchFamily="2" charset="2"/>
+              </a:rPr>
+              <a:t>App</a:t>
+            </a:r>
+            <a:r>
+              <a:rPr lang="de-DE" baseline="0" dirty="0" smtClean="0">
+                <a:sym typeface="Wingdings" pitchFamily="2" charset="2"/>
+              </a:rPr>
+              <a:t> Tests eingebaut?</a:t>
+            </a:r>
+            <a:endParaRPr lang="de-DE" dirty="0" smtClean="0"/>
+          </a:p>
+        </p:txBody>
+      </p:sp>
+      <p:sp>
+        <p:nvSpPr>
+          <p:cNvPr id="4" name="Foliennummernplatzhalter 3"/>
+          <p:cNvSpPr>
+            <a:spLocks noGrp="1"/>
+          </p:cNvSpPr>
+          <p:nvPr>
+            <p:ph type="sldNum" sz="quarter" idx="10"/>
+          </p:nvPr>
+        </p:nvSpPr>
+        <p:spPr/>
+        <p:txBody>
+          <a:bodyPr/>
+          <a:lstStyle/>
+          <a:p>
+            <a:fld id="{C48A05A2-CDCD-443F-85B0-2D4D73D6D8B2}" type="slidenum">
+              <a:rPr lang="de-DE" smtClean="0"/>
+              <a:t>11</a:t>
+            </a:fld>
+            <a:endParaRPr lang="de-DE"/>
+          </a:p>
+        </p:txBody>
+      </p:sp>
+    </p:spTree>
+  </p:cSld>
+  <p:clrMapOvr>
+    <a:masterClrMapping/>
+  </p:clrMapOvr>
+</p:notes>
+</file>
+
+<file path=ppt/notesSlides/notesSlide8.xml><?xml version="1.0" encoding="utf-8"?>
+<p:notes xmlns:a="http://schemas.openxmlformats.org/drawingml/2006/main" xmlns:r="http://schemas.openxmlformats.org/officeDocument/2006/relationships" xmlns:p="http://schemas.openxmlformats.org/presentationml/2006/main">
+  <p:cSld>
+    <p:spTree>
+      <p:nvGrpSpPr>
+        <p:cNvPr id="1" name=""/>
+        <p:cNvGrpSpPr/>
+        <p:nvPr/>
+      </p:nvGrpSpPr>
+      <p:grpSpPr>
+        <a:xfrm>
+          <a:off x="0" y="0"/>
+          <a:ext cx="0" cy="0"/>
+          <a:chOff x="0" y="0"/>
+          <a:chExt cx="0" cy="0"/>
+        </a:xfrm>
+      </p:grpSpPr>
+      <p:sp>
+        <p:nvSpPr>
+          <p:cNvPr id="2" name="Folienbildplatzhalter 1"/>
+          <p:cNvSpPr>
+            <a:spLocks noGrp="1" noRot="1" noChangeAspect="1"/>
+          </p:cNvSpPr>
+          <p:nvPr>
+            <p:ph type="sldImg"/>
+          </p:nvPr>
+        </p:nvSpPr>
+        <p:spPr/>
+      </p:sp>
+      <p:sp>
+        <p:nvSpPr>
+          <p:cNvPr id="3" name="Notizenplatzhalter 2"/>
+          <p:cNvSpPr>
+            <a:spLocks noGrp="1"/>
+          </p:cNvSpPr>
+          <p:nvPr>
+            <p:ph type="body" idx="1"/>
+          </p:nvPr>
+        </p:nvSpPr>
+        <p:spPr/>
+        <p:txBody>
+          <a:bodyPr>
+            <a:normAutofit/>
+          </a:bodyPr>
+          <a:lstStyle/>
+          <a:p>
+            <a:r>
+              <a:rPr lang="de-DE" dirty="0" smtClean="0"/>
+              <a:t>Unit </a:t>
+            </a:r>
+            <a:r>
+              <a:rPr lang="de-DE" dirty="0" err="1" smtClean="0"/>
+              <a:t>Testing</a:t>
+            </a:r>
+            <a:endParaRPr lang="de-DE" dirty="0" smtClean="0"/>
+          </a:p>
+          <a:p>
+            <a:pPr lvl="1"/>
+            <a:r>
+              <a:rPr lang="de-DE" dirty="0" smtClean="0"/>
+              <a:t>Testen einzelner, wenig komplexer Programmteile</a:t>
+            </a:r>
+          </a:p>
+          <a:p>
+            <a:pPr lvl="1"/>
+            <a:r>
+              <a:rPr lang="de-DE" dirty="0" smtClean="0"/>
+              <a:t>Vorgehen:</a:t>
+            </a:r>
+          </a:p>
+          <a:p>
+            <a:pPr lvl="2"/>
+            <a:r>
+              <a:rPr lang="de-DE" dirty="0" smtClean="0"/>
+              <a:t>Anfangszustand wird hergestellt</a:t>
+            </a:r>
+          </a:p>
+          <a:p>
+            <a:pPr lvl="2"/>
+            <a:r>
+              <a:rPr lang="de-DE" dirty="0" smtClean="0"/>
+              <a:t>	</a:t>
+            </a:r>
+            <a:r>
+              <a:rPr lang="de-DE" dirty="0" err="1" smtClean="0"/>
+              <a:t>given</a:t>
+            </a:r>
+            <a:r>
+              <a:rPr lang="de-DE" dirty="0" smtClean="0"/>
+              <a:t>, Variablen</a:t>
+            </a:r>
+            <a:r>
+              <a:rPr lang="de-DE" baseline="0" dirty="0" smtClean="0"/>
+              <a:t> und Objekte initialisieren, Mocks erstellen usw.</a:t>
+            </a:r>
+            <a:endParaRPr lang="de-DE" dirty="0" smtClean="0"/>
+          </a:p>
+          <a:p>
+            <a:pPr lvl="2"/>
+            <a:r>
+              <a:rPr lang="de-DE" dirty="0" smtClean="0"/>
+              <a:t>Zu testende Operation wird aufgerufen</a:t>
+            </a:r>
+          </a:p>
+          <a:p>
+            <a:pPr lvl="2"/>
+            <a:r>
+              <a:rPr lang="de-DE" dirty="0" smtClean="0"/>
+              <a:t>	Aufruf der Funktion und</a:t>
+            </a:r>
+            <a:r>
+              <a:rPr lang="de-DE" baseline="0" dirty="0" smtClean="0"/>
+              <a:t> oft</a:t>
+            </a:r>
+            <a:r>
+              <a:rPr lang="de-DE" dirty="0" smtClean="0"/>
+              <a:t> Speicherung des Rückgabewertes (</a:t>
+            </a:r>
+            <a:r>
+              <a:rPr lang="de-DE" dirty="0" err="1" smtClean="0"/>
+              <a:t>when</a:t>
+            </a:r>
+            <a:r>
+              <a:rPr lang="de-DE" dirty="0" smtClean="0"/>
+              <a:t>)</a:t>
+            </a:r>
+          </a:p>
+          <a:p>
+            <a:pPr lvl="2"/>
+            <a:r>
+              <a:rPr lang="de-DE" dirty="0" smtClean="0"/>
+              <a:t>Ausgabe wird überprüft </a:t>
+            </a:r>
+          </a:p>
+          <a:p>
+            <a:pPr lvl="2"/>
+            <a:r>
+              <a:rPr lang="de-DE" dirty="0" smtClean="0"/>
+              <a:t>	Abgleich der Ausgabe/des</a:t>
+            </a:r>
+            <a:r>
+              <a:rPr lang="de-DE" baseline="0" dirty="0" smtClean="0"/>
+              <a:t> Verhaltens mit Soll-Wert </a:t>
+            </a:r>
+            <a:r>
+              <a:rPr lang="de-DE" dirty="0" smtClean="0"/>
+              <a:t>(</a:t>
+            </a:r>
+            <a:r>
+              <a:rPr lang="de-DE" dirty="0" err="1" smtClean="0"/>
+              <a:t>then</a:t>
+            </a:r>
+            <a:r>
+              <a:rPr lang="de-DE" dirty="0" smtClean="0"/>
+              <a:t>)</a:t>
+            </a:r>
+          </a:p>
+          <a:p>
+            <a:pPr lvl="1"/>
+            <a:r>
+              <a:rPr lang="de-DE" dirty="0" smtClean="0"/>
+              <a:t>Tests werden automatisiert ausgeführt</a:t>
+            </a:r>
+          </a:p>
+          <a:p>
+            <a:pPr lvl="1"/>
+            <a:r>
+              <a:rPr lang="de-DE" dirty="0" smtClean="0"/>
+              <a:t>	bei</a:t>
+            </a:r>
+            <a:r>
+              <a:rPr lang="de-DE" baseline="0" dirty="0" smtClean="0"/>
+              <a:t> Änderungen können Fehler an anderen Stellen sofort erkannt werden</a:t>
+            </a:r>
+            <a:endParaRPr lang="de-DE" dirty="0" smtClean="0"/>
+          </a:p>
+          <a:p>
+            <a:pPr lvl="1"/>
+            <a:endParaRPr lang="de-DE" dirty="0" smtClean="0"/>
+          </a:p>
+          <a:p>
+            <a:pPr lvl="1"/>
+            <a:r>
+              <a:rPr lang="de-DE" dirty="0" err="1" smtClean="0"/>
+              <a:t>Grundätzlich</a:t>
+            </a:r>
+            <a:r>
+              <a:rPr lang="de-DE" dirty="0" smtClean="0"/>
+              <a:t> Test</a:t>
+            </a:r>
+            <a:r>
+              <a:rPr lang="de-DE" baseline="0" dirty="0" smtClean="0"/>
+              <a:t> des Vertrages (Design </a:t>
+            </a:r>
+            <a:r>
+              <a:rPr lang="de-DE" baseline="0" dirty="0" err="1" smtClean="0"/>
+              <a:t>by</a:t>
+            </a:r>
+            <a:r>
+              <a:rPr lang="de-DE" baseline="0" dirty="0" smtClean="0"/>
+              <a:t> </a:t>
+            </a:r>
+            <a:r>
+              <a:rPr lang="de-DE" baseline="0" dirty="0" err="1" smtClean="0"/>
+              <a:t>Contract</a:t>
+            </a:r>
+            <a:r>
+              <a:rPr lang="de-DE" baseline="0" dirty="0" smtClean="0"/>
+              <a:t>)</a:t>
+            </a:r>
+          </a:p>
+          <a:p>
+            <a:pPr lvl="1"/>
+            <a:r>
+              <a:rPr lang="de-DE" baseline="0" dirty="0" smtClean="0"/>
+              <a:t>	Test des Verhaltens nach außen (Rückgabe bei bestimmter Eingabe)</a:t>
+            </a:r>
+          </a:p>
+          <a:p>
+            <a:pPr lvl="1"/>
+            <a:r>
+              <a:rPr lang="de-DE" baseline="0" dirty="0" smtClean="0"/>
+              <a:t>	eher Blackbox Test, vor allem bei TDD (nächste Folie)</a:t>
+            </a:r>
+            <a:endParaRPr lang="de-DE" dirty="0" smtClean="0"/>
+          </a:p>
+          <a:p>
+            <a:endParaRPr lang="de-DE" dirty="0"/>
+          </a:p>
+        </p:txBody>
+      </p:sp>
+      <p:sp>
+        <p:nvSpPr>
+          <p:cNvPr id="4" name="Foliennummernplatzhalter 3"/>
+          <p:cNvSpPr>
+            <a:spLocks noGrp="1"/>
+          </p:cNvSpPr>
+          <p:nvPr>
+            <p:ph type="sldNum" sz="quarter" idx="10"/>
+          </p:nvPr>
+        </p:nvSpPr>
+        <p:spPr/>
+        <p:txBody>
+          <a:bodyPr/>
+          <a:lstStyle/>
+          <a:p>
+            <a:fld id="{C48A05A2-CDCD-443F-85B0-2D4D73D6D8B2}" type="slidenum">
+              <a:rPr lang="de-DE" smtClean="0"/>
+              <a:t>12</a:t>
+            </a:fld>
+            <a:endParaRPr lang="de-DE"/>
+          </a:p>
+        </p:txBody>
+      </p:sp>
+    </p:spTree>
+  </p:cSld>
+  <p:clrMapOvr>
+    <a:masterClrMapping/>
+  </p:clrMapOvr>
+</p:notes>
+</file>
+
+<file path=ppt/notesSlides/notesSlide9.xml><?xml version="1.0" encoding="utf-8"?>
+<p:notes xmlns:a="http://schemas.openxmlformats.org/drawingml/2006/main" xmlns:r="http://schemas.openxmlformats.org/officeDocument/2006/relationships" xmlns:p="http://schemas.openxmlformats.org/presentationml/2006/main">
+  <p:cSld>
+    <p:spTree>
+      <p:nvGrpSpPr>
+        <p:cNvPr id="1" name=""/>
+        <p:cNvGrpSpPr/>
+        <p:nvPr/>
+      </p:nvGrpSpPr>
+      <p:grpSpPr>
+        <a:xfrm>
+          <a:off x="0" y="0"/>
+          <a:ext cx="0" cy="0"/>
+          <a:chOff x="0" y="0"/>
+          <a:chExt cx="0" cy="0"/>
+        </a:xfrm>
+      </p:grpSpPr>
+      <p:sp>
+        <p:nvSpPr>
+          <p:cNvPr id="2" name="Folienbildplatzhalter 1"/>
+          <p:cNvSpPr>
+            <a:spLocks noGrp="1" noRot="1" noChangeAspect="1"/>
+          </p:cNvSpPr>
+          <p:nvPr>
+            <p:ph type="sldImg"/>
+          </p:nvPr>
+        </p:nvSpPr>
+        <p:spPr/>
+      </p:sp>
+      <p:sp>
+        <p:nvSpPr>
+          <p:cNvPr id="3" name="Notizenplatzhalter 2"/>
+          <p:cNvSpPr>
+            <a:spLocks noGrp="1"/>
+          </p:cNvSpPr>
+          <p:nvPr>
+            <p:ph type="body" idx="1"/>
+          </p:nvPr>
+        </p:nvSpPr>
+        <p:spPr/>
+        <p:txBody>
+          <a:bodyPr>
+            <a:normAutofit/>
+          </a:bodyPr>
+          <a:lstStyle/>
+          <a:p>
+            <a:r>
+              <a:rPr lang="de-DE" dirty="0" err="1" smtClean="0"/>
+              <a:t>Mocking</a:t>
+            </a:r>
+            <a:endParaRPr lang="de-DE" dirty="0" smtClean="0"/>
+          </a:p>
+          <a:p>
+            <a:pPr lvl="1">
+              <a:buFont typeface="Arial" pitchFamily="34" charset="0"/>
+              <a:buChar char="•"/>
+            </a:pPr>
+            <a:r>
+              <a:rPr lang="de-DE" dirty="0" smtClean="0"/>
+              <a:t>Sind Platzhalter während des Modultests</a:t>
+            </a:r>
+          </a:p>
+          <a:p>
+            <a:pPr lvl="1">
+              <a:buFont typeface="Arial" pitchFamily="34" charset="0"/>
+              <a:buChar char="•"/>
+            </a:pPr>
+            <a:r>
+              <a:rPr lang="de-DE" dirty="0" smtClean="0"/>
+              <a:t>Mocks implementieren die Schnittstellen, auf die zugegriffen wird</a:t>
+            </a:r>
+          </a:p>
+          <a:p>
+            <a:pPr lvl="1">
+              <a:buFont typeface="Arial" pitchFamily="34" charset="0"/>
+              <a:buChar char="•"/>
+            </a:pPr>
+            <a:r>
+              <a:rPr lang="de-DE" dirty="0" smtClean="0"/>
+              <a:t>Ausgabe wird vor Test genau definiert</a:t>
+            </a:r>
+          </a:p>
+          <a:p>
+            <a:pPr lvl="2">
+              <a:buFont typeface="Arial" pitchFamily="34" charset="0"/>
+              <a:buChar char="•"/>
+            </a:pPr>
+            <a:r>
+              <a:rPr lang="de-DE" dirty="0" smtClean="0"/>
+              <a:t>„Wenn</a:t>
+            </a:r>
+            <a:r>
+              <a:rPr lang="de-DE" baseline="0" dirty="0" smtClean="0"/>
+              <a:t> der und der Aufruf kommt, liefere das zurück“</a:t>
+            </a:r>
+            <a:endParaRPr lang="de-DE" dirty="0" smtClean="0"/>
+          </a:p>
+          <a:p>
+            <a:pPr lvl="1">
+              <a:buFont typeface="Arial" pitchFamily="34" charset="0"/>
+              <a:buChar char="•"/>
+            </a:pPr>
+            <a:endParaRPr lang="de-DE" dirty="0" smtClean="0"/>
+          </a:p>
+          <a:p>
+            <a:pPr lvl="1">
+              <a:buFont typeface="Arial" pitchFamily="34" charset="0"/>
+              <a:buChar char="•"/>
+            </a:pPr>
+            <a:r>
+              <a:rPr lang="de-DE" dirty="0" smtClean="0"/>
+              <a:t>Motivation:</a:t>
+            </a:r>
+          </a:p>
+          <a:p>
+            <a:pPr lvl="1">
+              <a:buFont typeface="Arial" pitchFamily="34" charset="0"/>
+              <a:buChar char="•"/>
+            </a:pPr>
+            <a:r>
+              <a:rPr lang="de-DE" dirty="0" smtClean="0"/>
+              <a:t>Es ist nicht immer möglich in jedem Test alle Objekte zu erzeugen</a:t>
+            </a:r>
+          </a:p>
+          <a:p>
+            <a:pPr lvl="2">
+              <a:buFont typeface="Arial" pitchFamily="34" charset="0"/>
+              <a:buChar char="•"/>
+            </a:pPr>
+            <a:r>
+              <a:rPr lang="de-DE" dirty="0" smtClean="0"/>
+              <a:t>Objekte sind zu kompliziert,</a:t>
+            </a:r>
+          </a:p>
+          <a:p>
+            <a:pPr lvl="2">
+              <a:buFont typeface="Arial" pitchFamily="34" charset="0"/>
+              <a:buChar char="•"/>
+            </a:pPr>
+            <a:r>
+              <a:rPr lang="de-DE" dirty="0" smtClean="0"/>
+              <a:t>Objekte</a:t>
+            </a:r>
+            <a:r>
+              <a:rPr lang="de-DE" baseline="0" dirty="0" smtClean="0"/>
+              <a:t> k</a:t>
+            </a:r>
+            <a:r>
+              <a:rPr lang="de-DE" dirty="0" smtClean="0"/>
+              <a:t>önnen bestimmtes Verhalten nicht immer</a:t>
+            </a:r>
+            <a:r>
+              <a:rPr lang="de-DE" baseline="0" dirty="0" smtClean="0"/>
+              <a:t> nachbilden (z.B. Fehlfunktionen)</a:t>
+            </a:r>
+          </a:p>
+          <a:p>
+            <a:pPr lvl="2">
+              <a:buFont typeface="Arial" pitchFamily="34" charset="0"/>
+              <a:buChar char="•"/>
+            </a:pPr>
+            <a:r>
+              <a:rPr lang="de-DE" baseline="0" dirty="0" smtClean="0"/>
+              <a:t>Oder Objekte sind noch nicht vorhanden</a:t>
+            </a:r>
+          </a:p>
+          <a:p>
+            <a:pPr lvl="2">
+              <a:buFont typeface="Arial" pitchFamily="34" charset="0"/>
+              <a:buChar char="•"/>
+            </a:pPr>
+            <a:r>
+              <a:rPr lang="de-DE" baseline="0" dirty="0" smtClean="0"/>
+              <a:t>Oder …</a:t>
+            </a:r>
+            <a:endParaRPr lang="de-DE" dirty="0" smtClean="0"/>
+          </a:p>
+        </p:txBody>
+      </p:sp>
+      <p:sp>
+        <p:nvSpPr>
+          <p:cNvPr id="4" name="Foliennummernplatzhalter 3"/>
+          <p:cNvSpPr>
+            <a:spLocks noGrp="1"/>
+          </p:cNvSpPr>
+          <p:nvPr>
+            <p:ph type="sldNum" sz="quarter" idx="10"/>
+          </p:nvPr>
+        </p:nvSpPr>
+        <p:spPr/>
+        <p:txBody>
+          <a:bodyPr/>
+          <a:lstStyle/>
+          <a:p>
+            <a:fld id="{C48A05A2-CDCD-443F-85B0-2D4D73D6D8B2}" type="slidenum">
+              <a:rPr lang="de-DE" smtClean="0"/>
+              <a:t>13</a:t>
+            </a:fld>
+            <a:endParaRPr lang="de-DE"/>
+          </a:p>
+        </p:txBody>
+      </p:sp>
+    </p:spTree>
+  </p:cSld>
+  <p:clrMapOvr>
+    <a:masterClrMapping/>
+  </p:clrMapOvr>
+</p:notes>
+</file>
+
 <file path=ppt/slideLayouts/slideLayout1.xml><?xml version="1.0" encoding="utf-8"?>
 <p:sldLayout xmlns:a="http://schemas.openxmlformats.org/drawingml/2006/main" xmlns:r="http://schemas.openxmlformats.org/officeDocument/2006/relationships" xmlns:p="http://schemas.openxmlformats.org/presentationml/2006/main" type="title" preserve="1">
   <p:cSld name="Titelfolie">
@@ -306,7 +2977,7 @@
             <a:fld id="{34E84877-5350-4836-9D5A-45258BA98B9F}" type="datetimeFigureOut">
               <a:rPr lang="de-DE" smtClean="0"/>
               <a:pPr/>
-              <a:t>02.06.2016</a:t>
+              <a:t>13.06.2016</a:t>
             </a:fld>
             <a:endParaRPr lang="de-DE"/>
           </a:p>
@@ -473,7 +3144,7 @@
             <a:fld id="{34E84877-5350-4836-9D5A-45258BA98B9F}" type="datetimeFigureOut">
               <a:rPr lang="de-DE" smtClean="0"/>
               <a:pPr/>
-              <a:t>02.06.2016</a:t>
+              <a:t>13.06.2016</a:t>
             </a:fld>
             <a:endParaRPr lang="de-DE"/>
           </a:p>
@@ -650,7 +3321,7 @@
             <a:fld id="{34E84877-5350-4836-9D5A-45258BA98B9F}" type="datetimeFigureOut">
               <a:rPr lang="de-DE" smtClean="0"/>
               <a:pPr/>
-              <a:t>02.06.2016</a:t>
+              <a:t>13.06.2016</a:t>
             </a:fld>
             <a:endParaRPr lang="de-DE"/>
           </a:p>
@@ -817,7 +3488,7 @@
             <a:fld id="{34E84877-5350-4836-9D5A-45258BA98B9F}" type="datetimeFigureOut">
               <a:rPr lang="de-DE" smtClean="0"/>
               <a:pPr/>
-              <a:t>02.06.2016</a:t>
+              <a:t>13.06.2016</a:t>
             </a:fld>
             <a:endParaRPr lang="de-DE"/>
           </a:p>
@@ -1121,7 +3792,7 @@
             <a:fld id="{34E84877-5350-4836-9D5A-45258BA98B9F}" type="datetimeFigureOut">
               <a:rPr lang="de-DE" smtClean="0"/>
               <a:pPr/>
-              <a:t>02.06.2016</a:t>
+              <a:t>13.06.2016</a:t>
             </a:fld>
             <a:endParaRPr lang="de-DE"/>
           </a:p>
@@ -1406,7 +4077,7 @@
             <a:fld id="{34E84877-5350-4836-9D5A-45258BA98B9F}" type="datetimeFigureOut">
               <a:rPr lang="de-DE" smtClean="0"/>
               <a:pPr/>
-              <a:t>02.06.2016</a:t>
+              <a:t>13.06.2016</a:t>
             </a:fld>
             <a:endParaRPr lang="de-DE"/>
           </a:p>
@@ -1825,7 +4496,7 @@
             <a:fld id="{34E84877-5350-4836-9D5A-45258BA98B9F}" type="datetimeFigureOut">
               <a:rPr lang="de-DE" smtClean="0"/>
               <a:pPr/>
-              <a:t>02.06.2016</a:t>
+              <a:t>13.06.2016</a:t>
             </a:fld>
             <a:endParaRPr lang="de-DE"/>
           </a:p>
@@ -1940,7 +4611,7 @@
             <a:fld id="{34E84877-5350-4836-9D5A-45258BA98B9F}" type="datetimeFigureOut">
               <a:rPr lang="de-DE" smtClean="0"/>
               <a:pPr/>
-              <a:t>02.06.2016</a:t>
+              <a:t>13.06.2016</a:t>
             </a:fld>
             <a:endParaRPr lang="de-DE"/>
           </a:p>
@@ -2032,7 +4703,7 @@
             <a:fld id="{34E84877-5350-4836-9D5A-45258BA98B9F}" type="datetimeFigureOut">
               <a:rPr lang="de-DE" smtClean="0"/>
               <a:pPr/>
-              <a:t>02.06.2016</a:t>
+              <a:t>13.06.2016</a:t>
             </a:fld>
             <a:endParaRPr lang="de-DE"/>
           </a:p>
@@ -2306,7 +4977,7 @@
             <a:fld id="{34E84877-5350-4836-9D5A-45258BA98B9F}" type="datetimeFigureOut">
               <a:rPr lang="de-DE" smtClean="0"/>
               <a:pPr/>
-              <a:t>02.06.2016</a:t>
+              <a:t>13.06.2016</a:t>
             </a:fld>
             <a:endParaRPr lang="de-DE"/>
           </a:p>
@@ -2556,7 +5227,7 @@
             <a:fld id="{34E84877-5350-4836-9D5A-45258BA98B9F}" type="datetimeFigureOut">
               <a:rPr lang="de-DE" smtClean="0"/>
               <a:pPr/>
-              <a:t>02.06.2016</a:t>
+              <a:t>13.06.2016</a:t>
             </a:fld>
             <a:endParaRPr lang="de-DE"/>
           </a:p>
@@ -2766,7 +5437,7 @@
             <a:fld id="{34E84877-5350-4836-9D5A-45258BA98B9F}" type="datetimeFigureOut">
               <a:rPr lang="de-DE" smtClean="0"/>
               <a:pPr/>
-              <a:t>02.06.2016</a:t>
+              <a:t>13.06.2016</a:t>
             </a:fld>
             <a:endParaRPr lang="de-DE"/>
           </a:p>
@@ -3291,12 +5962,21 @@
         </p:nvSpPr>
         <p:spPr/>
         <p:txBody>
-          <a:bodyPr/>
-          <a:lstStyle/>
-          <a:p>
-            <a:r>
-              <a:rPr lang="de-DE" dirty="0" smtClean="0"/>
-              <a:t>Verwendete Frameworks</a:t>
+          <a:bodyPr>
+            <a:normAutofit fontScale="90000"/>
+          </a:bodyPr>
+          <a:lstStyle/>
+          <a:p>
+            <a:r>
+              <a:rPr lang="de-DE" dirty="0" smtClean="0"/>
+              <a:t>Themenschwerpunkt Testen</a:t>
+            </a:r>
+            <a:br>
+              <a:rPr lang="de-DE" dirty="0" smtClean="0"/>
+            </a:br>
+            <a:r>
+              <a:rPr lang="de-DE" dirty="0" smtClean="0"/>
+              <a:t>Motivation</a:t>
             </a:r>
             <a:endParaRPr lang="de-DE" dirty="0"/>
           </a:p>
@@ -3315,84 +5995,73 @@
         <p:spPr/>
         <p:txBody>
           <a:bodyPr>
-            <a:normAutofit fontScale="92500" lnSpcReduction="20000"/>
+            <a:normAutofit/>
           </a:bodyPr>
           <a:lstStyle/>
           <a:p>
+            <a:endParaRPr lang="de-DE" dirty="0" smtClean="0"/>
+          </a:p>
+          <a:p>
+            <a:endParaRPr lang="de-DE" dirty="0" smtClean="0"/>
+          </a:p>
+          <a:p>
             <a:r>
               <a:rPr lang="de-DE" dirty="0" err="1" smtClean="0"/>
-              <a:t>Roboguice</a:t>
-            </a:r>
+              <a:t>Android-App</a:t>
+            </a:r>
+            <a:r>
+              <a:rPr lang="de-DE" dirty="0" smtClean="0"/>
+              <a:t> soll genauso getestet werden wie herkömmlicher Code</a:t>
+            </a:r>
+          </a:p>
+          <a:p>
             <a:endParaRPr lang="de-DE" dirty="0" smtClean="0"/>
           </a:p>
           <a:p>
-            <a:r>
-              <a:rPr lang="de-DE" dirty="0" err="1" smtClean="0"/>
-              <a:t>Robolectric</a:t>
-            </a:r>
-            <a:endParaRPr lang="de-DE" dirty="0" smtClean="0"/>
-          </a:p>
-          <a:p>
-            <a:r>
-              <a:rPr lang="de-DE" dirty="0" err="1" smtClean="0"/>
-              <a:t>jUnit</a:t>
-            </a:r>
-            <a:endParaRPr lang="de-DE" dirty="0" smtClean="0"/>
-          </a:p>
-          <a:p>
-            <a:r>
-              <a:rPr lang="de-DE" dirty="0" err="1" smtClean="0"/>
-              <a:t>Mockito</a:t>
-            </a:r>
-            <a:endParaRPr lang="de-DE" dirty="0" smtClean="0"/>
-          </a:p>
-          <a:p>
-            <a:r>
-              <a:rPr lang="de-DE" dirty="0" err="1" smtClean="0"/>
-              <a:t>AssertJ</a:t>
-            </a:r>
-            <a:endParaRPr lang="de-DE" dirty="0" smtClean="0"/>
-          </a:p>
-          <a:p>
-            <a:r>
-              <a:rPr lang="de-DE" dirty="0" err="1" smtClean="0">
-                <a:solidFill>
-                  <a:schemeClr val="bg1">
-                    <a:lumMod val="65000"/>
-                  </a:schemeClr>
-                </a:solidFill>
-              </a:rPr>
-              <a:t>Greenrobot</a:t>
-            </a:r>
-            <a:endParaRPr lang="de-DE" dirty="0" smtClean="0">
-              <a:solidFill>
-                <a:schemeClr val="bg1">
-                  <a:lumMod val="65000"/>
-                </a:schemeClr>
-              </a:solidFill>
-            </a:endParaRPr>
-          </a:p>
-          <a:p>
-            <a:r>
-              <a:rPr lang="de-DE" dirty="0" err="1" smtClean="0">
-                <a:solidFill>
-                  <a:schemeClr val="bg1">
-                    <a:lumMod val="65000"/>
-                  </a:schemeClr>
-                </a:solidFill>
-              </a:rPr>
-              <a:t>Guava</a:t>
-            </a:r>
-            <a:endParaRPr lang="de-DE" dirty="0" smtClean="0">
-              <a:solidFill>
-                <a:schemeClr val="bg1">
-                  <a:lumMod val="65000"/>
-                </a:schemeClr>
-              </a:solidFill>
-            </a:endParaRPr>
-          </a:p>
-          <a:p>
+            <a:pPr>
+              <a:buNone/>
+            </a:pPr>
             <a:endParaRPr lang="de-DE" dirty="0"/>
+          </a:p>
+        </p:txBody>
+      </p:sp>
+      <p:sp>
+        <p:nvSpPr>
+          <p:cNvPr id="4" name="Ellipse 3"/>
+          <p:cNvSpPr/>
+          <p:nvPr/>
+        </p:nvSpPr>
+        <p:spPr>
+          <a:xfrm>
+            <a:off x="-36512" y="5020022"/>
+            <a:ext cx="179512" cy="144016"/>
+          </a:xfrm>
+          <a:prstGeom prst="ellipse">
+            <a:avLst/>
+          </a:prstGeom>
+        </p:spPr>
+        <p:style>
+          <a:lnRef idx="2">
+            <a:schemeClr val="accent1">
+              <a:shade val="50000"/>
+            </a:schemeClr>
+          </a:lnRef>
+          <a:fillRef idx="1">
+            <a:schemeClr val="accent1"/>
+          </a:fillRef>
+          <a:effectRef idx="0">
+            <a:schemeClr val="accent1"/>
+          </a:effectRef>
+          <a:fontRef idx="minor">
+            <a:schemeClr val="lt1"/>
+          </a:fontRef>
+        </p:style>
+        <p:txBody>
+          <a:bodyPr rtlCol="0" anchor="ctr"/>
+          <a:lstStyle/>
+          <a:p>
+            <a:pPr algn="ctr"/>
+            <a:endParaRPr lang="de-DE"/>
           </a:p>
         </p:txBody>
       </p:sp>
@@ -3453,8 +6122,8 @@
               <a:rPr lang="de-DE" dirty="0" smtClean="0"/>
             </a:br>
             <a:r>
-              <a:rPr lang="de-DE" dirty="0" err="1" smtClean="0"/>
-              <a:t>Roboguice</a:t>
+              <a:rPr lang="de-DE" dirty="0" smtClean="0"/>
+              <a:t>Motivation</a:t>
             </a:r>
             <a:endParaRPr lang="de-DE" dirty="0"/>
           </a:p>
@@ -3479,7 +6148,70 @@
           <a:p>
             <a:r>
               <a:rPr lang="de-DE" dirty="0" smtClean="0"/>
-              <a:t>DI</a:t>
+              <a:t>Probleme:</a:t>
+            </a:r>
+          </a:p>
+          <a:p>
+            <a:pPr lvl="1"/>
+            <a:r>
+              <a:rPr lang="de-DE" dirty="0" smtClean="0"/>
+              <a:t>Große Abhängigkeit von </a:t>
+            </a:r>
+            <a:r>
+              <a:rPr lang="de-DE" dirty="0" err="1" smtClean="0"/>
+              <a:t>Android</a:t>
+            </a:r>
+            <a:r>
+              <a:rPr lang="de-DE" dirty="0" smtClean="0"/>
+              <a:t> Framework</a:t>
+            </a:r>
+          </a:p>
+          <a:p>
+            <a:pPr lvl="2"/>
+            <a:r>
+              <a:rPr lang="de-DE" dirty="0" smtClean="0"/>
+              <a:t>Es muss ein </a:t>
+            </a:r>
+            <a:r>
+              <a:rPr lang="de-DE" dirty="0" err="1" smtClean="0"/>
+              <a:t>Android</a:t>
+            </a:r>
+            <a:r>
+              <a:rPr lang="de-DE" dirty="0" smtClean="0"/>
+              <a:t> Gerät angeschlossen sein</a:t>
+            </a:r>
+          </a:p>
+          <a:p>
+            <a:pPr lvl="2"/>
+            <a:r>
+              <a:rPr lang="de-DE" dirty="0" smtClean="0"/>
+              <a:t>Alternative Debugger ist langsam</a:t>
+            </a:r>
+          </a:p>
+          <a:p>
+            <a:pPr lvl="1"/>
+            <a:r>
+              <a:rPr lang="de-DE" dirty="0" smtClean="0"/>
+              <a:t>Tests lassen sich nicht schnell und automatisiert ausführen</a:t>
+            </a:r>
+          </a:p>
+          <a:p>
+            <a:pPr lvl="2"/>
+            <a:r>
+              <a:rPr lang="de-DE" dirty="0" err="1" smtClean="0"/>
+              <a:t>Continuous</a:t>
+            </a:r>
+            <a:r>
+              <a:rPr lang="de-DE" dirty="0" smtClean="0"/>
+              <a:t> Integration, </a:t>
+            </a:r>
+            <a:r>
+              <a:rPr lang="de-DE" dirty="0" err="1" smtClean="0"/>
+              <a:t>Buildserver</a:t>
+            </a:r>
+            <a:r>
+              <a:rPr lang="de-DE" dirty="0" smtClean="0"/>
+              <a:t>, …</a:t>
             </a:r>
             <a:endParaRPr lang="de-DE" dirty="0"/>
           </a:p>
@@ -3499,9 +6231,6 @@
           <a:prstGeom prst="ellipse">
             <a:avLst/>
           </a:prstGeom>
-          <a:solidFill>
-            <a:srgbClr val="EA5092"/>
-          </a:solidFill>
         </p:spPr>
         <p:style>
           <a:lnRef idx="2">
@@ -3585,30 +6314,84 @@
               <a:rPr lang="de-DE" dirty="0" smtClean="0"/>
             </a:br>
             <a:r>
+              <a:rPr lang="de-DE" dirty="0" smtClean="0"/>
+              <a:t>Grundlagen</a:t>
+            </a:r>
+            <a:endParaRPr lang="de-DE" dirty="0"/>
+          </a:p>
+        </p:txBody>
+      </p:sp>
+      <p:sp>
+        <p:nvSpPr>
+          <p:cNvPr id="3" name="Inhaltsplatzhalter 2"/>
+          <p:cNvSpPr>
+            <a:spLocks noGrp="1"/>
+          </p:cNvSpPr>
+          <p:nvPr>
+            <p:ph idx="1"/>
+          </p:nvPr>
+        </p:nvSpPr>
+        <p:spPr/>
+        <p:txBody>
+          <a:bodyPr>
+            <a:normAutofit lnSpcReduction="10000"/>
+          </a:bodyPr>
+          <a:lstStyle/>
+          <a:p>
+            <a:r>
+              <a:rPr lang="de-DE" dirty="0" smtClean="0"/>
+              <a:t>Unit </a:t>
+            </a:r>
+            <a:r>
               <a:rPr lang="de-DE" dirty="0" err="1" smtClean="0"/>
-              <a:t>jUnit</a:t>
-            </a:r>
-            <a:endParaRPr lang="de-DE" dirty="0"/>
-          </a:p>
-        </p:txBody>
-      </p:sp>
-      <p:sp>
-        <p:nvSpPr>
-          <p:cNvPr id="3" name="Inhaltsplatzhalter 2"/>
-          <p:cNvSpPr>
-            <a:spLocks noGrp="1"/>
-          </p:cNvSpPr>
-          <p:nvPr>
-            <p:ph idx="1"/>
-          </p:nvPr>
-        </p:nvSpPr>
-        <p:spPr/>
-        <p:txBody>
-          <a:bodyPr>
-            <a:normAutofit/>
-          </a:bodyPr>
-          <a:lstStyle/>
-          <a:p>
+              <a:t>Testing</a:t>
+            </a:r>
+            <a:endParaRPr lang="de-DE" dirty="0" smtClean="0"/>
+          </a:p>
+          <a:p>
+            <a:pPr lvl="1"/>
+            <a:r>
+              <a:rPr lang="de-DE" dirty="0" smtClean="0"/>
+              <a:t>Testen einzelner, wenig komplexer Programmteile</a:t>
+            </a:r>
+          </a:p>
+          <a:p>
+            <a:pPr lvl="1"/>
+            <a:r>
+              <a:rPr lang="de-DE" dirty="0" smtClean="0"/>
+              <a:t>Vorgehen:</a:t>
+            </a:r>
+          </a:p>
+          <a:p>
+            <a:pPr lvl="2"/>
+            <a:r>
+              <a:rPr lang="de-DE" dirty="0" smtClean="0"/>
+              <a:t>Anfangszustand wird hergestellt</a:t>
+            </a:r>
+          </a:p>
+          <a:p>
+            <a:pPr lvl="2"/>
+            <a:r>
+              <a:rPr lang="de-DE" dirty="0" smtClean="0"/>
+              <a:t>Zu testende Operation wird aufgerufen</a:t>
+            </a:r>
+          </a:p>
+          <a:p>
+            <a:pPr lvl="2"/>
+            <a:r>
+              <a:rPr lang="de-DE" dirty="0" smtClean="0"/>
+              <a:t>Ausgabe wird überprüft</a:t>
+            </a:r>
+          </a:p>
+          <a:p>
+            <a:pPr lvl="1"/>
+            <a:r>
+              <a:rPr lang="de-DE" dirty="0" smtClean="0"/>
+              <a:t>Tests werden automatisiert ausgeführt</a:t>
+            </a:r>
+          </a:p>
+          <a:p>
+            <a:pPr lvl="1"/>
             <a:endParaRPr lang="de-DE" dirty="0"/>
           </a:p>
         </p:txBody>
@@ -3627,9 +6410,6 @@
           <a:prstGeom prst="ellipse">
             <a:avLst/>
           </a:prstGeom>
-          <a:solidFill>
-            <a:srgbClr val="EA5092"/>
-          </a:solidFill>
         </p:spPr>
         <p:style>
           <a:lnRef idx="2">
@@ -3713,8 +6493,8 @@
               <a:rPr lang="de-DE" dirty="0" smtClean="0"/>
             </a:br>
             <a:r>
-              <a:rPr lang="de-DE" dirty="0" err="1" smtClean="0"/>
-              <a:t>Mockito</a:t>
+              <a:rPr lang="de-DE" dirty="0" smtClean="0"/>
+              <a:t>Grundlagen</a:t>
             </a:r>
             <a:endParaRPr lang="de-DE" dirty="0"/>
           </a:p>
@@ -3737,6 +6517,45 @@
           </a:bodyPr>
           <a:lstStyle/>
           <a:p>
+            <a:r>
+              <a:rPr lang="de-DE" dirty="0" err="1" smtClean="0"/>
+              <a:t>Mocking</a:t>
+            </a:r>
+            <a:endParaRPr lang="de-DE" dirty="0" smtClean="0"/>
+          </a:p>
+          <a:p>
+            <a:pPr lvl="1"/>
+            <a:r>
+              <a:rPr lang="de-DE" dirty="0" smtClean="0"/>
+              <a:t>Sind Platzhalter während des Modultests</a:t>
+            </a:r>
+          </a:p>
+          <a:p>
+            <a:pPr lvl="1"/>
+            <a:r>
+              <a:rPr lang="de-DE" dirty="0" smtClean="0"/>
+              <a:t>Mocks implementieren die Schnittstellen, auf die zugegriffen wird</a:t>
+            </a:r>
+          </a:p>
+          <a:p>
+            <a:pPr lvl="1"/>
+            <a:r>
+              <a:rPr lang="de-DE" dirty="0" smtClean="0"/>
+              <a:t>Ausgabe wird vor Test genau definiert</a:t>
+            </a:r>
+          </a:p>
+          <a:p>
+            <a:pPr lvl="1">
+              <a:buNone/>
+            </a:pPr>
+            <a:endParaRPr lang="de-DE" dirty="0" smtClean="0"/>
+          </a:p>
+          <a:p>
+            <a:pPr lvl="1"/>
+            <a:endParaRPr lang="de-DE" dirty="0" smtClean="0"/>
+          </a:p>
+          <a:p>
+            <a:pPr lvl="1"/>
             <a:endParaRPr lang="de-DE" dirty="0"/>
           </a:p>
         </p:txBody>
@@ -3755,9 +6574,6 @@
           <a:prstGeom prst="ellipse">
             <a:avLst/>
           </a:prstGeom>
-          <a:solidFill>
-            <a:srgbClr val="EA5092"/>
-          </a:solidFill>
         </p:spPr>
         <p:style>
           <a:lnRef idx="2">
@@ -3841,30 +6657,103 @@
               <a:rPr lang="de-DE" dirty="0" smtClean="0"/>
             </a:br>
             <a:r>
+              <a:rPr lang="de-DE" dirty="0" smtClean="0"/>
+              <a:t>Grundlagen</a:t>
+            </a:r>
+            <a:endParaRPr lang="de-DE" dirty="0"/>
+          </a:p>
+        </p:txBody>
+      </p:sp>
+      <p:sp>
+        <p:nvSpPr>
+          <p:cNvPr id="3" name="Inhaltsplatzhalter 2"/>
+          <p:cNvSpPr>
+            <a:spLocks noGrp="1"/>
+          </p:cNvSpPr>
+          <p:nvPr>
+            <p:ph idx="1"/>
+          </p:nvPr>
+        </p:nvSpPr>
+        <p:spPr/>
+        <p:txBody>
+          <a:bodyPr>
+            <a:normAutofit lnSpcReduction="10000"/>
+          </a:bodyPr>
+          <a:lstStyle/>
+          <a:p>
+            <a:r>
+              <a:rPr lang="de-DE" dirty="0" smtClean="0"/>
+              <a:t>Test </a:t>
+            </a:r>
+            <a:r>
               <a:rPr lang="de-DE" dirty="0" err="1" smtClean="0"/>
-              <a:t>Robolectric</a:t>
-            </a:r>
-            <a:endParaRPr lang="de-DE" dirty="0"/>
-          </a:p>
-        </p:txBody>
-      </p:sp>
-      <p:sp>
-        <p:nvSpPr>
-          <p:cNvPr id="3" name="Inhaltsplatzhalter 2"/>
-          <p:cNvSpPr>
-            <a:spLocks noGrp="1"/>
-          </p:cNvSpPr>
-          <p:nvPr>
-            <p:ph idx="1"/>
-          </p:nvPr>
-        </p:nvSpPr>
-        <p:spPr/>
-        <p:txBody>
-          <a:bodyPr>
-            <a:normAutofit/>
-          </a:bodyPr>
-          <a:lstStyle/>
-          <a:p>
+              <a:t>Driven</a:t>
+            </a:r>
+            <a:r>
+              <a:rPr lang="de-DE" dirty="0" smtClean="0"/>
+              <a:t> Development</a:t>
+            </a:r>
+          </a:p>
+          <a:p>
+            <a:pPr lvl="1"/>
+            <a:r>
+              <a:rPr lang="de-DE" dirty="0" smtClean="0"/>
+              <a:t>„Tests </a:t>
+            </a:r>
+            <a:r>
+              <a:rPr lang="de-DE" dirty="0" err="1" smtClean="0"/>
+              <a:t>first</a:t>
+            </a:r>
+            <a:r>
+              <a:rPr lang="de-DE" dirty="0" smtClean="0"/>
+              <a:t>“</a:t>
+            </a:r>
+            <a:endParaRPr lang="de-DE" dirty="0" smtClean="0"/>
+          </a:p>
+          <a:p>
+            <a:pPr lvl="1"/>
+            <a:r>
+              <a:rPr lang="de-DE" dirty="0" smtClean="0"/>
+              <a:t>Entwicklung in </a:t>
+            </a:r>
+            <a:r>
+              <a:rPr lang="de-DE" dirty="0" err="1" smtClean="0"/>
+              <a:t>Microiterationen</a:t>
+            </a:r>
+            <a:r>
+              <a:rPr lang="de-DE" dirty="0" smtClean="0"/>
+              <a:t>:</a:t>
+            </a:r>
+          </a:p>
+          <a:p>
+            <a:pPr marL="1371600" lvl="2" indent="-514350">
+              <a:buFont typeface="+mj-lt"/>
+              <a:buAutoNum type="arabicPeriod"/>
+            </a:pPr>
+            <a:r>
+              <a:rPr lang="de-DE" dirty="0" smtClean="0"/>
+              <a:t>Test schreiben, der gewünschte Funktionalität bzw. gewünschtes Verhalten</a:t>
+            </a:r>
+          </a:p>
+          <a:p>
+            <a:pPr marL="1371600" lvl="2" indent="-514350">
+              <a:buFont typeface="+mj-lt"/>
+              <a:buAutoNum type="arabicPeriod"/>
+            </a:pPr>
+            <a:r>
+              <a:rPr lang="de-DE" dirty="0" smtClean="0"/>
+              <a:t>Code mit möglichst wenig Aufwand ändern, dass Test bestanden wird</a:t>
+            </a:r>
+          </a:p>
+          <a:p>
+            <a:pPr marL="1371600" lvl="2" indent="-514350">
+              <a:buFont typeface="+mj-lt"/>
+              <a:buAutoNum type="arabicPeriod"/>
+            </a:pPr>
+            <a:r>
+              <a:rPr lang="de-DE" dirty="0" smtClean="0"/>
+              <a:t>Code aufräumen ohne neue Funktionalität </a:t>
+            </a:r>
             <a:endParaRPr lang="de-DE" dirty="0"/>
           </a:p>
         </p:txBody>
@@ -3883,9 +6772,6 @@
           <a:prstGeom prst="ellipse">
             <a:avLst/>
           </a:prstGeom>
-          <a:solidFill>
-            <a:srgbClr val="EA5092"/>
-          </a:solidFill>
         </p:spPr>
         <p:style>
           <a:lnRef idx="2">
@@ -3969,8 +6855,8 @@
               <a:rPr lang="de-DE" dirty="0" smtClean="0"/>
             </a:br>
             <a:r>
-              <a:rPr lang="de-DE" dirty="0" err="1" smtClean="0"/>
-              <a:t>AssertJ</a:t>
+              <a:rPr lang="de-DE" dirty="0" smtClean="0"/>
+              <a:t>Grundlagen</a:t>
             </a:r>
             <a:endParaRPr lang="de-DE" dirty="0"/>
           </a:p>
@@ -3993,6 +6879,83 @@
           </a:bodyPr>
           <a:lstStyle/>
           <a:p>
+            <a:r>
+              <a:rPr lang="de-DE" dirty="0" smtClean="0"/>
+              <a:t>Inversion </a:t>
+            </a:r>
+            <a:r>
+              <a:rPr lang="de-DE" dirty="0" err="1" smtClean="0"/>
+              <a:t>of</a:t>
+            </a:r>
+            <a:r>
+              <a:rPr lang="de-DE" dirty="0" smtClean="0"/>
+              <a:t> </a:t>
+            </a:r>
+            <a:r>
+              <a:rPr lang="de-DE" dirty="0" err="1" smtClean="0"/>
+              <a:t>Control</a:t>
+            </a:r>
+            <a:endParaRPr lang="de-DE" dirty="0" smtClean="0"/>
+          </a:p>
+          <a:p>
+            <a:pPr lvl="1"/>
+            <a:r>
+              <a:rPr lang="de-DE" dirty="0" smtClean="0"/>
+              <a:t>Ist Pattern für </a:t>
+            </a:r>
+            <a:r>
+              <a:rPr lang="de-DE" dirty="0" err="1" smtClean="0"/>
+              <a:t>Softwarenetwicklung</a:t>
+            </a:r>
+            <a:endParaRPr lang="de-DE" dirty="0" smtClean="0"/>
+          </a:p>
+          <a:p>
+            <a:pPr lvl="1"/>
+            <a:r>
+              <a:rPr lang="de-DE" dirty="0" smtClean="0"/>
+              <a:t>Ziel: Abhängigkeiten aus Programmcode entfernen</a:t>
+            </a:r>
+          </a:p>
+          <a:p>
+            <a:pPr lvl="1"/>
+            <a:r>
+              <a:rPr lang="de-DE" dirty="0" smtClean="0"/>
+              <a:t>Umsetzung:</a:t>
+            </a:r>
+          </a:p>
+          <a:p>
+            <a:pPr lvl="2"/>
+            <a:r>
+              <a:rPr lang="de-DE" dirty="0" smtClean="0"/>
+              <a:t>z.B. </a:t>
+            </a:r>
+            <a:r>
+              <a:rPr lang="de-DE" dirty="0" err="1" smtClean="0"/>
+              <a:t>Dependency</a:t>
+            </a:r>
+            <a:r>
+              <a:rPr lang="de-DE" dirty="0" smtClean="0"/>
+              <a:t> </a:t>
+            </a:r>
+            <a:r>
+              <a:rPr lang="de-DE" dirty="0" err="1" smtClean="0"/>
+              <a:t>Injection</a:t>
+            </a:r>
+            <a:endParaRPr lang="de-DE" dirty="0" smtClean="0"/>
+          </a:p>
+          <a:p>
+            <a:pPr lvl="2"/>
+            <a:r>
+              <a:rPr lang="de-DE" dirty="0" err="1" smtClean="0"/>
+              <a:t>Callbacks</a:t>
+            </a:r>
+            <a:r>
+              <a:rPr lang="de-DE" dirty="0" smtClean="0"/>
+              <a:t> und Events</a:t>
+            </a:r>
+          </a:p>
+          <a:p>
+            <a:pPr lvl="2"/>
             <a:endParaRPr lang="de-DE" dirty="0"/>
           </a:p>
         </p:txBody>
@@ -4011,9 +6974,6 @@
           <a:prstGeom prst="ellipse">
             <a:avLst/>
           </a:prstGeom>
-          <a:solidFill>
-            <a:srgbClr val="EA5092"/>
-          </a:solidFill>
         </p:spPr>
         <p:style>
           <a:lnRef idx="2">
@@ -4084,6 +7044,355 @@
         </p:nvSpPr>
         <p:spPr/>
         <p:txBody>
+          <a:bodyPr/>
+          <a:lstStyle/>
+          <a:p>
+            <a:r>
+              <a:rPr lang="de-DE" dirty="0" smtClean="0"/>
+              <a:t>Verwendete Frameworks</a:t>
+            </a:r>
+            <a:endParaRPr lang="de-DE" dirty="0"/>
+          </a:p>
+        </p:txBody>
+      </p:sp>
+      <p:sp>
+        <p:nvSpPr>
+          <p:cNvPr id="3" name="Inhaltsplatzhalter 2"/>
+          <p:cNvSpPr>
+            <a:spLocks noGrp="1"/>
+          </p:cNvSpPr>
+          <p:nvPr>
+            <p:ph idx="1"/>
+          </p:nvPr>
+        </p:nvSpPr>
+        <p:spPr/>
+        <p:txBody>
+          <a:bodyPr>
+            <a:normAutofit fontScale="92500" lnSpcReduction="20000"/>
+          </a:bodyPr>
+          <a:lstStyle/>
+          <a:p>
+            <a:r>
+              <a:rPr lang="de-DE" dirty="0" err="1" smtClean="0"/>
+              <a:t>Roboguice</a:t>
+            </a:r>
+            <a:endParaRPr lang="de-DE" dirty="0" smtClean="0"/>
+          </a:p>
+          <a:p>
+            <a:r>
+              <a:rPr lang="de-DE" dirty="0" err="1" smtClean="0"/>
+              <a:t>Robolectric</a:t>
+            </a:r>
+            <a:endParaRPr lang="de-DE" dirty="0" smtClean="0"/>
+          </a:p>
+          <a:p>
+            <a:r>
+              <a:rPr lang="de-DE" dirty="0" err="1" smtClean="0"/>
+              <a:t>jUnit</a:t>
+            </a:r>
+            <a:endParaRPr lang="de-DE" dirty="0" smtClean="0"/>
+          </a:p>
+          <a:p>
+            <a:r>
+              <a:rPr lang="de-DE" dirty="0" err="1" smtClean="0"/>
+              <a:t>Mockito</a:t>
+            </a:r>
+            <a:endParaRPr lang="de-DE" dirty="0" smtClean="0"/>
+          </a:p>
+          <a:p>
+            <a:r>
+              <a:rPr lang="de-DE" dirty="0" err="1" smtClean="0"/>
+              <a:t>AssertJ</a:t>
+            </a:r>
+            <a:endParaRPr lang="de-DE" dirty="0" smtClean="0"/>
+          </a:p>
+          <a:p>
+            <a:r>
+              <a:rPr lang="de-DE" dirty="0" err="1" smtClean="0"/>
+              <a:t>Greenrobot</a:t>
+            </a:r>
+            <a:endParaRPr lang="de-DE" dirty="0" smtClean="0"/>
+          </a:p>
+          <a:p>
+            <a:r>
+              <a:rPr lang="de-DE" dirty="0" err="1" smtClean="0"/>
+              <a:t>Guava</a:t>
+            </a:r>
+            <a:endParaRPr lang="de-DE" dirty="0" smtClean="0"/>
+          </a:p>
+          <a:p>
+            <a:endParaRPr lang="de-DE" dirty="0"/>
+          </a:p>
+        </p:txBody>
+      </p:sp>
+      <p:sp>
+        <p:nvSpPr>
+          <p:cNvPr id="4" name="Ellipse 3"/>
+          <p:cNvSpPr/>
+          <p:nvPr/>
+        </p:nvSpPr>
+        <p:spPr>
+          <a:xfrm>
+            <a:off x="-36512" y="5020022"/>
+            <a:ext cx="179512" cy="144016"/>
+          </a:xfrm>
+          <a:prstGeom prst="ellipse">
+            <a:avLst/>
+          </a:prstGeom>
+          <a:solidFill>
+            <a:srgbClr val="EA5092"/>
+          </a:solidFill>
+        </p:spPr>
+        <p:style>
+          <a:lnRef idx="2">
+            <a:schemeClr val="accent1">
+              <a:shade val="50000"/>
+            </a:schemeClr>
+          </a:lnRef>
+          <a:fillRef idx="1">
+            <a:schemeClr val="accent1"/>
+          </a:fillRef>
+          <a:effectRef idx="0">
+            <a:schemeClr val="accent1"/>
+          </a:effectRef>
+          <a:fontRef idx="minor">
+            <a:schemeClr val="lt1"/>
+          </a:fontRef>
+        </p:style>
+        <p:txBody>
+          <a:bodyPr rtlCol="0" anchor="ctr"/>
+          <a:lstStyle/>
+          <a:p>
+            <a:pPr algn="ctr"/>
+            <a:endParaRPr lang="de-DE"/>
+          </a:p>
+        </p:txBody>
+      </p:sp>
+    </p:spTree>
+  </p:cSld>
+  <p:clrMapOvr>
+    <a:masterClrMapping/>
+  </p:clrMapOvr>
+  <p:timing>
+    <p:tnLst>
+      <p:par>
+        <p:cTn id="1" dur="indefinite" restart="never" nodeType="tmRoot"/>
+      </p:par>
+    </p:tnLst>
+  </p:timing>
+</p:sld>
+</file>
+
+<file path=ppt/slides/slide17.xml><?xml version="1.0" encoding="utf-8"?>
+<p:sld xmlns:a="http://schemas.openxmlformats.org/drawingml/2006/main" xmlns:r="http://schemas.openxmlformats.org/officeDocument/2006/relationships" xmlns:p="http://schemas.openxmlformats.org/presentationml/2006/main">
+  <p:cSld>
+    <p:spTree>
+      <p:nvGrpSpPr>
+        <p:cNvPr id="1" name=""/>
+        <p:cNvGrpSpPr/>
+        <p:nvPr/>
+      </p:nvGrpSpPr>
+      <p:grpSpPr>
+        <a:xfrm>
+          <a:off x="0" y="0"/>
+          <a:ext cx="0" cy="0"/>
+          <a:chOff x="0" y="0"/>
+          <a:chExt cx="0" cy="0"/>
+        </a:xfrm>
+      </p:grpSpPr>
+      <p:sp>
+        <p:nvSpPr>
+          <p:cNvPr id="2" name="Titel 1"/>
+          <p:cNvSpPr>
+            <a:spLocks noGrp="1"/>
+          </p:cNvSpPr>
+          <p:nvPr>
+            <p:ph type="title"/>
+          </p:nvPr>
+        </p:nvSpPr>
+        <p:spPr/>
+        <p:txBody>
+          <a:bodyPr/>
+          <a:lstStyle/>
+          <a:p>
+            <a:r>
+              <a:rPr lang="de-DE" dirty="0" smtClean="0"/>
+              <a:t>Verwendete Frameworks</a:t>
+            </a:r>
+            <a:endParaRPr lang="de-DE" dirty="0"/>
+          </a:p>
+        </p:txBody>
+      </p:sp>
+      <p:sp>
+        <p:nvSpPr>
+          <p:cNvPr id="3" name="Inhaltsplatzhalter 2"/>
+          <p:cNvSpPr>
+            <a:spLocks noGrp="1"/>
+          </p:cNvSpPr>
+          <p:nvPr>
+            <p:ph idx="1"/>
+          </p:nvPr>
+        </p:nvSpPr>
+        <p:spPr/>
+        <p:txBody>
+          <a:bodyPr>
+            <a:normAutofit fontScale="92500" lnSpcReduction="20000"/>
+          </a:bodyPr>
+          <a:lstStyle/>
+          <a:p>
+            <a:r>
+              <a:rPr lang="de-DE" dirty="0" err="1" smtClean="0"/>
+              <a:t>Roboguice</a:t>
+            </a:r>
+            <a:endParaRPr lang="de-DE" dirty="0" smtClean="0"/>
+          </a:p>
+          <a:p>
+            <a:r>
+              <a:rPr lang="de-DE" dirty="0" err="1" smtClean="0"/>
+              <a:t>Robolectric</a:t>
+            </a:r>
+            <a:endParaRPr lang="de-DE" dirty="0" smtClean="0"/>
+          </a:p>
+          <a:p>
+            <a:r>
+              <a:rPr lang="de-DE" dirty="0" err="1" smtClean="0"/>
+              <a:t>jUnit</a:t>
+            </a:r>
+            <a:endParaRPr lang="de-DE" dirty="0" smtClean="0"/>
+          </a:p>
+          <a:p>
+            <a:r>
+              <a:rPr lang="de-DE" dirty="0" err="1" smtClean="0"/>
+              <a:t>Mockito</a:t>
+            </a:r>
+            <a:endParaRPr lang="de-DE" dirty="0" smtClean="0"/>
+          </a:p>
+          <a:p>
+            <a:r>
+              <a:rPr lang="de-DE" dirty="0" err="1" smtClean="0"/>
+              <a:t>AssertJ</a:t>
+            </a:r>
+            <a:endParaRPr lang="de-DE" dirty="0" smtClean="0"/>
+          </a:p>
+          <a:p>
+            <a:r>
+              <a:rPr lang="de-DE" dirty="0" err="1" smtClean="0">
+                <a:solidFill>
+                  <a:schemeClr val="bg1">
+                    <a:lumMod val="65000"/>
+                  </a:schemeClr>
+                </a:solidFill>
+              </a:rPr>
+              <a:t>Greenrobot</a:t>
+            </a:r>
+            <a:endParaRPr lang="de-DE" dirty="0" smtClean="0">
+              <a:solidFill>
+                <a:schemeClr val="bg1">
+                  <a:lumMod val="65000"/>
+                </a:schemeClr>
+              </a:solidFill>
+            </a:endParaRPr>
+          </a:p>
+          <a:p>
+            <a:r>
+              <a:rPr lang="de-DE" dirty="0" err="1" smtClean="0">
+                <a:solidFill>
+                  <a:schemeClr val="bg1">
+                    <a:lumMod val="65000"/>
+                  </a:schemeClr>
+                </a:solidFill>
+              </a:rPr>
+              <a:t>Guava</a:t>
+            </a:r>
+            <a:endParaRPr lang="de-DE" dirty="0" smtClean="0">
+              <a:solidFill>
+                <a:schemeClr val="bg1">
+                  <a:lumMod val="65000"/>
+                </a:schemeClr>
+              </a:solidFill>
+            </a:endParaRPr>
+          </a:p>
+          <a:p>
+            <a:endParaRPr lang="de-DE" dirty="0"/>
+          </a:p>
+        </p:txBody>
+      </p:sp>
+    </p:spTree>
+  </p:cSld>
+  <p:clrMapOvr>
+    <a:masterClrMapping/>
+  </p:clrMapOvr>
+  <p:timing>
+    <p:tnLst>
+      <p:par>
+        <p:cTn id="1" dur="indefinite" restart="never" nodeType="tmRoot"/>
+      </p:par>
+    </p:tnLst>
+  </p:timing>
+</p:sld>
+</file>
+
+<file path=ppt/slides/slide18.xml><?xml version="1.0" encoding="utf-8"?>
+<p:sld xmlns:a="http://schemas.openxmlformats.org/drawingml/2006/main" xmlns:r="http://schemas.openxmlformats.org/officeDocument/2006/relationships" xmlns:p="http://schemas.openxmlformats.org/presentationml/2006/main">
+  <p:cSld>
+    <p:spTree>
+      <p:nvGrpSpPr>
+        <p:cNvPr id="1" name=""/>
+        <p:cNvGrpSpPr/>
+        <p:nvPr/>
+      </p:nvGrpSpPr>
+      <p:grpSpPr>
+        <a:xfrm>
+          <a:off x="0" y="0"/>
+          <a:ext cx="0" cy="0"/>
+          <a:chOff x="0" y="0"/>
+          <a:chExt cx="0" cy="0"/>
+        </a:xfrm>
+      </p:grpSpPr>
+      <p:sp>
+        <p:nvSpPr>
+          <p:cNvPr id="2" name="Titel 1"/>
+          <p:cNvSpPr>
+            <a:spLocks noGrp="1"/>
+          </p:cNvSpPr>
+          <p:nvPr>
+            <p:ph type="title"/>
+          </p:nvPr>
+        </p:nvSpPr>
+        <p:spPr/>
+        <p:txBody>
+          <a:bodyPr>
+            <a:normAutofit fontScale="90000"/>
+          </a:bodyPr>
+          <a:lstStyle/>
+          <a:p>
+            <a:r>
+              <a:rPr lang="de-DE" dirty="0" smtClean="0"/>
+              <a:t>Themenschwerpunkt Testen</a:t>
+            </a:r>
+            <a:br>
+              <a:rPr lang="de-DE" dirty="0" smtClean="0"/>
+            </a:br>
+            <a:r>
+              <a:rPr lang="de-DE" dirty="0" err="1" smtClean="0"/>
+              <a:t>Roboguice</a:t>
+            </a:r>
+            <a:endParaRPr lang="de-DE" dirty="0"/>
+          </a:p>
+        </p:txBody>
+      </p:sp>
+      <p:sp>
+        <p:nvSpPr>
+          <p:cNvPr id="3" name="Inhaltsplatzhalter 2"/>
+          <p:cNvSpPr>
+            <a:spLocks noGrp="1"/>
+          </p:cNvSpPr>
+          <p:nvPr>
+            <p:ph idx="1"/>
+          </p:nvPr>
+        </p:nvSpPr>
+        <p:spPr/>
+        <p:txBody>
           <a:bodyPr>
             <a:normAutofit/>
           </a:bodyPr>
@@ -4091,7 +7400,7 @@
           <a:p>
             <a:r>
               <a:rPr lang="de-DE" dirty="0" smtClean="0"/>
-              <a:t>Ausblicke</a:t>
+              <a:t>DI</a:t>
             </a:r>
             <a:endParaRPr lang="de-DE" dirty="0"/>
           </a:p>
@@ -4099,6 +7408,113 @@
       </p:sp>
       <p:sp>
         <p:nvSpPr>
+          <p:cNvPr id="4" name="Ellipse 3"/>
+          <p:cNvSpPr/>
+          <p:nvPr/>
+        </p:nvSpPr>
+        <p:spPr>
+          <a:xfrm>
+            <a:off x="-36512" y="5020022"/>
+            <a:ext cx="179512" cy="144016"/>
+          </a:xfrm>
+          <a:prstGeom prst="ellipse">
+            <a:avLst/>
+          </a:prstGeom>
+          <a:solidFill>
+            <a:srgbClr val="EA5092"/>
+          </a:solidFill>
+        </p:spPr>
+        <p:style>
+          <a:lnRef idx="2">
+            <a:schemeClr val="accent1">
+              <a:shade val="50000"/>
+            </a:schemeClr>
+          </a:lnRef>
+          <a:fillRef idx="1">
+            <a:schemeClr val="accent1"/>
+          </a:fillRef>
+          <a:effectRef idx="0">
+            <a:schemeClr val="accent1"/>
+          </a:effectRef>
+          <a:fontRef idx="minor">
+            <a:schemeClr val="lt1"/>
+          </a:fontRef>
+        </p:style>
+        <p:txBody>
+          <a:bodyPr rtlCol="0" anchor="ctr"/>
+          <a:lstStyle/>
+          <a:p>
+            <a:pPr algn="ctr"/>
+            <a:endParaRPr lang="de-DE"/>
+          </a:p>
+        </p:txBody>
+      </p:sp>
+    </p:spTree>
+  </p:cSld>
+  <p:clrMapOvr>
+    <a:masterClrMapping/>
+  </p:clrMapOvr>
+  <p:timing>
+    <p:tnLst>
+      <p:par>
+        <p:cTn id="1" dur="indefinite" restart="never" nodeType="tmRoot"/>
+      </p:par>
+    </p:tnLst>
+  </p:timing>
+</p:sld>
+</file>
+
+<file path=ppt/slides/slide19.xml><?xml version="1.0" encoding="utf-8"?>
+<p:sld xmlns:a="http://schemas.openxmlformats.org/drawingml/2006/main" xmlns:r="http://schemas.openxmlformats.org/officeDocument/2006/relationships" xmlns:p="http://schemas.openxmlformats.org/presentationml/2006/main">
+  <p:cSld>
+    <p:spTree>
+      <p:nvGrpSpPr>
+        <p:cNvPr id="1" name=""/>
+        <p:cNvGrpSpPr/>
+        <p:nvPr/>
+      </p:nvGrpSpPr>
+      <p:grpSpPr>
+        <a:xfrm>
+          <a:off x="0" y="0"/>
+          <a:ext cx="0" cy="0"/>
+          <a:chOff x="0" y="0"/>
+          <a:chExt cx="0" cy="0"/>
+        </a:xfrm>
+      </p:grpSpPr>
+      <p:sp>
+        <p:nvSpPr>
+          <p:cNvPr id="2" name="Titel 1"/>
+          <p:cNvSpPr>
+            <a:spLocks noGrp="1"/>
+          </p:cNvSpPr>
+          <p:nvPr>
+            <p:ph type="title"/>
+          </p:nvPr>
+        </p:nvSpPr>
+        <p:spPr/>
+        <p:txBody>
+          <a:bodyPr>
+            <a:normAutofit fontScale="90000"/>
+          </a:bodyPr>
+          <a:lstStyle/>
+          <a:p>
+            <a:r>
+              <a:rPr lang="de-DE" dirty="0" smtClean="0"/>
+              <a:t>Themenschwerpunkt Testen</a:t>
+            </a:r>
+            <a:br>
+              <a:rPr lang="de-DE" dirty="0" smtClean="0"/>
+            </a:br>
+            <a:r>
+              <a:rPr lang="de-DE" dirty="0" err="1" smtClean="0"/>
+              <a:t>jUnit</a:t>
+            </a:r>
+            <a:endParaRPr lang="de-DE" dirty="0"/>
+          </a:p>
+        </p:txBody>
+      </p:sp>
+      <p:sp>
+        <p:nvSpPr>
           <p:cNvPr id="3" name="Inhaltsplatzhalter 2"/>
           <p:cNvSpPr>
             <a:spLocks noGrp="1"/>
@@ -4109,17 +7525,703 @@
         </p:nvSpPr>
         <p:spPr/>
         <p:txBody>
+          <a:bodyPr>
+            <a:normAutofit/>
+          </a:bodyPr>
+          <a:lstStyle/>
+          <a:p>
+            <a:endParaRPr lang="de-DE" dirty="0"/>
+          </a:p>
+        </p:txBody>
+      </p:sp>
+      <p:sp>
+        <p:nvSpPr>
+          <p:cNvPr id="4" name="Ellipse 3"/>
+          <p:cNvSpPr/>
+          <p:nvPr/>
+        </p:nvSpPr>
+        <p:spPr>
+          <a:xfrm>
+            <a:off x="-36512" y="5020022"/>
+            <a:ext cx="179512" cy="144016"/>
+          </a:xfrm>
+          <a:prstGeom prst="ellipse">
+            <a:avLst/>
+          </a:prstGeom>
+          <a:solidFill>
+            <a:srgbClr val="EA5092"/>
+          </a:solidFill>
+        </p:spPr>
+        <p:style>
+          <a:lnRef idx="2">
+            <a:schemeClr val="accent1">
+              <a:shade val="50000"/>
+            </a:schemeClr>
+          </a:lnRef>
+          <a:fillRef idx="1">
+            <a:schemeClr val="accent1"/>
+          </a:fillRef>
+          <a:effectRef idx="0">
+            <a:schemeClr val="accent1"/>
+          </a:effectRef>
+          <a:fontRef idx="minor">
+            <a:schemeClr val="lt1"/>
+          </a:fontRef>
+        </p:style>
+        <p:txBody>
+          <a:bodyPr rtlCol="0" anchor="ctr"/>
+          <a:lstStyle/>
+          <a:p>
+            <a:pPr algn="ctr"/>
+            <a:endParaRPr lang="de-DE"/>
+          </a:p>
+        </p:txBody>
+      </p:sp>
+    </p:spTree>
+  </p:cSld>
+  <p:clrMapOvr>
+    <a:masterClrMapping/>
+  </p:clrMapOvr>
+  <p:timing>
+    <p:tnLst>
+      <p:par>
+        <p:cTn id="1" dur="indefinite" restart="never" nodeType="tmRoot"/>
+      </p:par>
+    </p:tnLst>
+  </p:timing>
+</p:sld>
+</file>
+
+<file path=ppt/slides/slide2.xml><?xml version="1.0" encoding="utf-8"?>
+<p:sld xmlns:a="http://schemas.openxmlformats.org/drawingml/2006/main" xmlns:r="http://schemas.openxmlformats.org/officeDocument/2006/relationships" xmlns:p="http://schemas.openxmlformats.org/presentationml/2006/main">
+  <p:cSld>
+    <p:spTree>
+      <p:nvGrpSpPr>
+        <p:cNvPr id="1" name=""/>
+        <p:cNvGrpSpPr/>
+        <p:nvPr/>
+      </p:nvGrpSpPr>
+      <p:grpSpPr>
+        <a:xfrm>
+          <a:off x="0" y="0"/>
+          <a:ext cx="0" cy="0"/>
+          <a:chOff x="0" y="0"/>
+          <a:chExt cx="0" cy="0"/>
+        </a:xfrm>
+      </p:grpSpPr>
+      <p:sp>
+        <p:nvSpPr>
+          <p:cNvPr id="2" name="Titel 1"/>
+          <p:cNvSpPr>
+            <a:spLocks noGrp="1"/>
+          </p:cNvSpPr>
+          <p:nvPr>
+            <p:ph type="title"/>
+          </p:nvPr>
+        </p:nvSpPr>
+        <p:spPr/>
+        <p:txBody>
           <a:bodyPr/>
           <a:lstStyle/>
           <a:p>
             <a:r>
               <a:rPr lang="de-DE" dirty="0" smtClean="0"/>
-              <a:t>Portierung/Generalisierung der </a:t>
+              <a:t>Gliederung</a:t>
+            </a:r>
+            <a:endParaRPr lang="de-DE" dirty="0"/>
+          </a:p>
+        </p:txBody>
+      </p:sp>
+      <p:sp>
+        <p:nvSpPr>
+          <p:cNvPr id="3" name="Inhaltsplatzhalter 2"/>
+          <p:cNvSpPr>
+            <a:spLocks noGrp="1"/>
+          </p:cNvSpPr>
+          <p:nvPr>
+            <p:ph idx="1"/>
+          </p:nvPr>
+        </p:nvSpPr>
+        <p:spPr/>
+        <p:txBody>
+          <a:bodyPr>
+            <a:normAutofit fontScale="77500" lnSpcReduction="20000"/>
+          </a:bodyPr>
+          <a:lstStyle/>
+          <a:p>
+            <a:r>
+              <a:rPr lang="de-DE" dirty="0" err="1" smtClean="0"/>
+              <a:t>Freifunk</a:t>
+            </a:r>
+            <a:r>
+              <a:rPr lang="de-DE" dirty="0" smtClean="0"/>
+              <a:t> Bremen</a:t>
+            </a:r>
+          </a:p>
+          <a:p>
+            <a:r>
+              <a:rPr lang="de-DE" dirty="0" err="1" smtClean="0"/>
+              <a:t>Meshviewer</a:t>
+            </a:r>
+            <a:endParaRPr lang="de-DE" dirty="0" smtClean="0"/>
+          </a:p>
+          <a:p>
+            <a:r>
+              <a:rPr lang="de-DE" dirty="0" smtClean="0"/>
+              <a:t>Architektur </a:t>
             </a:r>
             <a:r>
               <a:rPr lang="de-DE" dirty="0" err="1" smtClean="0"/>
               <a:t>App</a:t>
             </a:r>
+            <a:endParaRPr lang="de-DE" dirty="0" smtClean="0"/>
+          </a:p>
+          <a:p>
+            <a:r>
+              <a:rPr lang="de-DE" dirty="0" smtClean="0"/>
+              <a:t>Themenschwerpunkt Testen</a:t>
+            </a:r>
+          </a:p>
+          <a:p>
+            <a:pPr lvl="1"/>
+            <a:r>
+              <a:rPr lang="de-DE" dirty="0" smtClean="0"/>
+              <a:t>Motivation</a:t>
+            </a:r>
+          </a:p>
+          <a:p>
+            <a:pPr lvl="1"/>
+            <a:r>
+              <a:rPr lang="de-DE" dirty="0" smtClean="0"/>
+              <a:t>Grundlagen</a:t>
+            </a:r>
+          </a:p>
+          <a:p>
+            <a:pPr lvl="1"/>
+            <a:r>
+              <a:rPr lang="de-DE" dirty="0" smtClean="0"/>
+              <a:t>Verwendete Frameworks</a:t>
+            </a:r>
+          </a:p>
+          <a:p>
+            <a:r>
+              <a:rPr lang="de-DE" dirty="0" smtClean="0"/>
+              <a:t>Ausblicke</a:t>
+            </a:r>
+          </a:p>
+          <a:p>
+            <a:r>
+              <a:rPr lang="de-DE" dirty="0" smtClean="0"/>
+              <a:t>Demo &amp; Fragen</a:t>
+            </a:r>
+            <a:endParaRPr lang="de-DE" dirty="0"/>
+          </a:p>
+        </p:txBody>
+      </p:sp>
+      <p:sp>
+        <p:nvSpPr>
+          <p:cNvPr id="4" name="Ellipse 3"/>
+          <p:cNvSpPr/>
+          <p:nvPr/>
+        </p:nvSpPr>
+        <p:spPr>
+          <a:xfrm>
+            <a:off x="-36512" y="5020022"/>
+            <a:ext cx="179512" cy="144016"/>
+          </a:xfrm>
+          <a:prstGeom prst="ellipse">
+            <a:avLst/>
+          </a:prstGeom>
+        </p:spPr>
+        <p:style>
+          <a:lnRef idx="2">
+            <a:schemeClr val="accent1">
+              <a:shade val="50000"/>
+            </a:schemeClr>
+          </a:lnRef>
+          <a:fillRef idx="1">
+            <a:schemeClr val="accent1"/>
+          </a:fillRef>
+          <a:effectRef idx="0">
+            <a:schemeClr val="accent1"/>
+          </a:effectRef>
+          <a:fontRef idx="minor">
+            <a:schemeClr val="lt1"/>
+          </a:fontRef>
+        </p:style>
+        <p:txBody>
+          <a:bodyPr rtlCol="0" anchor="ctr"/>
+          <a:lstStyle/>
+          <a:p>
+            <a:pPr algn="ctr"/>
+            <a:endParaRPr lang="de-DE"/>
+          </a:p>
+        </p:txBody>
+      </p:sp>
+    </p:spTree>
+  </p:cSld>
+  <p:clrMapOvr>
+    <a:masterClrMapping/>
+  </p:clrMapOvr>
+  <p:timing>
+    <p:tnLst>
+      <p:par>
+        <p:cTn id="1" dur="indefinite" restart="never" nodeType="tmRoot"/>
+      </p:par>
+    </p:tnLst>
+  </p:timing>
+</p:sld>
+</file>
+
+<file path=ppt/slides/slide20.xml><?xml version="1.0" encoding="utf-8"?>
+<p:sld xmlns:a="http://schemas.openxmlformats.org/drawingml/2006/main" xmlns:r="http://schemas.openxmlformats.org/officeDocument/2006/relationships" xmlns:p="http://schemas.openxmlformats.org/presentationml/2006/main">
+  <p:cSld>
+    <p:spTree>
+      <p:nvGrpSpPr>
+        <p:cNvPr id="1" name=""/>
+        <p:cNvGrpSpPr/>
+        <p:nvPr/>
+      </p:nvGrpSpPr>
+      <p:grpSpPr>
+        <a:xfrm>
+          <a:off x="0" y="0"/>
+          <a:ext cx="0" cy="0"/>
+          <a:chOff x="0" y="0"/>
+          <a:chExt cx="0" cy="0"/>
+        </a:xfrm>
+      </p:grpSpPr>
+      <p:sp>
+        <p:nvSpPr>
+          <p:cNvPr id="2" name="Titel 1"/>
+          <p:cNvSpPr>
+            <a:spLocks noGrp="1"/>
+          </p:cNvSpPr>
+          <p:nvPr>
+            <p:ph type="title"/>
+          </p:nvPr>
+        </p:nvSpPr>
+        <p:spPr/>
+        <p:txBody>
+          <a:bodyPr>
+            <a:normAutofit fontScale="90000"/>
+          </a:bodyPr>
+          <a:lstStyle/>
+          <a:p>
+            <a:r>
+              <a:rPr lang="de-DE" dirty="0" smtClean="0"/>
+              <a:t>Themenschwerpunkt Testen</a:t>
+            </a:r>
+            <a:br>
+              <a:rPr lang="de-DE" dirty="0" smtClean="0"/>
+            </a:br>
+            <a:r>
+              <a:rPr lang="de-DE" dirty="0" err="1" smtClean="0"/>
+              <a:t>Mockito</a:t>
+            </a:r>
+            <a:endParaRPr lang="de-DE" dirty="0"/>
+          </a:p>
+        </p:txBody>
+      </p:sp>
+      <p:sp>
+        <p:nvSpPr>
+          <p:cNvPr id="3" name="Inhaltsplatzhalter 2"/>
+          <p:cNvSpPr>
+            <a:spLocks noGrp="1"/>
+          </p:cNvSpPr>
+          <p:nvPr>
+            <p:ph idx="1"/>
+          </p:nvPr>
+        </p:nvSpPr>
+        <p:spPr/>
+        <p:txBody>
+          <a:bodyPr>
+            <a:normAutofit/>
+          </a:bodyPr>
+          <a:lstStyle/>
+          <a:p>
+            <a:endParaRPr lang="de-DE" dirty="0"/>
+          </a:p>
+        </p:txBody>
+      </p:sp>
+      <p:sp>
+        <p:nvSpPr>
+          <p:cNvPr id="4" name="Ellipse 3"/>
+          <p:cNvSpPr/>
+          <p:nvPr/>
+        </p:nvSpPr>
+        <p:spPr>
+          <a:xfrm>
+            <a:off x="-36512" y="5020022"/>
+            <a:ext cx="179512" cy="144016"/>
+          </a:xfrm>
+          <a:prstGeom prst="ellipse">
+            <a:avLst/>
+          </a:prstGeom>
+          <a:solidFill>
+            <a:srgbClr val="EA5092"/>
+          </a:solidFill>
+        </p:spPr>
+        <p:style>
+          <a:lnRef idx="2">
+            <a:schemeClr val="accent1">
+              <a:shade val="50000"/>
+            </a:schemeClr>
+          </a:lnRef>
+          <a:fillRef idx="1">
+            <a:schemeClr val="accent1"/>
+          </a:fillRef>
+          <a:effectRef idx="0">
+            <a:schemeClr val="accent1"/>
+          </a:effectRef>
+          <a:fontRef idx="minor">
+            <a:schemeClr val="lt1"/>
+          </a:fontRef>
+        </p:style>
+        <p:txBody>
+          <a:bodyPr rtlCol="0" anchor="ctr"/>
+          <a:lstStyle/>
+          <a:p>
+            <a:pPr algn="ctr"/>
+            <a:endParaRPr lang="de-DE"/>
+          </a:p>
+        </p:txBody>
+      </p:sp>
+    </p:spTree>
+  </p:cSld>
+  <p:clrMapOvr>
+    <a:masterClrMapping/>
+  </p:clrMapOvr>
+  <p:timing>
+    <p:tnLst>
+      <p:par>
+        <p:cTn id="1" dur="indefinite" restart="never" nodeType="tmRoot"/>
+      </p:par>
+    </p:tnLst>
+  </p:timing>
+</p:sld>
+</file>
+
+<file path=ppt/slides/slide21.xml><?xml version="1.0" encoding="utf-8"?>
+<p:sld xmlns:a="http://schemas.openxmlformats.org/drawingml/2006/main" xmlns:r="http://schemas.openxmlformats.org/officeDocument/2006/relationships" xmlns:p="http://schemas.openxmlformats.org/presentationml/2006/main">
+  <p:cSld>
+    <p:spTree>
+      <p:nvGrpSpPr>
+        <p:cNvPr id="1" name=""/>
+        <p:cNvGrpSpPr/>
+        <p:nvPr/>
+      </p:nvGrpSpPr>
+      <p:grpSpPr>
+        <a:xfrm>
+          <a:off x="0" y="0"/>
+          <a:ext cx="0" cy="0"/>
+          <a:chOff x="0" y="0"/>
+          <a:chExt cx="0" cy="0"/>
+        </a:xfrm>
+      </p:grpSpPr>
+      <p:sp>
+        <p:nvSpPr>
+          <p:cNvPr id="2" name="Titel 1"/>
+          <p:cNvSpPr>
+            <a:spLocks noGrp="1"/>
+          </p:cNvSpPr>
+          <p:nvPr>
+            <p:ph type="title"/>
+          </p:nvPr>
+        </p:nvSpPr>
+        <p:spPr/>
+        <p:txBody>
+          <a:bodyPr>
+            <a:normAutofit fontScale="90000"/>
+          </a:bodyPr>
+          <a:lstStyle/>
+          <a:p>
+            <a:r>
+              <a:rPr lang="de-DE" dirty="0" smtClean="0"/>
+              <a:t>Themenschwerpunkt Testen</a:t>
+            </a:r>
+            <a:br>
+              <a:rPr lang="de-DE" dirty="0" smtClean="0"/>
+            </a:br>
+            <a:r>
+              <a:rPr lang="de-DE" dirty="0" err="1" smtClean="0"/>
+              <a:t>Robolectric</a:t>
+            </a:r>
+            <a:endParaRPr lang="de-DE" dirty="0"/>
+          </a:p>
+        </p:txBody>
+      </p:sp>
+      <p:sp>
+        <p:nvSpPr>
+          <p:cNvPr id="3" name="Inhaltsplatzhalter 2"/>
+          <p:cNvSpPr>
+            <a:spLocks noGrp="1"/>
+          </p:cNvSpPr>
+          <p:nvPr>
+            <p:ph idx="1"/>
+          </p:nvPr>
+        </p:nvSpPr>
+        <p:spPr/>
+        <p:txBody>
+          <a:bodyPr>
+            <a:normAutofit/>
+          </a:bodyPr>
+          <a:lstStyle/>
+          <a:p>
+            <a:endParaRPr lang="de-DE" dirty="0"/>
+          </a:p>
+        </p:txBody>
+      </p:sp>
+      <p:sp>
+        <p:nvSpPr>
+          <p:cNvPr id="4" name="Ellipse 3"/>
+          <p:cNvSpPr/>
+          <p:nvPr/>
+        </p:nvSpPr>
+        <p:spPr>
+          <a:xfrm>
+            <a:off x="-36512" y="5020022"/>
+            <a:ext cx="179512" cy="144016"/>
+          </a:xfrm>
+          <a:prstGeom prst="ellipse">
+            <a:avLst/>
+          </a:prstGeom>
+          <a:solidFill>
+            <a:srgbClr val="EA5092"/>
+          </a:solidFill>
+        </p:spPr>
+        <p:style>
+          <a:lnRef idx="2">
+            <a:schemeClr val="accent1">
+              <a:shade val="50000"/>
+            </a:schemeClr>
+          </a:lnRef>
+          <a:fillRef idx="1">
+            <a:schemeClr val="accent1"/>
+          </a:fillRef>
+          <a:effectRef idx="0">
+            <a:schemeClr val="accent1"/>
+          </a:effectRef>
+          <a:fontRef idx="minor">
+            <a:schemeClr val="lt1"/>
+          </a:fontRef>
+        </p:style>
+        <p:txBody>
+          <a:bodyPr rtlCol="0" anchor="ctr"/>
+          <a:lstStyle/>
+          <a:p>
+            <a:pPr algn="ctr"/>
+            <a:endParaRPr lang="de-DE"/>
+          </a:p>
+        </p:txBody>
+      </p:sp>
+    </p:spTree>
+  </p:cSld>
+  <p:clrMapOvr>
+    <a:masterClrMapping/>
+  </p:clrMapOvr>
+  <p:timing>
+    <p:tnLst>
+      <p:par>
+        <p:cTn id="1" dur="indefinite" restart="never" nodeType="tmRoot"/>
+      </p:par>
+    </p:tnLst>
+  </p:timing>
+</p:sld>
+</file>
+
+<file path=ppt/slides/slide22.xml><?xml version="1.0" encoding="utf-8"?>
+<p:sld xmlns:a="http://schemas.openxmlformats.org/drawingml/2006/main" xmlns:r="http://schemas.openxmlformats.org/officeDocument/2006/relationships" xmlns:p="http://schemas.openxmlformats.org/presentationml/2006/main">
+  <p:cSld>
+    <p:spTree>
+      <p:nvGrpSpPr>
+        <p:cNvPr id="1" name=""/>
+        <p:cNvGrpSpPr/>
+        <p:nvPr/>
+      </p:nvGrpSpPr>
+      <p:grpSpPr>
+        <a:xfrm>
+          <a:off x="0" y="0"/>
+          <a:ext cx="0" cy="0"/>
+          <a:chOff x="0" y="0"/>
+          <a:chExt cx="0" cy="0"/>
+        </a:xfrm>
+      </p:grpSpPr>
+      <p:sp>
+        <p:nvSpPr>
+          <p:cNvPr id="2" name="Titel 1"/>
+          <p:cNvSpPr>
+            <a:spLocks noGrp="1"/>
+          </p:cNvSpPr>
+          <p:nvPr>
+            <p:ph type="title"/>
+          </p:nvPr>
+        </p:nvSpPr>
+        <p:spPr/>
+        <p:txBody>
+          <a:bodyPr>
+            <a:normAutofit fontScale="90000"/>
+          </a:bodyPr>
+          <a:lstStyle/>
+          <a:p>
+            <a:r>
+              <a:rPr lang="de-DE" dirty="0" smtClean="0"/>
+              <a:t>Themenschwerpunkt Testen</a:t>
+            </a:r>
+            <a:br>
+              <a:rPr lang="de-DE" dirty="0" smtClean="0"/>
+            </a:br>
+            <a:r>
+              <a:rPr lang="de-DE" dirty="0" err="1" smtClean="0"/>
+              <a:t>AssertJ</a:t>
+            </a:r>
+            <a:endParaRPr lang="de-DE" dirty="0"/>
+          </a:p>
+        </p:txBody>
+      </p:sp>
+      <p:sp>
+        <p:nvSpPr>
+          <p:cNvPr id="3" name="Inhaltsplatzhalter 2"/>
+          <p:cNvSpPr>
+            <a:spLocks noGrp="1"/>
+          </p:cNvSpPr>
+          <p:nvPr>
+            <p:ph idx="1"/>
+          </p:nvPr>
+        </p:nvSpPr>
+        <p:spPr/>
+        <p:txBody>
+          <a:bodyPr>
+            <a:normAutofit/>
+          </a:bodyPr>
+          <a:lstStyle/>
+          <a:p>
+            <a:endParaRPr lang="de-DE" dirty="0"/>
+          </a:p>
+        </p:txBody>
+      </p:sp>
+      <p:sp>
+        <p:nvSpPr>
+          <p:cNvPr id="4" name="Ellipse 3"/>
+          <p:cNvSpPr/>
+          <p:nvPr/>
+        </p:nvSpPr>
+        <p:spPr>
+          <a:xfrm>
+            <a:off x="-36512" y="5020022"/>
+            <a:ext cx="179512" cy="144016"/>
+          </a:xfrm>
+          <a:prstGeom prst="ellipse">
+            <a:avLst/>
+          </a:prstGeom>
+          <a:solidFill>
+            <a:srgbClr val="EA5092"/>
+          </a:solidFill>
+        </p:spPr>
+        <p:style>
+          <a:lnRef idx="2">
+            <a:schemeClr val="accent1">
+              <a:shade val="50000"/>
+            </a:schemeClr>
+          </a:lnRef>
+          <a:fillRef idx="1">
+            <a:schemeClr val="accent1"/>
+          </a:fillRef>
+          <a:effectRef idx="0">
+            <a:schemeClr val="accent1"/>
+          </a:effectRef>
+          <a:fontRef idx="minor">
+            <a:schemeClr val="lt1"/>
+          </a:fontRef>
+        </p:style>
+        <p:txBody>
+          <a:bodyPr rtlCol="0" anchor="ctr"/>
+          <a:lstStyle/>
+          <a:p>
+            <a:pPr algn="ctr"/>
+            <a:endParaRPr lang="de-DE"/>
+          </a:p>
+        </p:txBody>
+      </p:sp>
+    </p:spTree>
+  </p:cSld>
+  <p:clrMapOvr>
+    <a:masterClrMapping/>
+  </p:clrMapOvr>
+  <p:timing>
+    <p:tnLst>
+      <p:par>
+        <p:cTn id="1" dur="indefinite" restart="never" nodeType="tmRoot"/>
+      </p:par>
+    </p:tnLst>
+  </p:timing>
+</p:sld>
+</file>
+
+<file path=ppt/slides/slide23.xml><?xml version="1.0" encoding="utf-8"?>
+<p:sld xmlns:a="http://schemas.openxmlformats.org/drawingml/2006/main" xmlns:r="http://schemas.openxmlformats.org/officeDocument/2006/relationships" xmlns:p="http://schemas.openxmlformats.org/presentationml/2006/main">
+  <p:cSld>
+    <p:spTree>
+      <p:nvGrpSpPr>
+        <p:cNvPr id="1" name=""/>
+        <p:cNvGrpSpPr/>
+        <p:nvPr/>
+      </p:nvGrpSpPr>
+      <p:grpSpPr>
+        <a:xfrm>
+          <a:off x="0" y="0"/>
+          <a:ext cx="0" cy="0"/>
+          <a:chOff x="0" y="0"/>
+          <a:chExt cx="0" cy="0"/>
+        </a:xfrm>
+      </p:grpSpPr>
+      <p:sp>
+        <p:nvSpPr>
+          <p:cNvPr id="2" name="Titel 1"/>
+          <p:cNvSpPr>
+            <a:spLocks noGrp="1"/>
+          </p:cNvSpPr>
+          <p:nvPr>
+            <p:ph type="title"/>
+          </p:nvPr>
+        </p:nvSpPr>
+        <p:spPr/>
+        <p:txBody>
+          <a:bodyPr>
+            <a:normAutofit/>
+          </a:bodyPr>
+          <a:lstStyle/>
+          <a:p>
+            <a:r>
+              <a:rPr lang="de-DE" dirty="0" smtClean="0"/>
+              <a:t>Ausblicke</a:t>
+            </a:r>
+            <a:endParaRPr lang="de-DE" dirty="0"/>
+          </a:p>
+        </p:txBody>
+      </p:sp>
+      <p:sp>
+        <p:nvSpPr>
+          <p:cNvPr id="3" name="Inhaltsplatzhalter 2"/>
+          <p:cNvSpPr>
+            <a:spLocks noGrp="1"/>
+          </p:cNvSpPr>
+          <p:nvPr>
+            <p:ph idx="1"/>
+          </p:nvPr>
+        </p:nvSpPr>
+        <p:spPr/>
+        <p:txBody>
+          <a:bodyPr/>
+          <a:lstStyle/>
+          <a:p>
+            <a:r>
+              <a:rPr lang="de-DE" dirty="0" smtClean="0"/>
+              <a:t>Portierung/Generalisierung der </a:t>
+            </a:r>
+            <a:r>
+              <a:rPr lang="de-DE" dirty="0" err="1" smtClean="0"/>
+              <a:t>App</a:t>
+            </a:r>
             <a:r>
               <a:rPr lang="de-DE" dirty="0" smtClean="0"/>
               <a:t> auf andere Communities (z.B. Hamburg, Oldenburg usw.)</a:t>
@@ -4142,11 +8244,7 @@
           <a:p>
             <a:r>
               <a:rPr lang="de-DE" dirty="0" smtClean="0"/>
-              <a:t>Netzabdeckung </a:t>
-            </a:r>
-            <a:r>
-              <a:rPr lang="de-DE" dirty="0" smtClean="0"/>
-              <a:t>messen</a:t>
+              <a:t>Netzabdeckung messen</a:t>
             </a:r>
           </a:p>
           <a:p>
@@ -4162,7 +8260,6 @@
               <a:rPr lang="de-DE" dirty="0" smtClean="0"/>
               <a:t>-Repository</a:t>
             </a:r>
-            <a:endParaRPr lang="de-DE" dirty="0" smtClean="0"/>
           </a:p>
         </p:txBody>
       </p:sp>
@@ -4224,7 +8321,7 @@
 </p:sld>
 </file>
 
-<file path=ppt/slides/slide17.xml><?xml version="1.0" encoding="utf-8"?>
+<file path=ppt/slides/slide24.xml><?xml version="1.0" encoding="utf-8"?>
 <p:sld xmlns:a="http://schemas.openxmlformats.org/drawingml/2006/main" xmlns:r="http://schemas.openxmlformats.org/officeDocument/2006/relationships" xmlns:p="http://schemas.openxmlformats.org/presentationml/2006/main">
   <p:cSld>
     <p:spTree>
@@ -4310,7 +8407,7 @@
 </p:sld>
 </file>
 
-<file path=ppt/slides/slide18.xml><?xml version="1.0" encoding="utf-8"?>
+<file path=ppt/slides/slide25.xml><?xml version="1.0" encoding="utf-8"?>
 <p:sld xmlns:a="http://schemas.openxmlformats.org/drawingml/2006/main" xmlns:r="http://schemas.openxmlformats.org/officeDocument/2006/relationships" xmlns:p="http://schemas.openxmlformats.org/presentationml/2006/main">
   <p:cSld>
     <p:spTree>
@@ -4342,7 +8439,11 @@
           <a:bodyPr/>
           <a:lstStyle/>
           <a:p>
-            <a:endParaRPr lang="de-DE"/>
+            <a:r>
+              <a:rPr lang="de-DE" dirty="0" smtClean="0"/>
+              <a:t>Quellen</a:t>
+            </a:r>
+            <a:endParaRPr lang="de-DE" dirty="0"/>
           </a:p>
         </p:txBody>
       </p:sp>
@@ -4358,43 +8459,104 @@
         </p:nvSpPr>
         <p:spPr/>
         <p:txBody>
-          <a:bodyPr/>
-          <a:lstStyle/>
-          <a:p>
-            <a:r>
-              <a:rPr lang="de-DE" dirty="0" err="1" smtClean="0"/>
-              <a:t>Todos</a:t>
-            </a:r>
-            <a:r>
-              <a:rPr lang="de-DE" dirty="0" smtClean="0"/>
-              <a:t>: </a:t>
-            </a:r>
-            <a:r>
-              <a:rPr lang="de-DE" dirty="0" err="1" smtClean="0"/>
-              <a:t>aktivity</a:t>
-            </a:r>
-            <a:r>
-              <a:rPr lang="de-DE" dirty="0" smtClean="0"/>
-              <a:t> über uns</a:t>
-            </a:r>
-          </a:p>
-          <a:p>
-            <a:r>
-              <a:rPr lang="de-DE" dirty="0" smtClean="0"/>
-              <a:t>Viper? </a:t>
-            </a:r>
-            <a:r>
-              <a:rPr lang="de-DE" dirty="0" err="1" smtClean="0"/>
-              <a:t>Appinhalt</a:t>
-            </a:r>
-            <a:r>
-              <a:rPr lang="de-DE" dirty="0" smtClean="0"/>
-              <a:t> auf </a:t>
-            </a:r>
-            <a:r>
-              <a:rPr lang="de-DE" dirty="0" err="1" smtClean="0"/>
-              <a:t>bildschirm</a:t>
-            </a:r>
+          <a:bodyPr>
+            <a:normAutofit fontScale="77500" lnSpcReduction="20000"/>
+          </a:bodyPr>
+          <a:lstStyle/>
+          <a:p>
+            <a:r>
+              <a:rPr lang="de-DE" dirty="0" smtClean="0">
+                <a:hlinkClick r:id="rId3"/>
+              </a:rPr>
+              <a:t>http://</a:t>
+            </a:r>
+            <a:r>
+              <a:rPr lang="de-DE" dirty="0" smtClean="0">
+                <a:hlinkClick r:id="rId3"/>
+              </a:rPr>
+              <a:t>download.berlin.freifunk.net/pdf/vortrag/freifunk-praesentation-aktuell.pdf</a:t>
+            </a:r>
+            <a:endParaRPr lang="de-DE" dirty="0" smtClean="0"/>
+          </a:p>
+          <a:p>
+            <a:r>
+              <a:rPr lang="de-DE" dirty="0" smtClean="0">
+                <a:hlinkClick r:id="rId4"/>
+              </a:rPr>
+              <a:t>https://</a:t>
+            </a:r>
+            <a:r>
+              <a:rPr lang="de-DE" dirty="0" smtClean="0">
+                <a:hlinkClick r:id="rId4"/>
+              </a:rPr>
+              <a:t>funkforum.global.ssl.fastly.net/uploads/default/184/a706b6746741fe49.pdf</a:t>
+            </a:r>
+            <a:endParaRPr lang="de-DE" dirty="0" smtClean="0"/>
+          </a:p>
+          <a:p>
+            <a:r>
+              <a:rPr lang="de-DE" dirty="0" smtClean="0">
+                <a:hlinkClick r:id="rId5"/>
+              </a:rPr>
+              <a:t>https://</a:t>
+            </a:r>
+            <a:r>
+              <a:rPr lang="de-DE" dirty="0" smtClean="0">
+                <a:hlinkClick r:id="rId5"/>
+              </a:rPr>
+              <a:t>de.wikipedia.org/wiki/Mock-Objekt</a:t>
+            </a:r>
+            <a:endParaRPr lang="de-DE" dirty="0" smtClean="0"/>
+          </a:p>
+          <a:p>
+            <a:r>
+              <a:rPr lang="de-DE" dirty="0" smtClean="0">
+                <a:hlinkClick r:id="rId6"/>
+              </a:rPr>
+              <a:t>https://</a:t>
+            </a:r>
+            <a:r>
+              <a:rPr lang="de-DE" dirty="0" smtClean="0">
+                <a:hlinkClick r:id="rId6"/>
+              </a:rPr>
+              <a:t>de.wikipedia.org/wiki/Design_by_contract</a:t>
+            </a:r>
+            <a:endParaRPr lang="de-DE" dirty="0" smtClean="0"/>
+          </a:p>
+          <a:p>
+            <a:r>
+              <a:rPr lang="de-DE" dirty="0" smtClean="0">
+                <a:hlinkClick r:id="rId7"/>
+              </a:rPr>
+              <a:t>https://</a:t>
+            </a:r>
+            <a:r>
+              <a:rPr lang="de-DE" dirty="0" smtClean="0">
+                <a:hlinkClick r:id="rId7"/>
+              </a:rPr>
+              <a:t>de.wikipedia.org/wiki/Modultest</a:t>
+            </a:r>
+            <a:endParaRPr lang="de-DE" dirty="0" smtClean="0"/>
+          </a:p>
+          <a:p>
+            <a:r>
+              <a:rPr lang="de-DE" dirty="0" smtClean="0">
+                <a:hlinkClick r:id="rId8"/>
+              </a:rPr>
+              <a:t>https://</a:t>
+            </a:r>
+            <a:r>
+              <a:rPr lang="de-DE" dirty="0" smtClean="0">
+                <a:hlinkClick r:id="rId8"/>
+              </a:rPr>
+              <a:t>de.wikipedia.org/wiki/Testgetriebene_Entwicklung</a:t>
+            </a:r>
+            <a:endParaRPr lang="de-DE" dirty="0" smtClean="0"/>
+          </a:p>
+          <a:p>
+            <a:endParaRPr lang="de-DE" dirty="0" smtClean="0"/>
+          </a:p>
+          <a:p>
             <a:endParaRPr lang="de-DE" dirty="0"/>
           </a:p>
         </p:txBody>
@@ -4407,7 +8569,7 @@
 </p:sld>
 </file>
 
-<file path=ppt/slides/slide2.xml><?xml version="1.0" encoding="utf-8"?>
+<file path=ppt/slides/slide26.xml><?xml version="1.0" encoding="utf-8"?>
 <p:sld xmlns:a="http://schemas.openxmlformats.org/drawingml/2006/main" xmlns:r="http://schemas.openxmlformats.org/officeDocument/2006/relationships" xmlns:p="http://schemas.openxmlformats.org/presentationml/2006/main">
   <p:cSld>
     <p:spTree>
@@ -4439,11 +8601,7 @@
           <a:bodyPr/>
           <a:lstStyle/>
           <a:p>
-            <a:r>
-              <a:rPr lang="de-DE" dirty="0" smtClean="0"/>
-              <a:t>Gliederung</a:t>
-            </a:r>
-            <a:endParaRPr lang="de-DE" dirty="0"/>
+            <a:endParaRPr lang="de-DE"/>
           </a:p>
         </p:txBody>
       </p:sp>
@@ -4459,76 +8617,42 @@
         </p:nvSpPr>
         <p:spPr/>
         <p:txBody>
-          <a:bodyPr>
-            <a:normAutofit fontScale="77500" lnSpcReduction="20000"/>
-          </a:bodyPr>
+          <a:bodyPr/>
           <a:lstStyle/>
           <a:p>
             <a:r>
               <a:rPr lang="de-DE" dirty="0" err="1" smtClean="0"/>
-              <a:t>Freifunk</a:t>
-            </a:r>
-            <a:r>
-              <a:rPr lang="de-DE" dirty="0" smtClean="0"/>
-              <a:t> Bremen</a:t>
-            </a:r>
-          </a:p>
-          <a:p>
+              <a:t>Todos</a:t>
+            </a:r>
+            <a:r>
+              <a:rPr lang="de-DE" dirty="0" smtClean="0"/>
+              <a:t>: </a:t>
+            </a:r>
             <a:r>
               <a:rPr lang="de-DE" dirty="0" err="1" smtClean="0"/>
-              <a:t>Meshviewer</a:t>
-            </a:r>
-            <a:endParaRPr lang="de-DE" dirty="0" smtClean="0"/>
-          </a:p>
-          <a:p>
-            <a:r>
-              <a:rPr lang="de-DE" dirty="0" smtClean="0"/>
-              <a:t>Architektur </a:t>
+              <a:t>aktivity</a:t>
+            </a:r>
+            <a:r>
+              <a:rPr lang="de-DE" dirty="0" smtClean="0"/>
+              <a:t> über uns</a:t>
+            </a:r>
+          </a:p>
+          <a:p>
+            <a:r>
+              <a:rPr lang="de-DE" dirty="0" smtClean="0"/>
+              <a:t>Viper? </a:t>
             </a:r>
             <a:r>
               <a:rPr lang="de-DE" dirty="0" err="1" smtClean="0"/>
-              <a:t>App</a:t>
-            </a:r>
-            <a:endParaRPr lang="de-DE" dirty="0" smtClean="0"/>
-          </a:p>
-          <a:p>
-            <a:r>
-              <a:rPr lang="de-DE" dirty="0" smtClean="0"/>
-              <a:t>Themenschwerpunkt Testen</a:t>
-            </a:r>
-          </a:p>
-          <a:p>
-            <a:pPr lvl="1"/>
-            <a:r>
-              <a:rPr lang="de-DE" dirty="0" smtClean="0"/>
-              <a:t>Motivation</a:t>
-            </a:r>
-          </a:p>
-          <a:p>
-            <a:pPr lvl="1"/>
-            <a:r>
-              <a:rPr lang="de-DE" dirty="0" smtClean="0"/>
-              <a:t>Grundlagen</a:t>
-            </a:r>
-          </a:p>
-          <a:p>
-            <a:pPr lvl="1"/>
-            <a:r>
-              <a:rPr lang="de-DE" dirty="0" smtClean="0"/>
-              <a:t>Verwendete Frameworks</a:t>
-            </a:r>
-            <a:endParaRPr lang="de-DE" dirty="0" smtClean="0"/>
-          </a:p>
-          <a:p>
-            <a:r>
-              <a:rPr lang="de-DE" dirty="0" smtClean="0"/>
-              <a:t>Ausblicke</a:t>
-            </a:r>
-          </a:p>
-          <a:p>
-            <a:r>
-              <a:rPr lang="de-DE" dirty="0" smtClean="0"/>
-              <a:t>Demo &amp; Fragen</a:t>
+              <a:t>Appinhalt</a:t>
+            </a:r>
+            <a:r>
+              <a:rPr lang="de-DE" dirty="0" smtClean="0"/>
+              <a:t> auf </a:t>
+            </a:r>
+            <a:r>
+              <a:rPr lang="de-DE" dirty="0" err="1" smtClean="0"/>
+              <a:t>bildschirm</a:t>
             </a:r>
             <a:endParaRPr lang="de-DE" dirty="0"/>
           </a:p>
@@ -4606,45 +8730,102 @@
         <p:spPr/>
         <p:txBody>
           <a:bodyPr>
-            <a:normAutofit fontScale="92500" lnSpcReduction="20000"/>
+            <a:noAutofit/>
           </a:bodyPr>
           <a:lstStyle/>
           <a:p>
             <a:r>
-              <a:rPr lang="de-DE" dirty="0" smtClean="0"/>
-              <a:t>Ehrenamtliche Initiative, die ein freies Kommunikationsnetzwerk auf Basis von WLAN-Routern aufbauen möchte</a:t>
+              <a:rPr lang="de-DE" sz="2000" dirty="0" smtClean="0"/>
+              <a:t>Ehrenamtliche Initiative, die ein </a:t>
+            </a:r>
+            <a:r>
+              <a:rPr lang="de-DE" sz="2000" b="1" dirty="0" smtClean="0"/>
+              <a:t>freies</a:t>
+            </a:r>
+            <a:r>
+              <a:rPr lang="de-DE" sz="2000" dirty="0" smtClean="0"/>
+              <a:t> </a:t>
+            </a:r>
+            <a:r>
+              <a:rPr lang="de-DE" sz="2000" b="1" dirty="0" smtClean="0"/>
+              <a:t>Kommunikationsnetzwerk</a:t>
+            </a:r>
+            <a:r>
+              <a:rPr lang="de-DE" sz="2000" dirty="0" smtClean="0"/>
+              <a:t> aufbauen möchte</a:t>
+            </a:r>
+          </a:p>
+          <a:p>
+            <a:r>
+              <a:rPr lang="de-DE" sz="2000" b="1" dirty="0" smtClean="0"/>
+              <a:t>f</a:t>
+            </a:r>
+            <a:r>
+              <a:rPr lang="de-DE" sz="2000" b="1" dirty="0" smtClean="0"/>
+              <a:t>rei</a:t>
+            </a:r>
+            <a:r>
+              <a:rPr lang="de-DE" sz="2000" dirty="0" smtClean="0"/>
+              <a:t> bedeutet:</a:t>
             </a:r>
           </a:p>
           <a:p>
             <a:pPr lvl="1"/>
             <a:r>
-              <a:rPr lang="de-DE" dirty="0" smtClean="0"/>
-              <a:t>Netzneutralität, Überwachung, freier Zugang zu Informationen, Selbstverwaltung</a:t>
-            </a:r>
-          </a:p>
-          <a:p>
-            <a:r>
-              <a:rPr lang="de-DE" dirty="0" smtClean="0"/>
-              <a:t>Zurzeit über 550 Router und 6 Server</a:t>
+              <a:rPr lang="de-DE" sz="2000" dirty="0" smtClean="0"/>
+              <a:t>ö</a:t>
+            </a:r>
+            <a:r>
+              <a:rPr lang="de-DE" sz="2000" dirty="0" smtClean="0"/>
+              <a:t>ffentlich (jedem/jeder zugänglich)</a:t>
             </a:r>
           </a:p>
           <a:p>
             <a:pPr lvl="1"/>
             <a:r>
-              <a:rPr lang="de-DE" dirty="0" smtClean="0"/>
-              <a:t>Router verbinden sich über </a:t>
-            </a:r>
-            <a:r>
-              <a:rPr lang="de-DE" dirty="0" err="1" smtClean="0"/>
-              <a:t>Mesh</a:t>
-            </a:r>
-            <a:r>
-              <a:rPr lang="de-DE" dirty="0" smtClean="0"/>
-              <a:t>-Netz und VPN-Tunnel</a:t>
-            </a:r>
-          </a:p>
-          <a:p>
-            <a:endParaRPr lang="de-DE" dirty="0" smtClean="0"/>
+              <a:rPr lang="de-DE" sz="2000" dirty="0" smtClean="0"/>
+              <a:t>nicht kommerziell</a:t>
+            </a:r>
+          </a:p>
+          <a:p>
+            <a:pPr lvl="1"/>
+            <a:r>
+              <a:rPr lang="de-DE" sz="2000" dirty="0" smtClean="0"/>
+              <a:t>i</a:t>
+            </a:r>
+            <a:r>
+              <a:rPr lang="de-DE" sz="2000" dirty="0" smtClean="0"/>
+              <a:t>m Besitz der Gemeinschaft</a:t>
+            </a:r>
+          </a:p>
+          <a:p>
+            <a:pPr lvl="1"/>
+            <a:r>
+              <a:rPr lang="de-DE" sz="2000" dirty="0" smtClean="0"/>
+              <a:t>u</a:t>
+            </a:r>
+            <a:r>
+              <a:rPr lang="de-DE" sz="2000" dirty="0" smtClean="0"/>
+              <a:t>nzensiert</a:t>
+            </a:r>
+          </a:p>
+          <a:p>
+            <a:r>
+              <a:rPr lang="de-DE" sz="2000" b="1" dirty="0" smtClean="0"/>
+              <a:t>Netzwerk</a:t>
+            </a:r>
+            <a:r>
+              <a:rPr lang="de-DE" sz="2000" dirty="0" smtClean="0"/>
+              <a:t>:</a:t>
+            </a:r>
+          </a:p>
+          <a:p>
+            <a:pPr lvl="1"/>
+            <a:r>
+              <a:rPr lang="de-DE" sz="2000" dirty="0" smtClean="0"/>
+              <a:t>Kommunikation zwischen Menschen durch Verwendung von Computern</a:t>
+            </a:r>
+            <a:endParaRPr lang="de-DE" sz="2000" dirty="0" smtClean="0"/>
           </a:p>
         </p:txBody>
       </p:sp>
@@ -4732,12 +8913,18 @@
         </p:nvSpPr>
         <p:spPr/>
         <p:txBody>
-          <a:bodyPr/>
+          <a:bodyPr>
+            <a:normAutofit/>
+          </a:bodyPr>
           <a:lstStyle/>
           <a:p>
             <a:r>
               <a:rPr lang="de-DE" dirty="0" err="1" smtClean="0"/>
-              <a:t>Meshviewer</a:t>
+              <a:t>Freifunk</a:t>
+            </a:r>
+            <a:r>
+              <a:rPr lang="de-DE" dirty="0" smtClean="0"/>
+              <a:t> Bremen</a:t>
             </a:r>
             <a:endParaRPr lang="de-DE" dirty="0"/>
           </a:p>
@@ -4756,84 +8943,63 @@
         <p:spPr/>
         <p:txBody>
           <a:bodyPr>
-            <a:normAutofit fontScale="92500" lnSpcReduction="20000"/>
+            <a:normAutofit lnSpcReduction="10000"/>
           </a:bodyPr>
           <a:lstStyle/>
           <a:p>
             <a:r>
               <a:rPr lang="de-DE" dirty="0" smtClean="0"/>
-              <a:t>Webanwendung (+ Backend) zur Netzdiagnose</a:t>
+              <a:t>Warum </a:t>
+            </a:r>
+            <a:r>
+              <a:rPr lang="de-DE" dirty="0" err="1" smtClean="0"/>
+              <a:t>Freifunk</a:t>
+            </a:r>
+            <a:r>
+              <a:rPr lang="de-DE" dirty="0" smtClean="0"/>
+              <a:t>?</a:t>
             </a:r>
           </a:p>
           <a:p>
             <a:pPr lvl="1"/>
             <a:r>
               <a:rPr lang="de-DE" dirty="0" smtClean="0"/>
-              <a:t>Sammelt Statistiken von Routern</a:t>
+              <a:t>Informations- und Meinungsfreiheit werden in vielen Teilen des Internets eingeschränkt</a:t>
             </a:r>
           </a:p>
           <a:p>
             <a:pPr lvl="1"/>
             <a:r>
               <a:rPr lang="de-DE" dirty="0" smtClean="0"/>
-              <a:t>erzeugt JSON</a:t>
+              <a:t>Permanente Massenüberwachung</a:t>
             </a:r>
           </a:p>
           <a:p>
             <a:pPr lvl="1"/>
             <a:r>
-              <a:rPr lang="de-DE" dirty="0"/>
-              <a:t>v</a:t>
-            </a:r>
-            <a:r>
-              <a:rPr lang="de-DE" dirty="0" smtClean="0"/>
-              <a:t>isualisiert JSON</a:t>
-            </a:r>
-          </a:p>
-          <a:p>
-            <a:r>
-              <a:rPr lang="de-DE" dirty="0" smtClean="0"/>
-              <a:t>Mobil bedingt nutzbar, keine Alarmfunktion (</a:t>
-            </a:r>
-            <a:r>
-              <a:rPr lang="de-DE" dirty="0" err="1" smtClean="0"/>
-              <a:t>Nodewatcher</a:t>
-            </a:r>
-            <a:r>
-              <a:rPr lang="de-DE" dirty="0" smtClean="0"/>
-              <a:t>)</a:t>
-            </a:r>
-          </a:p>
-          <a:p>
-            <a:endParaRPr lang="de-DE" dirty="0"/>
-          </a:p>
-          <a:p>
-            <a:pPr>
-              <a:buNone/>
-            </a:pPr>
+              <a:rPr lang="de-DE" dirty="0" smtClean="0"/>
+              <a:t>Digitale Kluft wird immer größer</a:t>
+            </a:r>
+          </a:p>
+          <a:p>
+            <a:pPr lvl="1"/>
+            <a:r>
+              <a:rPr lang="de-DE" dirty="0" smtClean="0"/>
+              <a:t>Stagnierender Breitbandausbau</a:t>
+            </a:r>
+          </a:p>
+          <a:p>
+            <a:pPr lvl="1"/>
             <a:r>
               <a:rPr lang="de-DE" dirty="0" smtClean="0">
-                <a:sym typeface="Wingdings" pitchFamily="2" charset="2"/>
+                <a:solidFill>
+                  <a:schemeClr val="bg1">
+                    <a:lumMod val="75000"/>
+                  </a:schemeClr>
+                </a:solidFill>
               </a:rPr>
-              <a:t> Lässt sich das nicht auch als </a:t>
-            </a:r>
-            <a:r>
-              <a:rPr lang="de-DE" dirty="0" err="1" smtClean="0">
-                <a:sym typeface="Wingdings" pitchFamily="2" charset="2"/>
-              </a:rPr>
-              <a:t>App</a:t>
-            </a:r>
-            <a:r>
-              <a:rPr lang="de-DE" dirty="0" smtClean="0">
-                <a:sym typeface="Wingdings" pitchFamily="2" charset="2"/>
-              </a:rPr>
-              <a:t> umsetzen?</a:t>
-            </a:r>
-            <a:endParaRPr lang="de-DE" dirty="0" smtClean="0"/>
-          </a:p>
-          <a:p>
-            <a:pPr lvl="1"/>
-            <a:endParaRPr lang="de-DE" dirty="0"/>
+              <a:t>Es macht Spaß ;)</a:t>
+            </a:r>
           </a:p>
         </p:txBody>
       </p:sp>
@@ -4921,12 +9087,18 @@
         </p:nvSpPr>
         <p:spPr/>
         <p:txBody>
-          <a:bodyPr/>
+          <a:bodyPr>
+            <a:normAutofit/>
+          </a:bodyPr>
           <a:lstStyle/>
           <a:p>
             <a:r>
               <a:rPr lang="de-DE" dirty="0" err="1" smtClean="0"/>
-              <a:t>Meshviewer</a:t>
+              <a:t>Freifunk</a:t>
+            </a:r>
+            <a:r>
+              <a:rPr lang="de-DE" dirty="0" smtClean="0"/>
+              <a:t> Bremen</a:t>
             </a:r>
             <a:endParaRPr lang="de-DE" dirty="0"/>
           </a:p>
@@ -4934,40 +9106,84 @@
       </p:sp>
       <p:pic>
         <p:nvPicPr>
-          <p:cNvPr id="21507" name="Picture 3"/>
+          <p:cNvPr id="6" name="Grafik 5" descr="IMG_20150124_104711.jpg"/>
           <p:cNvPicPr>
-            <a:picLocks noChangeAspect="1" noChangeArrowheads="1"/>
+            <a:picLocks noChangeAspect="1"/>
           </p:cNvPicPr>
           <p:nvPr/>
         </p:nvPicPr>
         <p:blipFill>
-          <a:blip r:embed="rId2" cstate="print"/>
-          <a:srcRect/>
+          <a:blip r:embed="rId3" cstate="print"/>
           <a:stretch>
             <a:fillRect/>
           </a:stretch>
         </p:blipFill>
-        <p:spPr bwMode="auto">
-          <a:xfrm>
-            <a:off x="1259632" y="1203598"/>
-            <a:ext cx="6445114" cy="3440234"/>
+        <p:spPr>
+          <a:xfrm rot="5400000">
+            <a:off x="6003357" y="2652561"/>
+            <a:ext cx="2374681" cy="1781011"/>
           </a:xfrm>
           <a:prstGeom prst="rect">
             <a:avLst/>
           </a:prstGeom>
-          <a:noFill/>
-          <a:ln w="9525">
-            <a:noFill/>
-            <a:miter lim="800000"/>
-            <a:headEnd/>
-            <a:tailEnd/>
-          </a:ln>
-          <a:effectLst/>
+          <a:scene3d>
+            <a:camera prst="orthographicFront">
+              <a:rot lat="0" lon="0" rev="0"/>
+            </a:camera>
+            <a:lightRig rig="threePt" dir="t"/>
+          </a:scene3d>
         </p:spPr>
       </p:pic>
-      <p:sp>
-        <p:nvSpPr>
-          <p:cNvPr id="4" name="Ellipse 3"/>
+      <p:pic>
+        <p:nvPicPr>
+          <p:cNvPr id="7" name="Grafik 6" descr="IMG_20150423_171829.jpg"/>
+          <p:cNvPicPr>
+            <a:picLocks noChangeAspect="1"/>
+          </p:cNvPicPr>
+          <p:nvPr/>
+        </p:nvPicPr>
+        <p:blipFill>
+          <a:blip r:embed="rId4" cstate="print"/>
+          <a:stretch>
+            <a:fillRect/>
+          </a:stretch>
+        </p:blipFill>
+        <p:spPr>
+          <a:xfrm>
+            <a:off x="395536" y="3337265"/>
+            <a:ext cx="2232248" cy="1674186"/>
+          </a:xfrm>
+          <a:prstGeom prst="rect">
+            <a:avLst/>
+          </a:prstGeom>
+        </p:spPr>
+      </p:pic>
+      <p:pic>
+        <p:nvPicPr>
+          <p:cNvPr id="5" name="Inhaltsplatzhalter 4" descr="IMG_20141017_225641.jpg"/>
+          <p:cNvPicPr>
+            <a:picLocks noGrp="1" noChangeAspect="1"/>
+          </p:cNvPicPr>
+          <p:nvPr>
+            <p:ph idx="1"/>
+          </p:nvPr>
+        </p:nvPicPr>
+        <p:blipFill>
+          <a:blip r:embed="rId5" cstate="print"/>
+          <a:stretch>
+            <a:fillRect/>
+          </a:stretch>
+        </p:blipFill>
+        <p:spPr>
+          <a:xfrm>
+            <a:off x="2843808" y="1491630"/>
+            <a:ext cx="3168352" cy="2376265"/>
+          </a:xfrm>
+        </p:spPr>
+      </p:pic>
+      <p:sp>
+        <p:nvSpPr>
+          <p:cNvPr id="8" name="Ellipse 7"/>
           <p:cNvSpPr/>
           <p:nvPr/>
         </p:nvSpPr>
@@ -5037,6 +9253,32 @@
           <a:chExt cx="0" cy="0"/>
         </a:xfrm>
       </p:grpSpPr>
+      <p:pic>
+        <p:nvPicPr>
+          <p:cNvPr id="4098" name="Picture 2" descr="https://www.freifunk.net//wp-content/uploads/2013/09/Meshing1.png"/>
+          <p:cNvPicPr>
+            <a:picLocks noChangeAspect="1" noChangeArrowheads="1"/>
+          </p:cNvPicPr>
+          <p:nvPr/>
+        </p:nvPicPr>
+        <p:blipFill>
+          <a:blip r:embed="rId3" cstate="print"/>
+          <a:srcRect/>
+          <a:stretch>
+            <a:fillRect/>
+          </a:stretch>
+        </p:blipFill>
+        <p:spPr bwMode="auto">
+          <a:xfrm>
+            <a:off x="4572000" y="2211710"/>
+            <a:ext cx="3563888" cy="2047879"/>
+          </a:xfrm>
+          <a:prstGeom prst="rect">
+            <a:avLst/>
+          </a:prstGeom>
+          <a:noFill/>
+        </p:spPr>
+      </p:pic>
       <p:sp>
         <p:nvSpPr>
           <p:cNvPr id="2" name="Titel 1"/>
@@ -5045,29 +9287,6 @@
           </p:cNvSpPr>
           <p:nvPr>
             <p:ph type="title"/>
-          </p:nvPr>
-        </p:nvSpPr>
-        <p:spPr/>
-        <p:txBody>
-          <a:bodyPr/>
-          <a:lstStyle/>
-          <a:p>
-            <a:r>
-              <a:rPr lang="de-DE" dirty="0" smtClean="0"/>
-              <a:t>Architektur</a:t>
-            </a:r>
-            <a:endParaRPr lang="de-DE" dirty="0"/>
-          </a:p>
-        </p:txBody>
-      </p:sp>
-      <p:sp>
-        <p:nvSpPr>
-          <p:cNvPr id="3" name="Inhaltsplatzhalter 2"/>
-          <p:cNvSpPr>
-            <a:spLocks noGrp="1"/>
-          </p:cNvSpPr>
-          <p:nvPr>
-            <p:ph idx="1"/>
           </p:nvPr>
         </p:nvSpPr>
         <p:spPr/>
@@ -5078,16 +9297,86 @@
           <a:lstStyle/>
           <a:p>
             <a:r>
-              <a:rPr lang="de-DE" dirty="0" smtClean="0"/>
-              <a:t>Schwierigkeiten mobiles testen, warum?</a:t>
-            </a:r>
+              <a:rPr lang="de-DE" dirty="0" err="1" smtClean="0"/>
+              <a:t>Freifunk</a:t>
+            </a:r>
+            <a:r>
+              <a:rPr lang="de-DE" dirty="0" smtClean="0"/>
+              <a:t> Bremen</a:t>
+            </a:r>
+            <a:endParaRPr lang="de-DE" dirty="0"/>
+          </a:p>
+        </p:txBody>
+      </p:sp>
+      <p:sp>
+        <p:nvSpPr>
+          <p:cNvPr id="3" name="Inhaltsplatzhalter 2"/>
+          <p:cNvSpPr>
+            <a:spLocks noGrp="1"/>
+          </p:cNvSpPr>
+          <p:nvPr>
+            <p:ph idx="1"/>
+          </p:nvPr>
+        </p:nvSpPr>
+        <p:spPr/>
+        <p:txBody>
+          <a:bodyPr>
+            <a:normAutofit fontScale="92500" lnSpcReduction="10000"/>
+          </a:bodyPr>
+          <a:lstStyle/>
+          <a:p>
+            <a:r>
+              <a:rPr lang="de-DE" dirty="0" smtClean="0"/>
+              <a:t>„</a:t>
+            </a:r>
+            <a:r>
+              <a:rPr lang="de-DE" dirty="0" err="1" smtClean="0"/>
+              <a:t>Meshnetzwerk</a:t>
+            </a:r>
+            <a:r>
+              <a:rPr lang="de-DE" dirty="0" smtClean="0"/>
+              <a:t>“ zwischen den Routern</a:t>
+            </a:r>
+          </a:p>
+          <a:p>
+            <a:r>
+              <a:rPr lang="de-DE" dirty="0" smtClean="0"/>
+              <a:t>Daten werden über Funk oder Kabel weitergereicht</a:t>
+            </a:r>
+          </a:p>
+          <a:p>
             <a:endParaRPr lang="de-DE" dirty="0" smtClean="0"/>
           </a:p>
-        </p:txBody>
-      </p:sp>
-      <p:sp>
-        <p:nvSpPr>
-          <p:cNvPr id="4" name="Ellipse 3"/>
+          <a:p>
+            <a:endParaRPr lang="de-DE" dirty="0" smtClean="0"/>
+          </a:p>
+          <a:p>
+            <a:r>
+              <a:rPr lang="de-DE" dirty="0" smtClean="0"/>
+              <a:t>Aktueller Stand:</a:t>
+            </a:r>
+          </a:p>
+          <a:p>
+            <a:pPr lvl="1"/>
+            <a:r>
+              <a:rPr lang="de-DE" dirty="0" smtClean="0"/>
+              <a:t>Zurzeit ca. 600 </a:t>
+            </a:r>
+            <a:r>
+              <a:rPr lang="de-DE" dirty="0" smtClean="0"/>
+              <a:t>Router und </a:t>
+            </a:r>
+            <a:r>
+              <a:rPr lang="de-DE" dirty="0" smtClean="0"/>
+              <a:t>6 VPN-Server</a:t>
+            </a:r>
+            <a:endParaRPr lang="de-DE" dirty="0" smtClean="0"/>
+          </a:p>
+        </p:txBody>
+      </p:sp>
+      <p:sp>
+        <p:nvSpPr>
+          <p:cNvPr id="5" name="Ellipse 4"/>
           <p:cNvSpPr/>
           <p:nvPr/>
         </p:nvSpPr>
@@ -5099,9 +9388,6 @@
           <a:prstGeom prst="ellipse">
             <a:avLst/>
           </a:prstGeom>
-          <a:solidFill>
-            <a:srgbClr val="EA5092"/>
-          </a:solidFill>
         </p:spPr>
         <p:style>
           <a:lnRef idx="2">
@@ -5172,68 +9458,112 @@
         </p:nvSpPr>
         <p:spPr/>
         <p:txBody>
+          <a:bodyPr/>
+          <a:lstStyle/>
+          <a:p>
+            <a:r>
+              <a:rPr lang="de-DE" dirty="0" err="1" smtClean="0"/>
+              <a:t>Meshviewer</a:t>
+            </a:r>
+            <a:endParaRPr lang="de-DE" dirty="0"/>
+          </a:p>
+        </p:txBody>
+      </p:sp>
+      <p:sp>
+        <p:nvSpPr>
+          <p:cNvPr id="3" name="Inhaltsplatzhalter 2"/>
+          <p:cNvSpPr>
+            <a:spLocks noGrp="1"/>
+          </p:cNvSpPr>
+          <p:nvPr>
+            <p:ph idx="1"/>
+          </p:nvPr>
+        </p:nvSpPr>
+        <p:spPr/>
+        <p:txBody>
           <a:bodyPr>
-            <a:normAutofit fontScale="90000"/>
+            <a:normAutofit fontScale="92500" lnSpcReduction="20000"/>
           </a:bodyPr>
           <a:lstStyle/>
           <a:p>
             <a:r>
               <a:rPr lang="de-DE" dirty="0" smtClean="0"/>
-              <a:t>Themenschwerpunkt Testen</a:t>
-            </a:r>
-            <a:br>
-              <a:rPr lang="de-DE" dirty="0" smtClean="0"/>
-            </a:br>
-            <a:r>
-              <a:rPr lang="de-DE" dirty="0" smtClean="0"/>
-              <a:t>Motivation</a:t>
-            </a:r>
+              <a:t>Webanwendung (+ Backend</a:t>
+            </a:r>
+            <a:r>
+              <a:rPr lang="de-DE" dirty="0" smtClean="0"/>
+              <a:t>)</a:t>
+            </a:r>
+            <a:endParaRPr lang="de-DE" dirty="0" smtClean="0"/>
+          </a:p>
+          <a:p>
+            <a:pPr lvl="1"/>
+            <a:r>
+              <a:rPr lang="de-DE" dirty="0" smtClean="0"/>
+              <a:t>Sammelt Statistiken von Routern</a:t>
+            </a:r>
+          </a:p>
+          <a:p>
+            <a:pPr lvl="1"/>
+            <a:r>
+              <a:rPr lang="de-DE" dirty="0" smtClean="0"/>
+              <a:t>erzeugt JSON</a:t>
+            </a:r>
+          </a:p>
+          <a:p>
+            <a:pPr lvl="1"/>
+            <a:r>
+              <a:rPr lang="de-DE" dirty="0"/>
+              <a:t>v</a:t>
+            </a:r>
+            <a:r>
+              <a:rPr lang="de-DE" dirty="0" smtClean="0"/>
+              <a:t>isualisiert JSON</a:t>
+            </a:r>
+          </a:p>
+          <a:p>
+            <a:r>
+              <a:rPr lang="de-DE" dirty="0" smtClean="0"/>
+              <a:t>Mobil bedingt nutzbar, keine Alarmfunktion (</a:t>
+            </a:r>
+            <a:r>
+              <a:rPr lang="de-DE" dirty="0" err="1" smtClean="0"/>
+              <a:t>Nodewatcher</a:t>
+            </a:r>
+            <a:r>
+              <a:rPr lang="de-DE" dirty="0" smtClean="0"/>
+              <a:t>)</a:t>
+            </a:r>
+          </a:p>
+          <a:p>
             <a:endParaRPr lang="de-DE" dirty="0"/>
           </a:p>
-        </p:txBody>
-      </p:sp>
-      <p:sp>
-        <p:nvSpPr>
-          <p:cNvPr id="3" name="Inhaltsplatzhalter 2"/>
-          <p:cNvSpPr>
-            <a:spLocks noGrp="1"/>
-          </p:cNvSpPr>
-          <p:nvPr>
-            <p:ph idx="1"/>
-          </p:nvPr>
-        </p:nvSpPr>
-        <p:spPr/>
-        <p:txBody>
-          <a:bodyPr>
-            <a:normAutofit/>
-          </a:bodyPr>
-          <a:lstStyle/>
-          <a:p>
-            <a:r>
-              <a:rPr lang="de-DE" dirty="0" smtClean="0"/>
-              <a:t>Schwierigkeiten mobiles testen, warum</a:t>
-            </a:r>
-            <a:r>
-              <a:rPr lang="de-DE" dirty="0" smtClean="0"/>
-              <a:t>?</a:t>
-            </a:r>
-          </a:p>
-          <a:p>
-            <a:r>
-              <a:rPr lang="de-DE" dirty="0" err="1" smtClean="0"/>
-              <a:t>Android</a:t>
-            </a:r>
-            <a:r>
-              <a:rPr lang="de-DE" dirty="0" smtClean="0"/>
-              <a:t> </a:t>
-            </a:r>
-            <a:r>
-              <a:rPr lang="de-DE" dirty="0" err="1" smtClean="0"/>
-              <a:t>abhängigkeiten</a:t>
+          <a:p>
+            <a:pPr>
+              <a:buNone/>
+            </a:pPr>
+            <a:r>
+              <a:rPr lang="de-DE" dirty="0" smtClean="0">
+                <a:sym typeface="Wingdings" pitchFamily="2" charset="2"/>
+              </a:rPr>
+              <a:t> Lässt sich das nicht auch als </a:t>
+            </a:r>
+            <a:r>
+              <a:rPr lang="de-DE" dirty="0" err="1" smtClean="0">
+                <a:sym typeface="Wingdings" pitchFamily="2" charset="2"/>
+              </a:rPr>
+              <a:t>App</a:t>
+            </a:r>
+            <a:r>
+              <a:rPr lang="de-DE" dirty="0" smtClean="0">
+                <a:sym typeface="Wingdings" pitchFamily="2" charset="2"/>
+              </a:rPr>
+              <a:t> umsetzen?</a:t>
             </a:r>
             <a:endParaRPr lang="de-DE" dirty="0" smtClean="0"/>
           </a:p>
           <a:p>
+            <a:pPr lvl="1"/>
             <a:endParaRPr lang="de-DE" dirty="0"/>
           </a:p>
         </p:txBody>
@@ -5322,58 +9652,12 @@
         </p:nvSpPr>
         <p:spPr/>
         <p:txBody>
-          <a:bodyPr>
-            <a:normAutofit fontScale="90000"/>
-          </a:bodyPr>
-          <a:lstStyle/>
-          <a:p>
-            <a:r>
-              <a:rPr lang="de-DE" dirty="0" smtClean="0"/>
-              <a:t>Themenschwerpunkt Testen</a:t>
-            </a:r>
-            <a:br>
-              <a:rPr lang="de-DE" dirty="0" smtClean="0"/>
-            </a:br>
-            <a:r>
-              <a:rPr lang="de-DE" dirty="0" smtClean="0"/>
-              <a:t>Grundlagen</a:t>
-            </a:r>
-            <a:endParaRPr lang="de-DE" dirty="0"/>
-          </a:p>
-        </p:txBody>
-      </p:sp>
-      <p:sp>
-        <p:nvSpPr>
-          <p:cNvPr id="3" name="Inhaltsplatzhalter 2"/>
-          <p:cNvSpPr>
-            <a:spLocks noGrp="1"/>
-          </p:cNvSpPr>
-          <p:nvPr>
-            <p:ph idx="1"/>
-          </p:nvPr>
-        </p:nvSpPr>
-        <p:spPr/>
-        <p:txBody>
-          <a:bodyPr>
-            <a:normAutofit/>
-          </a:bodyPr>
-          <a:lstStyle/>
-          <a:p>
-            <a:r>
-              <a:rPr lang="de-DE" dirty="0" smtClean="0"/>
-              <a:t>Di, TDD, Mocken </a:t>
-            </a:r>
+          <a:bodyPr/>
+          <a:lstStyle/>
+          <a:p>
             <a:r>
               <a:rPr lang="de-DE" dirty="0" err="1" smtClean="0"/>
-              <a:t>usw</a:t>
-            </a:r>
-            <a:r>
-              <a:rPr lang="de-DE" dirty="0" smtClean="0"/>
-              <a:t> </a:t>
-            </a:r>
-            <a:r>
-              <a:rPr lang="de-DE" dirty="0" err="1" smtClean="0"/>
-              <a:t>usw</a:t>
+              <a:t>Meshviewer</a:t>
             </a:r>
             <a:endParaRPr lang="de-DE" dirty="0"/>
           </a:p>
@@ -5419,6 +9703,38 @@
           </a:p>
         </p:txBody>
       </p:sp>
+      <p:pic>
+        <p:nvPicPr>
+          <p:cNvPr id="20481" name="Picture 1"/>
+          <p:cNvPicPr>
+            <a:picLocks noChangeAspect="1" noChangeArrowheads="1"/>
+          </p:cNvPicPr>
+          <p:nvPr/>
+        </p:nvPicPr>
+        <p:blipFill>
+          <a:blip r:embed="rId3" cstate="print"/>
+          <a:srcRect/>
+          <a:stretch>
+            <a:fillRect/>
+          </a:stretch>
+        </p:blipFill>
+        <p:spPr bwMode="auto">
+          <a:xfrm>
+            <a:off x="683568" y="1337513"/>
+            <a:ext cx="7416824" cy="3322469"/>
+          </a:xfrm>
+          <a:prstGeom prst="rect">
+            <a:avLst/>
+          </a:prstGeom>
+          <a:noFill/>
+          <a:ln w="9525">
+            <a:noFill/>
+            <a:miter lim="800000"/>
+            <a:headEnd/>
+            <a:tailEnd/>
+          </a:ln>
+        </p:spPr>
+      </p:pic>
     </p:spTree>
   </p:cSld>
   <p:clrMapOvr>
@@ -5468,7 +9784,7 @@
           <a:p>
             <a:r>
               <a:rPr lang="de-DE" dirty="0" smtClean="0"/>
-              <a:t>Verwendete Frameworks</a:t>
+              <a:t>Architektur</a:t>
             </a:r>
             <a:endParaRPr lang="de-DE" dirty="0"/>
           </a:p>
@@ -5487,60 +9803,11 @@
         <p:spPr/>
         <p:txBody>
           <a:bodyPr>
-            <a:normAutofit fontScale="92500" lnSpcReduction="20000"/>
+            <a:normAutofit/>
           </a:bodyPr>
           <a:lstStyle/>
           <a:p>
-            <a:r>
-              <a:rPr lang="de-DE" dirty="0" err="1" smtClean="0"/>
-              <a:t>Roboguice</a:t>
-            </a:r>
             <a:endParaRPr lang="de-DE" dirty="0" smtClean="0"/>
-          </a:p>
-          <a:p>
-            <a:r>
-              <a:rPr lang="de-DE" dirty="0" err="1" smtClean="0"/>
-              <a:t>Robolectric</a:t>
-            </a:r>
-            <a:endParaRPr lang="de-DE" dirty="0" smtClean="0"/>
-          </a:p>
-          <a:p>
-            <a:r>
-              <a:rPr lang="de-DE" dirty="0" err="1" smtClean="0"/>
-              <a:t>jUnit</a:t>
-            </a:r>
-            <a:endParaRPr lang="de-DE" dirty="0" smtClean="0"/>
-          </a:p>
-          <a:p>
-            <a:r>
-              <a:rPr lang="de-DE" dirty="0" err="1" smtClean="0"/>
-              <a:t>Mockito</a:t>
-            </a:r>
-            <a:endParaRPr lang="de-DE" dirty="0" smtClean="0"/>
-          </a:p>
-          <a:p>
-            <a:r>
-              <a:rPr lang="de-DE" dirty="0" err="1" smtClean="0"/>
-              <a:t>AssertJ</a:t>
-            </a:r>
-            <a:endParaRPr lang="de-DE" dirty="0" smtClean="0"/>
-          </a:p>
-          <a:p>
-            <a:r>
-              <a:rPr lang="de-DE" dirty="0" err="1" smtClean="0"/>
-              <a:t>Greenrobot</a:t>
-            </a:r>
-            <a:endParaRPr lang="de-DE" dirty="0" smtClean="0"/>
-          </a:p>
-          <a:p>
-            <a:r>
-              <a:rPr lang="de-DE" dirty="0" err="1" smtClean="0"/>
-              <a:t>Guava</a:t>
-            </a:r>
-            <a:endParaRPr lang="de-DE" dirty="0" smtClean="0"/>
-          </a:p>
-          <a:p>
-            <a:endParaRPr lang="de-DE" dirty="0"/>
           </a:p>
         </p:txBody>
       </p:sp>
@@ -5883,4 +10150,287 @@
   <a:objectDefaults/>
   <a:extraClrSchemeLst/>
 </a:theme>
+</file>
+
+<file path=ppt/theme/theme2.xml><?xml version="1.0" encoding="utf-8"?>
+<a:theme xmlns:a="http://schemas.openxmlformats.org/drawingml/2006/main" name="Larissa-Design">
+  <a:themeElements>
+    <a:clrScheme name="Larissa">
+      <a:dk1>
+        <a:sysClr val="windowText" lastClr="000000"/>
+      </a:dk1>
+      <a:lt1>
+        <a:sysClr val="window" lastClr="FFFFFF"/>
+      </a:lt1>
+      <a:dk2>
+        <a:srgbClr val="1F497D"/>
+      </a:dk2>
+      <a:lt2>
+        <a:srgbClr val="EEECE1"/>
+      </a:lt2>
+      <a:accent1>
+        <a:srgbClr val="4F81BD"/>
+      </a:accent1>
+      <a:accent2>
+        <a:srgbClr val="C0504D"/>
+      </a:accent2>
+      <a:accent3>
+        <a:srgbClr val="9BBB59"/>
+      </a:accent3>
+      <a:accent4>
+        <a:srgbClr val="8064A2"/>
+      </a:accent4>
+      <a:accent5>
+        <a:srgbClr val="4BACC6"/>
+      </a:accent5>
+      <a:accent6>
+        <a:srgbClr val="F79646"/>
+      </a:accent6>
+      <a:hlink>
+        <a:srgbClr val="0000FF"/>
+      </a:hlink>
+      <a:folHlink>
+        <a:srgbClr val="800080"/>
+      </a:folHlink>
+    </a:clrScheme>
+    <a:fontScheme name="Larissa">
+      <a:majorFont>
+        <a:latin typeface="Calibri"/>
+        <a:ea typeface=""/>
+        <a:cs typeface=""/>
+        <a:font script="Jpan" typeface="ＭＳ Ｐゴシック"/>
+        <a:font script="Hang" typeface="맑은 고딕"/>
+        <a:font script="Hans" typeface="宋体"/>
+        <a:font script="Hant" typeface="新細明體"/>
+        <a:font script="Arab" typeface="Times New Roman"/>
+        <a:font script="Hebr" typeface="Times New Roman"/>
+        <a:font script="Thai" typeface="Angsana New"/>
+        <a:font script="Ethi" typeface="Nyala"/>
+        <a:font script="Beng" typeface="Vrinda"/>
+        <a:font script="Gujr" typeface="Shruti"/>
+        <a:font script="Khmr" typeface="MoolBoran"/>
+        <a:font script="Knda" typeface="Tunga"/>
+        <a:font script="Guru" typeface="Raavi"/>
+        <a:font script="Cans" typeface="Euphemia"/>
+        <a:font script="Cher" typeface="Plantagenet Cherokee"/>
+        <a:font script="Yiii" typeface="Microsoft Yi Baiti"/>
+        <a:font script="Tibt" typeface="Microsoft Himalaya"/>
+        <a:font script="Thaa" typeface="MV Boli"/>
+        <a:font script="Deva" typeface="Mangal"/>
+        <a:font script="Telu" typeface="Gautami"/>
+        <a:font script="Taml" typeface="Latha"/>
+        <a:font script="Syrc" typeface="Estrangelo Edessa"/>
+        <a:font script="Orya" typeface="Kalinga"/>
+        <a:font script="Mlym" typeface="Kartika"/>
+        <a:font script="Laoo" typeface="DokChampa"/>
+        <a:font script="Sinh" typeface="Iskoola Pota"/>
+        <a:font script="Mong" typeface="Mongolian Baiti"/>
+        <a:font script="Viet" typeface="Times New Roman"/>
+        <a:font script="Uigh" typeface="Microsoft Uighur"/>
+      </a:majorFont>
+      <a:minorFont>
+        <a:latin typeface="Calibri"/>
+        <a:ea typeface=""/>
+        <a:cs typeface=""/>
+        <a:font script="Jpan" typeface="ＭＳ Ｐゴシック"/>
+        <a:font script="Hang" typeface="맑은 고딕"/>
+        <a:font script="Hans" typeface="宋体"/>
+        <a:font script="Hant" typeface="新細明體"/>
+        <a:font script="Arab" typeface="Arial"/>
+        <a:font script="Hebr" typeface="Arial"/>
+        <a:font script="Thai" typeface="Cordia New"/>
+        <a:font script="Ethi" typeface="Nyala"/>
+        <a:font script="Beng" typeface="Vrinda"/>
+        <a:font script="Gujr" typeface="Shruti"/>
+        <a:font script="Khmr" typeface="DaunPenh"/>
+        <a:font script="Knda" typeface="Tunga"/>
+        <a:font script="Guru" typeface="Raavi"/>
+        <a:font script="Cans" typeface="Euphemia"/>
+        <a:font script="Cher" typeface="Plantagenet Cherokee"/>
+        <a:font script="Yiii" typeface="Microsoft Yi Baiti"/>
+        <a:font script="Tibt" typeface="Microsoft Himalaya"/>
+        <a:font script="Thaa" typeface="MV Boli"/>
+        <a:font script="Deva" typeface="Mangal"/>
+        <a:font script="Telu" typeface="Gautami"/>
+        <a:font script="Taml" typeface="Latha"/>
+        <a:font script="Syrc" typeface="Estrangelo Edessa"/>
+        <a:font script="Orya" typeface="Kalinga"/>
+        <a:font script="Mlym" typeface="Kartika"/>
+        <a:font script="Laoo" typeface="DokChampa"/>
+        <a:font script="Sinh" typeface="Iskoola Pota"/>
+        <a:font script="Mong" typeface="Mongolian Baiti"/>
+        <a:font script="Viet" typeface="Arial"/>
+        <a:font script="Uigh" typeface="Microsoft Uighur"/>
+      </a:minorFont>
+    </a:fontScheme>
+    <a:fmtScheme name="Larissa">
+      <a:fillStyleLst>
+        <a:solidFill>
+          <a:schemeClr val="phClr"/>
+        </a:solidFill>
+        <a:gradFill rotWithShape="1">
+          <a:gsLst>
+            <a:gs pos="0">
+              <a:schemeClr val="phClr">
+                <a:tint val="50000"/>
+                <a:satMod val="300000"/>
+              </a:schemeClr>
+            </a:gs>
+            <a:gs pos="35000">
+              <a:schemeClr val="phClr">
+                <a:tint val="37000"/>
+                <a:satMod val="300000"/>
+              </a:schemeClr>
+            </a:gs>
+            <a:gs pos="100000">
+              <a:schemeClr val="phClr">
+                <a:tint val="15000"/>
+                <a:satMod val="350000"/>
+              </a:schemeClr>
+            </a:gs>
+          </a:gsLst>
+          <a:lin ang="16200000" scaled="1"/>
+        </a:gradFill>
+        <a:gradFill rotWithShape="1">
+          <a:gsLst>
+            <a:gs pos="0">
+              <a:schemeClr val="phClr">
+                <a:shade val="51000"/>
+                <a:satMod val="130000"/>
+              </a:schemeClr>
+            </a:gs>
+            <a:gs pos="80000">
+              <a:schemeClr val="phClr">
+                <a:shade val="93000"/>
+                <a:satMod val="130000"/>
+              </a:schemeClr>
+            </a:gs>
+            <a:gs pos="100000">
+              <a:schemeClr val="phClr">
+                <a:shade val="94000"/>
+                <a:satMod val="135000"/>
+              </a:schemeClr>
+            </a:gs>
+          </a:gsLst>
+          <a:lin ang="16200000" scaled="0"/>
+        </a:gradFill>
+      </a:fillStyleLst>
+      <a:lnStyleLst>
+        <a:ln w="9525" cap="flat" cmpd="sng" algn="ctr">
+          <a:solidFill>
+            <a:schemeClr val="phClr">
+              <a:shade val="95000"/>
+              <a:satMod val="105000"/>
+            </a:schemeClr>
+          </a:solidFill>
+          <a:prstDash val="solid"/>
+        </a:ln>
+        <a:ln w="25400" cap="flat" cmpd="sng" algn="ctr">
+          <a:solidFill>
+            <a:schemeClr val="phClr"/>
+          </a:solidFill>
+          <a:prstDash val="solid"/>
+        </a:ln>
+        <a:ln w="38100" cap="flat" cmpd="sng" algn="ctr">
+          <a:solidFill>
+            <a:schemeClr val="phClr"/>
+          </a:solidFill>
+          <a:prstDash val="solid"/>
+        </a:ln>
+      </a:lnStyleLst>
+      <a:effectStyleLst>
+        <a:effectStyle>
+          <a:effectLst>
+            <a:outerShdw blurRad="40000" dist="20000" dir="5400000" rotWithShape="0">
+              <a:srgbClr val="000000">
+                <a:alpha val="38000"/>
+              </a:srgbClr>
+            </a:outerShdw>
+          </a:effectLst>
+        </a:effectStyle>
+        <a:effectStyle>
+          <a:effectLst>
+            <a:outerShdw blurRad="40000" dist="23000" dir="5400000" rotWithShape="0">
+              <a:srgbClr val="000000">
+                <a:alpha val="35000"/>
+              </a:srgbClr>
+            </a:outerShdw>
+          </a:effectLst>
+        </a:effectStyle>
+        <a:effectStyle>
+          <a:effectLst>
+            <a:outerShdw blurRad="40000" dist="23000" dir="5400000" rotWithShape="0">
+              <a:srgbClr val="000000">
+                <a:alpha val="35000"/>
+              </a:srgbClr>
+            </a:outerShdw>
+          </a:effectLst>
+          <a:scene3d>
+            <a:camera prst="orthographicFront">
+              <a:rot lat="0" lon="0" rev="0"/>
+            </a:camera>
+            <a:lightRig rig="threePt" dir="t">
+              <a:rot lat="0" lon="0" rev="1200000"/>
+            </a:lightRig>
+          </a:scene3d>
+          <a:sp3d>
+            <a:bevelT w="63500" h="25400"/>
+          </a:sp3d>
+        </a:effectStyle>
+      </a:effectStyleLst>
+      <a:bgFillStyleLst>
+        <a:solidFill>
+          <a:schemeClr val="phClr"/>
+        </a:solidFill>
+        <a:gradFill rotWithShape="1">
+          <a:gsLst>
+            <a:gs pos="0">
+              <a:schemeClr val="phClr">
+                <a:tint val="40000"/>
+                <a:satMod val="350000"/>
+              </a:schemeClr>
+            </a:gs>
+            <a:gs pos="40000">
+              <a:schemeClr val="phClr">
+                <a:tint val="45000"/>
+                <a:shade val="99000"/>
+                <a:satMod val="350000"/>
+              </a:schemeClr>
+            </a:gs>
+            <a:gs pos="100000">
+              <a:schemeClr val="phClr">
+                <a:shade val="20000"/>
+                <a:satMod val="255000"/>
+              </a:schemeClr>
+            </a:gs>
+          </a:gsLst>
+          <a:path path="circle">
+            <a:fillToRect l="50000" t="-80000" r="50000" b="180000"/>
+          </a:path>
+        </a:gradFill>
+        <a:gradFill rotWithShape="1">
+          <a:gsLst>
+            <a:gs pos="0">
+              <a:schemeClr val="phClr">
+                <a:tint val="80000"/>
+                <a:satMod val="300000"/>
+              </a:schemeClr>
+            </a:gs>
+            <a:gs pos="100000">
+              <a:schemeClr val="phClr">
+                <a:shade val="30000"/>
+                <a:satMod val="200000"/>
+              </a:schemeClr>
+            </a:gs>
+          </a:gsLst>
+          <a:path path="circle">
+            <a:fillToRect l="50000" t="50000" r="50000" b="50000"/>
+          </a:path>
+        </a:gradFill>
+      </a:bgFillStyleLst>
+    </a:fmtScheme>
+  </a:themeElements>
+  <a:objectDefaults/>
+  <a:extraClrSchemeLst/>
+</a:theme>
 </file>
--- a/docs/mobile_meshviewer_praezi.pptx
+++ b/docs/mobile_meshviewer_praezi.pptx
@@ -238,7 +238,7 @@
           <a:p>
             <a:fld id="{F2CBB45D-6C29-4B63-A1E1-05AE76F6CCEE}" type="datetimeFigureOut">
               <a:rPr lang="de-DE" smtClean="0"/>
-              <a:t>14.06.2016</a:t>
+              <a:t>15.06.2016</a:t>
             </a:fld>
             <a:endParaRPr lang="de-DE"/>
           </a:p>
@@ -636,12 +636,47 @@
               <a:buChar char="•"/>
             </a:pPr>
             <a:r>
+              <a:rPr lang="de-DE" sz="1200" dirty="0" smtClean="0"/>
+              <a:t>Benutzen </a:t>
+            </a:r>
+            <a:r>
+              <a:rPr lang="de-DE" sz="1200" dirty="0" err="1" smtClean="0"/>
+              <a:t>Retrofit</a:t>
+            </a:r>
+            <a:r>
+              <a:rPr lang="de-DE" sz="1200" dirty="0" smtClean="0"/>
+              <a:t> um API zu konsumieren </a:t>
+            </a:r>
+            <a:r>
+              <a:rPr lang="de-DE" sz="1200" dirty="0" smtClean="0">
+                <a:sym typeface="Wingdings" panose="05000000000000000000" pitchFamily="2" charset="2"/>
+              </a:rPr>
+              <a:t> Generiert</a:t>
+            </a:r>
+            <a:r>
+              <a:rPr lang="de-DE" sz="1200" baseline="0" dirty="0" smtClean="0">
+                <a:sym typeface="Wingdings" panose="05000000000000000000" pitchFamily="2" charset="2"/>
+              </a:rPr>
+              <a:t> aus Interface Consumer</a:t>
+            </a:r>
+            <a:endParaRPr lang="de-DE" sz="1200" dirty="0" smtClean="0"/>
+          </a:p>
+          <a:p>
+            <a:pPr marL="171450" indent="-171450">
+              <a:buFont typeface="Arial" panose="020B0604020202020204" pitchFamily="34" charset="0"/>
+              <a:buChar char="•"/>
+            </a:pPr>
+            <a:r>
               <a:rPr lang="de-DE" sz="1200" dirty="0" err="1" smtClean="0"/>
               <a:t>RetrofitServiceManager</a:t>
             </a:r>
             <a:r>
               <a:rPr lang="de-DE" sz="1200" dirty="0" smtClean="0"/>
-              <a:t> managt Verbindungen zu unterschiedlichen REST-Schnittstellen</a:t>
+              <a:t> </a:t>
+            </a:r>
+            <a:r>
+              <a:rPr lang="de-DE" sz="1200" dirty="0" smtClean="0"/>
+              <a:t>managt Verbindungen zu unterschiedlichen REST-Schnittstellen</a:t>
             </a:r>
             <a:endParaRPr lang="de-DE" sz="1200" baseline="0" dirty="0" smtClean="0"/>
           </a:p>
@@ -838,42 +873,59 @@
             </a:r>
           </a:p>
           <a:p>
-            <a:pPr marL="171450" marR="0" lvl="0" indent="-171450" algn="l" defTabSz="914400" rtl="0" eaLnBrk="1" fontAlgn="auto" latinLnBrk="0" hangingPunct="1">
-              <a:lnSpc>
-                <a:spcPct val="100000"/>
-              </a:lnSpc>
-              <a:spcBef>
-                <a:spcPts val="0"/>
-              </a:spcBef>
-              <a:spcAft>
-                <a:spcPts val="0"/>
-              </a:spcAft>
-              <a:buClrTx/>
-              <a:buSzTx/>
-              <a:buFont typeface="Arial" panose="020B0604020202020204" pitchFamily="34" charset="0"/>
-              <a:buChar char="•"/>
-              <a:tabLst/>
-              <a:defRPr/>
-            </a:pPr>
-            <a:r>
-              <a:rPr lang="de-DE" baseline="0" dirty="0" smtClean="0"/>
-              <a:t>Events steuern Ablauf von Broadcasts innerhalb der Anwendung</a:t>
-            </a:r>
-            <a:endParaRPr lang="de-DE" dirty="0" smtClean="0"/>
-          </a:p>
-          <a:p>
             <a:pPr marL="171450" indent="-171450">
               <a:buFont typeface="Arial" panose="020B0604020202020204" pitchFamily="34" charset="0"/>
               <a:buChar char="•"/>
             </a:pPr>
             <a:r>
               <a:rPr lang="de-DE" dirty="0" smtClean="0"/>
-              <a:t>Bei Statusänderung von beobachteten</a:t>
+              <a:t>Bei </a:t>
+            </a:r>
+            <a:r>
+              <a:rPr lang="de-DE" dirty="0" smtClean="0"/>
+              <a:t>Statusänderung von beobachteten</a:t>
             </a:r>
             <a:r>
               <a:rPr lang="de-DE" baseline="0" dirty="0" smtClean="0"/>
-              <a:t> Knoten wird Event ausgelöst um Service zu benachrichtigen</a:t>
-            </a:r>
+              <a:t> Knoten wird Event ausgelöst um Service zu </a:t>
+            </a:r>
+            <a:r>
+              <a:rPr lang="de-DE" baseline="0" dirty="0" smtClean="0"/>
+              <a:t>benachrichtigen</a:t>
+            </a:r>
+          </a:p>
+          <a:p>
+            <a:pPr marL="171450" indent="-171450">
+              <a:buFont typeface="Arial" panose="020B0604020202020204" pitchFamily="34" charset="0"/>
+              <a:buChar char="•"/>
+            </a:pPr>
+            <a:r>
+              <a:rPr lang="de-DE" baseline="0" dirty="0" smtClean="0"/>
+              <a:t>Manuelles Laden von </a:t>
+            </a:r>
+            <a:r>
+              <a:rPr lang="de-DE" baseline="0" dirty="0" err="1" smtClean="0"/>
+              <a:t>Benuter</a:t>
+            </a:r>
+            <a:r>
+              <a:rPr lang="de-DE" baseline="0" dirty="0" smtClean="0"/>
+              <a:t> über *</a:t>
+            </a:r>
+            <a:r>
+              <a:rPr lang="de-DE" baseline="0" dirty="0" err="1" smtClean="0"/>
+              <a:t>Loader</a:t>
+            </a:r>
+            <a:r>
+              <a:rPr lang="de-DE" baseline="0" dirty="0" smtClean="0"/>
+              <a:t> angestoßen </a:t>
+            </a:r>
+            <a:r>
+              <a:rPr lang="de-DE" baseline="0" dirty="0" smtClean="0">
+                <a:sym typeface="Wingdings" panose="05000000000000000000" pitchFamily="2" charset="2"/>
+              </a:rPr>
+              <a:t> Nutzen ebenfalls Event-Mechanismus</a:t>
+            </a:r>
+            <a:endParaRPr lang="de-DE" baseline="0" dirty="0" smtClean="0"/>
           </a:p>
           <a:p>
             <a:pPr marL="0" indent="0">
@@ -970,7 +1022,11 @@
             </a:pPr>
             <a:r>
               <a:rPr lang="de-DE" dirty="0" smtClean="0"/>
-              <a:t>DI ermöglicht übersichtliche Klassen</a:t>
+              <a:t>DI ermöglicht übersichtliche </a:t>
+            </a:r>
+            <a:r>
+              <a:rPr lang="de-DE" dirty="0" smtClean="0"/>
+              <a:t>Klassen</a:t>
             </a:r>
           </a:p>
           <a:p>
@@ -980,52 +1036,129 @@
             </a:pPr>
             <a:r>
               <a:rPr lang="de-DE" dirty="0" smtClean="0"/>
-              <a:t>Views</a:t>
+              <a:t>Objekte direkt bei</a:t>
             </a:r>
             <a:r>
               <a:rPr lang="de-DE" baseline="0" dirty="0" smtClean="0"/>
-              <a:t> und Android-Abhängigkeiten problemlos </a:t>
+              <a:t> Erstellung eines anderen Objektes </a:t>
             </a:r>
             <a:r>
               <a:rPr lang="de-DE" baseline="0" dirty="0" err="1" smtClean="0"/>
-              <a:t>injezierbar</a:t>
-            </a:r>
-            <a:r>
-              <a:rPr lang="de-DE" baseline="0" dirty="0" smtClean="0"/>
-              <a:t> </a:t>
-            </a:r>
-            <a:r>
-              <a:rPr lang="de-DE" baseline="0" dirty="0" smtClean="0">
-                <a:sym typeface="Wingdings" panose="05000000000000000000" pitchFamily="2" charset="2"/>
-              </a:rPr>
-              <a:t> kein </a:t>
-            </a:r>
-            <a:r>
-              <a:rPr lang="de-DE" baseline="0" dirty="0" err="1" smtClean="0">
-                <a:sym typeface="Wingdings" panose="05000000000000000000" pitchFamily="2" charset="2"/>
-              </a:rPr>
-              <a:t>casten</a:t>
-            </a:r>
-            <a:r>
-              <a:rPr lang="de-DE" baseline="0" dirty="0" smtClean="0">
-                <a:sym typeface="Wingdings" panose="05000000000000000000" pitchFamily="2" charset="2"/>
-              </a:rPr>
-              <a:t> mehr notwendig</a:t>
-            </a:r>
+              <a:t>injeziert</a:t>
+            </a:r>
+            <a:endParaRPr lang="de-DE" baseline="0" dirty="0" smtClean="0"/>
           </a:p>
           <a:p>
             <a:pPr marL="171450" indent="-171450">
               <a:buFont typeface="Arial" panose="020B0604020202020204" pitchFamily="34" charset="0"/>
               <a:buChar char="•"/>
             </a:pPr>
-            <a:endParaRPr lang="de-DE" baseline="0" dirty="0" smtClean="0">
-              <a:sym typeface="Wingdings" panose="05000000000000000000" pitchFamily="2" charset="2"/>
-            </a:endParaRPr>
+            <a:r>
+              <a:rPr lang="de-DE" baseline="0" dirty="0" smtClean="0">
+                <a:sym typeface="Wingdings" panose="05000000000000000000" pitchFamily="2" charset="2"/>
+              </a:rPr>
+              <a:t> Kette bis ans Ende aufgelöst</a:t>
+            </a:r>
           </a:p>
           <a:p>
             <a:pPr marL="171450" indent="-171450">
               <a:buFont typeface="Arial" panose="020B0604020202020204" pitchFamily="34" charset="0"/>
               <a:buChar char="•"/>
+            </a:pPr>
+            <a:r>
+              <a:rPr lang="de-DE" baseline="0" dirty="0" smtClean="0">
+                <a:sym typeface="Wingdings" panose="05000000000000000000" pitchFamily="2" charset="2"/>
+              </a:rPr>
+              <a:t>Definition der Klasse muss eindeutig sein</a:t>
+            </a:r>
+          </a:p>
+          <a:p>
+            <a:pPr marL="171450" indent="-171450">
+              <a:buFont typeface="Arial" panose="020B0604020202020204" pitchFamily="34" charset="0"/>
+              <a:buChar char="•"/>
+            </a:pPr>
+            <a:r>
+              <a:rPr lang="de-DE" baseline="0" dirty="0" smtClean="0">
+                <a:sym typeface="Wingdings" panose="05000000000000000000" pitchFamily="2" charset="2"/>
+              </a:rPr>
+              <a:t> bei Interfaces muss genaue Implementierung angegeben werden</a:t>
+            </a:r>
+          </a:p>
+          <a:p>
+            <a:pPr marL="171450" indent="-171450">
+              <a:buFont typeface="Arial" panose="020B0604020202020204" pitchFamily="34" charset="0"/>
+              <a:buChar char="•"/>
+            </a:pPr>
+            <a:r>
+              <a:rPr lang="de-DE" baseline="0" dirty="0" err="1" smtClean="0">
+                <a:sym typeface="Wingdings" panose="05000000000000000000" pitchFamily="2" charset="2"/>
+              </a:rPr>
+              <a:t>Injetion</a:t>
+            </a:r>
+            <a:r>
+              <a:rPr lang="de-DE" baseline="0" dirty="0" smtClean="0">
+                <a:sym typeface="Wingdings" panose="05000000000000000000" pitchFamily="2" charset="2"/>
+              </a:rPr>
+              <a:t> kann Objekte über Feld, Methoden-Parameter oder in </a:t>
+            </a:r>
+            <a:r>
+              <a:rPr lang="de-DE" baseline="0" dirty="0" err="1" smtClean="0">
+                <a:sym typeface="Wingdings" panose="05000000000000000000" pitchFamily="2" charset="2"/>
+              </a:rPr>
+              <a:t>Construktor</a:t>
+            </a:r>
+            <a:r>
+              <a:rPr lang="de-DE" baseline="0" dirty="0" smtClean="0">
+                <a:sym typeface="Wingdings" panose="05000000000000000000" pitchFamily="2" charset="2"/>
+              </a:rPr>
+              <a:t> bereitstellen</a:t>
+            </a:r>
+            <a:endParaRPr lang="de-DE" dirty="0" smtClean="0"/>
+          </a:p>
+          <a:p>
+            <a:pPr marL="171450" indent="-171450">
+              <a:buFont typeface="Arial" panose="020B0604020202020204" pitchFamily="34" charset="0"/>
+              <a:buChar char="•"/>
+            </a:pPr>
+            <a:r>
+              <a:rPr lang="de-DE" dirty="0" smtClean="0"/>
+              <a:t>Views</a:t>
+            </a:r>
+            <a:r>
+              <a:rPr lang="de-DE" baseline="0" dirty="0" smtClean="0"/>
+              <a:t> und Android-Abhängigkeiten problemlos </a:t>
+            </a:r>
+            <a:r>
+              <a:rPr lang="de-DE" baseline="0" dirty="0" err="1" smtClean="0"/>
+              <a:t>injezierbar</a:t>
+            </a:r>
+            <a:r>
+              <a:rPr lang="de-DE" baseline="0" dirty="0" smtClean="0"/>
+              <a:t> </a:t>
+            </a:r>
+            <a:r>
+              <a:rPr lang="de-DE" baseline="0" dirty="0" smtClean="0">
+                <a:sym typeface="Wingdings" panose="05000000000000000000" pitchFamily="2" charset="2"/>
+              </a:rPr>
+              <a:t> kein </a:t>
+            </a:r>
+            <a:r>
+              <a:rPr lang="de-DE" baseline="0" dirty="0" err="1" smtClean="0">
+                <a:sym typeface="Wingdings" panose="05000000000000000000" pitchFamily="2" charset="2"/>
+              </a:rPr>
+              <a:t>casten</a:t>
+            </a:r>
+            <a:r>
+              <a:rPr lang="de-DE" baseline="0" dirty="0" smtClean="0">
+                <a:sym typeface="Wingdings" panose="05000000000000000000" pitchFamily="2" charset="2"/>
+              </a:rPr>
+              <a:t> mehr notwendig</a:t>
+            </a:r>
+          </a:p>
+          <a:p>
+            <a:pPr marL="0" indent="0">
+              <a:buFont typeface="Arial" panose="020B0604020202020204" pitchFamily="34" charset="0"/>
+              <a:buNone/>
             </a:pPr>
             <a:endParaRPr lang="de-DE" baseline="0" dirty="0" smtClean="0">
               <a:sym typeface="Wingdings" panose="05000000000000000000" pitchFamily="2" charset="2"/>
@@ -2534,54 +2667,6 @@
           <a:bodyPr/>
           <a:lstStyle/>
           <a:p>
-            <a:pPr marL="171450" indent="-171450">
-              <a:buFont typeface="Arial" panose="020B0604020202020204" pitchFamily="34" charset="0"/>
-              <a:buChar char="•"/>
-            </a:pPr>
-            <a:r>
-              <a:rPr lang="de-DE" dirty="0" err="1" smtClean="0"/>
-              <a:t>Mockito</a:t>
-            </a:r>
-            <a:r>
-              <a:rPr lang="de-DE" dirty="0" smtClean="0"/>
-              <a:t> ist bekanntestes </a:t>
-            </a:r>
-            <a:r>
-              <a:rPr lang="de-DE" dirty="0" err="1" smtClean="0"/>
-              <a:t>Mocking</a:t>
-            </a:r>
-            <a:r>
-              <a:rPr lang="de-DE" dirty="0" smtClean="0"/>
-              <a:t>-Framework</a:t>
-            </a:r>
-            <a:r>
-              <a:rPr lang="de-DE" baseline="0" dirty="0" smtClean="0"/>
-              <a:t> für Java</a:t>
-            </a:r>
-          </a:p>
-          <a:p>
-            <a:pPr marL="171450" indent="-171450">
-              <a:buFont typeface="Arial" panose="020B0604020202020204" pitchFamily="34" charset="0"/>
-              <a:buChar char="•"/>
-            </a:pPr>
-            <a:r>
-              <a:rPr lang="de-DE" baseline="0" dirty="0" smtClean="0"/>
-              <a:t>Ermöglicht einfaches Imitieren von Klassen oder Interfaces</a:t>
-            </a:r>
-          </a:p>
-          <a:p>
-            <a:pPr marL="171450" indent="-171450">
-              <a:buFont typeface="Arial" panose="020B0604020202020204" pitchFamily="34" charset="0"/>
-              <a:buChar char="•"/>
-            </a:pPr>
-            <a:r>
-              <a:rPr lang="de-DE" baseline="0" dirty="0" smtClean="0"/>
-              <a:t>Verhalten durch Benutzer </a:t>
-            </a:r>
-            <a:r>
-              <a:rPr lang="de-DE" baseline="0" dirty="0" err="1" smtClean="0"/>
-              <a:t>spezifizeirt</a:t>
-            </a:r>
             <a:endParaRPr lang="de-DE" dirty="0"/>
           </a:p>
         </p:txBody>
@@ -2603,7 +2688,7 @@
           <a:p>
             <a:fld id="{C48A05A2-CDCD-443F-85B0-2D4D73D6D8B2}" type="slidenum">
               <a:rPr lang="de-DE" smtClean="0"/>
-              <a:t>23</a:t>
+              <a:t>21</a:t>
             </a:fld>
             <a:endParaRPr lang="de-DE"/>
           </a:p>
@@ -2612,7 +2697,7 @@
     </p:spTree>
     <p:extLst>
       <p:ext uri="{BB962C8B-B14F-4D97-AF65-F5344CB8AC3E}">
-        <p14:creationId xmlns:p14="http://schemas.microsoft.com/office/powerpoint/2010/main" val="3215337144"/>
+        <p14:creationId xmlns:p14="http://schemas.microsoft.com/office/powerpoint/2010/main" val="621218892"/>
       </p:ext>
     </p:extLst>
   </p:cSld>
@@ -2859,11 +2944,23 @@
             </a:pPr>
             <a:r>
               <a:rPr lang="de-DE" dirty="0" err="1" smtClean="0"/>
-              <a:t>Roboguice</a:t>
-            </a:r>
-            <a:r>
-              <a:rPr lang="de-DE" dirty="0" smtClean="0"/>
-              <a:t> für DI</a:t>
+              <a:t>Mockito</a:t>
+            </a:r>
+            <a:r>
+              <a:rPr lang="de-DE" dirty="0" smtClean="0"/>
+              <a:t> ist bekanntestes </a:t>
+            </a:r>
+            <a:r>
+              <a:rPr lang="de-DE" dirty="0" err="1" smtClean="0"/>
+              <a:t>Mocking</a:t>
+            </a:r>
+            <a:r>
+              <a:rPr lang="de-DE" dirty="0" smtClean="0"/>
+              <a:t>-Framework</a:t>
+            </a:r>
+            <a:r>
+              <a:rPr lang="de-DE" baseline="0" dirty="0" smtClean="0"/>
+              <a:t> für Java</a:t>
             </a:r>
           </a:p>
           <a:p>
@@ -2872,50 +2969,23 @@
               <a:buChar char="•"/>
             </a:pPr>
             <a:r>
-              <a:rPr lang="de-DE" dirty="0" smtClean="0"/>
-              <a:t>Abhängigkeiten können einfach durch Mocks ausgetauscht werden</a:t>
-            </a:r>
-            <a:r>
               <a:rPr lang="de-DE" baseline="0" dirty="0" smtClean="0"/>
-              <a:t> durch Überschreiben des </a:t>
-            </a:r>
-            <a:r>
-              <a:rPr lang="de-DE" baseline="0" dirty="0" err="1" smtClean="0"/>
-              <a:t>Injectors</a:t>
-            </a:r>
-            <a:r>
-              <a:rPr lang="de-DE" baseline="0" dirty="0" smtClean="0"/>
-              <a:t> von </a:t>
-            </a:r>
-            <a:r>
-              <a:rPr lang="de-DE" baseline="0" dirty="0" err="1" smtClean="0"/>
-              <a:t>RoboGuice</a:t>
-            </a:r>
-            <a:endParaRPr lang="de-DE" baseline="0" dirty="0" smtClean="0"/>
+              <a:t>Ermöglicht einfaches Imitieren von Klassen oder Interfaces</a:t>
+            </a:r>
           </a:p>
           <a:p>
             <a:pPr marL="171450" indent="-171450">
               <a:buFont typeface="Arial" panose="020B0604020202020204" pitchFamily="34" charset="0"/>
               <a:buChar char="•"/>
             </a:pPr>
-            <a:endParaRPr lang="de-DE" baseline="0" dirty="0" smtClean="0"/>
-          </a:p>
-          <a:p>
-            <a:pPr marL="171450" indent="-171450">
-              <a:buFont typeface="Arial" panose="020B0604020202020204" pitchFamily="34" charset="0"/>
-              <a:buChar char="•"/>
-            </a:pPr>
+            <a:r>
+              <a:rPr lang="de-DE" baseline="0" dirty="0" smtClean="0"/>
+              <a:t>Verhalten durch Benutzer </a:t>
+            </a:r>
             <a:r>
               <a:rPr lang="de-DE" baseline="0" dirty="0" err="1" smtClean="0"/>
-              <a:t>Bindings</a:t>
-            </a:r>
-            <a:r>
-              <a:rPr lang="de-DE" baseline="0" dirty="0" smtClean="0"/>
-              <a:t> sehr flexibel</a:t>
-            </a:r>
-            <a:endParaRPr lang="de-DE" dirty="0" smtClean="0"/>
-          </a:p>
-          <a:p>
+              <a:t>spezifizeirt</a:t>
+            </a:r>
             <a:endParaRPr lang="de-DE" dirty="0"/>
           </a:p>
         </p:txBody>
@@ -2937,7 +3007,7 @@
           <a:p>
             <a:fld id="{C48A05A2-CDCD-443F-85B0-2D4D73D6D8B2}" type="slidenum">
               <a:rPr lang="de-DE" smtClean="0"/>
-              <a:t>24</a:t>
+              <a:t>23</a:t>
             </a:fld>
             <a:endParaRPr lang="de-DE"/>
           </a:p>
@@ -2946,7 +3016,7 @@
     </p:spTree>
     <p:extLst>
       <p:ext uri="{BB962C8B-B14F-4D97-AF65-F5344CB8AC3E}">
-        <p14:creationId xmlns:p14="http://schemas.microsoft.com/office/powerpoint/2010/main" val="1980471141"/>
+        <p14:creationId xmlns:p14="http://schemas.microsoft.com/office/powerpoint/2010/main" val="3215337144"/>
       </p:ext>
     </p:extLst>
   </p:cSld>
@@ -3006,15 +3076,15 @@
             </a:pPr>
             <a:r>
               <a:rPr lang="de-DE" dirty="0" err="1" smtClean="0"/>
-              <a:t>Robolectric</a:t>
-            </a:r>
-            <a:r>
-              <a:rPr lang="de-DE" dirty="0" smtClean="0"/>
-              <a:t> kann nahezu alle Android-Abhängigkeiten</a:t>
-            </a:r>
-            <a:r>
-              <a:rPr lang="de-DE" baseline="0" dirty="0" smtClean="0"/>
-              <a:t> emulieren</a:t>
+              <a:t>Roboguice</a:t>
+            </a:r>
+            <a:r>
+              <a:rPr lang="de-DE" dirty="0" smtClean="0"/>
+              <a:t> für </a:t>
+            </a:r>
+            <a:r>
+              <a:rPr lang="de-DE" dirty="0" smtClean="0"/>
+              <a:t>DI</a:t>
             </a:r>
           </a:p>
           <a:p>
@@ -3023,36 +3093,49 @@
               <a:buChar char="•"/>
             </a:pPr>
             <a:r>
+              <a:rPr lang="de-DE" dirty="0" smtClean="0"/>
+              <a:t>Mocks direkt</a:t>
+            </a:r>
+            <a:r>
               <a:rPr lang="de-DE" baseline="0" dirty="0" smtClean="0"/>
-              <a:t>Schattenklassen ermöglichen tatsächliche Interaktion </a:t>
-            </a:r>
-            <a:r>
-              <a:rPr lang="de-DE" baseline="0" dirty="0" smtClean="0">
-                <a:sym typeface="Wingdings" panose="05000000000000000000" pitchFamily="2" charset="2"/>
-              </a:rPr>
-              <a:t> nicht bloß Mocks, </a:t>
-            </a:r>
-            <a:r>
-              <a:rPr lang="de-DE" baseline="0" dirty="0" err="1" smtClean="0">
-                <a:sym typeface="Wingdings" panose="05000000000000000000" pitchFamily="2" charset="2"/>
-              </a:rPr>
-              <a:t>sonder</a:t>
-            </a:r>
-            <a:r>
-              <a:rPr lang="de-DE" baseline="0" dirty="0" smtClean="0">
-                <a:sym typeface="Wingdings" panose="05000000000000000000" pitchFamily="2" charset="2"/>
-              </a:rPr>
-              <a:t> tatsächliche Funktionalität</a:t>
-            </a:r>
+              <a:t> in getestete Klasse </a:t>
+            </a:r>
+            <a:r>
+              <a:rPr lang="de-DE" baseline="0" dirty="0" err="1" smtClean="0"/>
+              <a:t>injeziert</a:t>
+            </a:r>
+            <a:r>
+              <a:rPr lang="de-DE" baseline="0" dirty="0" smtClean="0"/>
+              <a:t> </a:t>
+            </a:r>
+            <a:endParaRPr lang="de-DE" dirty="0" smtClean="0"/>
           </a:p>
           <a:p>
             <a:pPr marL="171450" indent="-171450">
               <a:buFont typeface="Arial" panose="020B0604020202020204" pitchFamily="34" charset="0"/>
               <a:buChar char="•"/>
             </a:pPr>
-            <a:endParaRPr lang="de-DE" baseline="0" dirty="0" smtClean="0">
-              <a:sym typeface="Wingdings" panose="05000000000000000000" pitchFamily="2" charset="2"/>
-            </a:endParaRPr>
+            <a:r>
+              <a:rPr lang="de-DE" dirty="0" smtClean="0"/>
+              <a:t>Abhängigkeiten können einfach durch Mocks ausgetauscht werden</a:t>
+            </a:r>
+            <a:r>
+              <a:rPr lang="de-DE" baseline="0" dirty="0" smtClean="0"/>
+              <a:t> durch Überschreiben des </a:t>
+            </a:r>
+            <a:r>
+              <a:rPr lang="de-DE" baseline="0" dirty="0" err="1" smtClean="0"/>
+              <a:t>Injectors</a:t>
+            </a:r>
+            <a:r>
+              <a:rPr lang="de-DE" baseline="0" dirty="0" smtClean="0"/>
+              <a:t> von </a:t>
+            </a:r>
+            <a:r>
+              <a:rPr lang="de-DE" baseline="0" dirty="0" err="1" smtClean="0"/>
+              <a:t>RoboGuice</a:t>
+            </a:r>
+            <a:endParaRPr lang="de-DE" baseline="0" dirty="0" smtClean="0"/>
           </a:p>
           <a:p>
             <a:pPr marL="171450" indent="-171450">
@@ -3060,47 +3143,21 @@
               <a:buChar char="•"/>
             </a:pPr>
             <a:r>
-              <a:rPr lang="de-DE" baseline="0" dirty="0" smtClean="0">
-                <a:sym typeface="Wingdings" panose="05000000000000000000" pitchFamily="2" charset="2"/>
-              </a:rPr>
-              <a:t>Arbeitet wesentliche schneller als vollständige Simulation einer Android-Umgebung</a:t>
-            </a:r>
-          </a:p>
-          <a:p>
-            <a:pPr marL="171450" indent="-171450">
-              <a:buFont typeface="Arial" panose="020B0604020202020204" pitchFamily="34" charset="0"/>
-              <a:buChar char="•"/>
-            </a:pPr>
-            <a:r>
-              <a:rPr lang="de-DE" baseline="0" dirty="0" smtClean="0">
-                <a:sym typeface="Wingdings" panose="05000000000000000000" pitchFamily="2" charset="2"/>
-              </a:rPr>
-              <a:t>Ausführung direkt auf </a:t>
-            </a:r>
-            <a:r>
-              <a:rPr lang="de-DE" baseline="0" dirty="0" err="1" smtClean="0">
-                <a:sym typeface="Wingdings" panose="05000000000000000000" pitchFamily="2" charset="2"/>
-              </a:rPr>
-              <a:t>Build</a:t>
-            </a:r>
-            <a:r>
-              <a:rPr lang="de-DE" baseline="0" dirty="0" smtClean="0">
-                <a:sym typeface="Wingdings" panose="05000000000000000000" pitchFamily="2" charset="2"/>
-              </a:rPr>
-              <a:t>-Server möglich für </a:t>
-            </a:r>
-            <a:r>
-              <a:rPr lang="de-DE" baseline="0" dirty="0" err="1" smtClean="0">
-                <a:sym typeface="Wingdings" panose="05000000000000000000" pitchFamily="2" charset="2"/>
-              </a:rPr>
-              <a:t>Continious</a:t>
-            </a:r>
-            <a:r>
-              <a:rPr lang="de-DE" baseline="0" dirty="0" smtClean="0">
-                <a:sym typeface="Wingdings" panose="05000000000000000000" pitchFamily="2" charset="2"/>
-              </a:rPr>
-              <a:t>-Integration  Automatisierte Tests</a:t>
-            </a:r>
+              <a:rPr lang="de-DE" baseline="0" dirty="0" err="1" smtClean="0"/>
+              <a:t>Bindings</a:t>
+            </a:r>
+            <a:r>
+              <a:rPr lang="de-DE" baseline="0" dirty="0" smtClean="0"/>
+              <a:t> sehr </a:t>
+            </a:r>
+            <a:r>
+              <a:rPr lang="de-DE" baseline="0" dirty="0" smtClean="0"/>
+              <a:t>flexibel: Objekte, Klassen oder Typdefinition können gebunden werden, auch Provider Notation möglich</a:t>
+            </a:r>
+            <a:endParaRPr lang="de-DE" dirty="0" smtClean="0"/>
+          </a:p>
+          <a:p>
+            <a:endParaRPr lang="de-DE" dirty="0"/>
           </a:p>
         </p:txBody>
       </p:sp>
@@ -3121,7 +3178,7 @@
           <a:p>
             <a:fld id="{C48A05A2-CDCD-443F-85B0-2D4D73D6D8B2}" type="slidenum">
               <a:rPr lang="de-DE" smtClean="0"/>
-              <a:t>25</a:t>
+              <a:t>24</a:t>
             </a:fld>
             <a:endParaRPr lang="de-DE"/>
           </a:p>
@@ -3130,7 +3187,7 @@
     </p:spTree>
     <p:extLst>
       <p:ext uri="{BB962C8B-B14F-4D97-AF65-F5344CB8AC3E}">
-        <p14:creationId xmlns:p14="http://schemas.microsoft.com/office/powerpoint/2010/main" val="1094514560"/>
+        <p14:creationId xmlns:p14="http://schemas.microsoft.com/office/powerpoint/2010/main" val="1980471141"/>
       </p:ext>
     </p:extLst>
   </p:cSld>
@@ -3184,7 +3241,137 @@
           <a:bodyPr/>
           <a:lstStyle/>
           <a:p>
-            <a:endParaRPr lang="de-DE" dirty="0"/>
+            <a:pPr marL="171450" indent="-171450">
+              <a:buFont typeface="Arial" panose="020B0604020202020204" pitchFamily="34" charset="0"/>
+              <a:buChar char="•"/>
+            </a:pPr>
+            <a:r>
+              <a:rPr lang="de-DE" dirty="0" err="1" smtClean="0"/>
+              <a:t>Robolectric</a:t>
+            </a:r>
+            <a:r>
+              <a:rPr lang="de-DE" dirty="0" smtClean="0"/>
+              <a:t> kann nahezu alle Android-Abhängigkeiten</a:t>
+            </a:r>
+            <a:r>
+              <a:rPr lang="de-DE" baseline="0" dirty="0" smtClean="0"/>
+              <a:t> </a:t>
+            </a:r>
+            <a:r>
+              <a:rPr lang="de-DE" baseline="0" dirty="0" smtClean="0"/>
+              <a:t>emulieren</a:t>
+            </a:r>
+          </a:p>
+          <a:p>
+            <a:pPr marL="171450" indent="-171450">
+              <a:buFont typeface="Arial" panose="020B0604020202020204" pitchFamily="34" charset="0"/>
+              <a:buChar char="•"/>
+            </a:pPr>
+            <a:r>
+              <a:rPr lang="de-DE" baseline="0" dirty="0" smtClean="0">
+                <a:sym typeface="Wingdings" panose="05000000000000000000" pitchFamily="2" charset="2"/>
+              </a:rPr>
+              <a:t> Android Abhängigkeiten im Test nutzbar</a:t>
+            </a:r>
+            <a:endParaRPr lang="de-DE" baseline="0" dirty="0" smtClean="0"/>
+          </a:p>
+          <a:p>
+            <a:pPr marL="171450" indent="-171450">
+              <a:buFont typeface="Arial" panose="020B0604020202020204" pitchFamily="34" charset="0"/>
+              <a:buChar char="•"/>
+            </a:pPr>
+            <a:r>
+              <a:rPr lang="de-DE" baseline="0" dirty="0" smtClean="0"/>
+              <a:t>Schattenklassen ermöglichen tatsächliche Interaktion </a:t>
+            </a:r>
+            <a:endParaRPr lang="de-DE" baseline="0" dirty="0" smtClean="0"/>
+          </a:p>
+          <a:p>
+            <a:pPr marL="171450" indent="-171450">
+              <a:buFont typeface="Arial" panose="020B0604020202020204" pitchFamily="34" charset="0"/>
+              <a:buChar char="•"/>
+            </a:pPr>
+            <a:r>
+              <a:rPr lang="de-DE" baseline="0" dirty="0" smtClean="0">
+                <a:sym typeface="Wingdings" panose="05000000000000000000" pitchFamily="2" charset="2"/>
+              </a:rPr>
+              <a:t> </a:t>
+            </a:r>
+            <a:r>
+              <a:rPr lang="de-DE" baseline="0" dirty="0" smtClean="0">
+                <a:sym typeface="Wingdings" panose="05000000000000000000" pitchFamily="2" charset="2"/>
+              </a:rPr>
+              <a:t>nicht bloß Mocks, </a:t>
+            </a:r>
+            <a:r>
+              <a:rPr lang="de-DE" baseline="0" dirty="0" smtClean="0">
+                <a:sym typeface="Wingdings" panose="05000000000000000000" pitchFamily="2" charset="2"/>
+              </a:rPr>
+              <a:t>sondern </a:t>
+            </a:r>
+            <a:r>
+              <a:rPr lang="de-DE" baseline="0" dirty="0" smtClean="0">
+                <a:sym typeface="Wingdings" panose="05000000000000000000" pitchFamily="2" charset="2"/>
+              </a:rPr>
+              <a:t>tatsächliche Funktionalität</a:t>
+            </a:r>
+          </a:p>
+          <a:p>
+            <a:pPr marL="171450" indent="-171450">
+              <a:buFont typeface="Arial" panose="020B0604020202020204" pitchFamily="34" charset="0"/>
+              <a:buChar char="•"/>
+            </a:pPr>
+            <a:endParaRPr lang="de-DE" baseline="0" dirty="0" smtClean="0">
+              <a:sym typeface="Wingdings" panose="05000000000000000000" pitchFamily="2" charset="2"/>
+            </a:endParaRPr>
+          </a:p>
+          <a:p>
+            <a:pPr marL="171450" indent="-171450">
+              <a:buFont typeface="Arial" panose="020B0604020202020204" pitchFamily="34" charset="0"/>
+              <a:buChar char="•"/>
+            </a:pPr>
+            <a:r>
+              <a:rPr lang="de-DE" baseline="0" dirty="0" smtClean="0">
+                <a:sym typeface="Wingdings" panose="05000000000000000000" pitchFamily="2" charset="2"/>
+              </a:rPr>
+              <a:t>Arbeitet wesentliche schneller als vollständige Simulation einer Android-Umgebung</a:t>
+            </a:r>
+          </a:p>
+          <a:p>
+            <a:pPr marL="171450" indent="-171450">
+              <a:buFont typeface="Arial" panose="020B0604020202020204" pitchFamily="34" charset="0"/>
+              <a:buChar char="•"/>
+            </a:pPr>
+            <a:r>
+              <a:rPr lang="de-DE" baseline="0" dirty="0" smtClean="0">
+                <a:sym typeface="Wingdings" panose="05000000000000000000" pitchFamily="2" charset="2"/>
+              </a:rPr>
+              <a:t>Ausführung direkt auf </a:t>
+            </a:r>
+            <a:r>
+              <a:rPr lang="de-DE" baseline="0" dirty="0" err="1" smtClean="0">
+                <a:sym typeface="Wingdings" panose="05000000000000000000" pitchFamily="2" charset="2"/>
+              </a:rPr>
+              <a:t>Build</a:t>
+            </a:r>
+            <a:r>
+              <a:rPr lang="de-DE" baseline="0" dirty="0" smtClean="0">
+                <a:sym typeface="Wingdings" panose="05000000000000000000" pitchFamily="2" charset="2"/>
+              </a:rPr>
+              <a:t>-Server möglich für </a:t>
+            </a:r>
+            <a:r>
+              <a:rPr lang="de-DE" baseline="0" dirty="0" err="1" smtClean="0">
+                <a:sym typeface="Wingdings" panose="05000000000000000000" pitchFamily="2" charset="2"/>
+              </a:rPr>
+              <a:t>Continious</a:t>
+            </a:r>
+            <a:r>
+              <a:rPr lang="de-DE" baseline="0" dirty="0" smtClean="0">
+                <a:sym typeface="Wingdings" panose="05000000000000000000" pitchFamily="2" charset="2"/>
+              </a:rPr>
+              <a:t>-Integration  Automatisierte Tests</a:t>
+            </a:r>
           </a:p>
         </p:txBody>
       </p:sp>
@@ -3205,7 +3392,7 @@
           <a:p>
             <a:fld id="{C48A05A2-CDCD-443F-85B0-2D4D73D6D8B2}" type="slidenum">
               <a:rPr lang="de-DE" smtClean="0"/>
-              <a:t>26</a:t>
+              <a:t>25</a:t>
             </a:fld>
             <a:endParaRPr lang="de-DE"/>
           </a:p>
@@ -3214,7 +3401,7 @@
     </p:spTree>
     <p:extLst>
       <p:ext uri="{BB962C8B-B14F-4D97-AF65-F5344CB8AC3E}">
-        <p14:creationId xmlns:p14="http://schemas.microsoft.com/office/powerpoint/2010/main" val="2849927597"/>
+        <p14:creationId xmlns:p14="http://schemas.microsoft.com/office/powerpoint/2010/main" val="1094514560"/>
       </p:ext>
     </p:extLst>
   </p:cSld>
@@ -3289,7 +3476,7 @@
           <a:p>
             <a:fld id="{C48A05A2-CDCD-443F-85B0-2D4D73D6D8B2}" type="slidenum">
               <a:rPr lang="de-DE" smtClean="0"/>
-              <a:t>27</a:t>
+              <a:t>26</a:t>
             </a:fld>
             <a:endParaRPr lang="de-DE"/>
           </a:p>
@@ -3298,7 +3485,7 @@
     </p:spTree>
     <p:extLst>
       <p:ext uri="{BB962C8B-B14F-4D97-AF65-F5344CB8AC3E}">
-        <p14:creationId xmlns:p14="http://schemas.microsoft.com/office/powerpoint/2010/main" val="2819071667"/>
+        <p14:creationId xmlns:p14="http://schemas.microsoft.com/office/powerpoint/2010/main" val="2849927597"/>
       </p:ext>
     </p:extLst>
   </p:cSld>
@@ -3349,6 +3536,90 @@
         </p:nvSpPr>
         <p:spPr/>
         <p:txBody>
+          <a:bodyPr/>
+          <a:lstStyle/>
+          <a:p>
+            <a:endParaRPr lang="de-DE" dirty="0"/>
+          </a:p>
+        </p:txBody>
+      </p:sp>
+      <p:sp>
+        <p:nvSpPr>
+          <p:cNvPr id="4" name="Foliennummernplatzhalter 3"/>
+          <p:cNvSpPr>
+            <a:spLocks noGrp="1"/>
+          </p:cNvSpPr>
+          <p:nvPr>
+            <p:ph type="sldNum" sz="quarter" idx="10"/>
+          </p:nvPr>
+        </p:nvSpPr>
+        <p:spPr/>
+        <p:txBody>
+          <a:bodyPr/>
+          <a:lstStyle/>
+          <a:p>
+            <a:fld id="{C48A05A2-CDCD-443F-85B0-2D4D73D6D8B2}" type="slidenum">
+              <a:rPr lang="de-DE" smtClean="0"/>
+              <a:t>27</a:t>
+            </a:fld>
+            <a:endParaRPr lang="de-DE"/>
+          </a:p>
+        </p:txBody>
+      </p:sp>
+    </p:spTree>
+    <p:extLst>
+      <p:ext uri="{BB962C8B-B14F-4D97-AF65-F5344CB8AC3E}">
+        <p14:creationId xmlns:p14="http://schemas.microsoft.com/office/powerpoint/2010/main" val="2819071667"/>
+      </p:ext>
+    </p:extLst>
+  </p:cSld>
+  <p:clrMapOvr>
+    <a:masterClrMapping/>
+  </p:clrMapOvr>
+</p:notes>
+</file>
+
+<file path=ppt/notesSlides/notesSlide25.xml><?xml version="1.0" encoding="utf-8"?>
+<p:notes xmlns:a="http://schemas.openxmlformats.org/drawingml/2006/main" xmlns:r="http://schemas.openxmlformats.org/officeDocument/2006/relationships" xmlns:p="http://schemas.openxmlformats.org/presentationml/2006/main">
+  <p:cSld>
+    <p:spTree>
+      <p:nvGrpSpPr>
+        <p:cNvPr id="1" name=""/>
+        <p:cNvGrpSpPr/>
+        <p:nvPr/>
+      </p:nvGrpSpPr>
+      <p:grpSpPr>
+        <a:xfrm>
+          <a:off x="0" y="0"/>
+          <a:ext cx="0" cy="0"/>
+          <a:chOff x="0" y="0"/>
+          <a:chExt cx="0" cy="0"/>
+        </a:xfrm>
+      </p:grpSpPr>
+      <p:sp>
+        <p:nvSpPr>
+          <p:cNvPr id="2" name="Folienbildplatzhalter 1"/>
+          <p:cNvSpPr>
+            <a:spLocks noGrp="1" noRot="1" noChangeAspect="1"/>
+          </p:cNvSpPr>
+          <p:nvPr>
+            <p:ph type="sldImg"/>
+          </p:nvPr>
+        </p:nvSpPr>
+        <p:spPr/>
+      </p:sp>
+      <p:sp>
+        <p:nvSpPr>
+          <p:cNvPr id="3" name="Notizenplatzhalter 2"/>
+          <p:cNvSpPr>
+            <a:spLocks noGrp="1"/>
+          </p:cNvSpPr>
+          <p:nvPr>
+            <p:ph type="body" idx="1"/>
+          </p:nvPr>
+        </p:nvSpPr>
+        <p:spPr/>
+        <p:txBody>
           <a:bodyPr>
             <a:normAutofit/>
           </a:bodyPr>
@@ -4079,7 +4350,7 @@
         <p:spPr/>
         <p:txBody>
           <a:bodyPr>
-            <a:normAutofit fontScale="92500" lnSpcReduction="10000"/>
+            <a:normAutofit/>
           </a:bodyPr>
           <a:lstStyle/>
           <a:p>
@@ -4828,7 +5099,7 @@
             <a:fld id="{34E84877-5350-4836-9D5A-45258BA98B9F}" type="datetimeFigureOut">
               <a:rPr lang="de-DE" smtClean="0"/>
               <a:pPr/>
-              <a:t>14.06.2016</a:t>
+              <a:t>15.06.2016</a:t>
             </a:fld>
             <a:endParaRPr lang="de-DE"/>
           </a:p>
@@ -4995,7 +5266,7 @@
             <a:fld id="{34E84877-5350-4836-9D5A-45258BA98B9F}" type="datetimeFigureOut">
               <a:rPr lang="de-DE" smtClean="0"/>
               <a:pPr/>
-              <a:t>14.06.2016</a:t>
+              <a:t>15.06.2016</a:t>
             </a:fld>
             <a:endParaRPr lang="de-DE"/>
           </a:p>
@@ -5172,7 +5443,7 @@
             <a:fld id="{34E84877-5350-4836-9D5A-45258BA98B9F}" type="datetimeFigureOut">
               <a:rPr lang="de-DE" smtClean="0"/>
               <a:pPr/>
-              <a:t>14.06.2016</a:t>
+              <a:t>15.06.2016</a:t>
             </a:fld>
             <a:endParaRPr lang="de-DE"/>
           </a:p>
@@ -5339,7 +5610,7 @@
             <a:fld id="{34E84877-5350-4836-9D5A-45258BA98B9F}" type="datetimeFigureOut">
               <a:rPr lang="de-DE" smtClean="0"/>
               <a:pPr/>
-              <a:t>14.06.2016</a:t>
+              <a:t>15.06.2016</a:t>
             </a:fld>
             <a:endParaRPr lang="de-DE"/>
           </a:p>
@@ -5643,7 +5914,7 @@
             <a:fld id="{34E84877-5350-4836-9D5A-45258BA98B9F}" type="datetimeFigureOut">
               <a:rPr lang="de-DE" smtClean="0"/>
               <a:pPr/>
-              <a:t>14.06.2016</a:t>
+              <a:t>15.06.2016</a:t>
             </a:fld>
             <a:endParaRPr lang="de-DE"/>
           </a:p>
@@ -5928,7 +6199,7 @@
             <a:fld id="{34E84877-5350-4836-9D5A-45258BA98B9F}" type="datetimeFigureOut">
               <a:rPr lang="de-DE" smtClean="0"/>
               <a:pPr/>
-              <a:t>14.06.2016</a:t>
+              <a:t>15.06.2016</a:t>
             </a:fld>
             <a:endParaRPr lang="de-DE"/>
           </a:p>
@@ -6347,7 +6618,7 @@
             <a:fld id="{34E84877-5350-4836-9D5A-45258BA98B9F}" type="datetimeFigureOut">
               <a:rPr lang="de-DE" smtClean="0"/>
               <a:pPr/>
-              <a:t>14.06.2016</a:t>
+              <a:t>15.06.2016</a:t>
             </a:fld>
             <a:endParaRPr lang="de-DE"/>
           </a:p>
@@ -6462,7 +6733,7 @@
             <a:fld id="{34E84877-5350-4836-9D5A-45258BA98B9F}" type="datetimeFigureOut">
               <a:rPr lang="de-DE" smtClean="0"/>
               <a:pPr/>
-              <a:t>14.06.2016</a:t>
+              <a:t>15.06.2016</a:t>
             </a:fld>
             <a:endParaRPr lang="de-DE"/>
           </a:p>
@@ -6554,7 +6825,7 @@
             <a:fld id="{34E84877-5350-4836-9D5A-45258BA98B9F}" type="datetimeFigureOut">
               <a:rPr lang="de-DE" smtClean="0"/>
               <a:pPr/>
-              <a:t>14.06.2016</a:t>
+              <a:t>15.06.2016</a:t>
             </a:fld>
             <a:endParaRPr lang="de-DE"/>
           </a:p>
@@ -6828,7 +7099,7 @@
             <a:fld id="{34E84877-5350-4836-9D5A-45258BA98B9F}" type="datetimeFigureOut">
               <a:rPr lang="de-DE" smtClean="0"/>
               <a:pPr/>
-              <a:t>14.06.2016</a:t>
+              <a:t>15.06.2016</a:t>
             </a:fld>
             <a:endParaRPr lang="de-DE"/>
           </a:p>
@@ -7078,7 +7349,7 @@
             <a:fld id="{34E84877-5350-4836-9D5A-45258BA98B9F}" type="datetimeFigureOut">
               <a:rPr lang="de-DE" smtClean="0"/>
               <a:pPr/>
-              <a:t>14.06.2016</a:t>
+              <a:t>15.06.2016</a:t>
             </a:fld>
             <a:endParaRPr lang="de-DE"/>
           </a:p>
@@ -7288,7 +7559,7 @@
             <a:fld id="{34E84877-5350-4836-9D5A-45258BA98B9F}" type="datetimeFigureOut">
               <a:rPr lang="de-DE" smtClean="0"/>
               <a:pPr/>
-              <a:t>14.06.2016</a:t>
+              <a:t>15.06.2016</a:t>
             </a:fld>
             <a:endParaRPr lang="de-DE"/>
           </a:p>
@@ -10556,11 +10827,7 @@
           <a:p>
             <a:r>
               <a:rPr lang="de-DE" dirty="0" smtClean="0"/>
-              <a:t>Design </a:t>
-            </a:r>
-            <a:r>
-              <a:rPr lang="de-DE" dirty="0" smtClean="0"/>
-              <a:t>App</a:t>
+              <a:t>Design App</a:t>
             </a:r>
           </a:p>
           <a:p>
@@ -10915,7 +11182,7 @@
         <p:spPr/>
         <p:txBody>
           <a:bodyPr>
-            <a:normAutofit fontScale="92500" lnSpcReduction="20000"/>
+            <a:normAutofit fontScale="85000" lnSpcReduction="20000"/>
           </a:bodyPr>
           <a:lstStyle/>
           <a:p>
@@ -10950,6 +11217,13 @@
             <a:r>
               <a:rPr lang="de-DE" dirty="0" err="1" smtClean="0"/>
               <a:t>AssertJ</a:t>
+            </a:r>
+            <a:endParaRPr lang="de-DE" dirty="0" smtClean="0"/>
+          </a:p>
+          <a:p>
+            <a:r>
+              <a:rPr lang="de-DE" dirty="0" err="1" smtClean="0"/>
+              <a:t>Retrofit</a:t>
             </a:r>
             <a:endParaRPr lang="de-DE" dirty="0" smtClean="0"/>
           </a:p>
@@ -11083,7 +11357,7 @@
         <p:spPr/>
         <p:txBody>
           <a:bodyPr>
-            <a:normAutofit fontScale="92500" lnSpcReduction="20000"/>
+            <a:normAutofit fontScale="85000" lnSpcReduction="20000"/>
           </a:bodyPr>
           <a:lstStyle/>
           <a:p>
@@ -11120,6 +11394,25 @@
               <a:t>AssertJ</a:t>
             </a:r>
             <a:endParaRPr lang="de-DE" dirty="0" smtClean="0"/>
+          </a:p>
+          <a:p>
+            <a:r>
+              <a:rPr lang="de-DE" dirty="0" err="1">
+                <a:solidFill>
+                  <a:schemeClr val="bg1">
+                    <a:lumMod val="65000"/>
+                  </a:schemeClr>
+                </a:solidFill>
+              </a:rPr>
+              <a:t>Retrofit</a:t>
+            </a:r>
+            <a:endParaRPr lang="de-DE" dirty="0">
+              <a:solidFill>
+                <a:schemeClr val="bg1">
+                  <a:lumMod val="65000"/>
+                </a:schemeClr>
+              </a:solidFill>
+            </a:endParaRPr>
           </a:p>
           <a:p>
             <a:r>
@@ -13615,11 +13908,19 @@
             </a:pPr>
             <a:r>
               <a:rPr lang="de-DE" sz="1800" dirty="0" smtClean="0"/>
-              <a:t>Bietet Android-</a:t>
+              <a:t>Bietet </a:t>
+            </a:r>
+            <a:r>
+              <a:rPr lang="de-DE" sz="1800" dirty="0" smtClean="0"/>
+              <a:t>Android-</a:t>
             </a:r>
             <a:r>
               <a:rPr lang="de-DE" sz="1800" dirty="0" err="1" smtClean="0"/>
               <a:t>Abhängkeiten</a:t>
+            </a:r>
+            <a:r>
+              <a:rPr lang="de-DE" sz="1800" dirty="0" smtClean="0"/>
+              <a:t> im Test</a:t>
             </a:r>
             <a:endParaRPr lang="de-DE" sz="1800" dirty="0" smtClean="0"/>
           </a:p>
@@ -13633,7 +13934,6 @@
               <a:rPr lang="de-DE" sz="1800" dirty="0" smtClean="0"/>
               <a:t>Tests mit Android-API ohne Gerät</a:t>
             </a:r>
-            <a:endParaRPr lang="de-DE" sz="1800" dirty="0" smtClean="0"/>
           </a:p>
           <a:p>
             <a:pPr>
@@ -13643,7 +13943,11 @@
             </a:pPr>
             <a:r>
               <a:rPr lang="de-DE" sz="1800" dirty="0" smtClean="0"/>
-              <a:t>Schadow-Klassen emulieren Android</a:t>
+              <a:t>Shadow-Klassen </a:t>
+            </a:r>
+            <a:r>
+              <a:rPr lang="de-DE" sz="1800" dirty="0" smtClean="0"/>
+              <a:t>emulieren Android</a:t>
             </a:r>
           </a:p>
           <a:p>

--- a/docs/mobile_meshviewer_praezi.pptx
+++ b/docs/mobile_meshviewer_praezi.pptx
@@ -5,7 +5,7 @@
     <p:sldMasterId id="2147483720" r:id="rId1"/>
   </p:sldMasterIdLst>
   <p:notesMasterIdLst>
-    <p:notesMasterId r:id="rId33"/>
+    <p:notesMasterId r:id="rId32"/>
   </p:notesMasterIdLst>
   <p:sldIdLst>
     <p:sldId id="256" r:id="rId2"/>
@@ -38,7 +38,6 @@
     <p:sldId id="262" r:id="rId29"/>
     <p:sldId id="263" r:id="rId30"/>
     <p:sldId id="276" r:id="rId31"/>
-    <p:sldId id="272" r:id="rId32"/>
   </p:sldIdLst>
   <p:sldSz cx="9144000" cy="5143500" type="screen16x9"/>
   <p:notesSz cx="6858000" cy="9144000"/>
@@ -139,7 +138,7 @@
   </p:defaultTextStyle>
   <p:extLst>
     <p:ext uri="{EFAFB233-063F-42B5-8137-9DF3F51BA10A}">
-      <p15:sldGuideLst xmlns:p15="http://schemas.microsoft.com/office/powerpoint/2012/main">
+      <p15:sldGuideLst xmlns:p15="http://schemas.microsoft.com/office/powerpoint/2012/main" xmlns="">
         <p15:guide id="1" orient="horz" pos="1620">
           <p15:clr>
             <a:srgbClr val="A4A3A4"/>
@@ -238,7 +237,8 @@
           <a:p>
             <a:fld id="{F2CBB45D-6C29-4B63-A1E1-05AE76F6CCEE}" type="datetimeFigureOut">
               <a:rPr lang="de-DE" smtClean="0"/>
-              <a:t>14.06.2016</a:t>
+              <a:pPr/>
+              <a:t>15.06.2016</a:t>
             </a:fld>
             <a:endParaRPr lang="de-DE"/>
           </a:p>
@@ -399,6 +399,7 @@
           <a:p>
             <a:fld id="{C48A05A2-CDCD-443F-85B0-2D4D73D6D8B2}" type="slidenum">
               <a:rPr lang="de-DE" smtClean="0"/>
+              <a:pPr/>
               <a:t>‹Nr.›</a:t>
             </a:fld>
             <a:endParaRPr lang="de-DE"/>
@@ -568,6 +569,7 @@
           <a:p>
             <a:fld id="{C48A05A2-CDCD-443F-85B0-2D4D73D6D8B2}" type="slidenum">
               <a:rPr lang="de-DE" smtClean="0"/>
+              <a:pPr/>
               <a:t>2</a:t>
             </a:fld>
             <a:endParaRPr lang="de-DE"/>
@@ -577,7 +579,7 @@
     </p:spTree>
     <p:extLst>
       <p:ext uri="{BB962C8B-B14F-4D97-AF65-F5344CB8AC3E}">
-        <p14:creationId xmlns:p14="http://schemas.microsoft.com/office/powerpoint/2010/main" val="1131456817"/>
+        <p14:creationId xmlns:p14="http://schemas.microsoft.com/office/powerpoint/2010/main" xmlns="" val="1131456817"/>
       </p:ext>
     </p:extLst>
   </p:cSld>
@@ -706,6 +708,7 @@
           <a:p>
             <a:fld id="{C48A05A2-CDCD-443F-85B0-2D4D73D6D8B2}" type="slidenum">
               <a:rPr lang="de-DE" smtClean="0"/>
+              <a:pPr/>
               <a:t>12</a:t>
             </a:fld>
             <a:endParaRPr lang="de-DE"/>
@@ -715,7 +718,7 @@
     </p:spTree>
     <p:extLst>
       <p:ext uri="{BB962C8B-B14F-4D97-AF65-F5344CB8AC3E}">
-        <p14:creationId xmlns:p14="http://schemas.microsoft.com/office/powerpoint/2010/main" val="2146320146"/>
+        <p14:creationId xmlns:p14="http://schemas.microsoft.com/office/powerpoint/2010/main" xmlns="" val="2146320146"/>
       </p:ext>
     </p:extLst>
   </p:cSld>
@@ -901,6 +904,7 @@
           <a:p>
             <a:fld id="{C48A05A2-CDCD-443F-85B0-2D4D73D6D8B2}" type="slidenum">
               <a:rPr lang="de-DE" smtClean="0"/>
+              <a:pPr/>
               <a:t>13</a:t>
             </a:fld>
             <a:endParaRPr lang="de-DE"/>
@@ -910,7 +914,7 @@
     </p:spTree>
     <p:extLst>
       <p:ext uri="{BB962C8B-B14F-4D97-AF65-F5344CB8AC3E}">
-        <p14:creationId xmlns:p14="http://schemas.microsoft.com/office/powerpoint/2010/main" val="1303368238"/>
+        <p14:creationId xmlns:p14="http://schemas.microsoft.com/office/powerpoint/2010/main" xmlns="" val="1303368238"/>
       </p:ext>
     </p:extLst>
   </p:cSld>
@@ -1081,6 +1085,7 @@
           <a:p>
             <a:fld id="{C48A05A2-CDCD-443F-85B0-2D4D73D6D8B2}" type="slidenum">
               <a:rPr lang="de-DE" smtClean="0"/>
+              <a:pPr/>
               <a:t>14</a:t>
             </a:fld>
             <a:endParaRPr lang="de-DE"/>
@@ -1090,7 +1095,7 @@
     </p:spTree>
     <p:extLst>
       <p:ext uri="{BB962C8B-B14F-4D97-AF65-F5344CB8AC3E}">
-        <p14:creationId xmlns:p14="http://schemas.microsoft.com/office/powerpoint/2010/main" val="2695209887"/>
+        <p14:creationId xmlns:p14="http://schemas.microsoft.com/office/powerpoint/2010/main" xmlns="" val="2695209887"/>
       </p:ext>
     </p:extLst>
   </p:cSld>
@@ -1212,6 +1217,7 @@
           <a:p>
             <a:fld id="{C48A05A2-CDCD-443F-85B0-2D4D73D6D8B2}" type="slidenum">
               <a:rPr lang="de-DE" smtClean="0"/>
+              <a:pPr/>
               <a:t>15</a:t>
             </a:fld>
             <a:endParaRPr lang="de-DE"/>
@@ -1420,6 +1426,7 @@
           <a:p>
             <a:fld id="{C48A05A2-CDCD-443F-85B0-2D4D73D6D8B2}" type="slidenum">
               <a:rPr lang="de-DE" smtClean="0"/>
+              <a:pPr/>
               <a:t>16</a:t>
             </a:fld>
             <a:endParaRPr lang="de-DE"/>
@@ -1682,6 +1689,7 @@
           <a:p>
             <a:fld id="{C48A05A2-CDCD-443F-85B0-2D4D73D6D8B2}" type="slidenum">
               <a:rPr lang="de-DE" smtClean="0"/>
+              <a:pPr/>
               <a:t>17</a:t>
             </a:fld>
             <a:endParaRPr lang="de-DE"/>
@@ -1892,6 +1900,7 @@
           <a:p>
             <a:fld id="{C48A05A2-CDCD-443F-85B0-2D4D73D6D8B2}" type="slidenum">
               <a:rPr lang="de-DE" smtClean="0"/>
+              <a:pPr/>
               <a:t>18</a:t>
             </a:fld>
             <a:endParaRPr lang="de-DE"/>
@@ -2212,6 +2221,7 @@
           <a:p>
             <a:fld id="{C48A05A2-CDCD-443F-85B0-2D4D73D6D8B2}" type="slidenum">
               <a:rPr lang="de-DE" smtClean="0"/>
+              <a:pPr/>
               <a:t>19</a:t>
             </a:fld>
             <a:endParaRPr lang="de-DE"/>
@@ -2476,6 +2486,7 @@
           <a:p>
             <a:fld id="{C48A05A2-CDCD-443F-85B0-2D4D73D6D8B2}" type="slidenum">
               <a:rPr lang="de-DE" smtClean="0"/>
+              <a:pPr/>
               <a:t>20</a:t>
             </a:fld>
             <a:endParaRPr lang="de-DE"/>
@@ -2603,6 +2614,7 @@
           <a:p>
             <a:fld id="{C48A05A2-CDCD-443F-85B0-2D4D73D6D8B2}" type="slidenum">
               <a:rPr lang="de-DE" smtClean="0"/>
+              <a:pPr/>
               <a:t>23</a:t>
             </a:fld>
             <a:endParaRPr lang="de-DE"/>
@@ -2612,7 +2624,7 @@
     </p:spTree>
     <p:extLst>
       <p:ext uri="{BB962C8B-B14F-4D97-AF65-F5344CB8AC3E}">
-        <p14:creationId xmlns:p14="http://schemas.microsoft.com/office/powerpoint/2010/main" val="3215337144"/>
+        <p14:creationId xmlns:p14="http://schemas.microsoft.com/office/powerpoint/2010/main" xmlns="" val="3215337144"/>
       </p:ext>
     </p:extLst>
   </p:cSld>
@@ -2795,6 +2807,7 @@
           <a:p>
             <a:fld id="{C48A05A2-CDCD-443F-85B0-2D4D73D6D8B2}" type="slidenum">
               <a:rPr lang="de-DE" smtClean="0"/>
+              <a:pPr/>
               <a:t>4</a:t>
             </a:fld>
             <a:endParaRPr lang="de-DE"/>
@@ -2937,6 +2950,7 @@
           <a:p>
             <a:fld id="{C48A05A2-CDCD-443F-85B0-2D4D73D6D8B2}" type="slidenum">
               <a:rPr lang="de-DE" smtClean="0"/>
+              <a:pPr/>
               <a:t>24</a:t>
             </a:fld>
             <a:endParaRPr lang="de-DE"/>
@@ -2946,7 +2960,7 @@
     </p:spTree>
     <p:extLst>
       <p:ext uri="{BB962C8B-B14F-4D97-AF65-F5344CB8AC3E}">
-        <p14:creationId xmlns:p14="http://schemas.microsoft.com/office/powerpoint/2010/main" val="1980471141"/>
+        <p14:creationId xmlns:p14="http://schemas.microsoft.com/office/powerpoint/2010/main" xmlns="" val="1980471141"/>
       </p:ext>
     </p:extLst>
   </p:cSld>
@@ -3121,6 +3135,7 @@
           <a:p>
             <a:fld id="{C48A05A2-CDCD-443F-85B0-2D4D73D6D8B2}" type="slidenum">
               <a:rPr lang="de-DE" smtClean="0"/>
+              <a:pPr/>
               <a:t>25</a:t>
             </a:fld>
             <a:endParaRPr lang="de-DE"/>
@@ -3130,7 +3145,7 @@
     </p:spTree>
     <p:extLst>
       <p:ext uri="{BB962C8B-B14F-4D97-AF65-F5344CB8AC3E}">
-        <p14:creationId xmlns:p14="http://schemas.microsoft.com/office/powerpoint/2010/main" val="1094514560"/>
+        <p14:creationId xmlns:p14="http://schemas.microsoft.com/office/powerpoint/2010/main" xmlns="" val="1094514560"/>
       </p:ext>
     </p:extLst>
   </p:cSld>
@@ -3205,6 +3220,7 @@
           <a:p>
             <a:fld id="{C48A05A2-CDCD-443F-85B0-2D4D73D6D8B2}" type="slidenum">
               <a:rPr lang="de-DE" smtClean="0"/>
+              <a:pPr/>
               <a:t>26</a:t>
             </a:fld>
             <a:endParaRPr lang="de-DE"/>
@@ -3214,7 +3230,7 @@
     </p:spTree>
     <p:extLst>
       <p:ext uri="{BB962C8B-B14F-4D97-AF65-F5344CB8AC3E}">
-        <p14:creationId xmlns:p14="http://schemas.microsoft.com/office/powerpoint/2010/main" val="2849927597"/>
+        <p14:creationId xmlns:p14="http://schemas.microsoft.com/office/powerpoint/2010/main" xmlns="" val="2849927597"/>
       </p:ext>
     </p:extLst>
   </p:cSld>
@@ -3289,6 +3305,7 @@
           <a:p>
             <a:fld id="{C48A05A2-CDCD-443F-85B0-2D4D73D6D8B2}" type="slidenum">
               <a:rPr lang="de-DE" smtClean="0"/>
+              <a:pPr/>
               <a:t>27</a:t>
             </a:fld>
             <a:endParaRPr lang="de-DE"/>
@@ -3298,7 +3315,7 @@
     </p:spTree>
     <p:extLst>
       <p:ext uri="{BB962C8B-B14F-4D97-AF65-F5344CB8AC3E}">
-        <p14:creationId xmlns:p14="http://schemas.microsoft.com/office/powerpoint/2010/main" val="2819071667"/>
+        <p14:creationId xmlns:p14="http://schemas.microsoft.com/office/powerpoint/2010/main" xmlns="" val="2819071667"/>
       </p:ext>
     </p:extLst>
   </p:cSld>
@@ -3375,6 +3392,7 @@
           <a:p>
             <a:fld id="{C48A05A2-CDCD-443F-85B0-2D4D73D6D8B2}" type="slidenum">
               <a:rPr lang="de-DE" smtClean="0"/>
+              <a:pPr/>
               <a:t>30</a:t>
             </a:fld>
             <a:endParaRPr lang="de-DE"/>
@@ -3516,6 +3534,7 @@
           <a:p>
             <a:fld id="{C48A05A2-CDCD-443F-85B0-2D4D73D6D8B2}" type="slidenum">
               <a:rPr lang="de-DE" smtClean="0"/>
+              <a:pPr/>
               <a:t>5</a:t>
             </a:fld>
             <a:endParaRPr lang="de-DE"/>
@@ -3692,6 +3711,7 @@
           <a:p>
             <a:fld id="{C48A05A2-CDCD-443F-85B0-2D4D73D6D8B2}" type="slidenum">
               <a:rPr lang="de-DE" smtClean="0"/>
+              <a:pPr/>
               <a:t>6</a:t>
             </a:fld>
             <a:endParaRPr lang="de-DE"/>
@@ -3886,6 +3906,7 @@
           <a:p>
             <a:fld id="{C48A05A2-CDCD-443F-85B0-2D4D73D6D8B2}" type="slidenum">
               <a:rPr lang="de-DE" smtClean="0"/>
+              <a:pPr/>
               <a:t>7</a:t>
             </a:fld>
             <a:endParaRPr lang="de-DE"/>
@@ -4023,6 +4044,7 @@
           <a:p>
             <a:fld id="{C48A05A2-CDCD-443F-85B0-2D4D73D6D8B2}" type="slidenum">
               <a:rPr lang="de-DE" smtClean="0"/>
+              <a:pPr/>
               <a:t>8</a:t>
             </a:fld>
             <a:endParaRPr lang="de-DE"/>
@@ -4224,6 +4246,7 @@
           <a:p>
             <a:fld id="{C48A05A2-CDCD-443F-85B0-2D4D73D6D8B2}" type="slidenum">
               <a:rPr lang="de-DE" smtClean="0"/>
+              <a:pPr/>
               <a:t>9</a:t>
             </a:fld>
             <a:endParaRPr lang="de-DE"/>
@@ -4233,7 +4256,7 @@
     </p:spTree>
     <p:extLst>
       <p:ext uri="{BB962C8B-B14F-4D97-AF65-F5344CB8AC3E}">
-        <p14:creationId xmlns:p14="http://schemas.microsoft.com/office/powerpoint/2010/main" val="2238965318"/>
+        <p14:creationId xmlns:p14="http://schemas.microsoft.com/office/powerpoint/2010/main" xmlns="" val="2238965318"/>
       </p:ext>
     </p:extLst>
   </p:cSld>
@@ -4453,6 +4476,7 @@
           <a:p>
             <a:fld id="{C48A05A2-CDCD-443F-85B0-2D4D73D6D8B2}" type="slidenum">
               <a:rPr lang="de-DE" smtClean="0"/>
+              <a:pPr/>
               <a:t>10</a:t>
             </a:fld>
             <a:endParaRPr lang="de-DE"/>
@@ -4462,7 +4486,7 @@
     </p:spTree>
     <p:extLst>
       <p:ext uri="{BB962C8B-B14F-4D97-AF65-F5344CB8AC3E}">
-        <p14:creationId xmlns:p14="http://schemas.microsoft.com/office/powerpoint/2010/main" val="3759764960"/>
+        <p14:creationId xmlns:p14="http://schemas.microsoft.com/office/powerpoint/2010/main" xmlns="" val="3759764960"/>
       </p:ext>
     </p:extLst>
   </p:cSld>
@@ -4627,6 +4651,7 @@
           <a:p>
             <a:fld id="{C48A05A2-CDCD-443F-85B0-2D4D73D6D8B2}" type="slidenum">
               <a:rPr lang="de-DE" smtClean="0"/>
+              <a:pPr/>
               <a:t>11</a:t>
             </a:fld>
             <a:endParaRPr lang="de-DE"/>
@@ -4636,7 +4661,7 @@
     </p:spTree>
     <p:extLst>
       <p:ext uri="{BB962C8B-B14F-4D97-AF65-F5344CB8AC3E}">
-        <p14:creationId xmlns:p14="http://schemas.microsoft.com/office/powerpoint/2010/main" val="1708734074"/>
+        <p14:creationId xmlns:p14="http://schemas.microsoft.com/office/powerpoint/2010/main" xmlns="" val="1708734074"/>
       </p:ext>
     </p:extLst>
   </p:cSld>
@@ -4828,7 +4853,7 @@
             <a:fld id="{34E84877-5350-4836-9D5A-45258BA98B9F}" type="datetimeFigureOut">
               <a:rPr lang="de-DE" smtClean="0"/>
               <a:pPr/>
-              <a:t>14.06.2016</a:t>
+              <a:t>15.06.2016</a:t>
             </a:fld>
             <a:endParaRPr lang="de-DE"/>
           </a:p>
@@ -4995,7 +5020,7 @@
             <a:fld id="{34E84877-5350-4836-9D5A-45258BA98B9F}" type="datetimeFigureOut">
               <a:rPr lang="de-DE" smtClean="0"/>
               <a:pPr/>
-              <a:t>14.06.2016</a:t>
+              <a:t>15.06.2016</a:t>
             </a:fld>
             <a:endParaRPr lang="de-DE"/>
           </a:p>
@@ -5172,7 +5197,7 @@
             <a:fld id="{34E84877-5350-4836-9D5A-45258BA98B9F}" type="datetimeFigureOut">
               <a:rPr lang="de-DE" smtClean="0"/>
               <a:pPr/>
-              <a:t>14.06.2016</a:t>
+              <a:t>15.06.2016</a:t>
             </a:fld>
             <a:endParaRPr lang="de-DE"/>
           </a:p>
@@ -5339,7 +5364,7 @@
             <a:fld id="{34E84877-5350-4836-9D5A-45258BA98B9F}" type="datetimeFigureOut">
               <a:rPr lang="de-DE" smtClean="0"/>
               <a:pPr/>
-              <a:t>14.06.2016</a:t>
+              <a:t>15.06.2016</a:t>
             </a:fld>
             <a:endParaRPr lang="de-DE"/>
           </a:p>
@@ -5643,7 +5668,7 @@
             <a:fld id="{34E84877-5350-4836-9D5A-45258BA98B9F}" type="datetimeFigureOut">
               <a:rPr lang="de-DE" smtClean="0"/>
               <a:pPr/>
-              <a:t>14.06.2016</a:t>
+              <a:t>15.06.2016</a:t>
             </a:fld>
             <a:endParaRPr lang="de-DE"/>
           </a:p>
@@ -5928,7 +5953,7 @@
             <a:fld id="{34E84877-5350-4836-9D5A-45258BA98B9F}" type="datetimeFigureOut">
               <a:rPr lang="de-DE" smtClean="0"/>
               <a:pPr/>
-              <a:t>14.06.2016</a:t>
+              <a:t>15.06.2016</a:t>
             </a:fld>
             <a:endParaRPr lang="de-DE"/>
           </a:p>
@@ -5977,6 +6002,67 @@
           </a:p>
         </p:txBody>
       </p:sp>
+      <p:cxnSp>
+        <p:nvCxnSpPr>
+          <p:cNvPr id="8" name="Gerade Verbindung 7"/>
+          <p:cNvCxnSpPr/>
+          <p:nvPr userDrawn="1"/>
+        </p:nvCxnSpPr>
+        <p:spPr>
+          <a:xfrm>
+            <a:off x="467544" y="1131590"/>
+            <a:ext cx="8208912" cy="0"/>
+          </a:xfrm>
+          <a:prstGeom prst="line">
+            <a:avLst/>
+          </a:prstGeom>
+          <a:ln>
+            <a:solidFill>
+              <a:srgbClr val="EA5092"/>
+            </a:solidFill>
+          </a:ln>
+        </p:spPr>
+        <p:style>
+          <a:lnRef idx="1">
+            <a:schemeClr val="accent1"/>
+          </a:lnRef>
+          <a:fillRef idx="0">
+            <a:schemeClr val="accent1"/>
+          </a:fillRef>
+          <a:effectRef idx="0">
+            <a:schemeClr val="accent1"/>
+          </a:effectRef>
+          <a:fontRef idx="minor">
+            <a:schemeClr val="tx1"/>
+          </a:fontRef>
+        </p:style>
+      </p:cxnSp>
+      <p:pic>
+        <p:nvPicPr>
+          <p:cNvPr id="9" name="Picture 2" descr="homepage.png"/>
+          <p:cNvPicPr>
+            <a:picLocks noChangeAspect="1" noChangeArrowheads="1"/>
+          </p:cNvPicPr>
+          <p:nvPr userDrawn="1"/>
+        </p:nvPicPr>
+        <p:blipFill>
+          <a:blip r:embed="rId2" cstate="print"/>
+          <a:srcRect/>
+          <a:stretch>
+            <a:fillRect/>
+          </a:stretch>
+        </p:blipFill>
+        <p:spPr bwMode="auto">
+          <a:xfrm>
+            <a:off x="8172400" y="4227935"/>
+            <a:ext cx="827904" cy="915565"/>
+          </a:xfrm>
+          <a:prstGeom prst="rect">
+            <a:avLst/>
+          </a:prstGeom>
+          <a:noFill/>
+        </p:spPr>
+      </p:pic>
     </p:spTree>
   </p:cSld>
   <p:clrMapOvr>
@@ -6347,7 +6433,7 @@
             <a:fld id="{34E84877-5350-4836-9D5A-45258BA98B9F}" type="datetimeFigureOut">
               <a:rPr lang="de-DE" smtClean="0"/>
               <a:pPr/>
-              <a:t>14.06.2016</a:t>
+              <a:t>15.06.2016</a:t>
             </a:fld>
             <a:endParaRPr lang="de-DE"/>
           </a:p>
@@ -6462,7 +6548,7 @@
             <a:fld id="{34E84877-5350-4836-9D5A-45258BA98B9F}" type="datetimeFigureOut">
               <a:rPr lang="de-DE" smtClean="0"/>
               <a:pPr/>
-              <a:t>14.06.2016</a:t>
+              <a:t>15.06.2016</a:t>
             </a:fld>
             <a:endParaRPr lang="de-DE"/>
           </a:p>
@@ -6554,7 +6640,7 @@
             <a:fld id="{34E84877-5350-4836-9D5A-45258BA98B9F}" type="datetimeFigureOut">
               <a:rPr lang="de-DE" smtClean="0"/>
               <a:pPr/>
-              <a:t>14.06.2016</a:t>
+              <a:t>15.06.2016</a:t>
             </a:fld>
             <a:endParaRPr lang="de-DE"/>
           </a:p>
@@ -6828,7 +6914,7 @@
             <a:fld id="{34E84877-5350-4836-9D5A-45258BA98B9F}" type="datetimeFigureOut">
               <a:rPr lang="de-DE" smtClean="0"/>
               <a:pPr/>
-              <a:t>14.06.2016</a:t>
+              <a:t>15.06.2016</a:t>
             </a:fld>
             <a:endParaRPr lang="de-DE"/>
           </a:p>
@@ -7078,7 +7164,7 @@
             <a:fld id="{34E84877-5350-4836-9D5A-45258BA98B9F}" type="datetimeFigureOut">
               <a:rPr lang="de-DE" smtClean="0"/>
               <a:pPr/>
-              <a:t>14.06.2016</a:t>
+              <a:t>15.06.2016</a:t>
             </a:fld>
             <a:endParaRPr lang="de-DE"/>
           </a:p>
@@ -7288,7 +7374,7 @@
             <a:fld id="{34E84877-5350-4836-9D5A-45258BA98B9F}" type="datetimeFigureOut">
               <a:rPr lang="de-DE" smtClean="0"/>
               <a:pPr/>
-              <a:t>14.06.2016</a:t>
+              <a:t>15.06.2016</a:t>
             </a:fld>
             <a:endParaRPr lang="de-DE"/>
           </a:p>
@@ -7835,10 +7921,10 @@
           </p:nvPr>
         </p:nvPicPr>
         <p:blipFill>
-          <a:blip r:embed="rId3">
+          <a:blip r:embed="rId3" cstate="print">
             <a:extLst>
               <a:ext uri="{28A0092B-C50C-407E-A947-70E740481C1C}">
-                <a14:useLocalDpi xmlns:a14="http://schemas.microsoft.com/office/drawing/2010/main" val="0"/>
+                <a14:useLocalDpi xmlns:a14="http://schemas.microsoft.com/office/drawing/2010/main" xmlns="" val="0"/>
               </a:ext>
             </a:extLst>
           </a:blip>
@@ -8004,7 +8090,7 @@
     </p:spTree>
     <p:extLst>
       <p:ext uri="{BB962C8B-B14F-4D97-AF65-F5344CB8AC3E}">
-        <p14:creationId xmlns:p14="http://schemas.microsoft.com/office/powerpoint/2010/main" val="471060331"/>
+        <p14:creationId xmlns:p14="http://schemas.microsoft.com/office/powerpoint/2010/main" xmlns="" val="471060331"/>
       </p:ext>
     </p:extLst>
   </p:cSld>
@@ -8207,10 +8293,10 @@
           </p:nvPr>
         </p:nvPicPr>
         <p:blipFill>
-          <a:blip r:embed="rId3">
+          <a:blip r:embed="rId3" cstate="print">
             <a:extLst>
               <a:ext uri="{28A0092B-C50C-407E-A947-70E740481C1C}">
-                <a14:useLocalDpi xmlns:a14="http://schemas.microsoft.com/office/drawing/2010/main" val="0"/>
+                <a14:useLocalDpi xmlns:a14="http://schemas.microsoft.com/office/drawing/2010/main" xmlns="" val="0"/>
               </a:ext>
             </a:extLst>
           </a:blip>
@@ -8220,7 +8306,7 @@
         </p:blipFill>
         <p:spPr>
           <a:xfrm>
-            <a:off x="-8" y="1063229"/>
+            <a:off x="-8" y="1207245"/>
             <a:ext cx="5517192" cy="3812777"/>
           </a:xfrm>
         </p:spPr>
@@ -8228,7 +8314,7 @@
     </p:spTree>
     <p:extLst>
       <p:ext uri="{BB962C8B-B14F-4D97-AF65-F5344CB8AC3E}">
-        <p14:creationId xmlns:p14="http://schemas.microsoft.com/office/powerpoint/2010/main" val="3498276880"/>
+        <p14:creationId xmlns:p14="http://schemas.microsoft.com/office/powerpoint/2010/main" xmlns="" val="3498276880"/>
       </p:ext>
     </p:extLst>
   </p:cSld>
@@ -8420,10 +8506,10 @@
           </p:nvPr>
         </p:nvPicPr>
         <p:blipFill>
-          <a:blip r:embed="rId3">
+          <a:blip r:embed="rId3" cstate="print">
             <a:extLst>
               <a:ext uri="{28A0092B-C50C-407E-A947-70E740481C1C}">
-                <a14:useLocalDpi xmlns:a14="http://schemas.microsoft.com/office/drawing/2010/main" val="0"/>
+                <a14:useLocalDpi xmlns:a14="http://schemas.microsoft.com/office/drawing/2010/main" xmlns="" val="0"/>
               </a:ext>
             </a:extLst>
           </a:blip>
@@ -8441,7 +8527,7 @@
     </p:spTree>
     <p:extLst>
       <p:ext uri="{BB962C8B-B14F-4D97-AF65-F5344CB8AC3E}">
-        <p14:creationId xmlns:p14="http://schemas.microsoft.com/office/powerpoint/2010/main" val="617393217"/>
+        <p14:creationId xmlns:p14="http://schemas.microsoft.com/office/powerpoint/2010/main" xmlns="" val="617393217"/>
       </p:ext>
     </p:extLst>
   </p:cSld>
@@ -8655,10 +8741,10 @@
           </p:nvPr>
         </p:nvPicPr>
         <p:blipFill>
-          <a:blip r:embed="rId3">
+          <a:blip r:embed="rId3" cstate="print">
             <a:extLst>
               <a:ext uri="{28A0092B-C50C-407E-A947-70E740481C1C}">
-                <a14:useLocalDpi xmlns:a14="http://schemas.microsoft.com/office/drawing/2010/main" val="0"/>
+                <a14:useLocalDpi xmlns:a14="http://schemas.microsoft.com/office/drawing/2010/main" xmlns="" val="0"/>
               </a:ext>
             </a:extLst>
           </a:blip>
@@ -8668,7 +8754,7 @@
         </p:blipFill>
         <p:spPr>
           <a:xfrm>
-            <a:off x="-11376" y="1063229"/>
+            <a:off x="-11376" y="1226569"/>
             <a:ext cx="5519480" cy="3793453"/>
           </a:xfrm>
         </p:spPr>
@@ -8676,7 +8762,7 @@
     </p:spTree>
     <p:extLst>
       <p:ext uri="{BB962C8B-B14F-4D97-AF65-F5344CB8AC3E}">
-        <p14:creationId xmlns:p14="http://schemas.microsoft.com/office/powerpoint/2010/main" val="1281731853"/>
+        <p14:creationId xmlns:p14="http://schemas.microsoft.com/office/powerpoint/2010/main" xmlns="" val="1281731853"/>
       </p:ext>
     </p:extLst>
   </p:cSld>
@@ -8900,7 +8986,7 @@
           <a:effectLst/>
           <a:extLst>
             <a:ext uri="{91240B29-F687-4F45-9708-019B960494DF}">
-              <a14:hiddenLine xmlns:a14="http://schemas.microsoft.com/office/drawing/2010/main" w="9525">
+              <a14:hiddenLine xmlns:a14="http://schemas.microsoft.com/office/drawing/2010/main" xmlns="" w="9525">
                 <a:solidFill>
                   <a:schemeClr val="tx1"/>
                 </a:solidFill>
@@ -8910,7 +8996,7 @@
               </a14:hiddenLine>
             </a:ext>
             <a:ext uri="{AF507438-7753-43E0-B8FC-AC1667EBCBE1}">
-              <a14:hiddenEffects xmlns:a14="http://schemas.microsoft.com/office/drawing/2010/main">
+              <a14:hiddenEffects xmlns:a14="http://schemas.microsoft.com/office/drawing/2010/main" xmlns="">
                 <a:effectLst>
                   <a:outerShdw dist="35921" dir="2700000" algn="ctr" rotWithShape="0">
                     <a:schemeClr val="bg2"/>
@@ -9584,7 +9670,7 @@
     </p:spTree>
     <p:extLst>
       <p:ext uri="{BB962C8B-B14F-4D97-AF65-F5344CB8AC3E}">
-        <p14:creationId xmlns:p14="http://schemas.microsoft.com/office/powerpoint/2010/main" val="2156069298"/>
+        <p14:creationId xmlns:p14="http://schemas.microsoft.com/office/powerpoint/2010/main" xmlns="" val="2156069298"/>
       </p:ext>
     </p:extLst>
   </p:cSld>
@@ -10556,11 +10642,7 @@
           <a:p>
             <a:r>
               <a:rPr lang="de-DE" dirty="0" smtClean="0"/>
-              <a:t>Design </a:t>
-            </a:r>
-            <a:r>
-              <a:rPr lang="de-DE" dirty="0" smtClean="0"/>
-              <a:t>App</a:t>
+              <a:t>Design App</a:t>
             </a:r>
           </a:p>
           <a:p>
@@ -11346,7 +11428,7 @@
           <a:effectLst/>
           <a:extLst>
             <a:ext uri="{91240B29-F687-4F45-9708-019B960494DF}">
-              <a14:hiddenLine xmlns:a14="http://schemas.microsoft.com/office/drawing/2010/main" w="9525">
+              <a14:hiddenLine xmlns:a14="http://schemas.microsoft.com/office/drawing/2010/main" xmlns="" w="9525">
                 <a:solidFill>
                   <a:schemeClr val="tx1"/>
                 </a:solidFill>
@@ -11356,7 +11438,7 @@
               </a14:hiddenLine>
             </a:ext>
             <a:ext uri="{AF507438-7753-43E0-B8FC-AC1667EBCBE1}">
-              <a14:hiddenEffects xmlns:a14="http://schemas.microsoft.com/office/drawing/2010/main">
+              <a14:hiddenEffects xmlns:a14="http://schemas.microsoft.com/office/drawing/2010/main" xmlns="">
                 <a:effectLst>
                   <a:outerShdw dist="35921" dir="2700000" algn="ctr" rotWithShape="0">
                     <a:schemeClr val="bg2"/>
@@ -11526,7 +11608,7 @@
           <a:effectLst/>
           <a:extLst>
             <a:ext uri="{91240B29-F687-4F45-9708-019B960494DF}">
-              <a14:hiddenLine xmlns:a14="http://schemas.microsoft.com/office/drawing/2010/main" w="9525">
+              <a14:hiddenLine xmlns:a14="http://schemas.microsoft.com/office/drawing/2010/main" xmlns="" w="9525">
                 <a:solidFill>
                   <a:schemeClr val="tx1"/>
                 </a:solidFill>
@@ -11536,7 +11618,7 @@
               </a14:hiddenLine>
             </a:ext>
             <a:ext uri="{AF507438-7753-43E0-B8FC-AC1667EBCBE1}">
-              <a14:hiddenEffects xmlns:a14="http://schemas.microsoft.com/office/drawing/2010/main">
+              <a14:hiddenEffects xmlns:a14="http://schemas.microsoft.com/office/drawing/2010/main" xmlns="">
                 <a:effectLst>
                   <a:outerShdw dist="35921" dir="2700000" algn="ctr" rotWithShape="0">
                     <a:schemeClr val="bg2"/>
@@ -11763,7 +11845,7 @@
           <a:effectLst/>
           <a:extLst>
             <a:ext uri="{91240B29-F687-4F45-9708-019B960494DF}">
-              <a14:hiddenLine xmlns:a14="http://schemas.microsoft.com/office/drawing/2010/main" w="9525">
+              <a14:hiddenLine xmlns:a14="http://schemas.microsoft.com/office/drawing/2010/main" xmlns="" w="9525">
                 <a:solidFill>
                   <a:schemeClr val="tx1"/>
                 </a:solidFill>
@@ -11773,7 +11855,7 @@
               </a14:hiddenLine>
             </a:ext>
             <a:ext uri="{AF507438-7753-43E0-B8FC-AC1667EBCBE1}">
-              <a14:hiddenEffects xmlns:a14="http://schemas.microsoft.com/office/drawing/2010/main">
+              <a14:hiddenEffects xmlns:a14="http://schemas.microsoft.com/office/drawing/2010/main" xmlns="">
                 <a:effectLst>
                   <a:outerShdw dist="35921" dir="2700000" algn="ctr" rotWithShape="0">
                     <a:schemeClr val="bg2"/>
@@ -11958,7 +12040,7 @@
           <a:effectLst/>
           <a:extLst>
             <a:ext uri="{91240B29-F687-4F45-9708-019B960494DF}">
-              <a14:hiddenLine xmlns:a14="http://schemas.microsoft.com/office/drawing/2010/main" w="9525">
+              <a14:hiddenLine xmlns:a14="http://schemas.microsoft.com/office/drawing/2010/main" xmlns="" w="9525">
                 <a:solidFill>
                   <a:schemeClr val="tx1"/>
                 </a:solidFill>
@@ -11968,7 +12050,7 @@
               </a14:hiddenLine>
             </a:ext>
             <a:ext uri="{AF507438-7753-43E0-B8FC-AC1667EBCBE1}">
-              <a14:hiddenEffects xmlns:a14="http://schemas.microsoft.com/office/drawing/2010/main">
+              <a14:hiddenEffects xmlns:a14="http://schemas.microsoft.com/office/drawing/2010/main" xmlns="">
                 <a:effectLst>
                   <a:outerShdw dist="35921" dir="2700000" algn="ctr" rotWithShape="0">
                     <a:schemeClr val="bg2"/>
@@ -12341,10 +12423,10 @@
           <p:nvPr/>
         </p:nvPicPr>
         <p:blipFill>
-          <a:blip r:embed="rId3">
+          <a:blip r:embed="rId3" cstate="print">
             <a:extLst>
               <a:ext uri="{28A0092B-C50C-407E-A947-70E740481C1C}">
-                <a14:useLocalDpi xmlns:a14="http://schemas.microsoft.com/office/drawing/2010/main" val="0"/>
+                <a14:useLocalDpi xmlns:a14="http://schemas.microsoft.com/office/drawing/2010/main" xmlns="" val="0"/>
               </a:ext>
             </a:extLst>
           </a:blip>
@@ -12364,7 +12446,7 @@
           <a:noFill/>
           <a:extLst>
             <a:ext uri="{909E8E84-426E-40DD-AFC4-6F175D3DCCD1}">
-              <a14:hiddenFill xmlns:a14="http://schemas.microsoft.com/office/drawing/2010/main">
+              <a14:hiddenFill xmlns:a14="http://schemas.microsoft.com/office/drawing/2010/main" xmlns="">
                 <a:solidFill>
                   <a:srgbClr val="FFFFFF"/>
                 </a:solidFill>
@@ -12562,7 +12644,7 @@
           <a:effectLst/>
           <a:extLst>
             <a:ext uri="{91240B29-F687-4F45-9708-019B960494DF}">
-              <a14:hiddenLine xmlns:a14="http://schemas.microsoft.com/office/drawing/2010/main" w="9525">
+              <a14:hiddenLine xmlns:a14="http://schemas.microsoft.com/office/drawing/2010/main" xmlns="" w="9525">
                 <a:solidFill>
                   <a:schemeClr val="tx1"/>
                 </a:solidFill>
@@ -12572,7 +12654,7 @@
               </a14:hiddenLine>
             </a:ext>
             <a:ext uri="{AF507438-7753-43E0-B8FC-AC1667EBCBE1}">
-              <a14:hiddenEffects xmlns:a14="http://schemas.microsoft.com/office/drawing/2010/main">
+              <a14:hiddenEffects xmlns:a14="http://schemas.microsoft.com/office/drawing/2010/main" xmlns="">
                 <a:effectLst>
                   <a:outerShdw dist="35921" dir="2700000" algn="ctr" rotWithShape="0">
                     <a:schemeClr val="bg2"/>
@@ -13490,10 +13572,10 @@
           <p:nvPr/>
         </p:nvPicPr>
         <p:blipFill>
-          <a:blip r:embed="rId3">
+          <a:blip r:embed="rId3" cstate="print">
             <a:extLst>
               <a:ext uri="{28A0092B-C50C-407E-A947-70E740481C1C}">
-                <a14:useLocalDpi xmlns:a14="http://schemas.microsoft.com/office/drawing/2010/main" val="0"/>
+                <a14:useLocalDpi xmlns:a14="http://schemas.microsoft.com/office/drawing/2010/main" xmlns="" val="0"/>
               </a:ext>
             </a:extLst>
           </a:blip>
@@ -13513,7 +13595,7 @@
           <a:noFill/>
           <a:extLst>
             <a:ext uri="{909E8E84-426E-40DD-AFC4-6F175D3DCCD1}">
-              <a14:hiddenFill xmlns:a14="http://schemas.microsoft.com/office/drawing/2010/main">
+              <a14:hiddenFill xmlns:a14="http://schemas.microsoft.com/office/drawing/2010/main" xmlns="">
                 <a:solidFill>
                   <a:srgbClr val="FFFFFF"/>
                 </a:solidFill>
@@ -13633,7 +13715,6 @@
               <a:rPr lang="de-DE" sz="1800" dirty="0" smtClean="0"/>
               <a:t>Tests mit Android-API ohne Gerät</a:t>
             </a:r>
-            <a:endParaRPr lang="de-DE" sz="1800" dirty="0" smtClean="0"/>
           </a:p>
           <a:p>
             <a:pPr>
@@ -13712,7 +13793,7 @@
           <a:blip r:embed="rId3" cstate="print">
             <a:extLst>
               <a:ext uri="{28A0092B-C50C-407E-A947-70E740481C1C}">
-                <a14:useLocalDpi xmlns:a14="http://schemas.microsoft.com/office/drawing/2010/main" val="0"/>
+                <a14:useLocalDpi xmlns:a14="http://schemas.microsoft.com/office/drawing/2010/main" xmlns="" val="0"/>
               </a:ext>
             </a:extLst>
           </a:blip>
@@ -13732,7 +13813,7 @@
           <a:noFill/>
           <a:extLst>
             <a:ext uri="{909E8E84-426E-40DD-AFC4-6F175D3DCCD1}">
-              <a14:hiddenFill xmlns:a14="http://schemas.microsoft.com/office/drawing/2010/main">
+              <a14:hiddenFill xmlns:a14="http://schemas.microsoft.com/office/drawing/2010/main" xmlns="">
                 <a:solidFill>
                   <a:srgbClr val="FFFFFF"/>
                 </a:solidFill>
@@ -13766,7 +13847,7 @@
           <a:effectLst/>
           <a:extLst>
             <a:ext uri="{91240B29-F687-4F45-9708-019B960494DF}">
-              <a14:hiddenLine xmlns:a14="http://schemas.microsoft.com/office/drawing/2010/main" w="9525">
+              <a14:hiddenLine xmlns:a14="http://schemas.microsoft.com/office/drawing/2010/main" xmlns="" w="9525">
                 <a:solidFill>
                   <a:schemeClr val="tx1"/>
                 </a:solidFill>
@@ -13776,7 +13857,7 @@
               </a14:hiddenLine>
             </a:ext>
             <a:ext uri="{AF507438-7753-43E0-B8FC-AC1667EBCBE1}">
-              <a14:hiddenEffects xmlns:a14="http://schemas.microsoft.com/office/drawing/2010/main">
+              <a14:hiddenEffects xmlns:a14="http://schemas.microsoft.com/office/drawing/2010/main" xmlns="">
                 <a:effectLst>
                   <a:outerShdw dist="35921" dir="2700000" algn="ctr" rotWithShape="0">
                     <a:schemeClr val="bg2"/>
@@ -14003,7 +14084,7 @@
           <a:effectLst/>
           <a:extLst>
             <a:ext uri="{91240B29-F687-4F45-9708-019B960494DF}">
-              <a14:hiddenLine xmlns:a14="http://schemas.microsoft.com/office/drawing/2010/main" w="9525">
+              <a14:hiddenLine xmlns:a14="http://schemas.microsoft.com/office/drawing/2010/main" xmlns="" w="9525">
                 <a:solidFill>
                   <a:schemeClr val="tx1"/>
                 </a:solidFill>
@@ -14013,7 +14094,7 @@
               </a14:hiddenLine>
             </a:ext>
             <a:ext uri="{AF507438-7753-43E0-B8FC-AC1667EBCBE1}">
-              <a14:hiddenEffects xmlns:a14="http://schemas.microsoft.com/office/drawing/2010/main">
+              <a14:hiddenEffects xmlns:a14="http://schemas.microsoft.com/office/drawing/2010/main" xmlns="">
                 <a:effectLst>
                   <a:outerShdw dist="35921" dir="2700000" algn="ctr" rotWithShape="0">
                     <a:schemeClr val="bg2"/>
@@ -14324,7 +14405,7 @@
           <a:effectLst/>
           <a:extLst>
             <a:ext uri="{91240B29-F687-4F45-9708-019B960494DF}">
-              <a14:hiddenLine xmlns:a14="http://schemas.microsoft.com/office/drawing/2010/main" w="9525">
+              <a14:hiddenLine xmlns:a14="http://schemas.microsoft.com/office/drawing/2010/main" xmlns="" w="9525">
                 <a:solidFill>
                   <a:schemeClr val="tx1"/>
                 </a:solidFill>
@@ -14334,7 +14415,7 @@
               </a14:hiddenLine>
             </a:ext>
             <a:ext uri="{AF507438-7753-43E0-B8FC-AC1667EBCBE1}">
-              <a14:hiddenEffects xmlns:a14="http://schemas.microsoft.com/office/drawing/2010/main">
+              <a14:hiddenEffects xmlns:a14="http://schemas.microsoft.com/office/drawing/2010/main" xmlns="">
                 <a:effectLst>
                   <a:outerShdw dist="35921" dir="2700000" algn="ctr" rotWithShape="0">
                     <a:schemeClr val="bg2"/>
@@ -14825,7 +14906,7 @@
           <a:effectLst/>
           <a:extLst>
             <a:ext uri="{91240B29-F687-4F45-9708-019B960494DF}">
-              <a14:hiddenLine xmlns:a14="http://schemas.microsoft.com/office/drawing/2010/main" w="9525">
+              <a14:hiddenLine xmlns:a14="http://schemas.microsoft.com/office/drawing/2010/main" xmlns="" w="9525">
                 <a:solidFill>
                   <a:schemeClr val="tx1"/>
                 </a:solidFill>
@@ -14835,7 +14916,7 @@
               </a14:hiddenLine>
             </a:ext>
             <a:ext uri="{AF507438-7753-43E0-B8FC-AC1667EBCBE1}">
-              <a14:hiddenEffects xmlns:a14="http://schemas.microsoft.com/office/drawing/2010/main">
+              <a14:hiddenEffects xmlns:a14="http://schemas.microsoft.com/office/drawing/2010/main" xmlns="">
                 <a:effectLst>
                   <a:outerShdw dist="35921" dir="2700000" algn="ctr" rotWithShape="0">
                     <a:schemeClr val="bg2"/>
@@ -15311,7 +15392,7 @@
           <a:effectLst/>
           <a:extLst>
             <a:ext uri="{91240B29-F687-4F45-9708-019B960494DF}">
-              <a14:hiddenLine xmlns:a14="http://schemas.microsoft.com/office/drawing/2010/main" w="9525">
+              <a14:hiddenLine xmlns:a14="http://schemas.microsoft.com/office/drawing/2010/main" xmlns="" w="9525">
                 <a:solidFill>
                   <a:schemeClr val="tx1"/>
                 </a:solidFill>
@@ -15321,7 +15402,7 @@
               </a14:hiddenLine>
             </a:ext>
             <a:ext uri="{AF507438-7753-43E0-B8FC-AC1667EBCBE1}">
-              <a14:hiddenEffects xmlns:a14="http://schemas.microsoft.com/office/drawing/2010/main">
+              <a14:hiddenEffects xmlns:a14="http://schemas.microsoft.com/office/drawing/2010/main" xmlns="">
                 <a:effectLst>
                   <a:outerShdw dist="35921" dir="2700000" algn="ctr" rotWithShape="0">
                     <a:schemeClr val="bg2"/>
@@ -16246,7 +16327,7 @@
           <a:effectLst/>
           <a:extLst>
             <a:ext uri="{91240B29-F687-4F45-9708-019B960494DF}">
-              <a14:hiddenLine xmlns:a14="http://schemas.microsoft.com/office/drawing/2010/main" w="9525">
+              <a14:hiddenLine xmlns:a14="http://schemas.microsoft.com/office/drawing/2010/main" xmlns="" w="9525">
                 <a:solidFill>
                   <a:schemeClr val="tx1"/>
                 </a:solidFill>
@@ -16256,7 +16337,7 @@
               </a14:hiddenLine>
             </a:ext>
             <a:ext uri="{AF507438-7753-43E0-B8FC-AC1667EBCBE1}">
-              <a14:hiddenEffects xmlns:a14="http://schemas.microsoft.com/office/drawing/2010/main">
+              <a14:hiddenEffects xmlns:a14="http://schemas.microsoft.com/office/drawing/2010/main" xmlns="">
                 <a:effectLst>
                   <a:outerShdw dist="35921" dir="2700000" algn="ctr" rotWithShape="0">
                     <a:schemeClr val="bg2"/>
@@ -18299,118 +18380,38 @@
               <a:rPr lang="de-DE" dirty="0" smtClean="0">
                 <a:hlinkClick r:id="rId8"/>
               </a:rPr>
-              <a:t>https://de.wikipedia.org/wiki/Testgetriebene_Entwicklung</a:t>
+              <a:t>https://</a:t>
+            </a:r>
+            <a:r>
+              <a:rPr lang="de-DE" dirty="0" smtClean="0">
+                <a:hlinkClick r:id="rId8"/>
+              </a:rPr>
+              <a:t>de.wikipedia.org/wiki/Testgetriebene_Entwicklung</a:t>
             </a:r>
             <a:endParaRPr lang="de-DE" dirty="0" smtClean="0"/>
           </a:p>
           <a:p>
+            <a:r>
+              <a:rPr lang="de-DE" dirty="0" smtClean="0">
+                <a:hlinkClick r:id="rId9"/>
+              </a:rPr>
+              <a:t>https://</a:t>
+            </a:r>
+            <a:r>
+              <a:rPr lang="de-DE" dirty="0" smtClean="0">
+                <a:hlinkClick r:id="rId9"/>
+              </a:rPr>
+              <a:t>github.com/FreifunkBremen/logo</a:t>
+            </a:r>
             <a:endParaRPr lang="de-DE" dirty="0" smtClean="0"/>
           </a:p>
           <a:p>
-            <a:endParaRPr lang="de-DE" dirty="0"/>
-          </a:p>
-        </p:txBody>
-      </p:sp>
-    </p:spTree>
-  </p:cSld>
-  <p:clrMapOvr>
-    <a:masterClrMapping/>
-  </p:clrMapOvr>
-  <p:timing>
-    <p:tnLst>
-      <p:par>
-        <p:cTn id="1" dur="indefinite" restart="never" nodeType="tmRoot"/>
-      </p:par>
-    </p:tnLst>
-  </p:timing>
-</p:sld>
-</file>
-
-<file path=ppt/slides/slide31.xml><?xml version="1.0" encoding="utf-8"?>
-<p:sld xmlns:a="http://schemas.openxmlformats.org/drawingml/2006/main" xmlns:r="http://schemas.openxmlformats.org/officeDocument/2006/relationships" xmlns:p="http://schemas.openxmlformats.org/presentationml/2006/main">
-  <p:cSld>
-    <p:spTree>
-      <p:nvGrpSpPr>
-        <p:cNvPr id="1" name=""/>
-        <p:cNvGrpSpPr/>
-        <p:nvPr/>
-      </p:nvGrpSpPr>
-      <p:grpSpPr>
-        <a:xfrm>
-          <a:off x="0" y="0"/>
-          <a:ext cx="0" cy="0"/>
-          <a:chOff x="0" y="0"/>
-          <a:chExt cx="0" cy="0"/>
-        </a:xfrm>
-      </p:grpSpPr>
-      <p:sp>
-        <p:nvSpPr>
-          <p:cNvPr id="2" name="Titel 1"/>
-          <p:cNvSpPr>
-            <a:spLocks noGrp="1"/>
-          </p:cNvSpPr>
-          <p:nvPr>
-            <p:ph type="title"/>
-          </p:nvPr>
-        </p:nvSpPr>
-        <p:spPr/>
-        <p:txBody>
-          <a:bodyPr/>
-          <a:lstStyle/>
-          <a:p>
-            <a:endParaRPr lang="de-DE"/>
-          </a:p>
-        </p:txBody>
-      </p:sp>
-      <p:sp>
-        <p:nvSpPr>
-          <p:cNvPr id="3" name="Inhaltsplatzhalter 2"/>
-          <p:cNvSpPr>
-            <a:spLocks noGrp="1"/>
-          </p:cNvSpPr>
-          <p:nvPr>
-            <p:ph idx="1"/>
-          </p:nvPr>
-        </p:nvSpPr>
-        <p:spPr/>
-        <p:txBody>
-          <a:bodyPr/>
-          <a:lstStyle/>
-          <a:p>
-            <a:r>
-              <a:rPr lang="de-DE" dirty="0" err="1" smtClean="0"/>
-              <a:t>Todos</a:t>
-            </a:r>
-            <a:r>
-              <a:rPr lang="de-DE" dirty="0" smtClean="0"/>
-              <a:t>: </a:t>
-            </a:r>
-            <a:r>
-              <a:rPr lang="de-DE" dirty="0" err="1" smtClean="0"/>
-              <a:t>aktivity</a:t>
-            </a:r>
-            <a:r>
-              <a:rPr lang="de-DE" dirty="0" smtClean="0"/>
-              <a:t> über uns</a:t>
-            </a:r>
-          </a:p>
-          <a:p>
-            <a:r>
-              <a:rPr lang="de-DE" dirty="0" smtClean="0"/>
-              <a:t>Viper? </a:t>
-            </a:r>
-            <a:r>
-              <a:rPr lang="de-DE" dirty="0" err="1" smtClean="0"/>
-              <a:t>Appinhalt</a:t>
-            </a:r>
-            <a:r>
-              <a:rPr lang="de-DE" dirty="0" smtClean="0"/>
-              <a:t> auf </a:t>
-            </a:r>
-            <a:r>
-              <a:rPr lang="de-DE" dirty="0" err="1" smtClean="0"/>
-              <a:t>bildschirm</a:t>
-            </a:r>
+            <a:endParaRPr lang="de-DE" dirty="0" smtClean="0"/>
+          </a:p>
+          <a:p>
+            <a:endParaRPr lang="de-DE" dirty="0" smtClean="0"/>
+          </a:p>
+          <a:p>
             <a:endParaRPr lang="de-DE" dirty="0"/>
           </a:p>
         </p:txBody>

--- a/docs/mobile_meshviewer_praezi.pptx
+++ b/docs/mobile_meshviewer_praezi.pptx
@@ -11,9 +11,9 @@
     <p:sldId id="256" r:id="rId2"/>
     <p:sldId id="257" r:id="rId3"/>
     <p:sldId id="258" r:id="rId4"/>
-    <p:sldId id="279" r:id="rId5"/>
-    <p:sldId id="277" r:id="rId6"/>
-    <p:sldId id="278" r:id="rId7"/>
+    <p:sldId id="277" r:id="rId5"/>
+    <p:sldId id="278" r:id="rId6"/>
+    <p:sldId id="279" r:id="rId7"/>
     <p:sldId id="259" r:id="rId8"/>
     <p:sldId id="264" r:id="rId9"/>
     <p:sldId id="260" r:id="rId10"/>
@@ -138,7 +138,7 @@
   </p:defaultTextStyle>
   <p:extLst>
     <p:ext uri="{EFAFB233-063F-42B5-8137-9DF3F51BA10A}">
-      <p15:sldGuideLst xmlns:p15="http://schemas.microsoft.com/office/powerpoint/2012/main" xmlns="">
+      <p15:sldGuideLst xmlns="" xmlns:p15="http://schemas.microsoft.com/office/powerpoint/2012/main">
         <p15:guide id="1" orient="horz" pos="1620">
           <p15:clr>
             <a:srgbClr val="A4A3A4"/>
@@ -579,7 +579,7 @@
     </p:spTree>
     <p:extLst>
       <p:ext uri="{BB962C8B-B14F-4D97-AF65-F5344CB8AC3E}">
-        <p14:creationId xmlns:p14="http://schemas.microsoft.com/office/powerpoint/2010/main" xmlns="" val="1131456817"/>
+        <p14:creationId xmlns="" xmlns:p14="http://schemas.microsoft.com/office/powerpoint/2010/main" val="1131456817"/>
       </p:ext>
     </p:extLst>
   </p:cSld>
@@ -749,7 +749,7 @@
     </p:spTree>
     <p:extLst>
       <p:ext uri="{BB962C8B-B14F-4D97-AF65-F5344CB8AC3E}">
-        <p14:creationId xmlns:p14="http://schemas.microsoft.com/office/powerpoint/2010/main" xmlns="" val="2146320146"/>
+        <p14:creationId xmlns="" xmlns:p14="http://schemas.microsoft.com/office/powerpoint/2010/main" val="2146320146"/>
       </p:ext>
     </p:extLst>
   </p:cSld>
@@ -954,7 +954,7 @@
     </p:spTree>
     <p:extLst>
       <p:ext uri="{BB962C8B-B14F-4D97-AF65-F5344CB8AC3E}">
-        <p14:creationId xmlns:p14="http://schemas.microsoft.com/office/powerpoint/2010/main" xmlns="" val="1303368238"/>
+        <p14:creationId xmlns="" xmlns:p14="http://schemas.microsoft.com/office/powerpoint/2010/main" val="1303368238"/>
       </p:ext>
     </p:extLst>
   </p:cSld>
@@ -1212,7 +1212,7 @@
     </p:spTree>
     <p:extLst>
       <p:ext uri="{BB962C8B-B14F-4D97-AF65-F5344CB8AC3E}">
-        <p14:creationId xmlns:p14="http://schemas.microsoft.com/office/powerpoint/2010/main" xmlns="" val="2695209887"/>
+        <p14:creationId xmlns="" xmlns:p14="http://schemas.microsoft.com/office/powerpoint/2010/main" val="2695209887"/>
       </p:ext>
     </p:extLst>
   </p:cSld>
@@ -1642,16 +1642,28 @@
               <a:t>	</a:t>
             </a:r>
             <a:r>
-              <a:rPr lang="de-DE" dirty="0" err="1" smtClean="0"/>
+              <a:rPr lang="de-DE" dirty="0" smtClean="0"/>
+              <a:t>Variablen</a:t>
+            </a:r>
+            <a:r>
+              <a:rPr lang="de-DE" baseline="0" dirty="0" smtClean="0"/>
+              <a:t> </a:t>
+            </a:r>
+            <a:r>
+              <a:rPr lang="de-DE" baseline="0" dirty="0" smtClean="0"/>
+              <a:t>und Objekte initialisieren, Mocks erstellen usw</a:t>
+            </a:r>
+            <a:r>
+              <a:rPr lang="de-DE" baseline="0" dirty="0" smtClean="0"/>
+              <a:t>. (</a:t>
+            </a:r>
+            <a:r>
+              <a:rPr lang="de-DE" baseline="0" dirty="0" err="1" smtClean="0"/>
               <a:t>given</a:t>
             </a:r>
             <a:r>
-              <a:rPr lang="de-DE" dirty="0" smtClean="0"/>
-              <a:t>, Variablen</a:t>
-            </a:r>
-            <a:r>
               <a:rPr lang="de-DE" baseline="0" dirty="0" smtClean="0"/>
-              <a:t> und Objekte initialisieren, Mocks erstellen usw.</a:t>
+              <a:t>)</a:t>
             </a:r>
             <a:endParaRPr lang="de-DE" dirty="0" smtClean="0"/>
           </a:p>
@@ -2693,7 +2705,7 @@
     </p:spTree>
     <p:extLst>
       <p:ext uri="{BB962C8B-B14F-4D97-AF65-F5344CB8AC3E}">
-        <p14:creationId xmlns:p14="http://schemas.microsoft.com/office/powerpoint/2010/main" xmlns="" val="621218892"/>
+        <p14:creationId xmlns="" xmlns:p14="http://schemas.microsoft.com/office/powerpoint/2010/main" val="621218892"/>
       </p:ext>
     </p:extLst>
   </p:cSld>
@@ -2750,112 +2762,66 @@
           <a:lstStyle/>
           <a:p>
             <a:r>
-              <a:rPr lang="de-DE" dirty="0" smtClean="0"/>
-              <a:t>Warum </a:t>
-            </a:r>
-            <a:r>
-              <a:rPr lang="de-DE" dirty="0" err="1" smtClean="0"/>
+              <a:rPr lang="de-DE" sz="1800" dirty="0" smtClean="0"/>
+              <a:t>Der </a:t>
+            </a:r>
+            <a:r>
+              <a:rPr lang="de-DE" sz="1800" dirty="0" err="1" smtClean="0"/>
               <a:t>Freifunk</a:t>
             </a:r>
             <a:r>
-              <a:rPr lang="de-DE" dirty="0" smtClean="0"/>
-              <a:t>?</a:t>
-            </a:r>
-          </a:p>
-          <a:p>
-            <a:pPr lvl="1"/>
-            <a:r>
-              <a:rPr lang="de-DE" dirty="0" smtClean="0"/>
-              <a:t>Informations- und Meinungsfreiheit werden in vielen Teilen des Internets eingeschränkt</a:t>
+              <a:rPr lang="de-DE" sz="1800" baseline="0" dirty="0" smtClean="0"/>
+              <a:t> Router</a:t>
+            </a:r>
+            <a:endParaRPr lang="de-DE" sz="1800" dirty="0" smtClean="0"/>
+          </a:p>
+          <a:p>
+            <a:endParaRPr lang="de-DE" dirty="0" smtClean="0"/>
+          </a:p>
+          <a:p>
+            <a:r>
+              <a:rPr lang="de-DE" dirty="0" smtClean="0"/>
+              <a:t>-Es werden handelsübliche</a:t>
             </a:r>
             <a:r>
               <a:rPr lang="de-DE" baseline="0" dirty="0" smtClean="0"/>
-              <a:t> </a:t>
-            </a:r>
-          </a:p>
-          <a:p>
-            <a:pPr lvl="1"/>
+              <a:t> WLAN-Router genutzt (802.11 </a:t>
+            </a:r>
+            <a:r>
+              <a:rPr lang="de-DE" baseline="0" dirty="0" err="1" smtClean="0"/>
+              <a:t>abg</a:t>
+            </a:r>
             <a:r>
               <a:rPr lang="de-DE" baseline="0" dirty="0" smtClean="0"/>
-              <a:t>	Siehe Brasilien, China, arabischer Frühling </a:t>
+              <a:t>)</a:t>
+            </a:r>
+          </a:p>
+          <a:p>
+            <a:endParaRPr lang="de-DE" baseline="0" dirty="0" smtClean="0"/>
+          </a:p>
+          <a:p>
+            <a:r>
+              <a:rPr lang="de-DE" baseline="0" dirty="0" smtClean="0"/>
+              <a:t>-Eigene Firmware wird aufgespielt (</a:t>
             </a:r>
             <a:r>
               <a:rPr lang="de-DE" baseline="0" dirty="0" err="1" smtClean="0"/>
-              <a:t>usw</a:t>
+              <a:t>openWRT</a:t>
             </a:r>
             <a:r>
               <a:rPr lang="de-DE" baseline="0" dirty="0" smtClean="0"/>
-              <a:t> usw.</a:t>
-            </a:r>
-            <a:endParaRPr lang="de-DE" dirty="0" smtClean="0"/>
-          </a:p>
-          <a:p>
-            <a:pPr lvl="1"/>
-            <a:r>
-              <a:rPr lang="de-DE" dirty="0" smtClean="0"/>
-              <a:t>Permanente Massenüberwachung</a:t>
-            </a:r>
-          </a:p>
-          <a:p>
-            <a:pPr lvl="1"/>
-            <a:r>
-              <a:rPr lang="de-DE" dirty="0" smtClean="0"/>
-              <a:t>	</a:t>
-            </a:r>
-            <a:r>
-              <a:rPr lang="de-DE" dirty="0" err="1" smtClean="0"/>
-              <a:t>Snowden</a:t>
-            </a:r>
-            <a:r>
-              <a:rPr lang="de-DE" dirty="0" smtClean="0"/>
-              <a:t> </a:t>
-            </a:r>
-          </a:p>
-          <a:p>
-            <a:pPr lvl="1"/>
-            <a:r>
-              <a:rPr lang="de-DE" dirty="0" smtClean="0"/>
-              <a:t>Digitale Kluft wird immer größer</a:t>
-            </a:r>
-          </a:p>
-          <a:p>
-            <a:pPr lvl="1"/>
-            <a:r>
-              <a:rPr lang="de-DE" dirty="0" smtClean="0"/>
-              <a:t>	Wohlhabende Digital</a:t>
-            </a:r>
+              <a:t>)</a:t>
+            </a:r>
+          </a:p>
+          <a:p>
+            <a:endParaRPr lang="de-DE" baseline="0" dirty="0" smtClean="0"/>
+          </a:p>
+          <a:p>
             <a:r>
               <a:rPr lang="de-DE" baseline="0" dirty="0" smtClean="0"/>
-              <a:t> natives haben das Netz als Zuhause, arme und vor allem ältere Menschen sind vom Internet ausgeschlossen</a:t>
-            </a:r>
-            <a:endParaRPr lang="de-DE" dirty="0" smtClean="0"/>
-          </a:p>
-          <a:p>
-            <a:pPr lvl="1"/>
-            <a:r>
-              <a:rPr lang="de-DE" dirty="0" smtClean="0"/>
-              <a:t>Stagnierender Breitbandausbau</a:t>
-            </a:r>
-          </a:p>
-          <a:p>
-            <a:pPr lvl="1"/>
-            <a:r>
-              <a:rPr lang="de-DE" dirty="0" smtClean="0"/>
-              <a:t>	Deutschland ist Schlusslicht in der EU</a:t>
-            </a:r>
-          </a:p>
-          <a:p>
-            <a:pPr lvl="1"/>
-            <a:r>
-              <a:rPr lang="de-DE" dirty="0" smtClean="0">
-                <a:solidFill>
-                  <a:schemeClr val="bg1">
-                    <a:lumMod val="75000"/>
-                  </a:schemeClr>
-                </a:solidFill>
-              </a:rPr>
-              <a:t>Es macht Spaß ;)</a:t>
-            </a:r>
+              <a:t>-Es gibt diese Router überall, im Büro, am Fenster (siehe Bild) oder auf der grünen Wiese (siehe Bild)</a:t>
+            </a:r>
+            <a:endParaRPr lang="de-DE" dirty="0"/>
           </a:p>
         </p:txBody>
       </p:sp>
@@ -3014,7 +2980,7 @@
     </p:spTree>
     <p:extLst>
       <p:ext uri="{BB962C8B-B14F-4D97-AF65-F5344CB8AC3E}">
-        <p14:creationId xmlns:p14="http://schemas.microsoft.com/office/powerpoint/2010/main" xmlns="" val="3215337144"/>
+        <p14:creationId xmlns="" xmlns:p14="http://schemas.microsoft.com/office/powerpoint/2010/main" val="3215337144"/>
       </p:ext>
     </p:extLst>
   </p:cSld>
@@ -3178,7 +3144,7 @@
     </p:spTree>
     <p:extLst>
       <p:ext uri="{BB962C8B-B14F-4D97-AF65-F5344CB8AC3E}">
-        <p14:creationId xmlns:p14="http://schemas.microsoft.com/office/powerpoint/2010/main" xmlns="" val="1980471141"/>
+        <p14:creationId xmlns="" xmlns:p14="http://schemas.microsoft.com/office/powerpoint/2010/main" val="1980471141"/>
       </p:ext>
     </p:extLst>
   </p:cSld>
@@ -3370,7 +3336,7 @@
     </p:spTree>
     <p:extLst>
       <p:ext uri="{BB962C8B-B14F-4D97-AF65-F5344CB8AC3E}">
-        <p14:creationId xmlns:p14="http://schemas.microsoft.com/office/powerpoint/2010/main" xmlns="" val="1094514560"/>
+        <p14:creationId xmlns="" xmlns:p14="http://schemas.microsoft.com/office/powerpoint/2010/main" val="1094514560"/>
       </p:ext>
     </p:extLst>
   </p:cSld>
@@ -3455,7 +3421,7 @@
     </p:spTree>
     <p:extLst>
       <p:ext uri="{BB962C8B-B14F-4D97-AF65-F5344CB8AC3E}">
-        <p14:creationId xmlns:p14="http://schemas.microsoft.com/office/powerpoint/2010/main" xmlns="" val="2849927597"/>
+        <p14:creationId xmlns="" xmlns:p14="http://schemas.microsoft.com/office/powerpoint/2010/main" val="2849927597"/>
       </p:ext>
     </p:extLst>
   </p:cSld>
@@ -3540,7 +3506,7 @@
     </p:spTree>
     <p:extLst>
       <p:ext uri="{BB962C8B-B14F-4D97-AF65-F5344CB8AC3E}">
-        <p14:creationId xmlns:p14="http://schemas.microsoft.com/office/powerpoint/2010/main" xmlns="" val="2819071667"/>
+        <p14:creationId xmlns="" xmlns:p14="http://schemas.microsoft.com/office/powerpoint/2010/main" val="2819071667"/>
       </p:ext>
     </p:extLst>
   </p:cSld>
@@ -3679,66 +3645,101 @@
           <a:lstStyle/>
           <a:p>
             <a:r>
-              <a:rPr lang="de-DE" sz="1800" dirty="0" smtClean="0"/>
-              <a:t>Der </a:t>
-            </a:r>
-            <a:r>
-              <a:rPr lang="de-DE" sz="1800" dirty="0" err="1" smtClean="0"/>
-              <a:t>Freifunk</a:t>
-            </a:r>
-            <a:r>
-              <a:rPr lang="de-DE" sz="1800" baseline="0" dirty="0" smtClean="0"/>
-              <a:t> Router</a:t>
-            </a:r>
-            <a:endParaRPr lang="de-DE" sz="1800" dirty="0" smtClean="0"/>
-          </a:p>
-          <a:p>
+              <a:rPr lang="de-DE" dirty="0" smtClean="0"/>
+              <a:t>Das </a:t>
+            </a:r>
+            <a:r>
+              <a:rPr lang="de-DE" dirty="0" err="1" smtClean="0"/>
+              <a:t>Mesh</a:t>
+            </a:r>
             <a:endParaRPr lang="de-DE" dirty="0" smtClean="0"/>
           </a:p>
           <a:p>
-            <a:r>
-              <a:rPr lang="de-DE" dirty="0" smtClean="0"/>
-              <a:t>-Es werden handelsübliche</a:t>
+            <a:endParaRPr lang="de-DE" dirty="0" smtClean="0"/>
+          </a:p>
+          <a:p>
+            <a:pPr>
+              <a:buFont typeface="Arial" pitchFamily="34" charset="0"/>
+              <a:buChar char="•"/>
+            </a:pPr>
+            <a:r>
+              <a:rPr lang="de-DE" dirty="0" smtClean="0"/>
+              <a:t>„</a:t>
+            </a:r>
+            <a:r>
+              <a:rPr lang="de-DE" dirty="0" err="1" smtClean="0"/>
+              <a:t>Meshnetzwerk</a:t>
+            </a:r>
+            <a:r>
+              <a:rPr lang="de-DE" dirty="0" smtClean="0"/>
+              <a:t>“ zwischen den Routern</a:t>
+            </a:r>
+          </a:p>
+          <a:p>
+            <a:pPr lvl="1">
+              <a:buFont typeface="Arial" pitchFamily="34" charset="0"/>
+              <a:buChar char="•"/>
+            </a:pPr>
+            <a:r>
+              <a:rPr lang="de-DE" dirty="0" err="1" smtClean="0"/>
+              <a:t>Mesh</a:t>
+            </a:r>
+            <a:r>
+              <a:rPr lang="de-DE" dirty="0" smtClean="0"/>
+              <a:t> bedeutet, Router</a:t>
             </a:r>
             <a:r>
               <a:rPr lang="de-DE" baseline="0" dirty="0" smtClean="0"/>
-              <a:t> WLAN-Router genutzt (802.11 </a:t>
+              <a:t> verbinden sich dynamisch je nach Verfügbarkeit untereinander</a:t>
+            </a:r>
+          </a:p>
+          <a:p>
+            <a:pPr lvl="1">
+              <a:buFont typeface="Arial" pitchFamily="34" charset="0"/>
+              <a:buChar char="•"/>
+            </a:pPr>
+            <a:r>
+              <a:rPr lang="de-DE" baseline="0" dirty="0" smtClean="0"/>
+              <a:t>Keine </a:t>
             </a:r>
             <a:r>
               <a:rPr lang="de-DE" baseline="0" dirty="0" err="1" smtClean="0"/>
-              <a:t>abg</a:t>
+              <a:t>Hirarchie</a:t>
             </a:r>
             <a:r>
               <a:rPr lang="de-DE" baseline="0" dirty="0" smtClean="0"/>
-              <a:t>)</a:t>
-            </a:r>
-          </a:p>
-          <a:p>
-            <a:endParaRPr lang="de-DE" baseline="0" dirty="0" smtClean="0"/>
-          </a:p>
-          <a:p>
+              <a:t>, keine Ordnung</a:t>
+            </a:r>
+          </a:p>
+          <a:p>
+            <a:pPr lvl="1">
+              <a:buFont typeface="Arial" pitchFamily="34" charset="0"/>
+              <a:buChar char="•"/>
+            </a:pPr>
             <a:r>
               <a:rPr lang="de-DE" baseline="0" dirty="0" smtClean="0"/>
-              <a:t>-Eigene Firmware wird aufgespielt (</a:t>
-            </a:r>
-            <a:r>
-              <a:rPr lang="de-DE" baseline="0" dirty="0" err="1" smtClean="0"/>
-              <a:t>openWRT</a:t>
-            </a:r>
-            <a:r>
-              <a:rPr lang="de-DE" baseline="0" dirty="0" smtClean="0"/>
-              <a:t>)</a:t>
-            </a:r>
-          </a:p>
-          <a:p>
-            <a:endParaRPr lang="de-DE" baseline="0" dirty="0" smtClean="0"/>
-          </a:p>
-          <a:p>
-            <a:r>
-              <a:rPr lang="de-DE" baseline="0" dirty="0" smtClean="0"/>
-              <a:t>-Es gibt diese Router überall, im Büro, am Fenster (siehe Bild) oder auf der grünen Wiese (siehe Bild)</a:t>
-            </a:r>
-            <a:endParaRPr lang="de-DE" dirty="0"/>
+              <a:t>Technisch ein Ad-Hoc Netz (noch bis 802.11s) über das ein Layer2 Netz läuft</a:t>
+            </a:r>
+          </a:p>
+          <a:p>
+            <a:pPr lvl="1">
+              <a:buFont typeface="Arial" pitchFamily="34" charset="0"/>
+              <a:buNone/>
+            </a:pPr>
+            <a:endParaRPr lang="de-DE" dirty="0" smtClean="0"/>
+          </a:p>
+          <a:p>
+            <a:pPr>
+              <a:buFont typeface="Arial" pitchFamily="34" charset="0"/>
+              <a:buChar char="•"/>
+            </a:pPr>
+            <a:r>
+              <a:rPr lang="de-DE" dirty="0" smtClean="0"/>
+              <a:t>Daten werden über Funk oder Kabel weitergereicht</a:t>
+            </a:r>
+          </a:p>
+          <a:p>
+            <a:endParaRPr lang="de-DE" dirty="0" smtClean="0"/>
           </a:p>
         </p:txBody>
       </p:sp>
@@ -3822,100 +3823,111 @@
           <a:p>
             <a:r>
               <a:rPr lang="de-DE" dirty="0" smtClean="0"/>
-              <a:t>Das </a:t>
+              <a:t>Warum </a:t>
             </a:r>
             <a:r>
               <a:rPr lang="de-DE" dirty="0" err="1" smtClean="0"/>
-              <a:t>Mesh</a:t>
+              <a:t>Freifunk</a:t>
+            </a:r>
+            <a:r>
+              <a:rPr lang="de-DE" dirty="0" smtClean="0"/>
+              <a:t>?</a:t>
+            </a:r>
+          </a:p>
+          <a:p>
+            <a:pPr lvl="1"/>
+            <a:r>
+              <a:rPr lang="de-DE" dirty="0" smtClean="0"/>
+              <a:t>Informations- und Meinungsfreiheit werden in vielen Teilen des Internets eingeschränkt</a:t>
+            </a:r>
+            <a:r>
+              <a:rPr lang="de-DE" baseline="0" dirty="0" smtClean="0"/>
+              <a:t> </a:t>
+            </a:r>
+          </a:p>
+          <a:p>
+            <a:pPr lvl="1"/>
+            <a:r>
+              <a:rPr lang="de-DE" baseline="0" dirty="0" smtClean="0"/>
+              <a:t>	Siehe Brasilien, China, arabischer Frühling </a:t>
+            </a:r>
+            <a:r>
+              <a:rPr lang="de-DE" baseline="0" dirty="0" err="1" smtClean="0"/>
+              <a:t>usw</a:t>
+            </a:r>
+            <a:r>
+              <a:rPr lang="de-DE" baseline="0" dirty="0" smtClean="0"/>
+              <a:t> usw.</a:t>
             </a:r>
             <a:endParaRPr lang="de-DE" dirty="0" smtClean="0"/>
           </a:p>
           <a:p>
+            <a:pPr lvl="1"/>
+            <a:r>
+              <a:rPr lang="de-DE" dirty="0" smtClean="0"/>
+              <a:t>Permanente Massenüberwachung</a:t>
+            </a:r>
+          </a:p>
+          <a:p>
+            <a:pPr lvl="1"/>
+            <a:r>
+              <a:rPr lang="de-DE" dirty="0" smtClean="0"/>
+              <a:t>	</a:t>
+            </a:r>
+            <a:r>
+              <a:rPr lang="de-DE" dirty="0" err="1" smtClean="0"/>
+              <a:t>Snowden</a:t>
+            </a:r>
+            <a:r>
+              <a:rPr lang="de-DE" dirty="0" smtClean="0"/>
+              <a:t> </a:t>
+            </a:r>
+          </a:p>
+          <a:p>
+            <a:pPr lvl="1"/>
+            <a:r>
+              <a:rPr lang="de-DE" dirty="0" smtClean="0"/>
+              <a:t>Digitale Kluft wird immer größer</a:t>
+            </a:r>
+          </a:p>
+          <a:p>
+            <a:pPr lvl="1"/>
+            <a:r>
+              <a:rPr lang="de-DE" dirty="0" smtClean="0"/>
+              <a:t>	Wohlhabende Digital</a:t>
+            </a:r>
+            <a:r>
+              <a:rPr lang="de-DE" baseline="0" dirty="0" smtClean="0"/>
+              <a:t> natives haben das Netz als Zuhause, arme und vor allem ältere Menschen sind vom Internet ausgeschlossen</a:t>
+            </a:r>
             <a:endParaRPr lang="de-DE" dirty="0" smtClean="0"/>
           </a:p>
           <a:p>
-            <a:pPr>
-              <a:buFont typeface="Arial" pitchFamily="34" charset="0"/>
-              <a:buChar char="•"/>
-            </a:pPr>
-            <a:r>
-              <a:rPr lang="de-DE" dirty="0" smtClean="0"/>
-              <a:t>„</a:t>
-            </a:r>
-            <a:r>
-              <a:rPr lang="de-DE" dirty="0" err="1" smtClean="0"/>
-              <a:t>Meshnetzwerk</a:t>
-            </a:r>
-            <a:r>
-              <a:rPr lang="de-DE" dirty="0" smtClean="0"/>
-              <a:t>“ zwischen den Routern</a:t>
-            </a:r>
-          </a:p>
-          <a:p>
-            <a:pPr lvl="1">
-              <a:buFont typeface="Arial" pitchFamily="34" charset="0"/>
-              <a:buChar char="•"/>
-            </a:pPr>
-            <a:r>
-              <a:rPr lang="de-DE" dirty="0" err="1" smtClean="0"/>
-              <a:t>Mesh</a:t>
-            </a:r>
-            <a:r>
-              <a:rPr lang="de-DE" dirty="0" smtClean="0"/>
-              <a:t> bedeutet, Router</a:t>
-            </a:r>
-            <a:r>
-              <a:rPr lang="de-DE" baseline="0" dirty="0" smtClean="0"/>
-              <a:t> verbinden sich dynamisch je nach Verfügbarkeit untereinander</a:t>
-            </a:r>
-          </a:p>
-          <a:p>
-            <a:pPr lvl="1">
-              <a:buFont typeface="Arial" pitchFamily="34" charset="0"/>
-              <a:buChar char="•"/>
-            </a:pPr>
-            <a:r>
-              <a:rPr lang="de-DE" baseline="0" dirty="0" smtClean="0"/>
-              <a:t>Keine </a:t>
-            </a:r>
-            <a:r>
-              <a:rPr lang="de-DE" baseline="0" dirty="0" err="1" smtClean="0"/>
-              <a:t>Hirarchie</a:t>
-            </a:r>
-            <a:r>
-              <a:rPr lang="de-DE" baseline="0" dirty="0" smtClean="0"/>
-              <a:t>, keine Ordnung</a:t>
-            </a:r>
-          </a:p>
-          <a:p>
-            <a:pPr lvl="1">
-              <a:buFont typeface="Arial" pitchFamily="34" charset="0"/>
-              <a:buChar char="•"/>
-            </a:pPr>
-            <a:r>
-              <a:rPr lang="de-DE" baseline="0" dirty="0" smtClean="0"/>
-              <a:t>Technisch ein Ad-Hoc Netz (noch bis 802.11s) über das ein Layer2 Netz läuft</a:t>
-            </a:r>
-          </a:p>
-          <a:p>
-            <a:pPr lvl="1">
-              <a:buFont typeface="Arial" pitchFamily="34" charset="0"/>
-              <a:buNone/>
-            </a:pPr>
-            <a:endParaRPr lang="de-DE" dirty="0" smtClean="0"/>
-          </a:p>
-          <a:p>
-            <a:pPr>
-              <a:buFont typeface="Arial" pitchFamily="34" charset="0"/>
-              <a:buChar char="•"/>
-            </a:pPr>
-            <a:r>
-              <a:rPr lang="de-DE" dirty="0" smtClean="0"/>
-              <a:t>Daten werden über Funk oder Kabel weitergereicht</a:t>
-            </a:r>
-          </a:p>
-          <a:p>
-            <a:endParaRPr lang="de-DE" dirty="0" smtClean="0"/>
+            <a:pPr lvl="1"/>
+            <a:r>
+              <a:rPr lang="de-DE" dirty="0" smtClean="0"/>
+              <a:t>Stagnierender Breitbandausbau</a:t>
+            </a:r>
+          </a:p>
+          <a:p>
+            <a:pPr lvl="1"/>
+            <a:r>
+              <a:rPr lang="de-DE" dirty="0" smtClean="0"/>
+              <a:t>	Deutschland ist Schlusslicht in der EU</a:t>
+            </a:r>
+          </a:p>
+          <a:p>
+            <a:pPr lvl="1"/>
+            <a:r>
+              <a:rPr lang="de-DE" dirty="0" smtClean="0">
+                <a:solidFill>
+                  <a:schemeClr val="bg1">
+                    <a:lumMod val="75000"/>
+                  </a:schemeClr>
+                </a:solidFill>
+              </a:rPr>
+              <a:t>Es macht Spaß ;)</a:t>
+            </a:r>
           </a:p>
         </p:txBody>
       </p:sp>
@@ -4481,7 +4493,7 @@
     </p:spTree>
     <p:extLst>
       <p:ext uri="{BB962C8B-B14F-4D97-AF65-F5344CB8AC3E}">
-        <p14:creationId xmlns:p14="http://schemas.microsoft.com/office/powerpoint/2010/main" xmlns="" val="2238965318"/>
+        <p14:creationId xmlns="" xmlns:p14="http://schemas.microsoft.com/office/powerpoint/2010/main" val="2238965318"/>
       </p:ext>
     </p:extLst>
   </p:cSld>
@@ -4711,7 +4723,7 @@
     </p:spTree>
     <p:extLst>
       <p:ext uri="{BB962C8B-B14F-4D97-AF65-F5344CB8AC3E}">
-        <p14:creationId xmlns:p14="http://schemas.microsoft.com/office/powerpoint/2010/main" xmlns="" val="3759764960"/>
+        <p14:creationId xmlns="" xmlns:p14="http://schemas.microsoft.com/office/powerpoint/2010/main" val="3759764960"/>
       </p:ext>
     </p:extLst>
   </p:cSld>
@@ -4886,7 +4898,7 @@
     </p:spTree>
     <p:extLst>
       <p:ext uri="{BB962C8B-B14F-4D97-AF65-F5344CB8AC3E}">
-        <p14:creationId xmlns:p14="http://schemas.microsoft.com/office/powerpoint/2010/main" xmlns="" val="1708734074"/>
+        <p14:creationId xmlns="" xmlns:p14="http://schemas.microsoft.com/office/powerpoint/2010/main" val="1708734074"/>
       </p:ext>
     </p:extLst>
   </p:cSld>
@@ -8149,7 +8161,7 @@
           <a:blip r:embed="rId3" cstate="print">
             <a:extLst>
               <a:ext uri="{28A0092B-C50C-407E-A947-70E740481C1C}">
-                <a14:useLocalDpi xmlns:a14="http://schemas.microsoft.com/office/drawing/2010/main" xmlns="" val="0"/>
+                <a14:useLocalDpi xmlns="" xmlns:a14="http://schemas.microsoft.com/office/drawing/2010/main" val="0"/>
               </a:ext>
             </a:extLst>
           </a:blip>
@@ -8315,7 +8327,7 @@
     </p:spTree>
     <p:extLst>
       <p:ext uri="{BB962C8B-B14F-4D97-AF65-F5344CB8AC3E}">
-        <p14:creationId xmlns:p14="http://schemas.microsoft.com/office/powerpoint/2010/main" xmlns="" val="471060331"/>
+        <p14:creationId xmlns="" xmlns:p14="http://schemas.microsoft.com/office/powerpoint/2010/main" val="471060331"/>
       </p:ext>
     </p:extLst>
   </p:cSld>
@@ -8521,7 +8533,7 @@
           <a:blip r:embed="rId3" cstate="print">
             <a:extLst>
               <a:ext uri="{28A0092B-C50C-407E-A947-70E740481C1C}">
-                <a14:useLocalDpi xmlns:a14="http://schemas.microsoft.com/office/drawing/2010/main" xmlns="" val="0"/>
+                <a14:useLocalDpi xmlns="" xmlns:a14="http://schemas.microsoft.com/office/drawing/2010/main" val="0"/>
               </a:ext>
             </a:extLst>
           </a:blip>
@@ -8539,7 +8551,7 @@
     </p:spTree>
     <p:extLst>
       <p:ext uri="{BB962C8B-B14F-4D97-AF65-F5344CB8AC3E}">
-        <p14:creationId xmlns:p14="http://schemas.microsoft.com/office/powerpoint/2010/main" xmlns="" val="3498276880"/>
+        <p14:creationId xmlns="" xmlns:p14="http://schemas.microsoft.com/office/powerpoint/2010/main" val="3498276880"/>
       </p:ext>
     </p:extLst>
   </p:cSld>
@@ -8734,7 +8746,7 @@
           <a:blip r:embed="rId3" cstate="print">
             <a:extLst>
               <a:ext uri="{28A0092B-C50C-407E-A947-70E740481C1C}">
-                <a14:useLocalDpi xmlns:a14="http://schemas.microsoft.com/office/drawing/2010/main" xmlns="" val="0"/>
+                <a14:useLocalDpi xmlns="" xmlns:a14="http://schemas.microsoft.com/office/drawing/2010/main" val="0"/>
               </a:ext>
             </a:extLst>
           </a:blip>
@@ -8752,7 +8764,7 @@
     </p:spTree>
     <p:extLst>
       <p:ext uri="{BB962C8B-B14F-4D97-AF65-F5344CB8AC3E}">
-        <p14:creationId xmlns:p14="http://schemas.microsoft.com/office/powerpoint/2010/main" xmlns="" val="617393217"/>
+        <p14:creationId xmlns="" xmlns:p14="http://schemas.microsoft.com/office/powerpoint/2010/main" val="617393217"/>
       </p:ext>
     </p:extLst>
   </p:cSld>
@@ -8969,7 +8981,7 @@
           <a:blip r:embed="rId3" cstate="print">
             <a:extLst>
               <a:ext uri="{28A0092B-C50C-407E-A947-70E740481C1C}">
-                <a14:useLocalDpi xmlns:a14="http://schemas.microsoft.com/office/drawing/2010/main" xmlns="" val="0"/>
+                <a14:useLocalDpi xmlns="" xmlns:a14="http://schemas.microsoft.com/office/drawing/2010/main" val="0"/>
               </a:ext>
             </a:extLst>
           </a:blip>
@@ -8987,7 +8999,7 @@
     </p:spTree>
     <p:extLst>
       <p:ext uri="{BB962C8B-B14F-4D97-AF65-F5344CB8AC3E}">
-        <p14:creationId xmlns:p14="http://schemas.microsoft.com/office/powerpoint/2010/main" xmlns="" val="1281731853"/>
+        <p14:creationId xmlns="" xmlns:p14="http://schemas.microsoft.com/office/powerpoint/2010/main" val="1281731853"/>
       </p:ext>
     </p:extLst>
   </p:cSld>
@@ -9211,7 +9223,7 @@
           <a:effectLst/>
           <a:extLst>
             <a:ext uri="{91240B29-F687-4F45-9708-019B960494DF}">
-              <a14:hiddenLine xmlns:a14="http://schemas.microsoft.com/office/drawing/2010/main" xmlns="" w="9525">
+              <a14:hiddenLine xmlns="" xmlns:a14="http://schemas.microsoft.com/office/drawing/2010/main" w="9525">
                 <a:solidFill>
                   <a:schemeClr val="tx1"/>
                 </a:solidFill>
@@ -9221,7 +9233,7 @@
               </a14:hiddenLine>
             </a:ext>
             <a:ext uri="{AF507438-7753-43E0-B8FC-AC1667EBCBE1}">
-              <a14:hiddenEffects xmlns:a14="http://schemas.microsoft.com/office/drawing/2010/main" xmlns="">
+              <a14:hiddenEffects xmlns="" xmlns:a14="http://schemas.microsoft.com/office/drawing/2010/main">
                 <a:effectLst>
                   <a:outerShdw dist="35921" dir="2700000" algn="ctr" rotWithShape="0">
                     <a:schemeClr val="bg2"/>
@@ -9895,7 +9907,7 @@
     </p:spTree>
     <p:extLst>
       <p:ext uri="{BB962C8B-B14F-4D97-AF65-F5344CB8AC3E}">
-        <p14:creationId xmlns:p14="http://schemas.microsoft.com/office/powerpoint/2010/main" xmlns="" val="2156069298"/>
+        <p14:creationId xmlns="" xmlns:p14="http://schemas.microsoft.com/office/powerpoint/2010/main" val="2156069298"/>
       </p:ext>
     </p:extLst>
   </p:cSld>
@@ -11679,7 +11691,7 @@
           <a:effectLst/>
           <a:extLst>
             <a:ext uri="{91240B29-F687-4F45-9708-019B960494DF}">
-              <a14:hiddenLine xmlns:a14="http://schemas.microsoft.com/office/drawing/2010/main" xmlns="" w="9525">
+              <a14:hiddenLine xmlns="" xmlns:a14="http://schemas.microsoft.com/office/drawing/2010/main" w="9525">
                 <a:solidFill>
                   <a:schemeClr val="tx1"/>
                 </a:solidFill>
@@ -11689,7 +11701,7 @@
               </a14:hiddenLine>
             </a:ext>
             <a:ext uri="{AF507438-7753-43E0-B8FC-AC1667EBCBE1}">
-              <a14:hiddenEffects xmlns:a14="http://schemas.microsoft.com/office/drawing/2010/main" xmlns="">
+              <a14:hiddenEffects xmlns="" xmlns:a14="http://schemas.microsoft.com/office/drawing/2010/main">
                 <a:effectLst>
                   <a:outerShdw dist="35921" dir="2700000" algn="ctr" rotWithShape="0">
                     <a:schemeClr val="bg2"/>
@@ -11859,7 +11871,7 @@
           <a:effectLst/>
           <a:extLst>
             <a:ext uri="{91240B29-F687-4F45-9708-019B960494DF}">
-              <a14:hiddenLine xmlns:a14="http://schemas.microsoft.com/office/drawing/2010/main" xmlns="" w="9525">
+              <a14:hiddenLine xmlns="" xmlns:a14="http://schemas.microsoft.com/office/drawing/2010/main" w="9525">
                 <a:solidFill>
                   <a:schemeClr val="tx1"/>
                 </a:solidFill>
@@ -11869,7 +11881,7 @@
               </a14:hiddenLine>
             </a:ext>
             <a:ext uri="{AF507438-7753-43E0-B8FC-AC1667EBCBE1}">
-              <a14:hiddenEffects xmlns:a14="http://schemas.microsoft.com/office/drawing/2010/main" xmlns="">
+              <a14:hiddenEffects xmlns="" xmlns:a14="http://schemas.microsoft.com/office/drawing/2010/main">
                 <a:effectLst>
                   <a:outerShdw dist="35921" dir="2700000" algn="ctr" rotWithShape="0">
                     <a:schemeClr val="bg2"/>
@@ -12096,7 +12108,7 @@
           <a:effectLst/>
           <a:extLst>
             <a:ext uri="{91240B29-F687-4F45-9708-019B960494DF}">
-              <a14:hiddenLine xmlns:a14="http://schemas.microsoft.com/office/drawing/2010/main" xmlns="" w="9525">
+              <a14:hiddenLine xmlns="" xmlns:a14="http://schemas.microsoft.com/office/drawing/2010/main" w="9525">
                 <a:solidFill>
                   <a:schemeClr val="tx1"/>
                 </a:solidFill>
@@ -12106,7 +12118,7 @@
               </a14:hiddenLine>
             </a:ext>
             <a:ext uri="{AF507438-7753-43E0-B8FC-AC1667EBCBE1}">
-              <a14:hiddenEffects xmlns:a14="http://schemas.microsoft.com/office/drawing/2010/main" xmlns="">
+              <a14:hiddenEffects xmlns="" xmlns:a14="http://schemas.microsoft.com/office/drawing/2010/main">
                 <a:effectLst>
                   <a:outerShdw dist="35921" dir="2700000" algn="ctr" rotWithShape="0">
                     <a:schemeClr val="bg2"/>
@@ -12291,7 +12303,7 @@
           <a:effectLst/>
           <a:extLst>
             <a:ext uri="{91240B29-F687-4F45-9708-019B960494DF}">
-              <a14:hiddenLine xmlns:a14="http://schemas.microsoft.com/office/drawing/2010/main" xmlns="" w="9525">
+              <a14:hiddenLine xmlns="" xmlns:a14="http://schemas.microsoft.com/office/drawing/2010/main" w="9525">
                 <a:solidFill>
                   <a:schemeClr val="tx1"/>
                 </a:solidFill>
@@ -12301,7 +12313,7 @@
               </a14:hiddenLine>
             </a:ext>
             <a:ext uri="{AF507438-7753-43E0-B8FC-AC1667EBCBE1}">
-              <a14:hiddenEffects xmlns:a14="http://schemas.microsoft.com/office/drawing/2010/main" xmlns="">
+              <a14:hiddenEffects xmlns="" xmlns:a14="http://schemas.microsoft.com/office/drawing/2010/main">
                 <a:effectLst>
                   <a:outerShdw dist="35921" dir="2700000" algn="ctr" rotWithShape="0">
                     <a:schemeClr val="bg2"/>
@@ -12677,7 +12689,7 @@
           <a:blip r:embed="rId3" cstate="print">
             <a:extLst>
               <a:ext uri="{28A0092B-C50C-407E-A947-70E740481C1C}">
-                <a14:useLocalDpi xmlns:a14="http://schemas.microsoft.com/office/drawing/2010/main" xmlns="" val="0"/>
+                <a14:useLocalDpi xmlns="" xmlns:a14="http://schemas.microsoft.com/office/drawing/2010/main" val="0"/>
               </a:ext>
             </a:extLst>
           </a:blip>
@@ -12697,7 +12709,7 @@
           <a:noFill/>
           <a:extLst>
             <a:ext uri="{909E8E84-426E-40DD-AFC4-6F175D3DCCD1}">
-              <a14:hiddenFill xmlns:a14="http://schemas.microsoft.com/office/drawing/2010/main" xmlns="">
+              <a14:hiddenFill xmlns="" xmlns:a14="http://schemas.microsoft.com/office/drawing/2010/main">
                 <a:solidFill>
                   <a:srgbClr val="FFFFFF"/>
                 </a:solidFill>
@@ -12895,7 +12907,7 @@
           <a:effectLst/>
           <a:extLst>
             <a:ext uri="{91240B29-F687-4F45-9708-019B960494DF}">
-              <a14:hiddenLine xmlns:a14="http://schemas.microsoft.com/office/drawing/2010/main" xmlns="" w="9525">
+              <a14:hiddenLine xmlns="" xmlns:a14="http://schemas.microsoft.com/office/drawing/2010/main" w="9525">
                 <a:solidFill>
                   <a:schemeClr val="tx1"/>
                 </a:solidFill>
@@ -12905,7 +12917,7 @@
               </a14:hiddenLine>
             </a:ext>
             <a:ext uri="{AF507438-7753-43E0-B8FC-AC1667EBCBE1}">
-              <a14:hiddenEffects xmlns:a14="http://schemas.microsoft.com/office/drawing/2010/main" xmlns="">
+              <a14:hiddenEffects xmlns="" xmlns:a14="http://schemas.microsoft.com/office/drawing/2010/main">
                 <a:effectLst>
                   <a:outerShdw dist="35921" dir="2700000" algn="ctr" rotWithShape="0">
                     <a:schemeClr val="bg2"/>
@@ -13826,7 +13838,7 @@
           <a:blip r:embed="rId3" cstate="print">
             <a:extLst>
               <a:ext uri="{28A0092B-C50C-407E-A947-70E740481C1C}">
-                <a14:useLocalDpi xmlns:a14="http://schemas.microsoft.com/office/drawing/2010/main" xmlns="" val="0"/>
+                <a14:useLocalDpi xmlns="" xmlns:a14="http://schemas.microsoft.com/office/drawing/2010/main" val="0"/>
               </a:ext>
             </a:extLst>
           </a:blip>
@@ -13846,7 +13858,7 @@
           <a:noFill/>
           <a:extLst>
             <a:ext uri="{909E8E84-426E-40DD-AFC4-6F175D3DCCD1}">
-              <a14:hiddenFill xmlns:a14="http://schemas.microsoft.com/office/drawing/2010/main" xmlns="">
+              <a14:hiddenFill xmlns="" xmlns:a14="http://schemas.microsoft.com/office/drawing/2010/main">
                 <a:solidFill>
                   <a:srgbClr val="FFFFFF"/>
                 </a:solidFill>
@@ -14047,7 +14059,7 @@
           <a:blip r:embed="rId3" cstate="print">
             <a:extLst>
               <a:ext uri="{28A0092B-C50C-407E-A947-70E740481C1C}">
-                <a14:useLocalDpi xmlns:a14="http://schemas.microsoft.com/office/drawing/2010/main" xmlns="" val="0"/>
+                <a14:useLocalDpi xmlns="" xmlns:a14="http://schemas.microsoft.com/office/drawing/2010/main" val="0"/>
               </a:ext>
             </a:extLst>
           </a:blip>
@@ -14067,7 +14079,7 @@
           <a:noFill/>
           <a:extLst>
             <a:ext uri="{909E8E84-426E-40DD-AFC4-6F175D3DCCD1}">
-              <a14:hiddenFill xmlns:a14="http://schemas.microsoft.com/office/drawing/2010/main" xmlns="">
+              <a14:hiddenFill xmlns="" xmlns:a14="http://schemas.microsoft.com/office/drawing/2010/main">
                 <a:solidFill>
                   <a:srgbClr val="FFFFFF"/>
                 </a:solidFill>
@@ -14101,7 +14113,7 @@
           <a:effectLst/>
           <a:extLst>
             <a:ext uri="{91240B29-F687-4F45-9708-019B960494DF}">
-              <a14:hiddenLine xmlns:a14="http://schemas.microsoft.com/office/drawing/2010/main" xmlns="" w="9525">
+              <a14:hiddenLine xmlns="" xmlns:a14="http://schemas.microsoft.com/office/drawing/2010/main" w="9525">
                 <a:solidFill>
                   <a:schemeClr val="tx1"/>
                 </a:solidFill>
@@ -14111,7 +14123,7 @@
               </a14:hiddenLine>
             </a:ext>
             <a:ext uri="{AF507438-7753-43E0-B8FC-AC1667EBCBE1}">
-              <a14:hiddenEffects xmlns:a14="http://schemas.microsoft.com/office/drawing/2010/main" xmlns="">
+              <a14:hiddenEffects xmlns="" xmlns:a14="http://schemas.microsoft.com/office/drawing/2010/main">
                 <a:effectLst>
                   <a:outerShdw dist="35921" dir="2700000" algn="ctr" rotWithShape="0">
                     <a:schemeClr val="bg2"/>
@@ -14338,7 +14350,7 @@
           <a:effectLst/>
           <a:extLst>
             <a:ext uri="{91240B29-F687-4F45-9708-019B960494DF}">
-              <a14:hiddenLine xmlns:a14="http://schemas.microsoft.com/office/drawing/2010/main" xmlns="" w="9525">
+              <a14:hiddenLine xmlns="" xmlns:a14="http://schemas.microsoft.com/office/drawing/2010/main" w="9525">
                 <a:solidFill>
                   <a:schemeClr val="tx1"/>
                 </a:solidFill>
@@ -14348,7 +14360,7 @@
               </a14:hiddenLine>
             </a:ext>
             <a:ext uri="{AF507438-7753-43E0-B8FC-AC1667EBCBE1}">
-              <a14:hiddenEffects xmlns:a14="http://schemas.microsoft.com/office/drawing/2010/main" xmlns="">
+              <a14:hiddenEffects xmlns="" xmlns:a14="http://schemas.microsoft.com/office/drawing/2010/main">
                 <a:effectLst>
                   <a:outerShdw dist="35921" dir="2700000" algn="ctr" rotWithShape="0">
                     <a:schemeClr val="bg2"/>
@@ -14659,7 +14671,7 @@
           <a:effectLst/>
           <a:extLst>
             <a:ext uri="{91240B29-F687-4F45-9708-019B960494DF}">
-              <a14:hiddenLine xmlns:a14="http://schemas.microsoft.com/office/drawing/2010/main" xmlns="" w="9525">
+              <a14:hiddenLine xmlns="" xmlns:a14="http://schemas.microsoft.com/office/drawing/2010/main" w="9525">
                 <a:solidFill>
                   <a:schemeClr val="tx1"/>
                 </a:solidFill>
@@ -14669,7 +14681,7 @@
               </a14:hiddenLine>
             </a:ext>
             <a:ext uri="{AF507438-7753-43E0-B8FC-AC1667EBCBE1}">
-              <a14:hiddenEffects xmlns:a14="http://schemas.microsoft.com/office/drawing/2010/main" xmlns="">
+              <a14:hiddenEffects xmlns="" xmlns:a14="http://schemas.microsoft.com/office/drawing/2010/main">
                 <a:effectLst>
                   <a:outerShdw dist="35921" dir="2700000" algn="ctr" rotWithShape="0">
                     <a:schemeClr val="bg2"/>
@@ -15160,7 +15172,7 @@
           <a:effectLst/>
           <a:extLst>
             <a:ext uri="{91240B29-F687-4F45-9708-019B960494DF}">
-              <a14:hiddenLine xmlns:a14="http://schemas.microsoft.com/office/drawing/2010/main" xmlns="" w="9525">
+              <a14:hiddenLine xmlns="" xmlns:a14="http://schemas.microsoft.com/office/drawing/2010/main" w="9525">
                 <a:solidFill>
                   <a:schemeClr val="tx1"/>
                 </a:solidFill>
@@ -15170,7 +15182,7 @@
               </a14:hiddenLine>
             </a:ext>
             <a:ext uri="{AF507438-7753-43E0-B8FC-AC1667EBCBE1}">
-              <a14:hiddenEffects xmlns:a14="http://schemas.microsoft.com/office/drawing/2010/main" xmlns="">
+              <a14:hiddenEffects xmlns="" xmlns:a14="http://schemas.microsoft.com/office/drawing/2010/main">
                 <a:effectLst>
                   <a:outerShdw dist="35921" dir="2700000" algn="ctr" rotWithShape="0">
                     <a:schemeClr val="bg2"/>
@@ -15646,7 +15658,7 @@
           <a:effectLst/>
           <a:extLst>
             <a:ext uri="{91240B29-F687-4F45-9708-019B960494DF}">
-              <a14:hiddenLine xmlns:a14="http://schemas.microsoft.com/office/drawing/2010/main" xmlns="" w="9525">
+              <a14:hiddenLine xmlns="" xmlns:a14="http://schemas.microsoft.com/office/drawing/2010/main" w="9525">
                 <a:solidFill>
                   <a:schemeClr val="tx1"/>
                 </a:solidFill>
@@ -15656,7 +15668,7 @@
               </a14:hiddenLine>
             </a:ext>
             <a:ext uri="{AF507438-7753-43E0-B8FC-AC1667EBCBE1}">
-              <a14:hiddenEffects xmlns:a14="http://schemas.microsoft.com/office/drawing/2010/main" xmlns="">
+              <a14:hiddenEffects xmlns="" xmlns:a14="http://schemas.microsoft.com/office/drawing/2010/main">
                 <a:effectLst>
                   <a:outerShdw dist="35921" dir="2700000" algn="ctr" rotWithShape="0">
                     <a:schemeClr val="bg2"/>
@@ -16581,7 +16593,7 @@
           <a:effectLst/>
           <a:extLst>
             <a:ext uri="{91240B29-F687-4F45-9708-019B960494DF}">
-              <a14:hiddenLine xmlns:a14="http://schemas.microsoft.com/office/drawing/2010/main" xmlns="" w="9525">
+              <a14:hiddenLine xmlns="" xmlns:a14="http://schemas.microsoft.com/office/drawing/2010/main" w="9525">
                 <a:solidFill>
                   <a:schemeClr val="tx1"/>
                 </a:solidFill>
@@ -16591,7 +16603,7 @@
               </a14:hiddenLine>
             </a:ext>
             <a:ext uri="{AF507438-7753-43E0-B8FC-AC1667EBCBE1}">
-              <a14:hiddenEffects xmlns:a14="http://schemas.microsoft.com/office/drawing/2010/main" xmlns="">
+              <a14:hiddenEffects xmlns="" xmlns:a14="http://schemas.microsoft.com/office/drawing/2010/main">
                 <a:effectLst>
                   <a:outerShdw dist="35921" dir="2700000" algn="ctr" rotWithShape="0">
                     <a:schemeClr val="bg2"/>
@@ -18634,13 +18646,7 @@
               <a:rPr lang="de-DE" dirty="0" smtClean="0">
                 <a:hlinkClick r:id="rId8"/>
               </a:rPr>
-              <a:t>https://</a:t>
-            </a:r>
-            <a:r>
-              <a:rPr lang="de-DE" dirty="0" smtClean="0">
-                <a:hlinkClick r:id="rId8"/>
-              </a:rPr>
-              <a:t>de.wikipedia.org/wiki/Testgetriebene_Entwicklung</a:t>
+              <a:t>https://de.wikipedia.org/wiki/Testgetriebene_Entwicklung</a:t>
             </a:r>
             <a:endParaRPr lang="de-DE" dirty="0" smtClean="0"/>
           </a:p>
@@ -18649,13 +18655,7 @@
               <a:rPr lang="de-DE" dirty="0" smtClean="0">
                 <a:hlinkClick r:id="rId9"/>
               </a:rPr>
-              <a:t>https://</a:t>
-            </a:r>
-            <a:r>
-              <a:rPr lang="de-DE" dirty="0" smtClean="0">
-                <a:hlinkClick r:id="rId9"/>
-              </a:rPr>
-              <a:t>github.com/FreifunkBremen/logo</a:t>
+              <a:t>https://github.com/FreifunkBremen/logo</a:t>
             </a:r>
             <a:endParaRPr lang="de-DE" dirty="0" smtClean="0"/>
           </a:p>
@@ -18686,180 +18686,6 @@
 </file>
 
 <file path=ppt/slides/slide4.xml><?xml version="1.0" encoding="utf-8"?>
-<p:sld xmlns:a="http://schemas.openxmlformats.org/drawingml/2006/main" xmlns:r="http://schemas.openxmlformats.org/officeDocument/2006/relationships" xmlns:p="http://schemas.openxmlformats.org/presentationml/2006/main">
-  <p:cSld>
-    <p:spTree>
-      <p:nvGrpSpPr>
-        <p:cNvPr id="1" name=""/>
-        <p:cNvGrpSpPr/>
-        <p:nvPr/>
-      </p:nvGrpSpPr>
-      <p:grpSpPr>
-        <a:xfrm>
-          <a:off x="0" y="0"/>
-          <a:ext cx="0" cy="0"/>
-          <a:chOff x="0" y="0"/>
-          <a:chExt cx="0" cy="0"/>
-        </a:xfrm>
-      </p:grpSpPr>
-      <p:sp>
-        <p:nvSpPr>
-          <p:cNvPr id="2" name="Titel 1"/>
-          <p:cNvSpPr>
-            <a:spLocks noGrp="1"/>
-          </p:cNvSpPr>
-          <p:nvPr>
-            <p:ph type="title"/>
-          </p:nvPr>
-        </p:nvSpPr>
-        <p:spPr/>
-        <p:txBody>
-          <a:bodyPr>
-            <a:normAutofit/>
-          </a:bodyPr>
-          <a:lstStyle/>
-          <a:p>
-            <a:r>
-              <a:rPr lang="de-DE" dirty="0" err="1" smtClean="0"/>
-              <a:t>Freifunk</a:t>
-            </a:r>
-            <a:r>
-              <a:rPr lang="de-DE" dirty="0" smtClean="0"/>
-              <a:t> Bremen</a:t>
-            </a:r>
-            <a:endParaRPr lang="de-DE" dirty="0"/>
-          </a:p>
-        </p:txBody>
-      </p:sp>
-      <p:sp>
-        <p:nvSpPr>
-          <p:cNvPr id="3" name="Inhaltsplatzhalter 2"/>
-          <p:cNvSpPr>
-            <a:spLocks noGrp="1"/>
-          </p:cNvSpPr>
-          <p:nvPr>
-            <p:ph idx="1"/>
-          </p:nvPr>
-        </p:nvSpPr>
-        <p:spPr/>
-        <p:txBody>
-          <a:bodyPr>
-            <a:normAutofit lnSpcReduction="10000"/>
-          </a:bodyPr>
-          <a:lstStyle/>
-          <a:p>
-            <a:r>
-              <a:rPr lang="de-DE" dirty="0" smtClean="0"/>
-              <a:t>Warum </a:t>
-            </a:r>
-            <a:r>
-              <a:rPr lang="de-DE" dirty="0" err="1" smtClean="0"/>
-              <a:t>Freifunk</a:t>
-            </a:r>
-            <a:r>
-              <a:rPr lang="de-DE" dirty="0" smtClean="0"/>
-              <a:t>?</a:t>
-            </a:r>
-          </a:p>
-          <a:p>
-            <a:pPr lvl="1"/>
-            <a:r>
-              <a:rPr lang="de-DE" dirty="0" smtClean="0"/>
-              <a:t>Informations- und Meinungsfreiheit werden in vielen Teilen des Internets eingeschränkt</a:t>
-            </a:r>
-          </a:p>
-          <a:p>
-            <a:pPr lvl="1"/>
-            <a:r>
-              <a:rPr lang="de-DE" dirty="0" smtClean="0"/>
-              <a:t>Permanente Massenüberwachung</a:t>
-            </a:r>
-          </a:p>
-          <a:p>
-            <a:pPr lvl="1"/>
-            <a:r>
-              <a:rPr lang="de-DE" dirty="0" smtClean="0"/>
-              <a:t>Digitale Kluft wird immer größer</a:t>
-            </a:r>
-          </a:p>
-          <a:p>
-            <a:pPr lvl="1"/>
-            <a:r>
-              <a:rPr lang="de-DE" dirty="0" smtClean="0"/>
-              <a:t>Stagnierender Breitbandausbau</a:t>
-            </a:r>
-          </a:p>
-          <a:p>
-            <a:pPr lvl="1"/>
-            <a:r>
-              <a:rPr lang="de-DE" dirty="0" smtClean="0">
-                <a:solidFill>
-                  <a:schemeClr val="bg1">
-                    <a:lumMod val="75000"/>
-                  </a:schemeClr>
-                </a:solidFill>
-              </a:rPr>
-              <a:t>Es macht Spaß ;)</a:t>
-            </a:r>
-          </a:p>
-        </p:txBody>
-      </p:sp>
-      <p:sp>
-        <p:nvSpPr>
-          <p:cNvPr id="4" name="Ellipse 3"/>
-          <p:cNvSpPr/>
-          <p:nvPr/>
-        </p:nvSpPr>
-        <p:spPr>
-          <a:xfrm>
-            <a:off x="-36512" y="5020022"/>
-            <a:ext cx="179512" cy="144016"/>
-          </a:xfrm>
-          <a:prstGeom prst="ellipse">
-            <a:avLst/>
-          </a:prstGeom>
-        </p:spPr>
-        <p:style>
-          <a:lnRef idx="2">
-            <a:schemeClr val="accent1">
-              <a:shade val="50000"/>
-            </a:schemeClr>
-          </a:lnRef>
-          <a:fillRef idx="1">
-            <a:schemeClr val="accent1"/>
-          </a:fillRef>
-          <a:effectRef idx="0">
-            <a:schemeClr val="accent1"/>
-          </a:effectRef>
-          <a:fontRef idx="minor">
-            <a:schemeClr val="lt1"/>
-          </a:fontRef>
-        </p:style>
-        <p:txBody>
-          <a:bodyPr rtlCol="0" anchor="ctr"/>
-          <a:lstStyle/>
-          <a:p>
-            <a:pPr algn="ctr"/>
-            <a:endParaRPr lang="de-DE"/>
-          </a:p>
-        </p:txBody>
-      </p:sp>
-    </p:spTree>
-  </p:cSld>
-  <p:clrMapOvr>
-    <a:masterClrMapping/>
-  </p:clrMapOvr>
-  <p:timing>
-    <p:tnLst>
-      <p:par>
-        <p:cTn id="1" dur="indefinite" restart="never" nodeType="tmRoot"/>
-      </p:par>
-    </p:tnLst>
-  </p:timing>
-</p:sld>
-</file>
-
-<file path=ppt/slides/slide5.xml><?xml version="1.0" encoding="utf-8"?>
 <p:sld xmlns:a="http://schemas.openxmlformats.org/drawingml/2006/main" xmlns:r="http://schemas.openxmlformats.org/officeDocument/2006/relationships" xmlns:p="http://schemas.openxmlformats.org/presentationml/2006/main">
   <p:cSld>
     <p:spTree>
@@ -19037,7 +18863,7 @@
 </p:sld>
 </file>
 
-<file path=ppt/slides/slide6.xml><?xml version="1.0" encoding="utf-8"?>
+<file path=ppt/slides/slide5.xml><?xml version="1.0" encoding="utf-8"?>
 <p:sld xmlns:a="http://schemas.openxmlformats.org/drawingml/2006/main" xmlns:r="http://schemas.openxmlformats.org/officeDocument/2006/relationships" xmlns:p="http://schemas.openxmlformats.org/presentationml/2006/main">
   <p:cSld>
     <p:spTree>
@@ -19169,6 +18995,180 @@
       <p:sp>
         <p:nvSpPr>
           <p:cNvPr id="5" name="Ellipse 4"/>
+          <p:cNvSpPr/>
+          <p:nvPr/>
+        </p:nvSpPr>
+        <p:spPr>
+          <a:xfrm>
+            <a:off x="-36512" y="5020022"/>
+            <a:ext cx="179512" cy="144016"/>
+          </a:xfrm>
+          <a:prstGeom prst="ellipse">
+            <a:avLst/>
+          </a:prstGeom>
+        </p:spPr>
+        <p:style>
+          <a:lnRef idx="2">
+            <a:schemeClr val="accent1">
+              <a:shade val="50000"/>
+            </a:schemeClr>
+          </a:lnRef>
+          <a:fillRef idx="1">
+            <a:schemeClr val="accent1"/>
+          </a:fillRef>
+          <a:effectRef idx="0">
+            <a:schemeClr val="accent1"/>
+          </a:effectRef>
+          <a:fontRef idx="minor">
+            <a:schemeClr val="lt1"/>
+          </a:fontRef>
+        </p:style>
+        <p:txBody>
+          <a:bodyPr rtlCol="0" anchor="ctr"/>
+          <a:lstStyle/>
+          <a:p>
+            <a:pPr algn="ctr"/>
+            <a:endParaRPr lang="de-DE"/>
+          </a:p>
+        </p:txBody>
+      </p:sp>
+    </p:spTree>
+  </p:cSld>
+  <p:clrMapOvr>
+    <a:masterClrMapping/>
+  </p:clrMapOvr>
+  <p:timing>
+    <p:tnLst>
+      <p:par>
+        <p:cTn id="1" dur="indefinite" restart="never" nodeType="tmRoot"/>
+      </p:par>
+    </p:tnLst>
+  </p:timing>
+</p:sld>
+</file>
+
+<file path=ppt/slides/slide6.xml><?xml version="1.0" encoding="utf-8"?>
+<p:sld xmlns:a="http://schemas.openxmlformats.org/drawingml/2006/main" xmlns:r="http://schemas.openxmlformats.org/officeDocument/2006/relationships" xmlns:p="http://schemas.openxmlformats.org/presentationml/2006/main">
+  <p:cSld>
+    <p:spTree>
+      <p:nvGrpSpPr>
+        <p:cNvPr id="1" name=""/>
+        <p:cNvGrpSpPr/>
+        <p:nvPr/>
+      </p:nvGrpSpPr>
+      <p:grpSpPr>
+        <a:xfrm>
+          <a:off x="0" y="0"/>
+          <a:ext cx="0" cy="0"/>
+          <a:chOff x="0" y="0"/>
+          <a:chExt cx="0" cy="0"/>
+        </a:xfrm>
+      </p:grpSpPr>
+      <p:sp>
+        <p:nvSpPr>
+          <p:cNvPr id="2" name="Titel 1"/>
+          <p:cNvSpPr>
+            <a:spLocks noGrp="1"/>
+          </p:cNvSpPr>
+          <p:nvPr>
+            <p:ph type="title"/>
+          </p:nvPr>
+        </p:nvSpPr>
+        <p:spPr/>
+        <p:txBody>
+          <a:bodyPr>
+            <a:normAutofit/>
+          </a:bodyPr>
+          <a:lstStyle/>
+          <a:p>
+            <a:r>
+              <a:rPr lang="de-DE" dirty="0" err="1" smtClean="0"/>
+              <a:t>Freifunk</a:t>
+            </a:r>
+            <a:r>
+              <a:rPr lang="de-DE" dirty="0" smtClean="0"/>
+              <a:t> Bremen</a:t>
+            </a:r>
+            <a:endParaRPr lang="de-DE" dirty="0"/>
+          </a:p>
+        </p:txBody>
+      </p:sp>
+      <p:sp>
+        <p:nvSpPr>
+          <p:cNvPr id="3" name="Inhaltsplatzhalter 2"/>
+          <p:cNvSpPr>
+            <a:spLocks noGrp="1"/>
+          </p:cNvSpPr>
+          <p:nvPr>
+            <p:ph idx="1"/>
+          </p:nvPr>
+        </p:nvSpPr>
+        <p:spPr/>
+        <p:txBody>
+          <a:bodyPr>
+            <a:normAutofit lnSpcReduction="10000"/>
+          </a:bodyPr>
+          <a:lstStyle/>
+          <a:p>
+            <a:r>
+              <a:rPr lang="de-DE" dirty="0" smtClean="0"/>
+              <a:t>Warum </a:t>
+            </a:r>
+            <a:r>
+              <a:rPr lang="de-DE" dirty="0" err="1" smtClean="0"/>
+              <a:t>Freifunk</a:t>
+            </a:r>
+            <a:r>
+              <a:rPr lang="de-DE" dirty="0" smtClean="0"/>
+              <a:t>?</a:t>
+            </a:r>
+          </a:p>
+          <a:p>
+            <a:pPr lvl="1"/>
+            <a:r>
+              <a:rPr lang="de-DE" dirty="0" smtClean="0"/>
+              <a:t>Informations- und Meinungsfreiheit werden in vielen Teilen des Internets eingeschränkt</a:t>
+            </a:r>
+          </a:p>
+          <a:p>
+            <a:pPr lvl="1"/>
+            <a:r>
+              <a:rPr lang="de-DE" dirty="0" smtClean="0"/>
+              <a:t>Permanente Massenüberwachung</a:t>
+            </a:r>
+          </a:p>
+          <a:p>
+            <a:pPr lvl="1"/>
+            <a:r>
+              <a:rPr lang="de-DE" dirty="0" smtClean="0"/>
+              <a:t>Digitale Kluft wird immer größer</a:t>
+            </a:r>
+          </a:p>
+          <a:p>
+            <a:pPr lvl="1"/>
+            <a:r>
+              <a:rPr lang="de-DE" dirty="0" smtClean="0"/>
+              <a:t>Stagnierender Breitbandausbau</a:t>
+            </a:r>
+          </a:p>
+          <a:p>
+            <a:pPr lvl="1"/>
+            <a:r>
+              <a:rPr lang="de-DE" dirty="0" smtClean="0">
+                <a:solidFill>
+                  <a:schemeClr val="bg1">
+                    <a:lumMod val="75000"/>
+                  </a:schemeClr>
+                </a:solidFill>
+              </a:rPr>
+              <a:t>Es macht Spaß ;)</a:t>
+            </a:r>
+          </a:p>
+        </p:txBody>
+      </p:sp>
+      <p:sp>
+        <p:nvSpPr>
+          <p:cNvPr id="4" name="Ellipse 3"/>
           <p:cNvSpPr/>
           <p:nvPr/>
         </p:nvSpPr>
